--- a/Intro To ML and Data Science/Overview.pptx
+++ b/Intro To ML and Data Science/Overview.pptx
@@ -5,10 +5,10 @@
     <p:sldMasterId id="2147483733" r:id="rId1"/>
   </p:sldMasterIdLst>
   <p:notesMasterIdLst>
-    <p:notesMasterId r:id="rId17"/>
+    <p:notesMasterId r:id="rId18"/>
   </p:notesMasterIdLst>
   <p:handoutMasterIdLst>
-    <p:handoutMasterId r:id="rId18"/>
+    <p:handoutMasterId r:id="rId19"/>
   </p:handoutMasterIdLst>
   <p:sldIdLst>
     <p:sldId id="402" r:id="rId2"/>
@@ -23,9 +23,10 @@
     <p:sldId id="446" r:id="rId11"/>
     <p:sldId id="447" r:id="rId12"/>
     <p:sldId id="448" r:id="rId13"/>
-    <p:sldId id="413" r:id="rId14"/>
-    <p:sldId id="265" r:id="rId15"/>
-    <p:sldId id="435" r:id="rId16"/>
+    <p:sldId id="449" r:id="rId14"/>
+    <p:sldId id="413" r:id="rId15"/>
+    <p:sldId id="265" r:id="rId16"/>
+    <p:sldId id="435" r:id="rId17"/>
   </p:sldIdLst>
   <p:sldSz cx="12195175" cy="6858000"/>
   <p:notesSz cx="6797675" cy="9928225"/>
@@ -184,7 +185,7 @@
 <file path=ppt/revisionInfo.xml><?xml version="1.0" encoding="utf-8"?>
 <p1510:revInfo xmlns:a="http://schemas.openxmlformats.org/drawingml/2006/main" xmlns:r="http://schemas.openxmlformats.org/officeDocument/2006/relationships" xmlns:p1510="http://schemas.microsoft.com/office/powerpoint/2015/10/main">
   <p1510:revLst>
-    <p1510:client id="{4369AF05-9896-49E1-BEC9-99D771CD00B2}" v="1080" dt="2019-03-14T06:16:20.276"/>
+    <p1510:client id="{4369AF05-9896-49E1-BEC9-99D771CD00B2}" v="1278" dt="2019-03-14T10:25:45.736"/>
   </p1510:revLst>
 </p1510:revInfo>
 </file>
@@ -194,7 +195,7 @@
   <pc:docChgLst>
     <pc:chgData name="Joshi, Harshit" userId="30597ebd-45f8-44e9-a4af-78399cda5ac2" providerId="ADAL" clId="{4369AF05-9896-49E1-BEC9-99D771CD00B2}"/>
     <pc:docChg chg="undo custSel addSld delSld modSld sldOrd">
-      <pc:chgData name="Joshi, Harshit" userId="30597ebd-45f8-44e9-a4af-78399cda5ac2" providerId="ADAL" clId="{4369AF05-9896-49E1-BEC9-99D771CD00B2}" dt="2019-03-14T06:16:20.276" v="1074" actId="20577"/>
+      <pc:chgData name="Joshi, Harshit" userId="30597ebd-45f8-44e9-a4af-78399cda5ac2" providerId="ADAL" clId="{4369AF05-9896-49E1-BEC9-99D771CD00B2}" dt="2019-03-14T10:25:45.736" v="1271" actId="20577"/>
       <pc:docMkLst>
         <pc:docMk/>
       </pc:docMkLst>
@@ -459,13 +460,13 @@
         </pc:sldMkLst>
       </pc:sldChg>
       <pc:sldChg chg="modSp add ord">
-        <pc:chgData name="Joshi, Harshit" userId="30597ebd-45f8-44e9-a4af-78399cda5ac2" providerId="ADAL" clId="{4369AF05-9896-49E1-BEC9-99D771CD00B2}" dt="2019-03-14T06:16:20.276" v="1074" actId="20577"/>
+        <pc:chgData name="Joshi, Harshit" userId="30597ebd-45f8-44e9-a4af-78399cda5ac2" providerId="ADAL" clId="{4369AF05-9896-49E1-BEC9-99D771CD00B2}" dt="2019-03-14T10:12:53.030" v="1151" actId="20577"/>
         <pc:sldMkLst>
           <pc:docMk/>
           <pc:sldMk cId="869072210" sldId="443"/>
         </pc:sldMkLst>
         <pc:spChg chg="mod">
-          <ac:chgData name="Joshi, Harshit" userId="30597ebd-45f8-44e9-a4af-78399cda5ac2" providerId="ADAL" clId="{4369AF05-9896-49E1-BEC9-99D771CD00B2}" dt="2019-03-14T06:16:20.276" v="1074" actId="20577"/>
+          <ac:chgData name="Joshi, Harshit" userId="30597ebd-45f8-44e9-a4af-78399cda5ac2" providerId="ADAL" clId="{4369AF05-9896-49E1-BEC9-99D771CD00B2}" dt="2019-03-14T10:12:53.030" v="1151" actId="20577"/>
           <ac:spMkLst>
             <pc:docMk/>
             <pc:sldMk cId="869072210" sldId="443"/>
@@ -637,13 +638,13 @@
         </pc:picChg>
       </pc:sldChg>
       <pc:sldChg chg="modSp add ord">
-        <pc:chgData name="Joshi, Harshit" userId="30597ebd-45f8-44e9-a4af-78399cda5ac2" providerId="ADAL" clId="{4369AF05-9896-49E1-BEC9-99D771CD00B2}" dt="2019-03-14T05:58:27.478" v="813" actId="6549"/>
+        <pc:chgData name="Joshi, Harshit" userId="30597ebd-45f8-44e9-a4af-78399cda5ac2" providerId="ADAL" clId="{4369AF05-9896-49E1-BEC9-99D771CD00B2}" dt="2019-03-14T10:25:45.736" v="1271" actId="20577"/>
         <pc:sldMkLst>
           <pc:docMk/>
           <pc:sldMk cId="3392880954" sldId="448"/>
         </pc:sldMkLst>
         <pc:spChg chg="mod">
-          <ac:chgData name="Joshi, Harshit" userId="30597ebd-45f8-44e9-a4af-78399cda5ac2" providerId="ADAL" clId="{4369AF05-9896-49E1-BEC9-99D771CD00B2}" dt="2019-03-14T05:58:27.478" v="813" actId="6549"/>
+          <ac:chgData name="Joshi, Harshit" userId="30597ebd-45f8-44e9-a4af-78399cda5ac2" providerId="ADAL" clId="{4369AF05-9896-49E1-BEC9-99D771CD00B2}" dt="2019-03-14T10:25:45.736" v="1271" actId="20577"/>
           <ac:spMkLst>
             <pc:docMk/>
             <pc:sldMk cId="3392880954" sldId="448"/>
@@ -656,6 +657,21 @@
             <pc:docMk/>
             <pc:sldMk cId="3392880954" sldId="448"/>
             <ac:spMk id="3" creationId="{9B298584-CA03-4FF0-BF2D-FA438128CCC5}"/>
+          </ac:spMkLst>
+        </pc:spChg>
+      </pc:sldChg>
+      <pc:sldChg chg="modSp add">
+        <pc:chgData name="Joshi, Harshit" userId="30597ebd-45f8-44e9-a4af-78399cda5ac2" providerId="ADAL" clId="{4369AF05-9896-49E1-BEC9-99D771CD00B2}" dt="2019-03-14T10:17:09.766" v="1164" actId="20577"/>
+        <pc:sldMkLst>
+          <pc:docMk/>
+          <pc:sldMk cId="1406395856" sldId="449"/>
+        </pc:sldMkLst>
+        <pc:spChg chg="mod">
+          <ac:chgData name="Joshi, Harshit" userId="30597ebd-45f8-44e9-a4af-78399cda5ac2" providerId="ADAL" clId="{4369AF05-9896-49E1-BEC9-99D771CD00B2}" dt="2019-03-14T10:17:09.766" v="1164" actId="20577"/>
+          <ac:spMkLst>
+            <pc:docMk/>
+            <pc:sldMk cId="1406395856" sldId="449"/>
+            <ac:spMk id="3" creationId="{F0FA2E42-AD19-4DC3-8975-5B7884BE8850}"/>
           </ac:spMkLst>
         </pc:spChg>
       </pc:sldChg>
@@ -1119,7 +1135,7 @@
             <a:fld id="{7D8C2C35-2B8A-446E-BEC0-FD36716C29AC}" type="slidenum">
               <a:rPr lang="de-DE" smtClean="0"/>
               <a:pPr/>
-              <a:t>14</a:t>
+              <a:t>15</a:t>
             </a:fld>
             <a:endParaRPr lang="de-DE" dirty="0"/>
           </a:p>
@@ -8680,6 +8696,24 @@
               <a:t>Deep Learning is a subfield of machine learning concerned with algorithms inspired by the structure and function of the brain called artificial neural networks.</a:t>
             </a:r>
           </a:p>
+          <a:p>
+            <a:r>
+              <a:rPr lang="en-US" dirty="0"/>
+              <a:t>Both machine and deep learning are subsets of artificial intelligence, but deep learning represents the next evolution of machine learning. In machine learning, algorithms created by human programmers are responsible for parsing and learning from the data. They make decisions based on what they learn from the data. Deep learning learns through an artificial neural network that acts very much like a human brain and allows the machine to analyze data in a structure very much as humans do.</a:t>
+            </a:r>
+          </a:p>
+          <a:p>
+            <a:r>
+              <a:rPr lang="en-US" dirty="0"/>
+              <a:t>Examples:</a:t>
+            </a:r>
+          </a:p>
+          <a:p>
+            <a:r>
+              <a:rPr lang="en-US" dirty="0"/>
+              <a:t>Customer Experience, Translations, Computer Vision, Image caption generation, </a:t>
+            </a:r>
+          </a:p>
         </p:txBody>
       </p:sp>
       <p:sp>
@@ -8742,6 +8776,89 @@
       </p:grpSpPr>
       <p:sp>
         <p:nvSpPr>
+          <p:cNvPr id="2" name="Text Placeholder 1">
+            <a:extLst>
+              <a:ext uri="{FF2B5EF4-FFF2-40B4-BE49-F238E27FC236}">
+                <a16:creationId xmlns:a16="http://schemas.microsoft.com/office/drawing/2014/main" id="{13DB2919-5A44-41FB-8A59-83B7F3CF47B2}"/>
+              </a:ext>
+            </a:extLst>
+          </p:cNvPr>
+          <p:cNvSpPr>
+            <a:spLocks noGrp="1"/>
+          </p:cNvSpPr>
+          <p:nvPr>
+            <p:ph type="body" sz="quarter" idx="10"/>
+          </p:nvPr>
+        </p:nvSpPr>
+        <p:spPr/>
+        <p:txBody>
+          <a:bodyPr/>
+          <a:lstStyle/>
+          <a:p>
+            <a:endParaRPr lang="en-US" dirty="0"/>
+          </a:p>
+        </p:txBody>
+      </p:sp>
+      <p:sp>
+        <p:nvSpPr>
+          <p:cNvPr id="3" name="Title 2">
+            <a:extLst>
+              <a:ext uri="{FF2B5EF4-FFF2-40B4-BE49-F238E27FC236}">
+                <a16:creationId xmlns:a16="http://schemas.microsoft.com/office/drawing/2014/main" id="{F0FA2E42-AD19-4DC3-8975-5B7884BE8850}"/>
+              </a:ext>
+            </a:extLst>
+          </p:cNvPr>
+          <p:cNvSpPr>
+            <a:spLocks noGrp="1"/>
+          </p:cNvSpPr>
+          <p:nvPr>
+            <p:ph type="title"/>
+          </p:nvPr>
+        </p:nvSpPr>
+        <p:spPr/>
+        <p:txBody>
+          <a:bodyPr/>
+          <a:lstStyle/>
+          <a:p>
+            <a:r>
+              <a:rPr lang="en-US" dirty="0"/>
+              <a:t>Data Science</a:t>
+            </a:r>
+          </a:p>
+        </p:txBody>
+      </p:sp>
+    </p:spTree>
+    <p:extLst>
+      <p:ext uri="{BB962C8B-B14F-4D97-AF65-F5344CB8AC3E}">
+        <p14:creationId xmlns:p14="http://schemas.microsoft.com/office/powerpoint/2010/main" val="1406395856"/>
+      </p:ext>
+    </p:extLst>
+  </p:cSld>
+  <p:clrMapOvr>
+    <a:masterClrMapping/>
+  </p:clrMapOvr>
+</p:sld>
+</file>
+
+<file path=ppt/slides/slide14.xml><?xml version="1.0" encoding="utf-8"?>
+<p:sld xmlns:a="http://schemas.openxmlformats.org/drawingml/2006/main" xmlns:r="http://schemas.openxmlformats.org/officeDocument/2006/relationships" xmlns:p="http://schemas.openxmlformats.org/presentationml/2006/main">
+  <p:cSld>
+    <p:spTree>
+      <p:nvGrpSpPr>
+        <p:cNvPr id="1" name=""/>
+        <p:cNvGrpSpPr/>
+        <p:nvPr/>
+      </p:nvGrpSpPr>
+      <p:grpSpPr>
+        <a:xfrm>
+          <a:off x="0" y="0"/>
+          <a:ext cx="0" cy="0"/>
+          <a:chOff x="0" y="0"/>
+          <a:chExt cx="0" cy="0"/>
+        </a:xfrm>
+      </p:grpSpPr>
+      <p:sp>
+        <p:nvSpPr>
           <p:cNvPr id="2" name="Thank you"/>
           <p:cNvSpPr>
             <a:spLocks noGrp="1"/>
@@ -8883,7 +9000,7 @@
 </p:sld>
 </file>
 
-<file path=ppt/slides/slide14.xml><?xml version="1.0" encoding="utf-8"?>
+<file path=ppt/slides/slide15.xml><?xml version="1.0" encoding="utf-8"?>
 <p:sld xmlns:a="http://schemas.openxmlformats.org/drawingml/2006/main" xmlns:r="http://schemas.openxmlformats.org/officeDocument/2006/relationships" xmlns:p="http://schemas.openxmlformats.org/presentationml/2006/main" show="0">
   <p:cSld>
     <p:spTree>
@@ -8909,7 +9026,7 @@
 </p:sld>
 </file>
 
-<file path=ppt/slides/slide15.xml><?xml version="1.0" encoding="utf-8"?>
+<file path=ppt/slides/slide16.xml><?xml version="1.0" encoding="utf-8"?>
 <p:sld xmlns:a="http://schemas.openxmlformats.org/drawingml/2006/main" xmlns:r="http://schemas.openxmlformats.org/officeDocument/2006/relationships" xmlns:p="http://schemas.openxmlformats.org/presentationml/2006/main" show="0">
   <p:cSld>
     <p:spTree>
@@ -9947,7 +10064,7 @@
             </a:pPr>
             <a:r>
               <a:rPr lang="en-US" dirty="0"/>
-              <a:t>SIRI, Alexa, Cortana (Digital Assistants)</a:t>
+              <a:t>Health Care (drug discovery, Health Diagnostics)</a:t>
             </a:r>
           </a:p>
           <a:p>
@@ -9957,7 +10074,7 @@
             </a:pPr>
             <a:r>
               <a:rPr lang="en-US" dirty="0"/>
-              <a:t>Self Driving cars (Tesla)</a:t>
+              <a:t>SIRI, Alexa, Cortana (Digital Assistants)</a:t>
             </a:r>
           </a:p>
           <a:p>
@@ -9967,7 +10084,7 @@
             </a:pPr>
             <a:r>
               <a:rPr lang="en-US" dirty="0"/>
-              <a:t>Netflix, Amazon, YouTube, Spotify (Product recommendation)</a:t>
+              <a:t>Self Driving cars (Tesla)</a:t>
             </a:r>
           </a:p>
           <a:p>
@@ -9976,10 +10093,29 @@
               <a:buChar char="•"/>
             </a:pPr>
             <a:r>
-              <a:rPr lang="en-US"/>
+              <a:rPr lang="en-US" dirty="0"/>
+              <a:t>Netflix, Amazon, YouTube, Spotify (Product recommendation)</a:t>
+            </a:r>
+          </a:p>
+          <a:p>
+            <a:pPr marL="342900" indent="-342900">
+              <a:buFont typeface="Arial" panose="020B0604020202020204" pitchFamily="34" charset="0"/>
+              <a:buChar char="•"/>
+            </a:pPr>
+            <a:r>
+              <a:rPr lang="en-US" dirty="0"/>
               <a:t>Chat bots</a:t>
             </a:r>
-            <a:endParaRPr lang="en-US" dirty="0"/>
+          </a:p>
+          <a:p>
+            <a:pPr marL="342900" indent="-342900">
+              <a:buFont typeface="Arial" panose="020B0604020202020204" pitchFamily="34" charset="0"/>
+              <a:buChar char="•"/>
+            </a:pPr>
+            <a:r>
+              <a:rPr lang="en-US" dirty="0"/>
+              <a:t>Image Recognition</a:t>
+            </a:r>
           </a:p>
           <a:p>
             <a:pPr marL="342900" indent="-342900">

--- a/Intro To ML and Data Science/Overview.pptx
+++ b/Intro To ML and Data Science/Overview.pptx
@@ -5,10 +5,10 @@
     <p:sldMasterId id="2147483733" r:id="rId1"/>
   </p:sldMasterIdLst>
   <p:notesMasterIdLst>
-    <p:notesMasterId r:id="rId18"/>
+    <p:notesMasterId r:id="rId19"/>
   </p:notesMasterIdLst>
   <p:handoutMasterIdLst>
-    <p:handoutMasterId r:id="rId19"/>
+    <p:handoutMasterId r:id="rId20"/>
   </p:handoutMasterIdLst>
   <p:sldIdLst>
     <p:sldId id="402" r:id="rId2"/>
@@ -25,8 +25,9 @@
     <p:sldId id="448" r:id="rId13"/>
     <p:sldId id="449" r:id="rId14"/>
     <p:sldId id="413" r:id="rId15"/>
-    <p:sldId id="265" r:id="rId16"/>
-    <p:sldId id="435" r:id="rId17"/>
+    <p:sldId id="450" r:id="rId16"/>
+    <p:sldId id="265" r:id="rId17"/>
+    <p:sldId id="435" r:id="rId18"/>
   </p:sldIdLst>
   <p:sldSz cx="12195175" cy="6858000"/>
   <p:notesSz cx="6797675" cy="9928225"/>
@@ -185,7 +186,7 @@
 <file path=ppt/revisionInfo.xml><?xml version="1.0" encoding="utf-8"?>
 <p1510:revInfo xmlns:a="http://schemas.openxmlformats.org/drawingml/2006/main" xmlns:r="http://schemas.openxmlformats.org/officeDocument/2006/relationships" xmlns:p1510="http://schemas.microsoft.com/office/powerpoint/2015/10/main">
   <p1510:revLst>
-    <p1510:client id="{4369AF05-9896-49E1-BEC9-99D771CD00B2}" v="1278" dt="2019-03-14T10:25:45.736"/>
+    <p1510:client id="{4369AF05-9896-49E1-BEC9-99D771CD00B2}" v="1544" dt="2019-03-20T10:05:19.957"/>
   </p1510:revLst>
 </p1510:revInfo>
 </file>
@@ -195,7 +196,7 @@
   <pc:docChgLst>
     <pc:chgData name="Joshi, Harshit" userId="30597ebd-45f8-44e9-a4af-78399cda5ac2" providerId="ADAL" clId="{4369AF05-9896-49E1-BEC9-99D771CD00B2}"/>
     <pc:docChg chg="undo custSel addSld delSld modSld sldOrd">
-      <pc:chgData name="Joshi, Harshit" userId="30597ebd-45f8-44e9-a4af-78399cda5ac2" providerId="ADAL" clId="{4369AF05-9896-49E1-BEC9-99D771CD00B2}" dt="2019-03-14T10:25:45.736" v="1271" actId="20577"/>
+      <pc:chgData name="Joshi, Harshit" userId="30597ebd-45f8-44e9-a4af-78399cda5ac2" providerId="ADAL" clId="{4369AF05-9896-49E1-BEC9-99D771CD00B2}" dt="2019-03-20T10:01:34.411" v="1531" actId="20577"/>
       <pc:docMkLst>
         <pc:docMk/>
       </pc:docMkLst>
@@ -215,7 +216,7 @@
         </pc:spChg>
       </pc:sldChg>
       <pc:sldChg chg="addSp modSp ord">
-        <pc:chgData name="Joshi, Harshit" userId="30597ebd-45f8-44e9-a4af-78399cda5ac2" providerId="ADAL" clId="{4369AF05-9896-49E1-BEC9-99D771CD00B2}" dt="2019-03-13T10:20:24.903" v="398" actId="1076"/>
+        <pc:chgData name="Joshi, Harshit" userId="30597ebd-45f8-44e9-a4af-78399cda5ac2" providerId="ADAL" clId="{4369AF05-9896-49E1-BEC9-99D771CD00B2}" dt="2019-03-20T09:59:16.332" v="1436" actId="164"/>
         <pc:sldMkLst>
           <pc:docMk/>
           <pc:sldMk cId="3602749482" sldId="364"/>
@@ -284,6 +285,14 @@
             <ac:spMk id="13" creationId="{C3F8F63D-9C50-4CA4-93C6-12FD30146F15}"/>
           </ac:spMkLst>
         </pc:spChg>
+        <pc:spChg chg="add mod">
+          <ac:chgData name="Joshi, Harshit" userId="30597ebd-45f8-44e9-a4af-78399cda5ac2" providerId="ADAL" clId="{4369AF05-9896-49E1-BEC9-99D771CD00B2}" dt="2019-03-20T09:59:16.332" v="1436" actId="164"/>
+          <ac:spMkLst>
+            <pc:docMk/>
+            <pc:sldMk cId="3602749482" sldId="364"/>
+            <ac:spMk id="14" creationId="{8C76DEBF-9F10-4291-8834-1D8307788760}"/>
+          </ac:spMkLst>
+        </pc:spChg>
         <pc:spChg chg="mod">
           <ac:chgData name="Joshi, Harshit" userId="30597ebd-45f8-44e9-a4af-78399cda5ac2" providerId="ADAL" clId="{4369AF05-9896-49E1-BEC9-99D771CD00B2}" dt="2019-03-13T10:18:43.013" v="395" actId="20577"/>
           <ac:spMkLst>
@@ -293,7 +302,15 @@
           </ac:spMkLst>
         </pc:spChg>
         <pc:grpChg chg="add mod">
-          <ac:chgData name="Joshi, Harshit" userId="30597ebd-45f8-44e9-a4af-78399cda5ac2" providerId="ADAL" clId="{4369AF05-9896-49E1-BEC9-99D771CD00B2}" dt="2019-03-13T10:17:20.055" v="371" actId="1076"/>
+          <ac:chgData name="Joshi, Harshit" userId="30597ebd-45f8-44e9-a4af-78399cda5ac2" providerId="ADAL" clId="{4369AF05-9896-49E1-BEC9-99D771CD00B2}" dt="2019-03-20T09:59:16.332" v="1436" actId="164"/>
+          <ac:grpSpMkLst>
+            <pc:docMk/>
+            <pc:sldMk cId="3602749482" sldId="364"/>
+            <ac:grpSpMk id="2" creationId="{791CBE00-4949-4403-8324-9E6E9703502D}"/>
+          </ac:grpSpMkLst>
+        </pc:grpChg>
+        <pc:grpChg chg="add mod">
+          <ac:chgData name="Joshi, Harshit" userId="30597ebd-45f8-44e9-a4af-78399cda5ac2" providerId="ADAL" clId="{4369AF05-9896-49E1-BEC9-99D771CD00B2}" dt="2019-03-20T09:59:16.332" v="1436" actId="164"/>
           <ac:grpSpMkLst>
             <pc:docMk/>
             <pc:sldMk cId="3602749482" sldId="364"/>
@@ -301,36 +318,8 @@
           </ac:grpSpMkLst>
         </pc:grpChg>
       </pc:sldChg>
-      <pc:sldChg chg="del">
-        <pc:chgData name="Joshi, Harshit" userId="30597ebd-45f8-44e9-a4af-78399cda5ac2" providerId="ADAL" clId="{4369AF05-9896-49E1-BEC9-99D771CD00B2}" dt="2019-03-14T06:00:30.459" v="821" actId="2696"/>
-        <pc:sldMkLst>
-          <pc:docMk/>
-          <pc:sldMk cId="4154867534" sldId="379"/>
-        </pc:sldMkLst>
-      </pc:sldChg>
-      <pc:sldChg chg="del">
-        <pc:chgData name="Joshi, Harshit" userId="30597ebd-45f8-44e9-a4af-78399cda5ac2" providerId="ADAL" clId="{4369AF05-9896-49E1-BEC9-99D771CD00B2}" dt="2019-03-14T06:00:30.447" v="820" actId="2696"/>
-        <pc:sldMkLst>
-          <pc:docMk/>
-          <pc:sldMk cId="2468716513" sldId="380"/>
-        </pc:sldMkLst>
-      </pc:sldChg>
-      <pc:sldChg chg="del ord">
-        <pc:chgData name="Joshi, Harshit" userId="30597ebd-45f8-44e9-a4af-78399cda5ac2" providerId="ADAL" clId="{4369AF05-9896-49E1-BEC9-99D771CD00B2}" dt="2019-03-14T06:00:30.355" v="815" actId="2696"/>
-        <pc:sldMkLst>
-          <pc:docMk/>
-          <pc:sldMk cId="3886438963" sldId="382"/>
-        </pc:sldMkLst>
-      </pc:sldChg>
-      <pc:sldChg chg="del">
-        <pc:chgData name="Joshi, Harshit" userId="30597ebd-45f8-44e9-a4af-78399cda5ac2" providerId="ADAL" clId="{4369AF05-9896-49E1-BEC9-99D771CD00B2}" dt="2019-03-14T06:00:30.498" v="823" actId="2696"/>
-        <pc:sldMkLst>
-          <pc:docMk/>
-          <pc:sldMk cId="854015491" sldId="387"/>
-        </pc:sldMkLst>
-      </pc:sldChg>
       <pc:sldChg chg="addSp modSp ord">
-        <pc:chgData name="Joshi, Harshit" userId="30597ebd-45f8-44e9-a4af-78399cda5ac2" providerId="ADAL" clId="{4369AF05-9896-49E1-BEC9-99D771CD00B2}" dt="2019-03-13T10:45:21.860" v="566" actId="14100"/>
+        <pc:chgData name="Joshi, Harshit" userId="30597ebd-45f8-44e9-a4af-78399cda5ac2" providerId="ADAL" clId="{4369AF05-9896-49E1-BEC9-99D771CD00B2}" dt="2019-03-20T10:00:46.834" v="1466" actId="1076"/>
         <pc:sldMkLst>
           <pc:docMk/>
           <pc:sldMk cId="42108366" sldId="388"/>
@@ -343,6 +332,14 @@
             <ac:spMk id="4" creationId="{00000000-0000-0000-0000-000000000000}"/>
           </ac:spMkLst>
         </pc:spChg>
+        <pc:spChg chg="add mod">
+          <ac:chgData name="Joshi, Harshit" userId="30597ebd-45f8-44e9-a4af-78399cda5ac2" providerId="ADAL" clId="{4369AF05-9896-49E1-BEC9-99D771CD00B2}" dt="2019-03-20T10:00:46.834" v="1466" actId="1076"/>
+          <ac:spMkLst>
+            <pc:docMk/>
+            <pc:sldMk cId="42108366" sldId="388"/>
+            <ac:spMk id="5" creationId="{DD5AF74E-C6F5-41BC-AF5A-840D2DFACD53}"/>
+          </ac:spMkLst>
+        </pc:spChg>
         <pc:spChg chg="mod">
           <ac:chgData name="Joshi, Harshit" userId="30597ebd-45f8-44e9-a4af-78399cda5ac2" providerId="ADAL" clId="{4369AF05-9896-49E1-BEC9-99D771CD00B2}" dt="2019-03-13T10:45:07.548" v="563" actId="14100"/>
           <ac:spMkLst>
@@ -351,70 +348,22 @@
             <ac:spMk id="11" creationId="{00000000-0000-0000-0000-000000000000}"/>
           </ac:spMkLst>
         </pc:spChg>
+        <pc:grpChg chg="add mod">
+          <ac:chgData name="Joshi, Harshit" userId="30597ebd-45f8-44e9-a4af-78399cda5ac2" providerId="ADAL" clId="{4369AF05-9896-49E1-BEC9-99D771CD00B2}" dt="2019-03-20T09:58:55.426" v="1434" actId="164"/>
+          <ac:grpSpMkLst>
+            <pc:docMk/>
+            <pc:sldMk cId="42108366" sldId="388"/>
+            <ac:grpSpMk id="2" creationId="{F1C5C9D7-CDAD-479C-85AE-06B0CD8963A7}"/>
+          </ac:grpSpMkLst>
+        </pc:grpChg>
         <pc:picChg chg="add mod">
-          <ac:chgData name="Joshi, Harshit" userId="30597ebd-45f8-44e9-a4af-78399cda5ac2" providerId="ADAL" clId="{4369AF05-9896-49E1-BEC9-99D771CD00B2}" dt="2019-03-13T10:45:21.860" v="566" actId="14100"/>
+          <ac:chgData name="Joshi, Harshit" userId="30597ebd-45f8-44e9-a4af-78399cda5ac2" providerId="ADAL" clId="{4369AF05-9896-49E1-BEC9-99D771CD00B2}" dt="2019-03-20T09:58:55.426" v="1434" actId="164"/>
           <ac:picMkLst>
             <pc:docMk/>
             <pc:sldMk cId="42108366" sldId="388"/>
             <ac:picMk id="1026" creationId="{F97B1B6D-FFCB-47B8-A59B-B9E0B079E228}"/>
           </ac:picMkLst>
         </pc:picChg>
-      </pc:sldChg>
-      <pc:sldChg chg="del">
-        <pc:chgData name="Joshi, Harshit" userId="30597ebd-45f8-44e9-a4af-78399cda5ac2" providerId="ADAL" clId="{4369AF05-9896-49E1-BEC9-99D771CD00B2}" dt="2019-03-14T06:00:30.518" v="824" actId="2696"/>
-        <pc:sldMkLst>
-          <pc:docMk/>
-          <pc:sldMk cId="94846162" sldId="390"/>
-        </pc:sldMkLst>
-      </pc:sldChg>
-      <pc:sldChg chg="del ord">
-        <pc:chgData name="Joshi, Harshit" userId="30597ebd-45f8-44e9-a4af-78399cda5ac2" providerId="ADAL" clId="{4369AF05-9896-49E1-BEC9-99D771CD00B2}" dt="2019-03-14T06:00:30.342" v="814" actId="2696"/>
-        <pc:sldMkLst>
-          <pc:docMk/>
-          <pc:sldMk cId="799205039" sldId="416"/>
-        </pc:sldMkLst>
-      </pc:sldChg>
-      <pc:sldChg chg="del">
-        <pc:chgData name="Joshi, Harshit" userId="30597ebd-45f8-44e9-a4af-78399cda5ac2" providerId="ADAL" clId="{4369AF05-9896-49E1-BEC9-99D771CD00B2}" dt="2019-03-14T06:00:30.543" v="825" actId="2696"/>
-        <pc:sldMkLst>
-          <pc:docMk/>
-          <pc:sldMk cId="1504049518" sldId="420"/>
-        </pc:sldMkLst>
-      </pc:sldChg>
-      <pc:sldChg chg="del">
-        <pc:chgData name="Joshi, Harshit" userId="30597ebd-45f8-44e9-a4af-78399cda5ac2" providerId="ADAL" clId="{4369AF05-9896-49E1-BEC9-99D771CD00B2}" dt="2019-03-14T06:00:30.558" v="826" actId="2696"/>
-        <pc:sldMkLst>
-          <pc:docMk/>
-          <pc:sldMk cId="1175416068" sldId="421"/>
-        </pc:sldMkLst>
-      </pc:sldChg>
-      <pc:sldChg chg="del">
-        <pc:chgData name="Joshi, Harshit" userId="30597ebd-45f8-44e9-a4af-78399cda5ac2" providerId="ADAL" clId="{4369AF05-9896-49E1-BEC9-99D771CD00B2}" dt="2019-03-14T06:00:30.478" v="822" actId="2696"/>
-        <pc:sldMkLst>
-          <pc:docMk/>
-          <pc:sldMk cId="1840057824" sldId="423"/>
-        </pc:sldMkLst>
-      </pc:sldChg>
-      <pc:sldChg chg="del">
-        <pc:chgData name="Joshi, Harshit" userId="30597ebd-45f8-44e9-a4af-78399cda5ac2" providerId="ADAL" clId="{4369AF05-9896-49E1-BEC9-99D771CD00B2}" dt="2019-03-14T06:00:46.889" v="827" actId="2696"/>
-        <pc:sldMkLst>
-          <pc:docMk/>
-          <pc:sldMk cId="1515423877" sldId="430"/>
-        </pc:sldMkLst>
-      </pc:sldChg>
-      <pc:sldChg chg="del">
-        <pc:chgData name="Joshi, Harshit" userId="30597ebd-45f8-44e9-a4af-78399cda5ac2" providerId="ADAL" clId="{4369AF05-9896-49E1-BEC9-99D771CD00B2}" dt="2019-03-13T10:06:35.069" v="192" actId="2696"/>
-        <pc:sldMkLst>
-          <pc:docMk/>
-          <pc:sldMk cId="1786748081" sldId="434"/>
-        </pc:sldMkLst>
-      </pc:sldChg>
-      <pc:sldChg chg="del">
-        <pc:chgData name="Joshi, Harshit" userId="30597ebd-45f8-44e9-a4af-78399cda5ac2" providerId="ADAL" clId="{4369AF05-9896-49E1-BEC9-99D771CD00B2}" dt="2019-03-13T10:06:28.066" v="191" actId="2696"/>
-        <pc:sldMkLst>
-          <pc:docMk/>
-          <pc:sldMk cId="3207784688" sldId="436"/>
-        </pc:sldMkLst>
       </pc:sldChg>
       <pc:sldChg chg="modSp ord">
         <pc:chgData name="Joshi, Harshit" userId="30597ebd-45f8-44e9-a4af-78399cda5ac2" providerId="ADAL" clId="{4369AF05-9896-49E1-BEC9-99D771CD00B2}" dt="2019-03-13T10:06:23.386" v="190"/>
@@ -431,42 +380,14 @@
           </ac:spMkLst>
         </pc:spChg>
       </pc:sldChg>
-      <pc:sldChg chg="del">
-        <pc:chgData name="Joshi, Harshit" userId="30597ebd-45f8-44e9-a4af-78399cda5ac2" providerId="ADAL" clId="{4369AF05-9896-49E1-BEC9-99D771CD00B2}" dt="2019-03-14T06:00:30.401" v="818" actId="2696"/>
-        <pc:sldMkLst>
-          <pc:docMk/>
-          <pc:sldMk cId="1801416843" sldId="439"/>
-        </pc:sldMkLst>
-      </pc:sldChg>
-      <pc:sldChg chg="del">
-        <pc:chgData name="Joshi, Harshit" userId="30597ebd-45f8-44e9-a4af-78399cda5ac2" providerId="ADAL" clId="{4369AF05-9896-49E1-BEC9-99D771CD00B2}" dt="2019-03-14T06:00:30.371" v="816" actId="2696"/>
-        <pc:sldMkLst>
-          <pc:docMk/>
-          <pc:sldMk cId="589477268" sldId="440"/>
-        </pc:sldMkLst>
-      </pc:sldChg>
-      <pc:sldChg chg="del">
-        <pc:chgData name="Joshi, Harshit" userId="30597ebd-45f8-44e9-a4af-78399cda5ac2" providerId="ADAL" clId="{4369AF05-9896-49E1-BEC9-99D771CD00B2}" dt="2019-03-14T06:00:30.385" v="817" actId="2696"/>
-        <pc:sldMkLst>
-          <pc:docMk/>
-          <pc:sldMk cId="4260145101" sldId="441"/>
-        </pc:sldMkLst>
-      </pc:sldChg>
-      <pc:sldChg chg="del">
-        <pc:chgData name="Joshi, Harshit" userId="30597ebd-45f8-44e9-a4af-78399cda5ac2" providerId="ADAL" clId="{4369AF05-9896-49E1-BEC9-99D771CD00B2}" dt="2019-03-14T06:00:30.428" v="819" actId="2696"/>
-        <pc:sldMkLst>
-          <pc:docMk/>
-          <pc:sldMk cId="1041611601" sldId="442"/>
-        </pc:sldMkLst>
-      </pc:sldChg>
       <pc:sldChg chg="modSp add ord">
-        <pc:chgData name="Joshi, Harshit" userId="30597ebd-45f8-44e9-a4af-78399cda5ac2" providerId="ADAL" clId="{4369AF05-9896-49E1-BEC9-99D771CD00B2}" dt="2019-03-14T10:12:53.030" v="1151" actId="20577"/>
+        <pc:chgData name="Joshi, Harshit" userId="30597ebd-45f8-44e9-a4af-78399cda5ac2" providerId="ADAL" clId="{4369AF05-9896-49E1-BEC9-99D771CD00B2}" dt="2019-03-20T08:22:13.775" v="1319" actId="20577"/>
         <pc:sldMkLst>
           <pc:docMk/>
           <pc:sldMk cId="869072210" sldId="443"/>
         </pc:sldMkLst>
         <pc:spChg chg="mod">
-          <ac:chgData name="Joshi, Harshit" userId="30597ebd-45f8-44e9-a4af-78399cda5ac2" providerId="ADAL" clId="{4369AF05-9896-49E1-BEC9-99D771CD00B2}" dt="2019-03-14T10:12:53.030" v="1151" actId="20577"/>
+          <ac:chgData name="Joshi, Harshit" userId="30597ebd-45f8-44e9-a4af-78399cda5ac2" providerId="ADAL" clId="{4369AF05-9896-49E1-BEC9-99D771CD00B2}" dt="2019-03-20T08:22:13.775" v="1319" actId="20577"/>
           <ac:spMkLst>
             <pc:docMk/>
             <pc:sldMk cId="869072210" sldId="443"/>
@@ -482,31 +403,8 @@
           </ac:spMkLst>
         </pc:spChg>
       </pc:sldChg>
-      <pc:sldChg chg="modSp add del">
-        <pc:chgData name="Joshi, Harshit" userId="30597ebd-45f8-44e9-a4af-78399cda5ac2" providerId="ADAL" clId="{4369AF05-9896-49E1-BEC9-99D771CD00B2}" dt="2019-03-14T04:42:15.738" v="595"/>
-        <pc:sldMkLst>
-          <pc:docMk/>
-          <pc:sldMk cId="3202860298" sldId="443"/>
-        </pc:sldMkLst>
-        <pc:spChg chg="mod">
-          <ac:chgData name="Joshi, Harshit" userId="30597ebd-45f8-44e9-a4af-78399cda5ac2" providerId="ADAL" clId="{4369AF05-9896-49E1-BEC9-99D771CD00B2}" dt="2019-03-14T04:42:00.998" v="570"/>
-          <ac:spMkLst>
-            <pc:docMk/>
-            <pc:sldMk cId="3202860298" sldId="443"/>
-            <ac:spMk id="2" creationId="{CC2C4A1E-0F40-422D-9555-38272C515F53}"/>
-          </ac:spMkLst>
-        </pc:spChg>
-        <pc:spChg chg="mod">
-          <ac:chgData name="Joshi, Harshit" userId="30597ebd-45f8-44e9-a4af-78399cda5ac2" providerId="ADAL" clId="{4369AF05-9896-49E1-BEC9-99D771CD00B2}" dt="2019-03-14T04:42:14.344" v="594" actId="20577"/>
-          <ac:spMkLst>
-            <pc:docMk/>
-            <pc:sldMk cId="3202860298" sldId="443"/>
-            <ac:spMk id="3" creationId="{9E3EE91B-1FC5-4DB4-B84F-B17BF4BDF3E5}"/>
-          </ac:spMkLst>
-        </pc:spChg>
-      </pc:sldChg>
       <pc:sldChg chg="addSp delSp modSp add ord">
-        <pc:chgData name="Joshi, Harshit" userId="30597ebd-45f8-44e9-a4af-78399cda5ac2" providerId="ADAL" clId="{4369AF05-9896-49E1-BEC9-99D771CD00B2}" dt="2019-03-14T05:43:44.082" v="674" actId="20577"/>
+        <pc:chgData name="Joshi, Harshit" userId="30597ebd-45f8-44e9-a4af-78399cda5ac2" providerId="ADAL" clId="{4369AF05-9896-49E1-BEC9-99D771CD00B2}" dt="2019-03-20T09:59:49.207" v="1448" actId="164"/>
         <pc:sldMkLst>
           <pc:docMk/>
           <pc:sldMk cId="2941282680" sldId="444"/>
@@ -527,8 +425,24 @@
             <ac:spMk id="3" creationId="{39BC2E85-EAB4-4B60-88CC-B9A45FBC9A62}"/>
           </ac:spMkLst>
         </pc:spChg>
+        <pc:spChg chg="add mod">
+          <ac:chgData name="Joshi, Harshit" userId="30597ebd-45f8-44e9-a4af-78399cda5ac2" providerId="ADAL" clId="{4369AF05-9896-49E1-BEC9-99D771CD00B2}" dt="2019-03-20T09:59:49.207" v="1448" actId="164"/>
+          <ac:spMkLst>
+            <pc:docMk/>
+            <pc:sldMk cId="2941282680" sldId="444"/>
+            <ac:spMk id="4" creationId="{47A73029-1B0A-408A-A254-BC9FA4A793C8}"/>
+          </ac:spMkLst>
+        </pc:spChg>
+        <pc:grpChg chg="add mod">
+          <ac:chgData name="Joshi, Harshit" userId="30597ebd-45f8-44e9-a4af-78399cda5ac2" providerId="ADAL" clId="{4369AF05-9896-49E1-BEC9-99D771CD00B2}" dt="2019-03-20T09:59:49.207" v="1448" actId="164"/>
+          <ac:grpSpMkLst>
+            <pc:docMk/>
+            <pc:sldMk cId="2941282680" sldId="444"/>
+            <ac:grpSpMk id="2" creationId="{48D2B1F8-F360-4418-BFEE-FC7E342302CE}"/>
+          </ac:grpSpMkLst>
+        </pc:grpChg>
         <pc:picChg chg="add mod modCrop">
-          <ac:chgData name="Joshi, Harshit" userId="30597ebd-45f8-44e9-a4af-78399cda5ac2" providerId="ADAL" clId="{4369AF05-9896-49E1-BEC9-99D771CD00B2}" dt="2019-03-14T05:42:52.974" v="668" actId="732"/>
+          <ac:chgData name="Joshi, Harshit" userId="30597ebd-45f8-44e9-a4af-78399cda5ac2" providerId="ADAL" clId="{4369AF05-9896-49E1-BEC9-99D771CD00B2}" dt="2019-03-20T09:59:49.207" v="1448" actId="164"/>
           <ac:picMkLst>
             <pc:docMk/>
             <pc:sldMk cId="2941282680" sldId="444"/>
@@ -537,7 +451,7 @@
         </pc:picChg>
       </pc:sldChg>
       <pc:sldChg chg="addSp delSp modSp add">
-        <pc:chgData name="Joshi, Harshit" userId="30597ebd-45f8-44e9-a4af-78399cda5ac2" providerId="ADAL" clId="{4369AF05-9896-49E1-BEC9-99D771CD00B2}" dt="2019-03-14T05:47:07.095" v="711" actId="1076"/>
+        <pc:chgData name="Joshi, Harshit" userId="30597ebd-45f8-44e9-a4af-78399cda5ac2" providerId="ADAL" clId="{4369AF05-9896-49E1-BEC9-99D771CD00B2}" dt="2019-03-20T09:59:35.009" v="1441" actId="164"/>
         <pc:sldMkLst>
           <pc:docMk/>
           <pc:sldMk cId="287520763" sldId="445"/>
@@ -558,6 +472,22 @@
             <ac:spMk id="3" creationId="{519612CF-3EE2-4139-8D5A-6D9619C44B6F}"/>
           </ac:spMkLst>
         </pc:spChg>
+        <pc:spChg chg="add mod">
+          <ac:chgData name="Joshi, Harshit" userId="30597ebd-45f8-44e9-a4af-78399cda5ac2" providerId="ADAL" clId="{4369AF05-9896-49E1-BEC9-99D771CD00B2}" dt="2019-03-20T09:59:35.009" v="1441" actId="164"/>
+          <ac:spMkLst>
+            <pc:docMk/>
+            <pc:sldMk cId="287520763" sldId="445"/>
+            <ac:spMk id="4" creationId="{44B9A3A1-01EC-4C7C-A18B-A61D99A10E06}"/>
+          </ac:spMkLst>
+        </pc:spChg>
+        <pc:grpChg chg="add mod">
+          <ac:chgData name="Joshi, Harshit" userId="30597ebd-45f8-44e9-a4af-78399cda5ac2" providerId="ADAL" clId="{4369AF05-9896-49E1-BEC9-99D771CD00B2}" dt="2019-03-20T09:59:35.009" v="1441" actId="164"/>
+          <ac:grpSpMkLst>
+            <pc:docMk/>
+            <pc:sldMk cId="287520763" sldId="445"/>
+            <ac:grpSpMk id="2" creationId="{9D032EF2-40E5-4235-9B56-C0132507F369}"/>
+          </ac:grpSpMkLst>
+        </pc:grpChg>
         <pc:picChg chg="add del ord">
           <ac:chgData name="Joshi, Harshit" userId="30597ebd-45f8-44e9-a4af-78399cda5ac2" providerId="ADAL" clId="{4369AF05-9896-49E1-BEC9-99D771CD00B2}" dt="2019-03-14T05:46:51.968" v="710" actId="478"/>
           <ac:picMkLst>
@@ -567,7 +497,7 @@
           </ac:picMkLst>
         </pc:picChg>
         <pc:picChg chg="add mod">
-          <ac:chgData name="Joshi, Harshit" userId="30597ebd-45f8-44e9-a4af-78399cda5ac2" providerId="ADAL" clId="{4369AF05-9896-49E1-BEC9-99D771CD00B2}" dt="2019-03-14T05:47:07.095" v="711" actId="1076"/>
+          <ac:chgData name="Joshi, Harshit" userId="30597ebd-45f8-44e9-a4af-78399cda5ac2" providerId="ADAL" clId="{4369AF05-9896-49E1-BEC9-99D771CD00B2}" dt="2019-03-20T09:59:35.009" v="1441" actId="164"/>
           <ac:picMkLst>
             <pc:docMk/>
             <pc:sldMk cId="287520763" sldId="445"/>
@@ -576,7 +506,7 @@
         </pc:picChg>
       </pc:sldChg>
       <pc:sldChg chg="addSp delSp modSp add">
-        <pc:chgData name="Joshi, Harshit" userId="30597ebd-45f8-44e9-a4af-78399cda5ac2" providerId="ADAL" clId="{4369AF05-9896-49E1-BEC9-99D771CD00B2}" dt="2019-03-14T05:52:34.565" v="782" actId="207"/>
+        <pc:chgData name="Joshi, Harshit" userId="30597ebd-45f8-44e9-a4af-78399cda5ac2" providerId="ADAL" clId="{4369AF05-9896-49E1-BEC9-99D771CD00B2}" dt="2019-03-20T10:00:20.858" v="1460" actId="164"/>
         <pc:sldMkLst>
           <pc:docMk/>
           <pc:sldMk cId="2912201884" sldId="446"/>
@@ -597,8 +527,24 @@
             <ac:spMk id="3" creationId="{1DCC5037-F87F-481E-A2D0-D94B4D20C714}"/>
           </ac:spMkLst>
         </pc:spChg>
+        <pc:spChg chg="add mod">
+          <ac:chgData name="Joshi, Harshit" userId="30597ebd-45f8-44e9-a4af-78399cda5ac2" providerId="ADAL" clId="{4369AF05-9896-49E1-BEC9-99D771CD00B2}" dt="2019-03-20T10:00:20.858" v="1460" actId="164"/>
+          <ac:spMkLst>
+            <pc:docMk/>
+            <pc:sldMk cId="2912201884" sldId="446"/>
+            <ac:spMk id="4" creationId="{12F642AD-6A34-48A6-8D92-77F88B3D4BF0}"/>
+          </ac:spMkLst>
+        </pc:spChg>
+        <pc:grpChg chg="add mod">
+          <ac:chgData name="Joshi, Harshit" userId="30597ebd-45f8-44e9-a4af-78399cda5ac2" providerId="ADAL" clId="{4369AF05-9896-49E1-BEC9-99D771CD00B2}" dt="2019-03-20T10:00:20.858" v="1460" actId="164"/>
+          <ac:grpSpMkLst>
+            <pc:docMk/>
+            <pc:sldMk cId="2912201884" sldId="446"/>
+            <ac:grpSpMk id="2" creationId="{152DD07A-5679-4939-A9B4-75C16F896D98}"/>
+          </ac:grpSpMkLst>
+        </pc:grpChg>
         <pc:picChg chg="add mod">
-          <ac:chgData name="Joshi, Harshit" userId="30597ebd-45f8-44e9-a4af-78399cda5ac2" providerId="ADAL" clId="{4369AF05-9896-49E1-BEC9-99D771CD00B2}" dt="2019-03-14T05:52:34.565" v="782" actId="207"/>
+          <ac:chgData name="Joshi, Harshit" userId="30597ebd-45f8-44e9-a4af-78399cda5ac2" providerId="ADAL" clId="{4369AF05-9896-49E1-BEC9-99D771CD00B2}" dt="2019-03-20T10:00:20.858" v="1460" actId="164"/>
           <ac:picMkLst>
             <pc:docMk/>
             <pc:sldMk cId="2912201884" sldId="446"/>
@@ -607,7 +553,7 @@
         </pc:picChg>
       </pc:sldChg>
       <pc:sldChg chg="addSp delSp modSp add">
-        <pc:chgData name="Joshi, Harshit" userId="30597ebd-45f8-44e9-a4af-78399cda5ac2" providerId="ADAL" clId="{4369AF05-9896-49E1-BEC9-99D771CD00B2}" dt="2019-03-14T05:52:28.022" v="781" actId="207"/>
+        <pc:chgData name="Joshi, Harshit" userId="30597ebd-45f8-44e9-a4af-78399cda5ac2" providerId="ADAL" clId="{4369AF05-9896-49E1-BEC9-99D771CD00B2}" dt="2019-03-20T10:00:35.629" v="1465" actId="164"/>
         <pc:sldMkLst>
           <pc:docMk/>
           <pc:sldMk cId="1644576156" sldId="447"/>
@@ -628,8 +574,24 @@
             <ac:spMk id="3" creationId="{59B1CB03-52AC-4618-879A-7A23065B109E}"/>
           </ac:spMkLst>
         </pc:spChg>
+        <pc:spChg chg="add mod">
+          <ac:chgData name="Joshi, Harshit" userId="30597ebd-45f8-44e9-a4af-78399cda5ac2" providerId="ADAL" clId="{4369AF05-9896-49E1-BEC9-99D771CD00B2}" dt="2019-03-20T10:00:35.629" v="1465" actId="164"/>
+          <ac:spMkLst>
+            <pc:docMk/>
+            <pc:sldMk cId="1644576156" sldId="447"/>
+            <ac:spMk id="4" creationId="{C892FD08-1CD5-479D-9785-20E47F2B74F6}"/>
+          </ac:spMkLst>
+        </pc:spChg>
+        <pc:grpChg chg="add mod">
+          <ac:chgData name="Joshi, Harshit" userId="30597ebd-45f8-44e9-a4af-78399cda5ac2" providerId="ADAL" clId="{4369AF05-9896-49E1-BEC9-99D771CD00B2}" dt="2019-03-20T10:00:35.629" v="1465" actId="164"/>
+          <ac:grpSpMkLst>
+            <pc:docMk/>
+            <pc:sldMk cId="1644576156" sldId="447"/>
+            <ac:grpSpMk id="2" creationId="{BFB8D365-8A0B-4C0E-81C6-081E9532F4E1}"/>
+          </ac:grpSpMkLst>
+        </pc:grpChg>
         <pc:picChg chg="add mod modCrop">
-          <ac:chgData name="Joshi, Harshit" userId="30597ebd-45f8-44e9-a4af-78399cda5ac2" providerId="ADAL" clId="{4369AF05-9896-49E1-BEC9-99D771CD00B2}" dt="2019-03-14T05:52:28.022" v="781" actId="207"/>
+          <ac:chgData name="Joshi, Harshit" userId="30597ebd-45f8-44e9-a4af-78399cda5ac2" providerId="ADAL" clId="{4369AF05-9896-49E1-BEC9-99D771CD00B2}" dt="2019-03-20T10:00:35.629" v="1465" actId="164"/>
           <ac:picMkLst>
             <pc:docMk/>
             <pc:sldMk cId="1644576156" sldId="447"/>
@@ -660,18 +622,129 @@
           </ac:spMkLst>
         </pc:spChg>
       </pc:sldChg>
-      <pc:sldChg chg="modSp add">
-        <pc:chgData name="Joshi, Harshit" userId="30597ebd-45f8-44e9-a4af-78399cda5ac2" providerId="ADAL" clId="{4369AF05-9896-49E1-BEC9-99D771CD00B2}" dt="2019-03-14T10:17:09.766" v="1164" actId="20577"/>
+      <pc:sldChg chg="addSp delSp modSp add">
+        <pc:chgData name="Joshi, Harshit" userId="30597ebd-45f8-44e9-a4af-78399cda5ac2" providerId="ADAL" clId="{4369AF05-9896-49E1-BEC9-99D771CD00B2}" dt="2019-03-20T10:01:09.160" v="1468" actId="164"/>
         <pc:sldMkLst>
           <pc:docMk/>
           <pc:sldMk cId="1406395856" sldId="449"/>
         </pc:sldMkLst>
+        <pc:spChg chg="mod">
+          <ac:chgData name="Joshi, Harshit" userId="30597ebd-45f8-44e9-a4af-78399cda5ac2" providerId="ADAL" clId="{4369AF05-9896-49E1-BEC9-99D771CD00B2}" dt="2019-03-20T09:52:28.083" v="1356" actId="20577"/>
+          <ac:spMkLst>
+            <pc:docMk/>
+            <pc:sldMk cId="1406395856" sldId="449"/>
+            <ac:spMk id="2" creationId="{13DB2919-5A44-41FB-8A59-83B7F3CF47B2}"/>
+          </ac:spMkLst>
+        </pc:spChg>
         <pc:spChg chg="mod">
           <ac:chgData name="Joshi, Harshit" userId="30597ebd-45f8-44e9-a4af-78399cda5ac2" providerId="ADAL" clId="{4369AF05-9896-49E1-BEC9-99D771CD00B2}" dt="2019-03-14T10:17:09.766" v="1164" actId="20577"/>
           <ac:spMkLst>
             <pc:docMk/>
             <pc:sldMk cId="1406395856" sldId="449"/>
             <ac:spMk id="3" creationId="{F0FA2E42-AD19-4DC3-8975-5B7884BE8850}"/>
+          </ac:spMkLst>
+        </pc:spChg>
+        <pc:spChg chg="add mod">
+          <ac:chgData name="Joshi, Harshit" userId="30597ebd-45f8-44e9-a4af-78399cda5ac2" providerId="ADAL" clId="{4369AF05-9896-49E1-BEC9-99D771CD00B2}" dt="2019-03-20T10:01:09.160" v="1468" actId="164"/>
+          <ac:spMkLst>
+            <pc:docMk/>
+            <pc:sldMk cId="1406395856" sldId="449"/>
+            <ac:spMk id="10" creationId="{90F4E9B0-61DF-4A9A-AA56-AB459272AD39}"/>
+          </ac:spMkLst>
+        </pc:spChg>
+        <pc:grpChg chg="add mod">
+          <ac:chgData name="Joshi, Harshit" userId="30597ebd-45f8-44e9-a4af-78399cda5ac2" providerId="ADAL" clId="{4369AF05-9896-49E1-BEC9-99D771CD00B2}" dt="2019-03-20T10:01:09.160" v="1468" actId="164"/>
+          <ac:grpSpMkLst>
+            <pc:docMk/>
+            <pc:sldMk cId="1406395856" sldId="449"/>
+            <ac:grpSpMk id="9" creationId="{BFBF257E-0232-453D-A551-DE479FC4E58D}"/>
+          </ac:grpSpMkLst>
+        </pc:grpChg>
+        <pc:grpChg chg="add mod">
+          <ac:chgData name="Joshi, Harshit" userId="30597ebd-45f8-44e9-a4af-78399cda5ac2" providerId="ADAL" clId="{4369AF05-9896-49E1-BEC9-99D771CD00B2}" dt="2019-03-20T10:01:09.160" v="1468" actId="164"/>
+          <ac:grpSpMkLst>
+            <pc:docMk/>
+            <pc:sldMk cId="1406395856" sldId="449"/>
+            <ac:grpSpMk id="11" creationId="{0847D55D-82C8-4B88-983E-2CBBCC43BE42}"/>
+          </ac:grpSpMkLst>
+        </pc:grpChg>
+        <pc:picChg chg="add del mod">
+          <ac:chgData name="Joshi, Harshit" userId="30597ebd-45f8-44e9-a4af-78399cda5ac2" providerId="ADAL" clId="{4369AF05-9896-49E1-BEC9-99D771CD00B2}" dt="2019-03-20T09:47:49.667" v="1329" actId="478"/>
+          <ac:picMkLst>
+            <pc:docMk/>
+            <pc:sldMk cId="1406395856" sldId="449"/>
+            <ac:picMk id="1026" creationId="{DDF4733D-D083-427D-BA27-4D3E948B2352}"/>
+          </ac:picMkLst>
+        </pc:picChg>
+        <pc:picChg chg="add mod">
+          <ac:chgData name="Joshi, Harshit" userId="30597ebd-45f8-44e9-a4af-78399cda5ac2" providerId="ADAL" clId="{4369AF05-9896-49E1-BEC9-99D771CD00B2}" dt="2019-03-20T09:53:51.660" v="1366" actId="164"/>
+          <ac:picMkLst>
+            <pc:docMk/>
+            <pc:sldMk cId="1406395856" sldId="449"/>
+            <ac:picMk id="1028" creationId="{13CF2169-2C14-49CD-855A-033E41FCE1A4}"/>
+          </ac:picMkLst>
+        </pc:picChg>
+        <pc:inkChg chg="add del">
+          <ac:chgData name="Joshi, Harshit" userId="30597ebd-45f8-44e9-a4af-78399cda5ac2" providerId="ADAL" clId="{4369AF05-9896-49E1-BEC9-99D771CD00B2}" dt="2019-03-20T09:53:32.928" v="1359"/>
+          <ac:inkMkLst>
+            <pc:docMk/>
+            <pc:sldMk cId="1406395856" sldId="449"/>
+            <ac:inkMk id="4" creationId="{24854AF7-CE9A-4478-A608-4AA20EA3FE0E}"/>
+          </ac:inkMkLst>
+        </pc:inkChg>
+        <pc:inkChg chg="add del">
+          <ac:chgData name="Joshi, Harshit" userId="30597ebd-45f8-44e9-a4af-78399cda5ac2" providerId="ADAL" clId="{4369AF05-9896-49E1-BEC9-99D771CD00B2}" dt="2019-03-20T09:53:32.928" v="1359"/>
+          <ac:inkMkLst>
+            <pc:docMk/>
+            <pc:sldMk cId="1406395856" sldId="449"/>
+            <ac:inkMk id="5" creationId="{5329FCA2-F7D7-42EB-818F-3FF6B2FFAD4F}"/>
+          </ac:inkMkLst>
+        </pc:inkChg>
+        <pc:inkChg chg="add del">
+          <ac:chgData name="Joshi, Harshit" userId="30597ebd-45f8-44e9-a4af-78399cda5ac2" providerId="ADAL" clId="{4369AF05-9896-49E1-BEC9-99D771CD00B2}" dt="2019-03-20T09:53:34.135" v="1361"/>
+          <ac:inkMkLst>
+            <pc:docMk/>
+            <pc:sldMk cId="1406395856" sldId="449"/>
+            <ac:inkMk id="6" creationId="{F88390CE-67E2-43EE-A024-2EFB4318560B}"/>
+          </ac:inkMkLst>
+        </pc:inkChg>
+        <pc:inkChg chg="add del">
+          <ac:chgData name="Joshi, Harshit" userId="30597ebd-45f8-44e9-a4af-78399cda5ac2" providerId="ADAL" clId="{4369AF05-9896-49E1-BEC9-99D771CD00B2}" dt="2019-03-20T09:53:34.135" v="1361"/>
+          <ac:inkMkLst>
+            <pc:docMk/>
+            <pc:sldMk cId="1406395856" sldId="449"/>
+            <ac:inkMk id="7" creationId="{AF7C7712-C7F9-4E9D-B702-1F501A9559FB}"/>
+          </ac:inkMkLst>
+        </pc:inkChg>
+        <pc:inkChg chg="add mod">
+          <ac:chgData name="Joshi, Harshit" userId="30597ebd-45f8-44e9-a4af-78399cda5ac2" providerId="ADAL" clId="{4369AF05-9896-49E1-BEC9-99D771CD00B2}" dt="2019-03-20T09:53:51.660" v="1366" actId="164"/>
+          <ac:inkMkLst>
+            <pc:docMk/>
+            <pc:sldMk cId="1406395856" sldId="449"/>
+            <ac:inkMk id="8" creationId="{9DF3AF74-C439-46C0-BC7E-60897B44AD3A}"/>
+          </ac:inkMkLst>
+        </pc:inkChg>
+      </pc:sldChg>
+      <pc:sldChg chg="modSp add">
+        <pc:chgData name="Joshi, Harshit" userId="30597ebd-45f8-44e9-a4af-78399cda5ac2" providerId="ADAL" clId="{4369AF05-9896-49E1-BEC9-99D771CD00B2}" dt="2019-03-20T10:01:34.411" v="1531" actId="20577"/>
+        <pc:sldMkLst>
+          <pc:docMk/>
+          <pc:sldMk cId="3840524380" sldId="450"/>
+        </pc:sldMkLst>
+        <pc:spChg chg="mod">
+          <ac:chgData name="Joshi, Harshit" userId="30597ebd-45f8-44e9-a4af-78399cda5ac2" providerId="ADAL" clId="{4369AF05-9896-49E1-BEC9-99D771CD00B2}" dt="2019-03-20T10:01:34.411" v="1531" actId="20577"/>
+          <ac:spMkLst>
+            <pc:docMk/>
+            <pc:sldMk cId="3840524380" sldId="450"/>
+            <ac:spMk id="2" creationId="{641AA39A-9C07-435E-969A-186DA69963B3}"/>
+          </ac:spMkLst>
+        </pc:spChg>
+        <pc:spChg chg="mod">
+          <ac:chgData name="Joshi, Harshit" userId="30597ebd-45f8-44e9-a4af-78399cda5ac2" providerId="ADAL" clId="{4369AF05-9896-49E1-BEC9-99D771CD00B2}" dt="2019-03-20T09:56:35" v="1388" actId="1076"/>
+          <ac:spMkLst>
+            <pc:docMk/>
+            <pc:sldMk cId="3840524380" sldId="450"/>
+            <ac:spMk id="3" creationId="{D1EFDC28-C9AF-4809-9504-1EE28A48DFB4}"/>
           </ac:spMkLst>
         </pc:spChg>
       </pc:sldChg>
@@ -748,6 +821,34 @@
   </p:cSld>
   <p:clrMap bg1="lt1" tx1="dk1" bg2="lt2" tx2="dk2" accent1="accent1" accent2="accent2" accent3="accent3" accent4="accent4" accent5="accent5" accent6="accent6" hlink="hlink" folHlink="folHlink"/>
 </p:handoutMaster>
+</file>
+
+<file path=ppt/ink/ink1.xml><?xml version="1.0" encoding="utf-8"?>
+<inkml:ink xmlns:inkml="http://www.w3.org/2003/InkML">
+  <inkml:definitions>
+    <inkml:context xml:id="ctx0">
+      <inkml:inkSource xml:id="inkSrc0">
+        <inkml:traceFormat>
+          <inkml:channel name="X" type="integer" min="-2.14748E9" max="2.14748E9" units="cm"/>
+          <inkml:channel name="Y" type="integer" min="-2.14748E9" max="2.14748E9" units="cm"/>
+        </inkml:traceFormat>
+        <inkml:channelProperties>
+          <inkml:channelProperty channel="X" name="resolution" value="1000" units="1/cm"/>
+          <inkml:channelProperty channel="Y" name="resolution" value="1000" units="1/cm"/>
+        </inkml:channelProperties>
+      </inkml:inkSource>
+      <inkml:timestamp xml:id="ts0" timeString="2019-03-20T09:53:30.058"/>
+    </inkml:context>
+    <inkml:brush xml:id="br0">
+      <inkml:brushProperty name="width" value="0.05" units="cm"/>
+      <inkml:brushProperty name="height" value="0.05" units="cm"/>
+      <inkml:brushProperty name="ignorePressure" value="1"/>
+    </inkml:brush>
+  </inkml:definitions>
+  <inkml:trace contextRef="#ctx0" brushRef="#br0">139 64,'4'1,"-1"0,1 1,-1-1,0 1,0-1,0 1,0 0,0 0,0 1,0-1,-1 1,1-1,-1 1,0 0,1 0,-1 0,-1 0,1 0,0 0,-1 1,0-1,1 0,-1 1,-1-1,1 2,18 33,-16-92,-7-25,2 78,-1 1,0 0,1 1,-1-1,0 0,1 1,-1-1,1 1,-1 0,1 0,-1 0,1 0,-1 0,1 0,0 1,0-1,0 1,0 0,0 0,0-1,0 1,0 1,1-1,-1 0,1 0,0 0,-1 1,1 0,-2 0,5-3,-1-1,0 1,0 0,0 0,0 0,0 0,1 0,-1 0,0 0,0 0,0 0,0 0,0 1,1-1,-1 0,0 1,0-1,0 1,0-1,0 1,0 0,0-1,0 1,-1 0,1 0,0 0,0 0,-1 0,1-1,0 1,-1 0,1 1,-1-1,1 0,-1 0,0 0,1 0,-1 0,0 0,0 0,0 1,0-1,0 0,0 0,0 0,0 0,0 1,0-1,-1 0,1 0,0 0,-1 0,1 0,-1 0,1 0,-1 0,0 0,0 1,5-2,1 1,-1-1,0 0,1 0,-1 0,0-1,1 1,-1-1,0 0,0-1,1 1,-1-1,0 0,0 0,-1 0,1 0,0 0,-1-1,1 0,-1 0,0 0,0 0,0 0,0-1,-1 1,1-1,0-2,-68 11,-66 19,131-21,0 0,0-1,1 1,-1 0,1 0,-1-1,1 1,0 0,0-1,0 1,0-1,0 1,1-1,-1 0,1 1,-1-1,1 0,0 0,0 0,0 0,0-1,0 1,0 0,1-1,-1 0,1 1,-1-1,1 0,-1 0,1 1,1 1,-1-1,0 0,1 0,-1 0,1 0,0 0,0-1,-1 0,1 0,0 0,0 0,0-1,0 1,0-1,0 0,0 0,0-1,0 1,0-1,0 0,0 0,0 0,0 0,-1-1,1 1,0-1,-1 0,1 0,-1-1,0 1,0-1,0 1,0-1,0 0,2-3,111-68,-117 73,0-1,-1 0,1 0,0 0,-1 1,1-1,-1 0,0 1,1-1,-1 1,0 0,0 0,0 0,0 0,0 0,0 0,0 0,0 1,0-1,-1 1,1-1,0 1,0 0,0 0,-1 0,1 0,-2 1,-86-2,90 2,0 0,0 0,0 0,1 0,-1 0,0 0,0 0,1 0,-1 0,1-1,-1 1,1 0,-1 0,1 0,0 0,-1-1,1 1,0 0,0-1,-1 1,1 0,0-1,0 1,0-1,0 0,0 1,0-1,0 1,0-1,0 0,0 0,0 0,0 0,0 0,0 0,0 0,0 0,0 0,0 0,0 0,0-1,0 1,0 0,0-1,0 1,0-1,7 2,1-1,0-1,-1 1,1-1,-1-1,0 0,1 0,-1 0,0-1,0 0,0-1,-1 0,1 0,-1-1,5-3,-13 6,0 1,0 0,0 0,0 0,0 0,-1 0,1 0,0 0,-1 0,1 0,0 1,-1-1,0 0,1 1,-1-1,1 1,-1 0,1 0,-1-1,0 1,1 0,-1 0,1 1,-1-1,0 0,1 0,-1 1,1-1,-1 1,1-1,-1 1,1 0,-1 0,1 0,0-1,-1 2,-2 2,0 1,0 0,0 0,0 0,1 1,0-1,0 1,1-1,-1 1,1 0,0 0,1 0,0 1,0-1,0 0,0 0,1 1,0-1,1 0,-1 1,1-1,1 0,-1 0,1 0,2 6,-4-13,0 0,0 0,0 0,0 0,0 0,0 0,0 1,0-1,1 0,-1 0,0 0,1 0,-1 0,0 0,1 1,-1-1,1 0,0 0,-1 1,1-1,-1 0,1 1,0-1,0 1,-1-1,1 1,0-1,0 1,0-1,-1 1,1 0,0-1,0 1,0 0,0 0,0 0,0 0,0 0,0 0,0 0,0 0,-1 0,1 0,0 0,0 1,0-1,0 0,0 0,0 1,-1-1,1 1,0-1,0 1,-1-1,1 1,0 0,-1-1,1 1,0 0,-1-1,1 1,-1 0,1 0,-1 0,1 0,-1-1,0 1,1 1,1-17,0 1,0 0,-2-1,1 1,-2-1,0 1,-1-1,0 1,-1 0,-3-8,4 23,0 0,1 0,-1 0,0 0,1 0,-1 0,1 0,-1 1,1-1,0 0,0 1,-1-1,1 1,0 0,0-1,1 1,-1 0,0 0,0-1,1 1,-1 0,1 0,0 0,0 0,-1 0,1 0,0 0,1 0,-1-1,0 1,0 0,1 0,0 2,-1-3,-3 25,-29 96,28-120,1-1,0 0,-1 1,1-1,-1 0,1-1,-1 1,0-1,1 0,-1 0,0 0,1 0,-1 0,1-1,-1 0,0 1,1-2,-1 1,1 0,0 0,-1-1,1 0,0 0,0 0,0 0,0 0,1-1,-1 1,-1-2,-25-13,-22 8,61 7,1 2,22-10,-55-1,23 11,0 1,0-1,-1 0,1 1,0-1,0 1,-1-1,1 1,0-1,-1 1,1-1,0 1,-1 0,1-1,-1 1,1 0,-1 0,0-1,1 1,-1 0,0 0,1 0,-1-1,0 1,0 0,0 0,0 0,1 0,-1-1,0 1,-1 0,1 0,0 0,0 0,0 0,0-1,-1 1,1 0,0 0,-1 0,1-1,-1 1,1 0,-1-1,1 1,-1 0,1-1,-1 1,0 0,1-1,-1 1,-1-1,213 5,57-79,-268 72,-1-1,1 1,-1 0,0 0,1 0,-1 0,0 0,0 0,0 1,-1-1,1 0,0 0,-1 1,1-1,-1 1,0-1,1 1,-1 0,0 0,0-1,0 1,0 1,1-1,-2 0,1 0,0 1,0-1,0 1,0-1,-2 1,-4-2,0 0,0 0,0 1,0 0,0 1,0 0,0 0,0 0,0 1,0 1,0-1,0 1,0 0,0 1,1 0,-1 0,1 1,0 0,0 0,-1 2,56-22,-34 11,31-9,-67 25,-103 33,171-28,46-23,-134-9,-41 13,246-25,-307 28,120-26,22 26,1 0,-1 0,0 1,0-1,1 1,-1-1,1 1,-1 0,0-1,1 1,-1 0,1 0,0 0,-1 0,1 0,0 1,0-1,0 0,0 1,0-1,0 1,0-1,0 1,0-1,1 1,-1-1,0 1,1 0,0-1,-1 1,1 0,0 0,0-1,0 1,0 0,0-1,0 1,1 0,-1 0,0-1,1 1,0 0,-1-1,1 1,0-1,0 1,0-1,-1 1,2-1,-1 0,0 1,0-1,0 0,1 0,-1 0,0 0,1 0,-1 0,1 0,0 0,-1-1,0 1,5 5,0 0,0-1,0 1,0-1,1-1,0 1,0-1,0 0,1-1,-1 0,1 0,0 0,0-1,0 0,0-1,0 0,8 0,71-72,-88 72,1-1,-1 0,0 1,0-1,0 0,0 1,-1-1,1 0,0 0,0 0,0 0,0 0,0 0,0 0,0 0,0-1,0 1,0 0,0-1,0 1,0 0,0-1,0 1,0-1,1 0,-1 1,0-1,0 0,0 1,1-1,-1 0,0 0,1 0,-1 1,1-1,-1 0,1 0,-1 0,1 0,0 0,-1 0,1 0,0 0,0 0,0 0,0 0,0-1,0 1,0 0,0 0,0 0,0 0,1 0,-1 0,0 0,1 0,-1 0,1 0,-1 0,1 1,-1-1,1 0,0 0,-7 0,4 0,0 0,1 0,-1 0,0 0,0 0,0 0,0 0,0 1,0-1,-1 1,1 0,0-1,0 1,0 0,0 0,0 0,-1 1,1-1,0 0,0 1,0-1,0 1,0 0,0 0,0 0,0 0,0 0,0 0,1 0,-1 1,0-1,1 1,-1-1,1 1,0-1,-1 1,1 0,0 0,0 0,0 0,0 0,0 0,1 0,-1 0,0 0,1 0,0 0,-1 0,1 0,0 1,0-1,0 0,1 0,-1 0,0 0,1 0,0 1,0 0,1 2,1-1,0 1,0-1,0 1,0-1,1 0,0-1,0 1,0 0,0-1,0 0,1 0,-1 0,1-1,0 0,0 1,0-2,0 1,0 0,0-1,1 0,-1-1,0 1,1-1,-1 0,0 0,1 0,1-1,-3-5,0 0,0 0,-1 0,0 0,0-1,0 1,-1-1,0 0,0 1,-1-1,0 0,0 0,-1 0,0 0,0 0,0 0,-1 0,0 0,-1-3,2 11,0 1,0-1,-1 1,1-1,0 0,0 1,-1-1,1 1,-1-1,0 0,1 1,-1-1,0 0,1 0,-1 1,0-1,0 0,0 0,0 0,0 0,-1 0,1 0,0-1,0 1,-1 0,1-1,0 1,-1 0,1-1,0 0,-1 1,1-1,-1 0,1 0,-1 1,1-1,-1 0,1-1,0 1,-1 0,1 0,-1-1,1 1,-1-1,1 1,0-1,-1 1,1-1,0 0,0 0,0 0,-1 1,1-1,0 0,0-1,0 1,0 0,0 0,1 0,-1 0,0-1,1 1,-1 0,1-1,-1 1,1-1,-1 0,2 113,-1-112,0 0,-1 0,1 0,0 0,0 0,0 0,0-1,0 1,0 0,0 0,0 0,0 0,1 0,-1 0,0 0,1 0,-1 0,1 0,-1 0,1 0,-1 0,1 0,0 0,-1 0,1 0,0 0,0 1,0-1,0 0,-1 1,1-1,0 0,0 1,0-1,0 1,1 0,-1-1,0 1,0 0,0 0,0-1,0 1,0 0,0 0,1 0,-1 1,0-1,0 0,0 0,0 0,0 1,0-1,0 1,0-1,0 1,0-1,0 1,0 0,0-1,0 1,0 0,-1 0,1-1,0 1,0 0,-1 0,1 1,-3-7,-1 0,0 1,0-1,0 1,0 0,-1 0,0 0,0 1,0-1,0 1,0 0,-1 0,1 0,-1 1,0-1,0 1,0 0,0 1,-2-1,5 5,0 0,0 0,0 0,0 0,1 0,-1 0,1 1,0-1,0 0,0 1,1-1,-1 1,1-1,-1 1,1-1,0 1,1 0,-1-1,1 1,-1-1,1 1,1 1,-2 1,1-4,1 1,-1 0,0-1,0 1,1-1,0 1,-1-1,1 0,0 0,0 0,0 0,1 0,-1 0,0-1,1 1,-1-1,1 1,-1-1,1 0,0 0,-1 0,1 0,0-1,0 1,0-1,0 1,0-1,-1 0,1 0,0-1,0 1,0-1,0 1,-1-1,1 0,0 0,0 0,-1 0,1 0,-1-1,1 1,-1-1,0 0,1 0,-1 0,0 0,0 0,0 0,-1 0,1-1,0 1,0-1,-2-2,1 1,0 0,0 0,1 0,-1 1,1-1,0 0,0 0,0 1,1-1,-1 1,1 0,0 0,0 0,0 0,0 0,0 1,1-1,-1 1,1 0,0 0,-1 0,1 0,0 1,0 0,0 0,0 0,1 0,-1 0,0 1,3 0,133-32,-139 32,0-1,0 0,0 0,-1 0,1 1,0-1,-1 0,1 0,-1 0,1 0,-1 0,1 0,-1 0,0 0,0 0,1-1,-1 1,0 0,0 0,0 0,0 0,0 0,0 0,-1 0,1 0,0 0,-1-1,1 1,0 0,-1 0,1 0,-1 1,1-1,-1 0,0 0,1 0,-1 0,0 0,0 1,0-1,0 0,1 1,-1-1,0 1,0-1,0 1,0-1,0 1,0-1,0 1,-1 0,1 0,0 0,0-1,0 1,0 0,0 1,0-1,0 0,0 0,0 0,-1 0,1 1,0-1,0 1,0-1,0 0,-8-1,0 0,0 0,1 1,-1 1,0-1,0 1,0 1,1-1,-1 1,1 1,-1 0,1 0,0 1,0 0,-2 2,10-4,1 0,0 0,0 0,1 0,-1 0,0 0,1 0,-1 0,1-1,0 1,-1 0,1-1,0 0,0 1,0-1,0 0,0 0,0 0,1 0,-1 0,0 0,0-1,1 1,-1-1,0 0,1 1,-1-1,0 0,1-1,1 1,87 0,-132 17,-39-6,143-39,-55 26,-8 1,-1 1,0-1,0 1,1-1,-1 1,0-1,1 1,-1-1,1 0,-1 1,1-1,-1 0,1 0,-1 1,1-1,0 0,-1 0,1 0,0 1,0-1,0 0,-1 0,1 0,0 0,0 0,0 1,1-1,-1 0,0 0,0 0,0 0,1 1,-1-1,0 0,1 0,-1 0,0 1,1-1,-1 0,1 1,-1-1,1 0,0 1,-1-1,1 1,0-1,-1 1,1-1,0 1,0-1,-1 1,1 0,0-1,0 1,0 0,0 0,-1-1,1 1,0 0,0 0,0 0,0 0,0 0,0 1,-1-2,-1 0,1 0,-1 1,0-1,1 0,-1 0,0 1,1-1,-1 1,0-1,1 1,-1-1,0 1,0-1,0 1,0 0,1-1,-1 1,0 0,0 0,0-1,0 1,0 0,0 0,0 0,0 0,0 0,1 1,-1-1,0 0,0 0,0 1,0-1,0 0,0 1,1-1,-1 1,0-1,0 1,1-1,-1 1,0-1,1 1,-1 0,0 0,1-1,-1 1,1 0,-1 0,1-1,0 1,-1 0,1 0,0 0,-3 60,4-36,-2-26,0 1,0-1,1 1,-1-1,0 1,0-1,1 1,-1-1,1 0,-1 1,0-1,1 0,0 0,-1 0,1 1,-1-1,1 0,0 0,-1 0,1 0,0 0,0 1,0-1,0 0,0 0,0 0,0 0,0 0,0 0,0 0,1 1,-1-1,0 0,0 0,1 0,-1 0,1 1,-1-1,1 0,-1 0,1 1,-1-1,1 0,0 1,-1-1,1 1,0-1,-1 0,1 1,0 0,0-1,0 1,0 0,-1-1,1 1,0 0,0 0,0-1,0 1,0 0,0 0,0 0,-1 0,1 0,0 1,0-1,0 0,0 0,0 1,0-1,-10-3,0 1,0 0,0 0,0 1,0 0,-1 1,1 0,0 0,-1 1,1 0,0 1,0 0,-2 0,11-2,1 0,-1 0,1 0,-1 0,1 1,-1-1,1 0,-1 0,1 0,-1 0,1 0,-1 1,0-1,1 0,-1 0,1 1,-1-1,0 0,1 1,-1-1,0 0,1 1,-1-1,0 0,1 1,-1-1,0 1,0-1,0 1,1-1,-1 0,0 1,0-1,0 1,0-1,0 1,0-1,0 1,0-1,0 1,0-1,0 1,0-1,0 1,0-1,-1 1,1-1,0 1,0-1,0 0,-1 1,1-1,0 1,-1-1,1 0,0 1,-1-1,1 0,0 1,-1-1,1 0,-1 0,1 1,0-1,-1 0,41 9,98-4,-296 24,207-20,71-14,-349-41,-33 71,167-28,133-14,-27 14,1 1,0 1,0 0,0 0,0 1,0 1,0 0,0 1,0 0,-1 1,1 0,-1 0,5 3,2 0,-1-2,2 0,-1-1,0-1,1-1,-1 0,1-1,-1-1,1-1,2-1,-20 3,0 0,0 1,0-1,0 0,0 0,1 0,-1 1,0-1,0-1,0 1,0 0,0 0,1 0,-1-1,0 1,0 0,0-1,0 1,0-1,0 1,0-1,0 0,0 1,0-1,-1 0,1 0,0 1,0-1,0 0,-1 0,1 0,-1 0,1 0,-1 0,1 0,-1 0,1 0,-1 0,0-1,0 1,0 0,1 0,-1 0,0 0,0 0,-1-1,1 1,0 0,0 0,0 0,-1 0,1 0,-1 0,1 0,-1 0,1 0,-1 0,1 0,-1 0,0 0,0 0,1 0,-1 1,0-1,0 0,0 1,-1-2,-65-48,30 39,0 1,0 2,-1 2,0 2,0 1,0 2,-1 1,-29 5,-38-3,40 0,98 20,19-2,0-3,1-2,0-3,1-2,0-2,1-2,0-3,36-3,53-1,-144 0,1 1,-1 0,1-1,-1 1,1 0,-1-1,1 1,-1 0,1-1,-1 1,1-1,0 1,-1-1,1 1,0-1,-1 1,1-1,0 1,0-1,-1 0,1 1,0-1,0 1,0-1,0 0,0 1,0-1,0 1,0-1,0 0,0 1,0-1,0 1,1-1,-1 0,0 1,0-1,1 1,-1-1,0 1,1-1,-1 1,0-1,1 1,-1-1,1 1,-1-1,1 1,-1 0,1-1,-1 1,1 0,-1 0,1-1,-1 1,1 0,0 0,-1 0,1 0,-1-1,1 1,0 0,-1 0,1 0,-1 0,1 1,0-1,-1 0,1 0,-50-29,39 24,-5-4,7 4,1-1,-2 1,1 0,0 0,-1 1,0 0,0 1,0 0,-1 1,1-1,-1 2,1-1,-1 1,0 1,1 0,-1 0,0 1,1 0,-1 1,-3 1,-203 61,205-54,44-9,472-24,-447 23,-345-38,-66 40,233 37,-21-27,132-10</inkml:trace>
+  <inkml:trace contextRef="#ctx0" brushRef="#br0" timeOffset="2326.737">308 165,'-170'-15,"169"14,0 0,0 1,0-1,0 1,0-1,0 0,0 0,1 0,-1 0,0 0,0 1,1-1,-1 0,1-1,-1 1,1 0,-1 0,1 0,-1 0,1 0,0 0,0 0,0-1,0 1,0 0,0 0,0 0,0-1,0 1,0 0,1 0,-1 0,0 0,1 0,-1 0,1-1,-1 1,1 0,0 0,-1 1,1-1,0 0,0 0,-1 0,1 0,0 1,0-1,0 0,0 1,0-1,0 1,0-1,1 1,-1-1,0 1,0 0,0-1,0 1,0 0,1 0,-1 0,0 0,0 0,0 0,1 1,5-6,-50 6,18 3,15-1</inkml:trace>
+  <inkml:trace contextRef="#ctx0" brushRef="#br0" timeOffset="3030.522">200 151,'-1'0,"-3"0,-2 0,0 0,-3 0,-1-1,0 0,-1-2,-1-1,1 1,-1-1,0 1,2 0</inkml:trace>
+</inkml:ink>
 </file>
 
 <file path=ppt/notesMasters/notesMaster1.xml><?xml version="1.0" encoding="utf-8"?>
@@ -1135,7 +1236,7 @@
             <a:fld id="{7D8C2C35-2B8A-446E-BEC0-FD36716C29AC}" type="slidenum">
               <a:rPr lang="de-DE" smtClean="0"/>
               <a:pPr/>
-              <a:t>15</a:t>
+              <a:t>16</a:t>
             </a:fld>
             <a:endParaRPr lang="de-DE" dirty="0"/>
           </a:p>
@@ -8504,46 +8605,123 @@
           </a:p>
         </p:txBody>
       </p:sp>
-      <p:pic>
-        <p:nvPicPr>
-          <p:cNvPr id="4098" name="Picture 2" descr="Image result for supervised learning">
+      <p:grpSp>
+        <p:nvGrpSpPr>
+          <p:cNvPr id="2" name="Group 1">
             <a:extLst>
               <a:ext uri="{FF2B5EF4-FFF2-40B4-BE49-F238E27FC236}">
-                <a16:creationId xmlns:a16="http://schemas.microsoft.com/office/drawing/2014/main" id="{DF82D382-5235-40CE-8EAE-96908860E31A}"/>
+                <a16:creationId xmlns:a16="http://schemas.microsoft.com/office/drawing/2014/main" id="{152DD07A-5679-4939-A9B4-75C16F896D98}"/>
               </a:ext>
             </a:extLst>
           </p:cNvPr>
-          <p:cNvPicPr>
-            <a:picLocks noChangeAspect="1" noChangeArrowheads="1"/>
-          </p:cNvPicPr>
+          <p:cNvGrpSpPr/>
           <p:nvPr/>
-        </p:nvPicPr>
-        <p:blipFill>
-          <a:blip r:embed="rId2">
-            <a:extLst>
-              <a:ext uri="{28A0092B-C50C-407E-A947-70E740481C1C}">
-                <a14:useLocalDpi xmlns:a14="http://schemas.microsoft.com/office/drawing/2010/main" val="0"/>
-              </a:ext>
-            </a:extLst>
-          </a:blip>
-          <a:srcRect/>
-          <a:stretch>
-            <a:fillRect/>
-          </a:stretch>
-        </p:blipFill>
-        <p:spPr bwMode="auto">
+        </p:nvGrpSpPr>
+        <p:grpSpPr>
           <a:xfrm>
             <a:off x="1379897" y="1354090"/>
-            <a:ext cx="9435380" cy="4149820"/>
+            <a:ext cx="9435380" cy="4286551"/>
+            <a:chOff x="1379897" y="1354090"/>
+            <a:chExt cx="9435380" cy="4286551"/>
           </a:xfrm>
-          <a:prstGeom prst="rect">
-            <a:avLst/>
-          </a:prstGeom>
-          <a:solidFill>
-            <a:schemeClr val="tx1"/>
-          </a:solidFill>
-        </p:spPr>
-      </p:pic>
+        </p:grpSpPr>
+        <p:pic>
+          <p:nvPicPr>
+            <p:cNvPr id="4098" name="Picture 2" descr="Image result for supervised learning">
+              <a:extLst>
+                <a:ext uri="{FF2B5EF4-FFF2-40B4-BE49-F238E27FC236}">
+                  <a16:creationId xmlns:a16="http://schemas.microsoft.com/office/drawing/2014/main" id="{DF82D382-5235-40CE-8EAE-96908860E31A}"/>
+                </a:ext>
+              </a:extLst>
+            </p:cNvPr>
+            <p:cNvPicPr>
+              <a:picLocks noChangeAspect="1" noChangeArrowheads="1"/>
+            </p:cNvPicPr>
+            <p:nvPr/>
+          </p:nvPicPr>
+          <p:blipFill>
+            <a:blip r:embed="rId2">
+              <a:extLst>
+                <a:ext uri="{28A0092B-C50C-407E-A947-70E740481C1C}">
+                  <a14:useLocalDpi xmlns:a14="http://schemas.microsoft.com/office/drawing/2010/main" val="0"/>
+                </a:ext>
+              </a:extLst>
+            </a:blip>
+            <a:srcRect/>
+            <a:stretch>
+              <a:fillRect/>
+            </a:stretch>
+          </p:blipFill>
+          <p:spPr bwMode="auto">
+            <a:xfrm>
+              <a:off x="1379897" y="1354090"/>
+              <a:ext cx="9435380" cy="4149820"/>
+            </a:xfrm>
+            <a:prstGeom prst="rect">
+              <a:avLst/>
+            </a:prstGeom>
+            <a:solidFill>
+              <a:schemeClr val="tx1"/>
+            </a:solidFill>
+          </p:spPr>
+        </p:pic>
+        <p:sp>
+          <p:nvSpPr>
+            <p:cNvPr id="4" name="TextBox 3">
+              <a:extLst>
+                <a:ext uri="{FF2B5EF4-FFF2-40B4-BE49-F238E27FC236}">
+                  <a16:creationId xmlns:a16="http://schemas.microsoft.com/office/drawing/2014/main" id="{12F642AD-6A34-48A6-8D92-77F88B3D4BF0}"/>
+                </a:ext>
+              </a:extLst>
+            </p:cNvPr>
+            <p:cNvSpPr txBox="1"/>
+            <p:nvPr/>
+          </p:nvSpPr>
+          <p:spPr>
+            <a:xfrm>
+              <a:off x="10441777" y="5517530"/>
+              <a:ext cx="373500" cy="123111"/>
+            </a:xfrm>
+            <a:prstGeom prst="rect">
+              <a:avLst/>
+            </a:prstGeom>
+            <a:noFill/>
+          </p:spPr>
+          <p:txBody>
+            <a:bodyPr wrap="none" lIns="0" tIns="0" rIns="0" bIns="0" rtlCol="0">
+              <a:spAutoFit/>
+            </a:bodyPr>
+            <a:lstStyle/>
+            <a:p>
+              <a:pPr fontAlgn="base">
+                <a:spcBef>
+                  <a:spcPct val="50000"/>
+                </a:spcBef>
+                <a:spcAft>
+                  <a:spcPct val="0"/>
+                </a:spcAft>
+                <a:buClr>
+                  <a:srgbClr val="F0AB00"/>
+                </a:buClr>
+                <a:buSzPct val="80000"/>
+              </a:pPr>
+              <a:r>
+                <a:rPr lang="en-US" sz="800" i="1" kern="0" dirty="0">
+                  <a:solidFill>
+                    <a:schemeClr val="bg1">
+                      <a:lumMod val="50000"/>
+                      <a:lumOff val="50000"/>
+                    </a:schemeClr>
+                  </a:solidFill>
+                  <a:ea typeface="Arial Unicode MS" pitchFamily="34" charset="-128"/>
+                  <a:cs typeface="Arial Unicode MS" pitchFamily="34" charset="-128"/>
+                </a:rPr>
+                <a:t>Image 5</a:t>
+              </a:r>
+            </a:p>
+          </p:txBody>
+        </p:sp>
+      </p:grpSp>
     </p:spTree>
     <p:extLst>
       <p:ext uri="{BB962C8B-B14F-4D97-AF65-F5344CB8AC3E}">
@@ -8602,44 +8780,121 @@
           </a:p>
         </p:txBody>
       </p:sp>
-      <p:pic>
-        <p:nvPicPr>
-          <p:cNvPr id="5122" name="Picture 2" descr="Reinforcement Training - Machine Learning Tutorial - Edureka">
+      <p:grpSp>
+        <p:nvGrpSpPr>
+          <p:cNvPr id="2" name="Group 1">
             <a:extLst>
               <a:ext uri="{FF2B5EF4-FFF2-40B4-BE49-F238E27FC236}">
-                <a16:creationId xmlns:a16="http://schemas.microsoft.com/office/drawing/2014/main" id="{54AA0752-7455-429A-8F4F-5A842B0DE8B2}"/>
+                <a16:creationId xmlns:a16="http://schemas.microsoft.com/office/drawing/2014/main" id="{BFB8D365-8A0B-4C0E-81C6-081E9532F4E1}"/>
               </a:ext>
             </a:extLst>
           </p:cNvPr>
-          <p:cNvPicPr>
-            <a:picLocks noChangeAspect="1" noChangeArrowheads="1"/>
-          </p:cNvPicPr>
+          <p:cNvGrpSpPr/>
           <p:nvPr/>
-        </p:nvPicPr>
-        <p:blipFill rotWithShape="1">
-          <a:blip r:embed="rId2">
-            <a:extLst>
-              <a:ext uri="{28A0092B-C50C-407E-A947-70E740481C1C}">
-                <a14:useLocalDpi xmlns:a14="http://schemas.microsoft.com/office/drawing/2010/main" val="0"/>
-              </a:ext>
-            </a:extLst>
-          </a:blip>
-          <a:srcRect t="6052" b="4101"/>
-          <a:stretch/>
-        </p:blipFill>
-        <p:spPr bwMode="auto">
+        </p:nvGrpSpPr>
+        <p:grpSpPr>
           <a:xfrm>
             <a:off x="692149" y="1219200"/>
-            <a:ext cx="10810875" cy="5134800"/>
+            <a:ext cx="10810875" cy="5257911"/>
+            <a:chOff x="692149" y="1219200"/>
+            <a:chExt cx="10810875" cy="5257911"/>
           </a:xfrm>
-          <a:prstGeom prst="rect">
-            <a:avLst/>
-          </a:prstGeom>
-          <a:solidFill>
-            <a:schemeClr val="tx1"/>
-          </a:solidFill>
-        </p:spPr>
-      </p:pic>
+        </p:grpSpPr>
+        <p:pic>
+          <p:nvPicPr>
+            <p:cNvPr id="5122" name="Picture 2" descr="Reinforcement Training - Machine Learning Tutorial - Edureka">
+              <a:extLst>
+                <a:ext uri="{FF2B5EF4-FFF2-40B4-BE49-F238E27FC236}">
+                  <a16:creationId xmlns:a16="http://schemas.microsoft.com/office/drawing/2014/main" id="{54AA0752-7455-429A-8F4F-5A842B0DE8B2}"/>
+                </a:ext>
+              </a:extLst>
+            </p:cNvPr>
+            <p:cNvPicPr>
+              <a:picLocks noChangeAspect="1" noChangeArrowheads="1"/>
+            </p:cNvPicPr>
+            <p:nvPr/>
+          </p:nvPicPr>
+          <p:blipFill rotWithShape="1">
+            <a:blip r:embed="rId2">
+              <a:extLst>
+                <a:ext uri="{28A0092B-C50C-407E-A947-70E740481C1C}">
+                  <a14:useLocalDpi xmlns:a14="http://schemas.microsoft.com/office/drawing/2010/main" val="0"/>
+                </a:ext>
+              </a:extLst>
+            </a:blip>
+            <a:srcRect t="6052" b="4101"/>
+            <a:stretch/>
+          </p:blipFill>
+          <p:spPr bwMode="auto">
+            <a:xfrm>
+              <a:off x="692149" y="1219200"/>
+              <a:ext cx="10810875" cy="5134800"/>
+            </a:xfrm>
+            <a:prstGeom prst="rect">
+              <a:avLst/>
+            </a:prstGeom>
+            <a:solidFill>
+              <a:schemeClr val="tx1"/>
+            </a:solidFill>
+          </p:spPr>
+        </p:pic>
+        <p:sp>
+          <p:nvSpPr>
+            <p:cNvPr id="4" name="TextBox 3">
+              <a:extLst>
+                <a:ext uri="{FF2B5EF4-FFF2-40B4-BE49-F238E27FC236}">
+                  <a16:creationId xmlns:a16="http://schemas.microsoft.com/office/drawing/2014/main" id="{C892FD08-1CD5-479D-9785-20E47F2B74F6}"/>
+                </a:ext>
+              </a:extLst>
+            </p:cNvPr>
+            <p:cNvSpPr txBox="1"/>
+            <p:nvPr/>
+          </p:nvSpPr>
+          <p:spPr>
+            <a:xfrm>
+              <a:off x="11129524" y="6354000"/>
+              <a:ext cx="373500" cy="123111"/>
+            </a:xfrm>
+            <a:prstGeom prst="rect">
+              <a:avLst/>
+            </a:prstGeom>
+            <a:noFill/>
+          </p:spPr>
+          <p:txBody>
+            <a:bodyPr wrap="none" lIns="0" tIns="0" rIns="0" bIns="0" rtlCol="0">
+              <a:spAutoFit/>
+            </a:bodyPr>
+            <a:lstStyle/>
+            <a:p>
+              <a:pPr fontAlgn="base">
+                <a:spcBef>
+                  <a:spcPct val="50000"/>
+                </a:spcBef>
+                <a:spcAft>
+                  <a:spcPct val="0"/>
+                </a:spcAft>
+                <a:buClr>
+                  <a:srgbClr val="F0AB00"/>
+                </a:buClr>
+                <a:buSzPct val="80000"/>
+              </a:pPr>
+              <a:r>
+                <a:rPr lang="en-US" sz="800" i="1" kern="0" dirty="0">
+                  <a:solidFill>
+                    <a:schemeClr val="bg1">
+                      <a:lumMod val="50000"/>
+                      <a:lumOff val="50000"/>
+                    </a:schemeClr>
+                  </a:solidFill>
+                  <a:ea typeface="Arial Unicode MS" pitchFamily="34" charset="-128"/>
+                  <a:cs typeface="Arial Unicode MS" pitchFamily="34" charset="-128"/>
+                </a:rPr>
+                <a:t>Image 6</a:t>
+              </a:r>
+            </a:p>
+          </p:txBody>
+        </p:sp>
+      </p:grpSp>
     </p:spTree>
     <p:extLst>
       <p:ext uri="{BB962C8B-B14F-4D97-AF65-F5344CB8AC3E}">
@@ -8790,11 +9045,38 @@
             <p:ph type="body" sz="quarter" idx="10"/>
           </p:nvPr>
         </p:nvSpPr>
-        <p:spPr/>
+        <p:spPr>
+          <a:xfrm>
+            <a:off x="504001" y="1620000"/>
+            <a:ext cx="5090887" cy="4716000"/>
+          </a:xfrm>
+        </p:spPr>
         <p:txBody>
           <a:bodyPr/>
           <a:lstStyle/>
           <a:p>
+            <a:pPr algn="just"/>
+            <a:r>
+              <a:rPr lang="en-US" dirty="0"/>
+              <a:t>The art of uncovering the insights and trends in data has been around since ancient times. </a:t>
+            </a:r>
+          </a:p>
+          <a:p>
+            <a:pPr algn="just"/>
+            <a:r>
+              <a:rPr lang="en-US" dirty="0"/>
+              <a:t>The ancient Egyptians used census data to increase efficiency in tax collection and they accurately predicted the flooding of the Nile river every year.</a:t>
+            </a:r>
+          </a:p>
+          <a:p>
+            <a:pPr algn="just"/>
+            <a:r>
+              <a:rPr lang="en-US" dirty="0"/>
+              <a:t>Data Science is a blend of various tools, algorithms, and machine learning principles with the goal to discover hidden patterns from the raw data.</a:t>
+            </a:r>
+          </a:p>
+          <a:p>
+            <a:pPr algn="just"/>
             <a:endParaRPr lang="en-US" dirty="0"/>
           </a:p>
         </p:txBody>
@@ -8827,6 +9109,202 @@
           </a:p>
         </p:txBody>
       </p:sp>
+      <p:grpSp>
+        <p:nvGrpSpPr>
+          <p:cNvPr id="11" name="Group 10">
+            <a:extLst>
+              <a:ext uri="{FF2B5EF4-FFF2-40B4-BE49-F238E27FC236}">
+                <a16:creationId xmlns:a16="http://schemas.microsoft.com/office/drawing/2014/main" id="{0847D55D-82C8-4B88-983E-2CBBCC43BE42}"/>
+              </a:ext>
+            </a:extLst>
+          </p:cNvPr>
+          <p:cNvGrpSpPr/>
+          <p:nvPr/>
+        </p:nvGrpSpPr>
+        <p:grpSpPr>
+          <a:xfrm>
+            <a:off x="7183828" y="1620000"/>
+            <a:ext cx="4506649" cy="4648616"/>
+            <a:chOff x="7183828" y="1620000"/>
+            <a:chExt cx="4506649" cy="4648616"/>
+          </a:xfrm>
+        </p:grpSpPr>
+        <p:grpSp>
+          <p:nvGrpSpPr>
+            <p:cNvPr id="9" name="Group 8">
+              <a:extLst>
+                <a:ext uri="{FF2B5EF4-FFF2-40B4-BE49-F238E27FC236}">
+                  <a16:creationId xmlns:a16="http://schemas.microsoft.com/office/drawing/2014/main" id="{BFBF257E-0232-453D-A551-DE479FC4E58D}"/>
+                </a:ext>
+              </a:extLst>
+            </p:cNvPr>
+            <p:cNvGrpSpPr/>
+            <p:nvPr/>
+          </p:nvGrpSpPr>
+          <p:grpSpPr>
+            <a:xfrm>
+              <a:off x="7183828" y="1620000"/>
+              <a:ext cx="4506649" cy="4525505"/>
+              <a:chOff x="7183828" y="1620000"/>
+              <a:chExt cx="4506649" cy="4525505"/>
+            </a:xfrm>
+          </p:grpSpPr>
+          <p:pic>
+            <p:nvPicPr>
+              <p:cNvPr id="1028" name="Picture 4" descr="http://sudeep.co/images/post_images/2018-02-09-Understanding-the-Data-Science-Lifecycle/chart.png">
+                <a:extLst>
+                  <a:ext uri="{FF2B5EF4-FFF2-40B4-BE49-F238E27FC236}">
+                    <a16:creationId xmlns:a16="http://schemas.microsoft.com/office/drawing/2014/main" id="{13CF2169-2C14-49CD-855A-033E41FCE1A4}"/>
+                  </a:ext>
+                </a:extLst>
+              </p:cNvPr>
+              <p:cNvPicPr>
+                <a:picLocks noChangeAspect="1" noChangeArrowheads="1"/>
+              </p:cNvPicPr>
+              <p:nvPr/>
+            </p:nvPicPr>
+            <p:blipFill>
+              <a:blip r:embed="rId2">
+                <a:extLst>
+                  <a:ext uri="{28A0092B-C50C-407E-A947-70E740481C1C}">
+                    <a14:useLocalDpi xmlns:a14="http://schemas.microsoft.com/office/drawing/2010/main" val="0"/>
+                  </a:ext>
+                </a:extLst>
+              </a:blip>
+              <a:srcRect/>
+              <a:stretch>
+                <a:fillRect/>
+              </a:stretch>
+            </p:blipFill>
+            <p:spPr bwMode="auto">
+              <a:xfrm>
+                <a:off x="7183828" y="1620000"/>
+                <a:ext cx="4506649" cy="4525505"/>
+              </a:xfrm>
+              <a:prstGeom prst="rect">
+                <a:avLst/>
+              </a:prstGeom>
+              <a:noFill/>
+              <a:extLst>
+                <a:ext uri="{909E8E84-426E-40DD-AFC4-6F175D3DCCD1}">
+                  <a14:hiddenFill xmlns:a14="http://schemas.microsoft.com/office/drawing/2010/main">
+                    <a:solidFill>
+                      <a:srgbClr val="FFFFFF"/>
+                    </a:solidFill>
+                  </a14:hiddenFill>
+                </a:ext>
+              </a:extLst>
+            </p:spPr>
+          </p:pic>
+          <mc:AlternateContent xmlns:mc="http://schemas.openxmlformats.org/markup-compatibility/2006">
+            <mc:Choice xmlns:p14="http://schemas.microsoft.com/office/powerpoint/2010/main" Requires="p14">
+              <p:contentPart p14:bwMode="auto" r:id="rId3">
+                <p14:nvContentPartPr>
+                  <p14:cNvPr id="8" name="Ink 7">
+                    <a:extLst>
+                      <a:ext uri="{FF2B5EF4-FFF2-40B4-BE49-F238E27FC236}">
+                        <a16:creationId xmlns:a16="http://schemas.microsoft.com/office/drawing/2014/main" id="{9DF3AF74-C439-46C0-BC7E-60897B44AD3A}"/>
+                      </a:ext>
+                    </a:extLst>
+                  </p14:cNvPr>
+                  <p14:cNvContentPartPr/>
+                  <p14:nvPr/>
+                </p14:nvContentPartPr>
+                <p14:xfrm>
+                  <a:off x="9287269" y="4256168"/>
+                  <a:ext cx="327960" cy="82080"/>
+                </p14:xfrm>
+              </p:contentPart>
+            </mc:Choice>
+            <mc:Fallback>
+              <p:pic>
+                <p:nvPicPr>
+                  <p:cNvPr id="8" name="Ink 7">
+                    <a:extLst>
+                      <a:ext uri="{FF2B5EF4-FFF2-40B4-BE49-F238E27FC236}">
+                        <a16:creationId xmlns:a16="http://schemas.microsoft.com/office/drawing/2014/main" id="{9DF3AF74-C439-46C0-BC7E-60897B44AD3A}"/>
+                      </a:ext>
+                    </a:extLst>
+                  </p:cNvPr>
+                  <p:cNvPicPr/>
+                  <p:nvPr/>
+                </p:nvPicPr>
+                <p:blipFill>
+                  <a:blip r:embed="rId4"/>
+                  <a:stretch>
+                    <a:fillRect/>
+                  </a:stretch>
+                </p:blipFill>
+                <p:spPr>
+                  <a:xfrm>
+                    <a:off x="9278269" y="4247168"/>
+                    <a:ext cx="345600" cy="99720"/>
+                  </a:xfrm>
+                  <a:prstGeom prst="rect">
+                    <a:avLst/>
+                  </a:prstGeom>
+                </p:spPr>
+              </p:pic>
+            </mc:Fallback>
+          </mc:AlternateContent>
+        </p:grpSp>
+        <p:sp>
+          <p:nvSpPr>
+            <p:cNvPr id="10" name="TextBox 9">
+              <a:extLst>
+                <a:ext uri="{FF2B5EF4-FFF2-40B4-BE49-F238E27FC236}">
+                  <a16:creationId xmlns:a16="http://schemas.microsoft.com/office/drawing/2014/main" id="{90F4E9B0-61DF-4A9A-AA56-AB459272AD39}"/>
+                </a:ext>
+              </a:extLst>
+            </p:cNvPr>
+            <p:cNvSpPr txBox="1"/>
+            <p:nvPr/>
+          </p:nvSpPr>
+          <p:spPr>
+            <a:xfrm>
+              <a:off x="11316977" y="6145505"/>
+              <a:ext cx="373500" cy="123111"/>
+            </a:xfrm>
+            <a:prstGeom prst="rect">
+              <a:avLst/>
+            </a:prstGeom>
+            <a:noFill/>
+          </p:spPr>
+          <p:txBody>
+            <a:bodyPr wrap="none" lIns="0" tIns="0" rIns="0" bIns="0" rtlCol="0">
+              <a:spAutoFit/>
+            </a:bodyPr>
+            <a:lstStyle/>
+            <a:p>
+              <a:pPr fontAlgn="base">
+                <a:spcBef>
+                  <a:spcPct val="50000"/>
+                </a:spcBef>
+                <a:spcAft>
+                  <a:spcPct val="0"/>
+                </a:spcAft>
+                <a:buClr>
+                  <a:srgbClr val="F0AB00"/>
+                </a:buClr>
+                <a:buSzPct val="80000"/>
+              </a:pPr>
+              <a:r>
+                <a:rPr lang="en-US" sz="800" i="1" kern="0" dirty="0">
+                  <a:solidFill>
+                    <a:schemeClr val="bg1">
+                      <a:lumMod val="50000"/>
+                      <a:lumOff val="50000"/>
+                    </a:schemeClr>
+                  </a:solidFill>
+                  <a:ea typeface="Arial Unicode MS" pitchFamily="34" charset="-128"/>
+                  <a:cs typeface="Arial Unicode MS" pitchFamily="34" charset="-128"/>
+                </a:rPr>
+                <a:t>Image 7</a:t>
+              </a:r>
+            </a:p>
+          </p:txBody>
+        </p:sp>
+      </p:grpSp>
     </p:spTree>
     <p:extLst>
       <p:ext uri="{BB962C8B-B14F-4D97-AF65-F5344CB8AC3E}">
@@ -9001,6 +9479,150 @@
 </file>
 
 <file path=ppt/slides/slide15.xml><?xml version="1.0" encoding="utf-8"?>
+<p:sld xmlns:a="http://schemas.openxmlformats.org/drawingml/2006/main" xmlns:r="http://schemas.openxmlformats.org/officeDocument/2006/relationships" xmlns:p="http://schemas.openxmlformats.org/presentationml/2006/main">
+  <p:cSld>
+    <p:spTree>
+      <p:nvGrpSpPr>
+        <p:cNvPr id="1" name=""/>
+        <p:cNvGrpSpPr/>
+        <p:nvPr/>
+      </p:nvGrpSpPr>
+      <p:grpSpPr>
+        <a:xfrm>
+          <a:off x="0" y="0"/>
+          <a:ext cx="0" cy="0"/>
+          <a:chOff x="0" y="0"/>
+          <a:chExt cx="0" cy="0"/>
+        </a:xfrm>
+      </p:grpSpPr>
+      <p:sp>
+        <p:nvSpPr>
+          <p:cNvPr id="2" name="Text Placeholder 1">
+            <a:extLst>
+              <a:ext uri="{FF2B5EF4-FFF2-40B4-BE49-F238E27FC236}">
+                <a16:creationId xmlns:a16="http://schemas.microsoft.com/office/drawing/2014/main" id="{641AA39A-9C07-435E-969A-186DA69963B3}"/>
+              </a:ext>
+            </a:extLst>
+          </p:cNvPr>
+          <p:cNvSpPr>
+            <a:spLocks noGrp="1"/>
+          </p:cNvSpPr>
+          <p:nvPr>
+            <p:ph type="body" sz="quarter" idx="10"/>
+          </p:nvPr>
+        </p:nvSpPr>
+        <p:spPr>
+          <a:xfrm>
+            <a:off x="503999" y="1750864"/>
+            <a:ext cx="5593588" cy="2501010"/>
+          </a:xfrm>
+        </p:spPr>
+        <p:txBody>
+          <a:bodyPr/>
+          <a:lstStyle/>
+          <a:p>
+            <a:r>
+              <a:rPr lang="en-US" dirty="0">
+                <a:hlinkClick r:id="rId2"/>
+              </a:rPr>
+              <a:t>Image 2</a:t>
+            </a:r>
+            <a:endParaRPr lang="en-US" dirty="0"/>
+          </a:p>
+          <a:p>
+            <a:r>
+              <a:rPr lang="en-US" dirty="0">
+                <a:hlinkClick r:id="rId3"/>
+              </a:rPr>
+              <a:t>Image 3</a:t>
+            </a:r>
+            <a:endParaRPr lang="en-US" dirty="0"/>
+          </a:p>
+          <a:p>
+            <a:r>
+              <a:rPr lang="en-US" dirty="0">
+                <a:hlinkClick r:id="rId4"/>
+              </a:rPr>
+              <a:t>Image 4</a:t>
+            </a:r>
+            <a:endParaRPr lang="en-US" dirty="0"/>
+          </a:p>
+          <a:p>
+            <a:r>
+              <a:rPr lang="en-US" dirty="0">
+                <a:hlinkClick r:id="rId5"/>
+              </a:rPr>
+              <a:t>Image 5</a:t>
+            </a:r>
+            <a:endParaRPr lang="en-US" dirty="0"/>
+          </a:p>
+          <a:p>
+            <a:r>
+              <a:rPr lang="en-US" dirty="0">
+                <a:hlinkClick r:id="rId6"/>
+              </a:rPr>
+              <a:t>Image 6</a:t>
+            </a:r>
+            <a:endParaRPr lang="en-US" dirty="0"/>
+          </a:p>
+          <a:p>
+            <a:r>
+              <a:rPr lang="en-US" dirty="0">
+                <a:hlinkClick r:id="rId7"/>
+              </a:rPr>
+              <a:t>Image 7</a:t>
+            </a:r>
+            <a:endParaRPr lang="en-US" dirty="0"/>
+          </a:p>
+        </p:txBody>
+      </p:sp>
+      <p:sp>
+        <p:nvSpPr>
+          <p:cNvPr id="3" name="Title 2">
+            <a:extLst>
+              <a:ext uri="{FF2B5EF4-FFF2-40B4-BE49-F238E27FC236}">
+                <a16:creationId xmlns:a16="http://schemas.microsoft.com/office/drawing/2014/main" id="{D1EFDC28-C9AF-4809-9504-1EE28A48DFB4}"/>
+              </a:ext>
+            </a:extLst>
+          </p:cNvPr>
+          <p:cNvSpPr>
+            <a:spLocks noGrp="1"/>
+          </p:cNvSpPr>
+          <p:nvPr>
+            <p:ph type="ctrTitle"/>
+          </p:nvPr>
+        </p:nvSpPr>
+        <p:spPr>
+          <a:xfrm>
+            <a:off x="503999" y="528387"/>
+            <a:ext cx="5593588" cy="923116"/>
+          </a:xfrm>
+        </p:spPr>
+        <p:txBody>
+          <a:bodyPr/>
+          <a:lstStyle/>
+          <a:p>
+            <a:r>
+              <a:rPr lang="en-US" sz="2400" dirty="0"/>
+              <a:t>References</a:t>
+            </a:r>
+          </a:p>
+        </p:txBody>
+      </p:sp>
+    </p:spTree>
+    <p:extLst>
+      <p:ext uri="{BB962C8B-B14F-4D97-AF65-F5344CB8AC3E}">
+        <p14:creationId xmlns:p14="http://schemas.microsoft.com/office/powerpoint/2010/main" val="3840524380"/>
+      </p:ext>
+    </p:extLst>
+  </p:cSld>
+  <p:clrMapOvr>
+    <a:masterClrMapping/>
+  </p:clrMapOvr>
+</p:sld>
+</file>
+
+<file path=ppt/slides/slide16.xml><?xml version="1.0" encoding="utf-8"?>
 <p:sld xmlns:a="http://schemas.openxmlformats.org/drawingml/2006/main" xmlns:r="http://schemas.openxmlformats.org/officeDocument/2006/relationships" xmlns:p="http://schemas.openxmlformats.org/presentationml/2006/main" show="0">
   <p:cSld>
     <p:spTree>
@@ -9026,7 +9648,7 @@
 </p:sld>
 </file>
 
-<file path=ppt/slides/slide16.xml><?xml version="1.0" encoding="utf-8"?>
+<file path=ppt/slides/slide17.xml><?xml version="1.0" encoding="utf-8"?>
 <p:sld xmlns:a="http://schemas.openxmlformats.org/drawingml/2006/main" xmlns:r="http://schemas.openxmlformats.org/officeDocument/2006/relationships" xmlns:p="http://schemas.openxmlformats.org/presentationml/2006/main" show="0">
   <p:cSld>
     <p:spTree>
@@ -9503,10 +10125,10 @@
       </p:sp>
       <p:grpSp>
         <p:nvGrpSpPr>
-          <p:cNvPr id="8" name="Group 7">
+          <p:cNvPr id="2" name="Group 1">
             <a:extLst>
               <a:ext uri="{FF2B5EF4-FFF2-40B4-BE49-F238E27FC236}">
-                <a16:creationId xmlns:a16="http://schemas.microsoft.com/office/drawing/2014/main" id="{6CF55B5F-D760-49BA-B499-D77C295C4E69}"/>
+                <a16:creationId xmlns:a16="http://schemas.microsoft.com/office/drawing/2014/main" id="{791CBE00-4949-4403-8324-9E6E9703502D}"/>
               </a:ext>
             </a:extLst>
           </p:cNvPr>
@@ -9516,156 +10138,511 @@
         <p:grpSpPr>
           <a:xfrm>
             <a:off x="3373094" y="1689316"/>
-            <a:ext cx="5448290" cy="4300780"/>
-            <a:chOff x="3946849" y="1278610"/>
-            <a:chExt cx="5448290" cy="4300780"/>
+            <a:ext cx="5448290" cy="4582947"/>
+            <a:chOff x="3373094" y="1689316"/>
+            <a:chExt cx="5448290" cy="4582947"/>
           </a:xfrm>
         </p:grpSpPr>
-        <p:sp>
-          <p:nvSpPr>
-            <p:cNvPr id="5" name="Oval 4">
+        <p:grpSp>
+          <p:nvGrpSpPr>
+            <p:cNvPr id="8" name="Group 7">
               <a:extLst>
                 <a:ext uri="{FF2B5EF4-FFF2-40B4-BE49-F238E27FC236}">
-                  <a16:creationId xmlns:a16="http://schemas.microsoft.com/office/drawing/2014/main" id="{EAD3B1E3-D55D-4656-B996-E4B57F261320}"/>
+                  <a16:creationId xmlns:a16="http://schemas.microsoft.com/office/drawing/2014/main" id="{6CF55B5F-D760-49BA-B499-D77C295C4E69}"/>
                 </a:ext>
               </a:extLst>
             </p:cNvPr>
-            <p:cNvSpPr/>
+            <p:cNvGrpSpPr/>
             <p:nvPr/>
-          </p:nvSpPr>
-          <p:spPr bwMode="gray">
+          </p:nvGrpSpPr>
+          <p:grpSpPr>
             <a:xfrm>
-              <a:off x="3946849" y="1278610"/>
-              <a:ext cx="4300780" cy="4300780"/>
+              <a:off x="3373094" y="1689316"/>
+              <a:ext cx="5448290" cy="4300780"/>
+              <a:chOff x="3946849" y="1278610"/>
+              <a:chExt cx="5448290" cy="4300780"/>
             </a:xfrm>
-            <a:prstGeom prst="ellipse">
-              <a:avLst/>
-            </a:prstGeom>
-            <a:solidFill>
-              <a:schemeClr val="accent1"/>
-            </a:solidFill>
-            <a:ln w="25400" algn="ctr">
+          </p:grpSpPr>
+          <p:sp>
+            <p:nvSpPr>
+              <p:cNvPr id="5" name="Oval 4">
+                <a:extLst>
+                  <a:ext uri="{FF2B5EF4-FFF2-40B4-BE49-F238E27FC236}">
+                    <a16:creationId xmlns:a16="http://schemas.microsoft.com/office/drawing/2014/main" id="{EAD3B1E3-D55D-4656-B996-E4B57F261320}"/>
+                  </a:ext>
+                </a:extLst>
+              </p:cNvPr>
+              <p:cNvSpPr/>
+              <p:nvPr/>
+            </p:nvSpPr>
+            <p:spPr bwMode="gray">
+              <a:xfrm>
+                <a:off x="3946849" y="1278610"/>
+                <a:ext cx="4300780" cy="4300780"/>
+              </a:xfrm>
+              <a:prstGeom prst="ellipse">
+                <a:avLst/>
+              </a:prstGeom>
               <a:solidFill>
-                <a:schemeClr val="tx1"/>
+                <a:schemeClr val="accent1"/>
               </a:solidFill>
-              <a:miter lim="800000"/>
-              <a:headEnd/>
-              <a:tailEnd/>
-            </a:ln>
-          </p:spPr>
-          <p:txBody>
-            <a:bodyPr lIns="90000" tIns="72000" rIns="90000" bIns="72000" rtlCol="0" anchor="ctr"/>
-            <a:lstStyle/>
-            <a:p>
-              <a:pPr marR="0" algn="ctr" defTabSz="914400" eaLnBrk="1" fontAlgn="base" latinLnBrk="0" hangingPunct="1">
-                <a:lnSpc>
-                  <a:spcPct val="100000"/>
-                </a:lnSpc>
-                <a:spcBef>
-                  <a:spcPct val="50000"/>
-                </a:spcBef>
-                <a:spcAft>
-                  <a:spcPct val="0"/>
-                </a:spcAft>
-                <a:buClr>
-                  <a:srgbClr val="F0AB00"/>
-                </a:buClr>
-                <a:buSzPct val="80000"/>
-                <a:tabLst/>
-              </a:pPr>
-              <a:r>
-                <a:rPr lang="en-US" sz="1800" kern="0" dirty="0" err="1">
+              <a:ln w="25400" algn="ctr">
+                <a:solidFill>
+                  <a:schemeClr val="tx1"/>
+                </a:solidFill>
+                <a:miter lim="800000"/>
+                <a:headEnd/>
+                <a:tailEnd/>
+              </a:ln>
+            </p:spPr>
+            <p:txBody>
+              <a:bodyPr lIns="90000" tIns="72000" rIns="90000" bIns="72000" rtlCol="0" anchor="ctr"/>
+              <a:lstStyle/>
+              <a:p>
+                <a:pPr marR="0" algn="ctr" defTabSz="914400" eaLnBrk="1" fontAlgn="base" latinLnBrk="0" hangingPunct="1">
+                  <a:lnSpc>
+                    <a:spcPct val="100000"/>
+                  </a:lnSpc>
+                  <a:spcBef>
+                    <a:spcPct val="50000"/>
+                  </a:spcBef>
+                  <a:spcAft>
+                    <a:spcPct val="0"/>
+                  </a:spcAft>
+                  <a:buClr>
+                    <a:srgbClr val="F0AB00"/>
+                  </a:buClr>
+                  <a:buSzPct val="80000"/>
+                  <a:tabLst/>
+                </a:pPr>
+                <a:r>
+                  <a:rPr lang="en-US" sz="1800" kern="0" dirty="0" err="1">
+                    <a:ea typeface="Arial Unicode MS" pitchFamily="34" charset="-128"/>
+                    <a:cs typeface="Arial Unicode MS" pitchFamily="34" charset="-128"/>
+                  </a:rPr>
+                  <a:t>Artific</a:t>
+                </a:r>
+                <a:endParaRPr kumimoji="0" lang="en-US" sz="1800" b="0" i="0" u="none" strike="noStrike" kern="0" cap="none" spc="0" normalizeH="0" baseline="0" noProof="0" dirty="0" err="1">
+                  <a:ln>
+                    <a:noFill/>
+                  </a:ln>
+                  <a:effectLst/>
+                  <a:uLnTx/>
+                  <a:uFillTx/>
                   <a:ea typeface="Arial Unicode MS" pitchFamily="34" charset="-128"/>
                   <a:cs typeface="Arial Unicode MS" pitchFamily="34" charset="-128"/>
-                </a:rPr>
-                <a:t>Artific</a:t>
-              </a:r>
-              <a:endParaRPr kumimoji="0" lang="en-US" sz="1800" b="0" i="0" u="none" strike="noStrike" kern="0" cap="none" spc="0" normalizeH="0" baseline="0" noProof="0" dirty="0" err="1">
-                <a:ln>
-                  <a:noFill/>
-                </a:ln>
-                <a:effectLst/>
-                <a:uLnTx/>
-                <a:uFillTx/>
-                <a:ea typeface="Arial Unicode MS" pitchFamily="34" charset="-128"/>
-                <a:cs typeface="Arial Unicode MS" pitchFamily="34" charset="-128"/>
-              </a:endParaRPr>
-            </a:p>
-          </p:txBody>
-        </p:sp>
+                </a:endParaRPr>
+              </a:p>
+            </p:txBody>
+          </p:sp>
+          <p:sp>
+            <p:nvSpPr>
+              <p:cNvPr id="7" name="Oval 6">
+                <a:extLst>
+                  <a:ext uri="{FF2B5EF4-FFF2-40B4-BE49-F238E27FC236}">
+                    <a16:creationId xmlns:a16="http://schemas.microsoft.com/office/drawing/2014/main" id="{6E5E654D-DEB6-4FBB-B40C-723E760F7D86}"/>
+                  </a:ext>
+                </a:extLst>
+              </p:cNvPr>
+              <p:cNvSpPr/>
+              <p:nvPr/>
+            </p:nvSpPr>
+            <p:spPr bwMode="gray">
+              <a:xfrm>
+                <a:off x="4369526" y="2123268"/>
+                <a:ext cx="3456122" cy="3456122"/>
+              </a:xfrm>
+              <a:prstGeom prst="ellipse">
+                <a:avLst/>
+              </a:prstGeom>
+              <a:solidFill>
+                <a:schemeClr val="accent3">
+                  <a:lumMod val="75000"/>
+                </a:schemeClr>
+              </a:solidFill>
+              <a:ln w="25400" algn="ctr">
+                <a:solidFill>
+                  <a:schemeClr val="tx1"/>
+                </a:solidFill>
+                <a:miter lim="800000"/>
+                <a:headEnd/>
+                <a:tailEnd/>
+              </a:ln>
+            </p:spPr>
+            <p:txBody>
+              <a:bodyPr lIns="90000" tIns="72000" rIns="90000" bIns="72000" rtlCol="0" anchor="ctr"/>
+              <a:lstStyle/>
+              <a:p>
+                <a:pPr marR="0" algn="ctr" defTabSz="914400" eaLnBrk="1" fontAlgn="base" latinLnBrk="0" hangingPunct="1">
+                  <a:lnSpc>
+                    <a:spcPct val="100000"/>
+                  </a:lnSpc>
+                  <a:spcBef>
+                    <a:spcPct val="50000"/>
+                  </a:spcBef>
+                  <a:spcAft>
+                    <a:spcPct val="0"/>
+                  </a:spcAft>
+                  <a:buClr>
+                    <a:srgbClr val="F0AB00"/>
+                  </a:buClr>
+                  <a:buSzPct val="80000"/>
+                  <a:tabLst/>
+                </a:pPr>
+                <a:endParaRPr kumimoji="0" lang="en-US" sz="1800" b="0" i="0" u="none" strike="noStrike" kern="0" cap="none" spc="0" normalizeH="0" baseline="0" noProof="0" dirty="0" err="1">
+                  <a:ln>
+                    <a:noFill/>
+                  </a:ln>
+                  <a:effectLst/>
+                  <a:uLnTx/>
+                  <a:uFillTx/>
+                  <a:ea typeface="Arial Unicode MS" pitchFamily="34" charset="-128"/>
+                  <a:cs typeface="Arial Unicode MS" pitchFamily="34" charset="-128"/>
+                </a:endParaRPr>
+              </a:p>
+            </p:txBody>
+          </p:sp>
+          <p:sp>
+            <p:nvSpPr>
+              <p:cNvPr id="6" name="TextBox 5">
+                <a:extLst>
+                  <a:ext uri="{FF2B5EF4-FFF2-40B4-BE49-F238E27FC236}">
+                    <a16:creationId xmlns:a16="http://schemas.microsoft.com/office/drawing/2014/main" id="{3F2122B7-26E8-46CF-B62D-EDC1FB194E66}"/>
+                  </a:ext>
+                </a:extLst>
+              </p:cNvPr>
+              <p:cNvSpPr txBox="1"/>
+              <p:nvPr/>
+            </p:nvSpPr>
+            <p:spPr>
+              <a:xfrm>
+                <a:off x="5439590" y="1533324"/>
+                <a:ext cx="1315993" cy="369332"/>
+              </a:xfrm>
+              <a:prstGeom prst="rect">
+                <a:avLst/>
+              </a:prstGeom>
+              <a:noFill/>
+            </p:spPr>
+            <p:txBody>
+              <a:bodyPr wrap="square" lIns="0" tIns="0" rIns="0" bIns="0" rtlCol="0">
+                <a:spAutoFit/>
+              </a:bodyPr>
+              <a:lstStyle/>
+              <a:p>
+                <a:pPr algn="ctr" fontAlgn="base">
+                  <a:spcBef>
+                    <a:spcPct val="50000"/>
+                  </a:spcBef>
+                  <a:spcAft>
+                    <a:spcPct val="0"/>
+                  </a:spcAft>
+                  <a:buClr>
+                    <a:srgbClr val="F0AB00"/>
+                  </a:buClr>
+                  <a:buSzPct val="80000"/>
+                </a:pPr>
+                <a:r>
+                  <a:rPr lang="en-US" sz="1200" kern="0" dirty="0">
+                    <a:ea typeface="Arial Unicode MS" pitchFamily="34" charset="-128"/>
+                    <a:cs typeface="Arial Unicode MS" pitchFamily="34" charset="-128"/>
+                  </a:rPr>
+                  <a:t>Artificial Intelligence</a:t>
+                </a:r>
+              </a:p>
+            </p:txBody>
+          </p:sp>
+          <p:sp>
+            <p:nvSpPr>
+              <p:cNvPr id="9" name="TextBox 8">
+                <a:extLst>
+                  <a:ext uri="{FF2B5EF4-FFF2-40B4-BE49-F238E27FC236}">
+                    <a16:creationId xmlns:a16="http://schemas.microsoft.com/office/drawing/2014/main" id="{EFD4FBD4-AA44-4A43-B312-2C0272AC67C6}"/>
+                  </a:ext>
+                </a:extLst>
+              </p:cNvPr>
+              <p:cNvSpPr txBox="1"/>
+              <p:nvPr/>
+            </p:nvSpPr>
+            <p:spPr>
+              <a:xfrm>
+                <a:off x="5527692" y="2377982"/>
+                <a:ext cx="1139789" cy="369332"/>
+              </a:xfrm>
+              <a:prstGeom prst="rect">
+                <a:avLst/>
+              </a:prstGeom>
+              <a:noFill/>
+            </p:spPr>
+            <p:txBody>
+              <a:bodyPr wrap="square" lIns="0" tIns="0" rIns="0" bIns="0" rtlCol="0">
+                <a:spAutoFit/>
+              </a:bodyPr>
+              <a:lstStyle/>
+              <a:p>
+                <a:pPr algn="ctr" fontAlgn="base">
+                  <a:spcBef>
+                    <a:spcPct val="50000"/>
+                  </a:spcBef>
+                  <a:spcAft>
+                    <a:spcPct val="0"/>
+                  </a:spcAft>
+                  <a:buClr>
+                    <a:srgbClr val="F0AB00"/>
+                  </a:buClr>
+                  <a:buSzPct val="80000"/>
+                </a:pPr>
+                <a:r>
+                  <a:rPr lang="en-US" sz="1200" kern="0" dirty="0">
+                    <a:ea typeface="Arial Unicode MS" pitchFamily="34" charset="-128"/>
+                    <a:cs typeface="Arial Unicode MS" pitchFamily="34" charset="-128"/>
+                  </a:rPr>
+                  <a:t>Machine Learning</a:t>
+                </a:r>
+              </a:p>
+            </p:txBody>
+          </p:sp>
+          <p:sp>
+            <p:nvSpPr>
+              <p:cNvPr id="12" name="Oval 11">
+                <a:extLst>
+                  <a:ext uri="{FF2B5EF4-FFF2-40B4-BE49-F238E27FC236}">
+                    <a16:creationId xmlns:a16="http://schemas.microsoft.com/office/drawing/2014/main" id="{5B73BBAA-5A5A-46AF-8EAE-CFBE386C649E}"/>
+                  </a:ext>
+                </a:extLst>
+              </p:cNvPr>
+              <p:cNvSpPr/>
+              <p:nvPr/>
+            </p:nvSpPr>
+            <p:spPr bwMode="gray">
+              <a:xfrm>
+                <a:off x="6563063" y="2747314"/>
+                <a:ext cx="2832076" cy="2832076"/>
+              </a:xfrm>
+              <a:prstGeom prst="ellipse">
+                <a:avLst/>
+              </a:prstGeom>
+              <a:solidFill>
+                <a:schemeClr val="accent5">
+                  <a:lumMod val="75000"/>
+                </a:schemeClr>
+              </a:solidFill>
+              <a:ln w="25400" algn="ctr">
+                <a:solidFill>
+                  <a:schemeClr val="tx1"/>
+                </a:solidFill>
+                <a:miter lim="800000"/>
+                <a:headEnd/>
+                <a:tailEnd/>
+              </a:ln>
+            </p:spPr>
+            <p:txBody>
+              <a:bodyPr lIns="90000" tIns="72000" rIns="90000" bIns="72000" rtlCol="0" anchor="ctr"/>
+              <a:lstStyle/>
+              <a:p>
+                <a:pPr marR="0" algn="ctr" defTabSz="914400" eaLnBrk="1" fontAlgn="base" latinLnBrk="0" hangingPunct="1">
+                  <a:lnSpc>
+                    <a:spcPct val="100000"/>
+                  </a:lnSpc>
+                  <a:spcBef>
+                    <a:spcPct val="50000"/>
+                  </a:spcBef>
+                  <a:spcAft>
+                    <a:spcPct val="0"/>
+                  </a:spcAft>
+                  <a:buClr>
+                    <a:srgbClr val="F0AB00"/>
+                  </a:buClr>
+                  <a:buSzPct val="80000"/>
+                  <a:tabLst/>
+                </a:pPr>
+                <a:endParaRPr kumimoji="0" lang="en-US" sz="1800" b="0" i="0" u="none" strike="noStrike" kern="0" cap="none" spc="0" normalizeH="0" baseline="0" noProof="0" dirty="0" err="1">
+                  <a:ln>
+                    <a:noFill/>
+                  </a:ln>
+                  <a:effectLst/>
+                  <a:uLnTx/>
+                  <a:uFillTx/>
+                  <a:ea typeface="Arial Unicode MS" pitchFamily="34" charset="-128"/>
+                  <a:cs typeface="Arial Unicode MS" pitchFamily="34" charset="-128"/>
+                </a:endParaRPr>
+              </a:p>
+            </p:txBody>
+          </p:sp>
+          <p:sp>
+            <p:nvSpPr>
+              <p:cNvPr id="10" name="Oval 9">
+                <a:extLst>
+                  <a:ext uri="{FF2B5EF4-FFF2-40B4-BE49-F238E27FC236}">
+                    <a16:creationId xmlns:a16="http://schemas.microsoft.com/office/drawing/2014/main" id="{23E41CA9-096B-411E-A7F7-1F7F41ED56CC}"/>
+                  </a:ext>
+                </a:extLst>
+              </p:cNvPr>
+              <p:cNvSpPr/>
+              <p:nvPr/>
+            </p:nvSpPr>
+            <p:spPr bwMode="gray">
+              <a:xfrm>
+                <a:off x="4794460" y="2973833"/>
+                <a:ext cx="2605557" cy="2605557"/>
+              </a:xfrm>
+              <a:prstGeom prst="ellipse">
+                <a:avLst/>
+              </a:prstGeom>
+              <a:solidFill>
+                <a:schemeClr val="accent4">
+                  <a:lumMod val="75000"/>
+                </a:schemeClr>
+              </a:solidFill>
+              <a:ln w="25400" algn="ctr">
+                <a:solidFill>
+                  <a:schemeClr val="tx1"/>
+                </a:solidFill>
+                <a:miter lim="800000"/>
+                <a:headEnd/>
+                <a:tailEnd/>
+              </a:ln>
+            </p:spPr>
+            <p:txBody>
+              <a:bodyPr lIns="90000" tIns="72000" rIns="90000" bIns="72000" rtlCol="0" anchor="ctr"/>
+              <a:lstStyle/>
+              <a:p>
+                <a:pPr marR="0" algn="ctr" defTabSz="914400" eaLnBrk="1" fontAlgn="base" latinLnBrk="0" hangingPunct="1">
+                  <a:lnSpc>
+                    <a:spcPct val="100000"/>
+                  </a:lnSpc>
+                  <a:spcBef>
+                    <a:spcPct val="50000"/>
+                  </a:spcBef>
+                  <a:spcAft>
+                    <a:spcPct val="0"/>
+                  </a:spcAft>
+                  <a:buClr>
+                    <a:srgbClr val="F0AB00"/>
+                  </a:buClr>
+                  <a:buSzPct val="80000"/>
+                  <a:tabLst/>
+                </a:pPr>
+                <a:endParaRPr kumimoji="0" lang="en-US" sz="1800" b="0" i="0" u="none" strike="noStrike" kern="0" cap="none" spc="0" normalizeH="0" baseline="0" noProof="0" dirty="0" err="1">
+                  <a:ln>
+                    <a:noFill/>
+                  </a:ln>
+                  <a:effectLst/>
+                  <a:uLnTx/>
+                  <a:uFillTx/>
+                  <a:ea typeface="Arial Unicode MS" pitchFamily="34" charset="-128"/>
+                  <a:cs typeface="Arial Unicode MS" pitchFamily="34" charset="-128"/>
+                </a:endParaRPr>
+              </a:p>
+            </p:txBody>
+          </p:sp>
+          <p:sp>
+            <p:nvSpPr>
+              <p:cNvPr id="11" name="TextBox 10">
+                <a:extLst>
+                  <a:ext uri="{FF2B5EF4-FFF2-40B4-BE49-F238E27FC236}">
+                    <a16:creationId xmlns:a16="http://schemas.microsoft.com/office/drawing/2014/main" id="{A6B597BC-30D2-4DA8-8F5A-5B777AB11629}"/>
+                  </a:ext>
+                </a:extLst>
+              </p:cNvPr>
+              <p:cNvSpPr txBox="1"/>
+              <p:nvPr/>
+            </p:nvSpPr>
+            <p:spPr>
+              <a:xfrm>
+                <a:off x="5625638" y="4091945"/>
+                <a:ext cx="943199" cy="369332"/>
+              </a:xfrm>
+              <a:prstGeom prst="rect">
+                <a:avLst/>
+              </a:prstGeom>
+              <a:noFill/>
+            </p:spPr>
+            <p:txBody>
+              <a:bodyPr wrap="square" lIns="0" tIns="0" rIns="0" bIns="0" rtlCol="0">
+                <a:spAutoFit/>
+              </a:bodyPr>
+              <a:lstStyle/>
+              <a:p>
+                <a:pPr algn="ctr" fontAlgn="base">
+                  <a:spcBef>
+                    <a:spcPct val="50000"/>
+                  </a:spcBef>
+                  <a:spcAft>
+                    <a:spcPct val="0"/>
+                  </a:spcAft>
+                  <a:buClr>
+                    <a:srgbClr val="F0AB00"/>
+                  </a:buClr>
+                  <a:buSzPct val="80000"/>
+                </a:pPr>
+                <a:r>
+                  <a:rPr lang="en-US" sz="1200" kern="0" dirty="0">
+                    <a:ea typeface="Arial Unicode MS" pitchFamily="34" charset="-128"/>
+                    <a:cs typeface="Arial Unicode MS" pitchFamily="34" charset="-128"/>
+                  </a:rPr>
+                  <a:t>Deep Learning</a:t>
+                </a:r>
+              </a:p>
+            </p:txBody>
+          </p:sp>
+          <p:sp>
+            <p:nvSpPr>
+              <p:cNvPr id="13" name="TextBox 12">
+                <a:extLst>
+                  <a:ext uri="{FF2B5EF4-FFF2-40B4-BE49-F238E27FC236}">
+                    <a16:creationId xmlns:a16="http://schemas.microsoft.com/office/drawing/2014/main" id="{C3F8F63D-9C50-4CA4-93C6-12FD30146F15}"/>
+                  </a:ext>
+                </a:extLst>
+              </p:cNvPr>
+              <p:cNvSpPr txBox="1"/>
+              <p:nvPr/>
+            </p:nvSpPr>
+            <p:spPr>
+              <a:xfrm>
+                <a:off x="7708170" y="3589172"/>
+                <a:ext cx="943199" cy="184666"/>
+              </a:xfrm>
+              <a:prstGeom prst="rect">
+                <a:avLst/>
+              </a:prstGeom>
+              <a:noFill/>
+            </p:spPr>
+            <p:txBody>
+              <a:bodyPr wrap="square" lIns="0" tIns="0" rIns="0" bIns="0" rtlCol="0">
+                <a:spAutoFit/>
+              </a:bodyPr>
+              <a:lstStyle/>
+              <a:p>
+                <a:pPr algn="ctr" fontAlgn="base">
+                  <a:spcBef>
+                    <a:spcPct val="50000"/>
+                  </a:spcBef>
+                  <a:spcAft>
+                    <a:spcPct val="0"/>
+                  </a:spcAft>
+                  <a:buClr>
+                    <a:srgbClr val="F0AB00"/>
+                  </a:buClr>
+                  <a:buSzPct val="80000"/>
+                </a:pPr>
+                <a:r>
+                  <a:rPr lang="en-US" sz="1200" kern="0" dirty="0">
+                    <a:ea typeface="Arial Unicode MS" pitchFamily="34" charset="-128"/>
+                    <a:cs typeface="Arial Unicode MS" pitchFamily="34" charset="-128"/>
+                  </a:rPr>
+                  <a:t>Data Science</a:t>
+                </a:r>
+              </a:p>
+            </p:txBody>
+          </p:sp>
+        </p:grpSp>
         <p:sp>
           <p:nvSpPr>
-            <p:cNvPr id="7" name="Oval 6">
+            <p:cNvPr id="14" name="TextBox 13">
               <a:extLst>
                 <a:ext uri="{FF2B5EF4-FFF2-40B4-BE49-F238E27FC236}">
-                  <a16:creationId xmlns:a16="http://schemas.microsoft.com/office/drawing/2014/main" id="{6E5E654D-DEB6-4FBB-B40C-723E760F7D86}"/>
-                </a:ext>
-              </a:extLst>
-            </p:cNvPr>
-            <p:cNvSpPr/>
-            <p:nvPr/>
-          </p:nvSpPr>
-          <p:spPr bwMode="gray">
-            <a:xfrm>
-              <a:off x="4369526" y="2123268"/>
-              <a:ext cx="3456122" cy="3456122"/>
-            </a:xfrm>
-            <a:prstGeom prst="ellipse">
-              <a:avLst/>
-            </a:prstGeom>
-            <a:solidFill>
-              <a:schemeClr val="accent3">
-                <a:lumMod val="75000"/>
-              </a:schemeClr>
-            </a:solidFill>
-            <a:ln w="25400" algn="ctr">
-              <a:solidFill>
-                <a:schemeClr val="tx1"/>
-              </a:solidFill>
-              <a:miter lim="800000"/>
-              <a:headEnd/>
-              <a:tailEnd/>
-            </a:ln>
-          </p:spPr>
-          <p:txBody>
-            <a:bodyPr lIns="90000" tIns="72000" rIns="90000" bIns="72000" rtlCol="0" anchor="ctr"/>
-            <a:lstStyle/>
-            <a:p>
-              <a:pPr marR="0" algn="ctr" defTabSz="914400" eaLnBrk="1" fontAlgn="base" latinLnBrk="0" hangingPunct="1">
-                <a:lnSpc>
-                  <a:spcPct val="100000"/>
-                </a:lnSpc>
-                <a:spcBef>
-                  <a:spcPct val="50000"/>
-                </a:spcBef>
-                <a:spcAft>
-                  <a:spcPct val="0"/>
-                </a:spcAft>
-                <a:buClr>
-                  <a:srgbClr val="F0AB00"/>
-                </a:buClr>
-                <a:buSzPct val="80000"/>
-                <a:tabLst/>
-              </a:pPr>
-              <a:endParaRPr kumimoji="0" lang="en-US" sz="1800" b="0" i="0" u="none" strike="noStrike" kern="0" cap="none" spc="0" normalizeH="0" baseline="0" noProof="0" dirty="0" err="1">
-                <a:ln>
-                  <a:noFill/>
-                </a:ln>
-                <a:effectLst/>
-                <a:uLnTx/>
-                <a:uFillTx/>
-                <a:ea typeface="Arial Unicode MS" pitchFamily="34" charset="-128"/>
-                <a:cs typeface="Arial Unicode MS" pitchFamily="34" charset="-128"/>
-              </a:endParaRPr>
-            </a:p>
-          </p:txBody>
-        </p:sp>
-        <p:sp>
-          <p:nvSpPr>
-            <p:cNvPr id="6" name="TextBox 5">
-              <a:extLst>
-                <a:ext uri="{FF2B5EF4-FFF2-40B4-BE49-F238E27FC236}">
-                  <a16:creationId xmlns:a16="http://schemas.microsoft.com/office/drawing/2014/main" id="{3F2122B7-26E8-46CF-B62D-EDC1FB194E66}"/>
+                  <a16:creationId xmlns:a16="http://schemas.microsoft.com/office/drawing/2014/main" id="{8C76DEBF-9F10-4291-8834-1D8307788760}"/>
                 </a:ext>
               </a:extLst>
             </p:cNvPr>
@@ -9674,8 +10651,8 @@
           </p:nvSpPr>
           <p:spPr>
             <a:xfrm>
-              <a:off x="5439590" y="1533324"/>
-              <a:ext cx="1315993" cy="369332"/>
+              <a:off x="5906976" y="6149152"/>
+              <a:ext cx="373500" cy="123111"/>
             </a:xfrm>
             <a:prstGeom prst="rect">
               <a:avLst/>
@@ -9683,12 +10660,12 @@
             <a:noFill/>
           </p:spPr>
           <p:txBody>
-            <a:bodyPr wrap="square" lIns="0" tIns="0" rIns="0" bIns="0" rtlCol="0">
+            <a:bodyPr wrap="none" lIns="0" tIns="0" rIns="0" bIns="0" rtlCol="0">
               <a:spAutoFit/>
             </a:bodyPr>
             <a:lstStyle/>
             <a:p>
-              <a:pPr algn="ctr" fontAlgn="base">
+              <a:pPr fontAlgn="base">
                 <a:spcBef>
                   <a:spcPct val="50000"/>
                 </a:spcBef>
@@ -9701,295 +10678,17 @@
                 <a:buSzPct val="80000"/>
               </a:pPr>
               <a:r>
-                <a:rPr lang="en-US" sz="1200" kern="0" dirty="0">
+                <a:rPr lang="en-US" sz="800" i="1" kern="0" dirty="0">
+                  <a:solidFill>
+                    <a:schemeClr val="bg1">
+                      <a:lumMod val="50000"/>
+                      <a:lumOff val="50000"/>
+                    </a:schemeClr>
+                  </a:solidFill>
                   <a:ea typeface="Arial Unicode MS" pitchFamily="34" charset="-128"/>
                   <a:cs typeface="Arial Unicode MS" pitchFamily="34" charset="-128"/>
                 </a:rPr>
-                <a:t>Artificial Intelligence</a:t>
-              </a:r>
-            </a:p>
-          </p:txBody>
-        </p:sp>
-        <p:sp>
-          <p:nvSpPr>
-            <p:cNvPr id="9" name="TextBox 8">
-              <a:extLst>
-                <a:ext uri="{FF2B5EF4-FFF2-40B4-BE49-F238E27FC236}">
-                  <a16:creationId xmlns:a16="http://schemas.microsoft.com/office/drawing/2014/main" id="{EFD4FBD4-AA44-4A43-B312-2C0272AC67C6}"/>
-                </a:ext>
-              </a:extLst>
-            </p:cNvPr>
-            <p:cNvSpPr txBox="1"/>
-            <p:nvPr/>
-          </p:nvSpPr>
-          <p:spPr>
-            <a:xfrm>
-              <a:off x="5527692" y="2377982"/>
-              <a:ext cx="1139789" cy="369332"/>
-            </a:xfrm>
-            <a:prstGeom prst="rect">
-              <a:avLst/>
-            </a:prstGeom>
-            <a:noFill/>
-          </p:spPr>
-          <p:txBody>
-            <a:bodyPr wrap="square" lIns="0" tIns="0" rIns="0" bIns="0" rtlCol="0">
-              <a:spAutoFit/>
-            </a:bodyPr>
-            <a:lstStyle/>
-            <a:p>
-              <a:pPr algn="ctr" fontAlgn="base">
-                <a:spcBef>
-                  <a:spcPct val="50000"/>
-                </a:spcBef>
-                <a:spcAft>
-                  <a:spcPct val="0"/>
-                </a:spcAft>
-                <a:buClr>
-                  <a:srgbClr val="F0AB00"/>
-                </a:buClr>
-                <a:buSzPct val="80000"/>
-              </a:pPr>
-              <a:r>
-                <a:rPr lang="en-US" sz="1200" kern="0" dirty="0">
-                  <a:ea typeface="Arial Unicode MS" pitchFamily="34" charset="-128"/>
-                  <a:cs typeface="Arial Unicode MS" pitchFamily="34" charset="-128"/>
-                </a:rPr>
-                <a:t>Machine Learning</a:t>
-              </a:r>
-            </a:p>
-          </p:txBody>
-        </p:sp>
-        <p:sp>
-          <p:nvSpPr>
-            <p:cNvPr id="12" name="Oval 11">
-              <a:extLst>
-                <a:ext uri="{FF2B5EF4-FFF2-40B4-BE49-F238E27FC236}">
-                  <a16:creationId xmlns:a16="http://schemas.microsoft.com/office/drawing/2014/main" id="{5B73BBAA-5A5A-46AF-8EAE-CFBE386C649E}"/>
-                </a:ext>
-              </a:extLst>
-            </p:cNvPr>
-            <p:cNvSpPr/>
-            <p:nvPr/>
-          </p:nvSpPr>
-          <p:spPr bwMode="gray">
-            <a:xfrm>
-              <a:off x="6563063" y="2747314"/>
-              <a:ext cx="2832076" cy="2832076"/>
-            </a:xfrm>
-            <a:prstGeom prst="ellipse">
-              <a:avLst/>
-            </a:prstGeom>
-            <a:solidFill>
-              <a:schemeClr val="accent5">
-                <a:lumMod val="75000"/>
-              </a:schemeClr>
-            </a:solidFill>
-            <a:ln w="25400" algn="ctr">
-              <a:solidFill>
-                <a:schemeClr val="tx1"/>
-              </a:solidFill>
-              <a:miter lim="800000"/>
-              <a:headEnd/>
-              <a:tailEnd/>
-            </a:ln>
-          </p:spPr>
-          <p:txBody>
-            <a:bodyPr lIns="90000" tIns="72000" rIns="90000" bIns="72000" rtlCol="0" anchor="ctr"/>
-            <a:lstStyle/>
-            <a:p>
-              <a:pPr marR="0" algn="ctr" defTabSz="914400" eaLnBrk="1" fontAlgn="base" latinLnBrk="0" hangingPunct="1">
-                <a:lnSpc>
-                  <a:spcPct val="100000"/>
-                </a:lnSpc>
-                <a:spcBef>
-                  <a:spcPct val="50000"/>
-                </a:spcBef>
-                <a:spcAft>
-                  <a:spcPct val="0"/>
-                </a:spcAft>
-                <a:buClr>
-                  <a:srgbClr val="F0AB00"/>
-                </a:buClr>
-                <a:buSzPct val="80000"/>
-                <a:tabLst/>
-              </a:pPr>
-              <a:endParaRPr kumimoji="0" lang="en-US" sz="1800" b="0" i="0" u="none" strike="noStrike" kern="0" cap="none" spc="0" normalizeH="0" baseline="0" noProof="0" dirty="0" err="1">
-                <a:ln>
-                  <a:noFill/>
-                </a:ln>
-                <a:effectLst/>
-                <a:uLnTx/>
-                <a:uFillTx/>
-                <a:ea typeface="Arial Unicode MS" pitchFamily="34" charset="-128"/>
-                <a:cs typeface="Arial Unicode MS" pitchFamily="34" charset="-128"/>
-              </a:endParaRPr>
-            </a:p>
-          </p:txBody>
-        </p:sp>
-        <p:sp>
-          <p:nvSpPr>
-            <p:cNvPr id="10" name="Oval 9">
-              <a:extLst>
-                <a:ext uri="{FF2B5EF4-FFF2-40B4-BE49-F238E27FC236}">
-                  <a16:creationId xmlns:a16="http://schemas.microsoft.com/office/drawing/2014/main" id="{23E41CA9-096B-411E-A7F7-1F7F41ED56CC}"/>
-                </a:ext>
-              </a:extLst>
-            </p:cNvPr>
-            <p:cNvSpPr/>
-            <p:nvPr/>
-          </p:nvSpPr>
-          <p:spPr bwMode="gray">
-            <a:xfrm>
-              <a:off x="4794460" y="2973833"/>
-              <a:ext cx="2605557" cy="2605557"/>
-            </a:xfrm>
-            <a:prstGeom prst="ellipse">
-              <a:avLst/>
-            </a:prstGeom>
-            <a:solidFill>
-              <a:schemeClr val="accent4">
-                <a:lumMod val="75000"/>
-              </a:schemeClr>
-            </a:solidFill>
-            <a:ln w="25400" algn="ctr">
-              <a:solidFill>
-                <a:schemeClr val="tx1"/>
-              </a:solidFill>
-              <a:miter lim="800000"/>
-              <a:headEnd/>
-              <a:tailEnd/>
-            </a:ln>
-          </p:spPr>
-          <p:txBody>
-            <a:bodyPr lIns="90000" tIns="72000" rIns="90000" bIns="72000" rtlCol="0" anchor="ctr"/>
-            <a:lstStyle/>
-            <a:p>
-              <a:pPr marR="0" algn="ctr" defTabSz="914400" eaLnBrk="1" fontAlgn="base" latinLnBrk="0" hangingPunct="1">
-                <a:lnSpc>
-                  <a:spcPct val="100000"/>
-                </a:lnSpc>
-                <a:spcBef>
-                  <a:spcPct val="50000"/>
-                </a:spcBef>
-                <a:spcAft>
-                  <a:spcPct val="0"/>
-                </a:spcAft>
-                <a:buClr>
-                  <a:srgbClr val="F0AB00"/>
-                </a:buClr>
-                <a:buSzPct val="80000"/>
-                <a:tabLst/>
-              </a:pPr>
-              <a:endParaRPr kumimoji="0" lang="en-US" sz="1800" b="0" i="0" u="none" strike="noStrike" kern="0" cap="none" spc="0" normalizeH="0" baseline="0" noProof="0" dirty="0" err="1">
-                <a:ln>
-                  <a:noFill/>
-                </a:ln>
-                <a:effectLst/>
-                <a:uLnTx/>
-                <a:uFillTx/>
-                <a:ea typeface="Arial Unicode MS" pitchFamily="34" charset="-128"/>
-                <a:cs typeface="Arial Unicode MS" pitchFamily="34" charset="-128"/>
-              </a:endParaRPr>
-            </a:p>
-          </p:txBody>
-        </p:sp>
-        <p:sp>
-          <p:nvSpPr>
-            <p:cNvPr id="11" name="TextBox 10">
-              <a:extLst>
-                <a:ext uri="{FF2B5EF4-FFF2-40B4-BE49-F238E27FC236}">
-                  <a16:creationId xmlns:a16="http://schemas.microsoft.com/office/drawing/2014/main" id="{A6B597BC-30D2-4DA8-8F5A-5B777AB11629}"/>
-                </a:ext>
-              </a:extLst>
-            </p:cNvPr>
-            <p:cNvSpPr txBox="1"/>
-            <p:nvPr/>
-          </p:nvSpPr>
-          <p:spPr>
-            <a:xfrm>
-              <a:off x="5625638" y="4091945"/>
-              <a:ext cx="943199" cy="369332"/>
-            </a:xfrm>
-            <a:prstGeom prst="rect">
-              <a:avLst/>
-            </a:prstGeom>
-            <a:noFill/>
-          </p:spPr>
-          <p:txBody>
-            <a:bodyPr wrap="square" lIns="0" tIns="0" rIns="0" bIns="0" rtlCol="0">
-              <a:spAutoFit/>
-            </a:bodyPr>
-            <a:lstStyle/>
-            <a:p>
-              <a:pPr algn="ctr" fontAlgn="base">
-                <a:spcBef>
-                  <a:spcPct val="50000"/>
-                </a:spcBef>
-                <a:spcAft>
-                  <a:spcPct val="0"/>
-                </a:spcAft>
-                <a:buClr>
-                  <a:srgbClr val="F0AB00"/>
-                </a:buClr>
-                <a:buSzPct val="80000"/>
-              </a:pPr>
-              <a:r>
-                <a:rPr lang="en-US" sz="1200" kern="0" dirty="0">
-                  <a:ea typeface="Arial Unicode MS" pitchFamily="34" charset="-128"/>
-                  <a:cs typeface="Arial Unicode MS" pitchFamily="34" charset="-128"/>
-                </a:rPr>
-                <a:t>Deep Learning</a:t>
-              </a:r>
-            </a:p>
-          </p:txBody>
-        </p:sp>
-        <p:sp>
-          <p:nvSpPr>
-            <p:cNvPr id="13" name="TextBox 12">
-              <a:extLst>
-                <a:ext uri="{FF2B5EF4-FFF2-40B4-BE49-F238E27FC236}">
-                  <a16:creationId xmlns:a16="http://schemas.microsoft.com/office/drawing/2014/main" id="{C3F8F63D-9C50-4CA4-93C6-12FD30146F15}"/>
-                </a:ext>
-              </a:extLst>
-            </p:cNvPr>
-            <p:cNvSpPr txBox="1"/>
-            <p:nvPr/>
-          </p:nvSpPr>
-          <p:spPr>
-            <a:xfrm>
-              <a:off x="7708170" y="3589172"/>
-              <a:ext cx="943199" cy="184666"/>
-            </a:xfrm>
-            <a:prstGeom prst="rect">
-              <a:avLst/>
-            </a:prstGeom>
-            <a:noFill/>
-          </p:spPr>
-          <p:txBody>
-            <a:bodyPr wrap="square" lIns="0" tIns="0" rIns="0" bIns="0" rtlCol="0">
-              <a:spAutoFit/>
-            </a:bodyPr>
-            <a:lstStyle/>
-            <a:p>
-              <a:pPr algn="ctr" fontAlgn="base">
-                <a:spcBef>
-                  <a:spcPct val="50000"/>
-                </a:spcBef>
-                <a:spcAft>
-                  <a:spcPct val="0"/>
-                </a:spcAft>
-                <a:buClr>
-                  <a:srgbClr val="F0AB00"/>
-                </a:buClr>
-                <a:buSzPct val="80000"/>
-              </a:pPr>
-              <a:r>
-                <a:rPr lang="en-US" sz="1200" kern="0" dirty="0">
-                  <a:ea typeface="Arial Unicode MS" pitchFamily="34" charset="-128"/>
-                  <a:cs typeface="Arial Unicode MS" pitchFamily="34" charset="-128"/>
-                </a:rPr>
-                <a:t>Data Science</a:t>
+                <a:t>Image 1</a:t>
               </a:r>
             </a:p>
           </p:txBody>
@@ -10043,13 +10742,16 @@
         </p:nvSpPr>
         <p:spPr/>
         <p:txBody>
-          <a:bodyPr/>
+          <a:bodyPr>
+            <a:normAutofit/>
+          </a:bodyPr>
           <a:lstStyle/>
           <a:p>
             <a:r>
-              <a:rPr lang="en-US" b="1" dirty="0"/>
-              <a:t>“The science and engineering of making intelligent machines, especially intelligent computer programs”.</a:t>
-            </a:r>
+              <a:rPr lang="en-US" dirty="0"/>
+              <a:t>Artificial intelligence is the simulation of human intelligence processes by machines, especially computer systems. These processes include learning (the acquisition of information and rules for using the information), reasoning (using rules to reach approximate or definite conclusions) and self-correction</a:t>
+            </a:r>
+            <a:endParaRPr lang="en-US" b="1" dirty="0"/>
           </a:p>
           <a:p>
             <a:r>
@@ -10064,7 +10766,7 @@
             </a:pPr>
             <a:r>
               <a:rPr lang="en-US" dirty="0"/>
-              <a:t>Health Care (drug discovery, Health Diagnostics)</a:t>
+              <a:t>IBM Watson</a:t>
             </a:r>
           </a:p>
           <a:p>
@@ -10074,7 +10776,7 @@
             </a:pPr>
             <a:r>
               <a:rPr lang="en-US" dirty="0"/>
-              <a:t>SIRI, Alexa, Cortana (Digital Assistants)</a:t>
+              <a:t>Microsoft Cognitive Services</a:t>
             </a:r>
           </a:p>
           <a:p>
@@ -10084,7 +10786,7 @@
             </a:pPr>
             <a:r>
               <a:rPr lang="en-US" dirty="0"/>
-              <a:t>Self Driving cars (Tesla)</a:t>
+              <a:t>Google AI</a:t>
             </a:r>
           </a:p>
           <a:p>
@@ -10094,7 +10796,7 @@
             </a:pPr>
             <a:r>
               <a:rPr lang="en-US" dirty="0"/>
-              <a:t>Netflix, Amazon, YouTube, Spotify (Product recommendation)</a:t>
+              <a:t>Amazon AI</a:t>
             </a:r>
           </a:p>
           <a:p>
@@ -10102,20 +10804,7 @@
               <a:buFont typeface="Arial" panose="020B0604020202020204" pitchFamily="34" charset="0"/>
               <a:buChar char="•"/>
             </a:pPr>
-            <a:r>
-              <a:rPr lang="en-US" dirty="0"/>
-              <a:t>Chat bots</a:t>
-            </a:r>
-          </a:p>
-          <a:p>
-            <a:pPr marL="342900" indent="-342900">
-              <a:buFont typeface="Arial" panose="020B0604020202020204" pitchFamily="34" charset="0"/>
-              <a:buChar char="•"/>
-            </a:pPr>
-            <a:r>
-              <a:rPr lang="en-US" dirty="0"/>
-              <a:t>Image Recognition</a:t>
-            </a:r>
+            <a:endParaRPr lang="en-US" dirty="0"/>
           </a:p>
           <a:p>
             <a:pPr marL="342900" indent="-342900">
@@ -10277,53 +10966,130 @@
           </a:p>
         </p:txBody>
       </p:sp>
-      <p:pic>
-        <p:nvPicPr>
-          <p:cNvPr id="1026" name="Picture 2" descr="https://farm2.staticflickr.com/1816/30212411048_2a1d7200e2_b.jpg">
+      <p:grpSp>
+        <p:nvGrpSpPr>
+          <p:cNvPr id="2" name="Group 1">
             <a:extLst>
               <a:ext uri="{FF2B5EF4-FFF2-40B4-BE49-F238E27FC236}">
-                <a16:creationId xmlns:a16="http://schemas.microsoft.com/office/drawing/2014/main" id="{F97B1B6D-FFCB-47B8-A59B-B9E0B079E228}"/>
+                <a16:creationId xmlns:a16="http://schemas.microsoft.com/office/drawing/2014/main" id="{F1C5C9D7-CDAD-479C-85AE-06B0CD8963A7}"/>
               </a:ext>
             </a:extLst>
           </p:cNvPr>
-          <p:cNvPicPr>
-            <a:picLocks noChangeAspect="1" noChangeArrowheads="1"/>
-          </p:cNvPicPr>
+          <p:cNvGrpSpPr/>
           <p:nvPr/>
-        </p:nvPicPr>
-        <p:blipFill>
-          <a:blip r:embed="rId3">
+        </p:nvGrpSpPr>
+        <p:grpSpPr>
+          <a:xfrm>
+            <a:off x="7439025" y="2953469"/>
+            <a:ext cx="4251451" cy="3523642"/>
+            <a:chOff x="7439025" y="2953469"/>
+            <a:chExt cx="4251451" cy="3523642"/>
+          </a:xfrm>
+        </p:grpSpPr>
+        <p:pic>
+          <p:nvPicPr>
+            <p:cNvPr id="1026" name="Picture 2" descr="https://farm2.staticflickr.com/1816/30212411048_2a1d7200e2_b.jpg">
+              <a:extLst>
+                <a:ext uri="{FF2B5EF4-FFF2-40B4-BE49-F238E27FC236}">
+                  <a16:creationId xmlns:a16="http://schemas.microsoft.com/office/drawing/2014/main" id="{F97B1B6D-FFCB-47B8-A59B-B9E0B079E228}"/>
+                </a:ext>
+              </a:extLst>
+            </p:cNvPr>
+            <p:cNvPicPr>
+              <a:picLocks noChangeAspect="1" noChangeArrowheads="1"/>
+            </p:cNvPicPr>
+            <p:nvPr/>
+          </p:nvPicPr>
+          <p:blipFill>
+            <a:blip r:embed="rId3">
+              <a:extLst>
+                <a:ext uri="{28A0092B-C50C-407E-A947-70E740481C1C}">
+                  <a14:useLocalDpi xmlns:a14="http://schemas.microsoft.com/office/drawing/2010/main" val="0"/>
+                </a:ext>
+              </a:extLst>
+            </a:blip>
+            <a:srcRect/>
+            <a:stretch>
+              <a:fillRect/>
+            </a:stretch>
+          </p:blipFill>
+          <p:spPr bwMode="auto">
+            <a:xfrm>
+              <a:off x="7439025" y="2953469"/>
+              <a:ext cx="4251451" cy="3400531"/>
+            </a:xfrm>
+            <a:prstGeom prst="rect">
+              <a:avLst/>
+            </a:prstGeom>
+            <a:noFill/>
             <a:extLst>
-              <a:ext uri="{28A0092B-C50C-407E-A947-70E740481C1C}">
-                <a14:useLocalDpi xmlns:a14="http://schemas.microsoft.com/office/drawing/2010/main" val="0"/>
+              <a:ext uri="{909E8E84-426E-40DD-AFC4-6F175D3DCCD1}">
+                <a14:hiddenFill xmlns:a14="http://schemas.microsoft.com/office/drawing/2010/main">
+                  <a:solidFill>
+                    <a:srgbClr val="FFFFFF"/>
+                  </a:solidFill>
+                </a14:hiddenFill>
               </a:ext>
             </a:extLst>
-          </a:blip>
-          <a:srcRect/>
-          <a:stretch>
-            <a:fillRect/>
-          </a:stretch>
-        </p:blipFill>
-        <p:spPr bwMode="auto">
-          <a:xfrm>
-            <a:off x="7439025" y="2953469"/>
-            <a:ext cx="4251451" cy="3400531"/>
-          </a:xfrm>
-          <a:prstGeom prst="rect">
-            <a:avLst/>
-          </a:prstGeom>
-          <a:noFill/>
-          <a:extLst>
-            <a:ext uri="{909E8E84-426E-40DD-AFC4-6F175D3DCCD1}">
-              <a14:hiddenFill xmlns:a14="http://schemas.microsoft.com/office/drawing/2010/main">
-                <a:solidFill>
-                  <a:srgbClr val="FFFFFF"/>
-                </a:solidFill>
-              </a14:hiddenFill>
-            </a:ext>
-          </a:extLst>
-        </p:spPr>
-      </p:pic>
+          </p:spPr>
+        </p:pic>
+        <p:sp>
+          <p:nvSpPr>
+            <p:cNvPr id="5" name="TextBox 4">
+              <a:extLst>
+                <a:ext uri="{FF2B5EF4-FFF2-40B4-BE49-F238E27FC236}">
+                  <a16:creationId xmlns:a16="http://schemas.microsoft.com/office/drawing/2014/main" id="{DD5AF74E-C6F5-41BC-AF5A-840D2DFACD53}"/>
+                </a:ext>
+              </a:extLst>
+            </p:cNvPr>
+            <p:cNvSpPr txBox="1"/>
+            <p:nvPr/>
+          </p:nvSpPr>
+          <p:spPr>
+            <a:xfrm>
+              <a:off x="11316976" y="6354000"/>
+              <a:ext cx="373500" cy="123111"/>
+            </a:xfrm>
+            <a:prstGeom prst="rect">
+              <a:avLst/>
+            </a:prstGeom>
+            <a:noFill/>
+          </p:spPr>
+          <p:txBody>
+            <a:bodyPr wrap="none" lIns="0" tIns="0" rIns="0" bIns="0" rtlCol="0">
+              <a:spAutoFit/>
+            </a:bodyPr>
+            <a:lstStyle/>
+            <a:p>
+              <a:pPr fontAlgn="base">
+                <a:spcBef>
+                  <a:spcPct val="50000"/>
+                </a:spcBef>
+                <a:spcAft>
+                  <a:spcPct val="0"/>
+                </a:spcAft>
+                <a:buClr>
+                  <a:srgbClr val="F0AB00"/>
+                </a:buClr>
+                <a:buSzPct val="80000"/>
+              </a:pPr>
+              <a:r>
+                <a:rPr lang="en-US" sz="800" i="1" kern="0" dirty="0">
+                  <a:solidFill>
+                    <a:schemeClr val="bg1">
+                      <a:lumMod val="50000"/>
+                      <a:lumOff val="50000"/>
+                    </a:schemeClr>
+                  </a:solidFill>
+                  <a:ea typeface="Arial Unicode MS" pitchFamily="34" charset="-128"/>
+                  <a:cs typeface="Arial Unicode MS" pitchFamily="34" charset="-128"/>
+                </a:rPr>
+                <a:t>Image 2</a:t>
+              </a:r>
+            </a:p>
+          </p:txBody>
+        </p:sp>
+      </p:grpSp>
     </p:spTree>
     <p:extLst>
       <p:ext uri="{BB962C8B-B14F-4D97-AF65-F5344CB8AC3E}">
@@ -10382,46 +11148,123 @@
           </a:p>
         </p:txBody>
       </p:sp>
-      <p:pic>
-        <p:nvPicPr>
-          <p:cNvPr id="3074" name="Picture 2" descr="Image result for supervised learning">
+      <p:grpSp>
+        <p:nvGrpSpPr>
+          <p:cNvPr id="2" name="Group 1">
             <a:extLst>
               <a:ext uri="{FF2B5EF4-FFF2-40B4-BE49-F238E27FC236}">
-                <a16:creationId xmlns:a16="http://schemas.microsoft.com/office/drawing/2014/main" id="{27BC1BBB-33BD-49DF-9144-E66C27E3D8D2}"/>
+                <a16:creationId xmlns:a16="http://schemas.microsoft.com/office/drawing/2014/main" id="{9D032EF2-40E5-4235-9B56-C0132507F369}"/>
               </a:ext>
             </a:extLst>
           </p:cNvPr>
-          <p:cNvPicPr>
-            <a:picLocks noChangeAspect="1" noChangeArrowheads="1"/>
-          </p:cNvPicPr>
+          <p:cNvGrpSpPr/>
           <p:nvPr/>
-        </p:nvPicPr>
-        <p:blipFill>
-          <a:blip r:embed="rId2">
-            <a:extLst>
-              <a:ext uri="{28A0092B-C50C-407E-A947-70E740481C1C}">
-                <a14:useLocalDpi xmlns:a14="http://schemas.microsoft.com/office/drawing/2010/main" val="0"/>
-              </a:ext>
-            </a:extLst>
-          </a:blip>
-          <a:srcRect/>
-          <a:stretch>
-            <a:fillRect/>
-          </a:stretch>
-        </p:blipFill>
-        <p:spPr bwMode="auto">
+        </p:nvGrpSpPr>
+        <p:grpSpPr>
           <a:xfrm>
             <a:off x="1548034" y="1266825"/>
-            <a:ext cx="9099106" cy="4806504"/>
+            <a:ext cx="9099106" cy="4983554"/>
+            <a:chOff x="1548034" y="1266825"/>
+            <a:chExt cx="9099106" cy="4983554"/>
           </a:xfrm>
-          <a:prstGeom prst="rect">
-            <a:avLst/>
-          </a:prstGeom>
-          <a:solidFill>
-            <a:schemeClr val="tx1"/>
-          </a:solidFill>
-        </p:spPr>
-      </p:pic>
+        </p:grpSpPr>
+        <p:pic>
+          <p:nvPicPr>
+            <p:cNvPr id="3074" name="Picture 2" descr="Image result for supervised learning">
+              <a:extLst>
+                <a:ext uri="{FF2B5EF4-FFF2-40B4-BE49-F238E27FC236}">
+                  <a16:creationId xmlns:a16="http://schemas.microsoft.com/office/drawing/2014/main" id="{27BC1BBB-33BD-49DF-9144-E66C27E3D8D2}"/>
+                </a:ext>
+              </a:extLst>
+            </p:cNvPr>
+            <p:cNvPicPr>
+              <a:picLocks noChangeAspect="1" noChangeArrowheads="1"/>
+            </p:cNvPicPr>
+            <p:nvPr/>
+          </p:nvPicPr>
+          <p:blipFill>
+            <a:blip r:embed="rId2">
+              <a:extLst>
+                <a:ext uri="{28A0092B-C50C-407E-A947-70E740481C1C}">
+                  <a14:useLocalDpi xmlns:a14="http://schemas.microsoft.com/office/drawing/2010/main" val="0"/>
+                </a:ext>
+              </a:extLst>
+            </a:blip>
+            <a:srcRect/>
+            <a:stretch>
+              <a:fillRect/>
+            </a:stretch>
+          </p:blipFill>
+          <p:spPr bwMode="auto">
+            <a:xfrm>
+              <a:off x="1548034" y="1266825"/>
+              <a:ext cx="9099106" cy="4806504"/>
+            </a:xfrm>
+            <a:prstGeom prst="rect">
+              <a:avLst/>
+            </a:prstGeom>
+            <a:solidFill>
+              <a:schemeClr val="tx1"/>
+            </a:solidFill>
+          </p:spPr>
+        </p:pic>
+        <p:sp>
+          <p:nvSpPr>
+            <p:cNvPr id="4" name="TextBox 3">
+              <a:extLst>
+                <a:ext uri="{FF2B5EF4-FFF2-40B4-BE49-F238E27FC236}">
+                  <a16:creationId xmlns:a16="http://schemas.microsoft.com/office/drawing/2014/main" id="{44B9A3A1-01EC-4C7C-A18B-A61D99A10E06}"/>
+                </a:ext>
+              </a:extLst>
+            </p:cNvPr>
+            <p:cNvSpPr txBox="1"/>
+            <p:nvPr/>
+          </p:nvSpPr>
+          <p:spPr>
+            <a:xfrm>
+              <a:off x="10273640" y="6127268"/>
+              <a:ext cx="373500" cy="123111"/>
+            </a:xfrm>
+            <a:prstGeom prst="rect">
+              <a:avLst/>
+            </a:prstGeom>
+            <a:noFill/>
+          </p:spPr>
+          <p:txBody>
+            <a:bodyPr wrap="none" lIns="0" tIns="0" rIns="0" bIns="0" rtlCol="0">
+              <a:spAutoFit/>
+            </a:bodyPr>
+            <a:lstStyle/>
+            <a:p>
+              <a:pPr fontAlgn="base">
+                <a:spcBef>
+                  <a:spcPct val="50000"/>
+                </a:spcBef>
+                <a:spcAft>
+                  <a:spcPct val="0"/>
+                </a:spcAft>
+                <a:buClr>
+                  <a:srgbClr val="F0AB00"/>
+                </a:buClr>
+                <a:buSzPct val="80000"/>
+              </a:pPr>
+              <a:r>
+                <a:rPr lang="en-US" sz="800" i="1" kern="0" dirty="0">
+                  <a:solidFill>
+                    <a:schemeClr val="bg1">
+                      <a:lumMod val="50000"/>
+                      <a:lumOff val="50000"/>
+                    </a:schemeClr>
+                  </a:solidFill>
+                  <a:ea typeface="Arial Unicode MS" pitchFamily="34" charset="-128"/>
+                  <a:cs typeface="Arial Unicode MS" pitchFamily="34" charset="-128"/>
+                </a:rPr>
+                <a:t>Image 3</a:t>
+              </a:r>
+            </a:p>
+          </p:txBody>
+        </p:sp>
+      </p:grpSp>
     </p:spTree>
     <p:extLst>
       <p:ext uri="{BB962C8B-B14F-4D97-AF65-F5344CB8AC3E}">
@@ -10480,44 +11323,121 @@
           </a:p>
         </p:txBody>
       </p:sp>
-      <p:pic>
-        <p:nvPicPr>
-          <p:cNvPr id="2050" name="Picture 2" descr="https://miro.medium.com/max/908/1*toRnJNryryhKETfBqOcvVg.png">
+      <p:grpSp>
+        <p:nvGrpSpPr>
+          <p:cNvPr id="2" name="Group 1">
             <a:extLst>
               <a:ext uri="{FF2B5EF4-FFF2-40B4-BE49-F238E27FC236}">
-                <a16:creationId xmlns:a16="http://schemas.microsoft.com/office/drawing/2014/main" id="{C081C805-A044-48F1-9D56-0C5717E1365C}"/>
+                <a16:creationId xmlns:a16="http://schemas.microsoft.com/office/drawing/2014/main" id="{48D2B1F8-F360-4418-BFEE-FC7E342302CE}"/>
               </a:ext>
             </a:extLst>
           </p:cNvPr>
-          <p:cNvPicPr>
-            <a:picLocks noChangeAspect="1" noChangeArrowheads="1"/>
-          </p:cNvPicPr>
+          <p:cNvGrpSpPr/>
           <p:nvPr/>
-        </p:nvPicPr>
-        <p:blipFill rotWithShape="1">
-          <a:blip r:embed="rId2">
-            <a:extLst>
-              <a:ext uri="{28A0092B-C50C-407E-A947-70E740481C1C}">
-                <a14:useLocalDpi xmlns:a14="http://schemas.microsoft.com/office/drawing/2010/main" val="0"/>
-              </a:ext>
-            </a:extLst>
-          </a:blip>
-          <a:srcRect t="8341" b="11440"/>
-          <a:stretch/>
-        </p:blipFill>
-        <p:spPr bwMode="auto">
+        </p:nvGrpSpPr>
+        <p:grpSpPr>
           <a:xfrm>
             <a:off x="983467" y="1323975"/>
-            <a:ext cx="10227544" cy="4333875"/>
+            <a:ext cx="10227544" cy="4510925"/>
+            <a:chOff x="983467" y="1323975"/>
+            <a:chExt cx="10227544" cy="4510925"/>
           </a:xfrm>
-          <a:prstGeom prst="rect">
-            <a:avLst/>
-          </a:prstGeom>
-          <a:solidFill>
-            <a:schemeClr val="tx1"/>
-          </a:solidFill>
-        </p:spPr>
-      </p:pic>
+        </p:grpSpPr>
+        <p:pic>
+          <p:nvPicPr>
+            <p:cNvPr id="2050" name="Picture 2" descr="https://miro.medium.com/max/908/1*toRnJNryryhKETfBqOcvVg.png">
+              <a:extLst>
+                <a:ext uri="{FF2B5EF4-FFF2-40B4-BE49-F238E27FC236}">
+                  <a16:creationId xmlns:a16="http://schemas.microsoft.com/office/drawing/2014/main" id="{C081C805-A044-48F1-9D56-0C5717E1365C}"/>
+                </a:ext>
+              </a:extLst>
+            </p:cNvPr>
+            <p:cNvPicPr>
+              <a:picLocks noChangeAspect="1" noChangeArrowheads="1"/>
+            </p:cNvPicPr>
+            <p:nvPr/>
+          </p:nvPicPr>
+          <p:blipFill rotWithShape="1">
+            <a:blip r:embed="rId2">
+              <a:extLst>
+                <a:ext uri="{28A0092B-C50C-407E-A947-70E740481C1C}">
+                  <a14:useLocalDpi xmlns:a14="http://schemas.microsoft.com/office/drawing/2010/main" val="0"/>
+                </a:ext>
+              </a:extLst>
+            </a:blip>
+            <a:srcRect t="8341" b="11440"/>
+            <a:stretch/>
+          </p:blipFill>
+          <p:spPr bwMode="auto">
+            <a:xfrm>
+              <a:off x="983467" y="1323975"/>
+              <a:ext cx="10227544" cy="4333875"/>
+            </a:xfrm>
+            <a:prstGeom prst="rect">
+              <a:avLst/>
+            </a:prstGeom>
+            <a:solidFill>
+              <a:schemeClr val="tx1"/>
+            </a:solidFill>
+          </p:spPr>
+        </p:pic>
+        <p:sp>
+          <p:nvSpPr>
+            <p:cNvPr id="4" name="TextBox 3">
+              <a:extLst>
+                <a:ext uri="{FF2B5EF4-FFF2-40B4-BE49-F238E27FC236}">
+                  <a16:creationId xmlns:a16="http://schemas.microsoft.com/office/drawing/2014/main" id="{47A73029-1B0A-408A-A254-BC9FA4A793C8}"/>
+                </a:ext>
+              </a:extLst>
+            </p:cNvPr>
+            <p:cNvSpPr txBox="1"/>
+            <p:nvPr/>
+          </p:nvSpPr>
+          <p:spPr>
+            <a:xfrm>
+              <a:off x="10837511" y="5711789"/>
+              <a:ext cx="373500" cy="123111"/>
+            </a:xfrm>
+            <a:prstGeom prst="rect">
+              <a:avLst/>
+            </a:prstGeom>
+            <a:noFill/>
+          </p:spPr>
+          <p:txBody>
+            <a:bodyPr wrap="none" lIns="0" tIns="0" rIns="0" bIns="0" rtlCol="0">
+              <a:spAutoFit/>
+            </a:bodyPr>
+            <a:lstStyle/>
+            <a:p>
+              <a:pPr fontAlgn="base">
+                <a:spcBef>
+                  <a:spcPct val="50000"/>
+                </a:spcBef>
+                <a:spcAft>
+                  <a:spcPct val="0"/>
+                </a:spcAft>
+                <a:buClr>
+                  <a:srgbClr val="F0AB00"/>
+                </a:buClr>
+                <a:buSzPct val="80000"/>
+              </a:pPr>
+              <a:r>
+                <a:rPr lang="en-US" sz="800" i="1" kern="0" dirty="0">
+                  <a:solidFill>
+                    <a:schemeClr val="bg1">
+                      <a:lumMod val="50000"/>
+                      <a:lumOff val="50000"/>
+                    </a:schemeClr>
+                  </a:solidFill>
+                  <a:ea typeface="Arial Unicode MS" pitchFamily="34" charset="-128"/>
+                  <a:cs typeface="Arial Unicode MS" pitchFamily="34" charset="-128"/>
+                </a:rPr>
+                <a:t>Image 4</a:t>
+              </a:r>
+            </a:p>
+          </p:txBody>
+        </p:sp>
+      </p:grpSp>
     </p:spTree>
     <p:extLst>
       <p:ext uri="{BB962C8B-B14F-4D97-AF65-F5344CB8AC3E}">

--- a/Intro To ML and Data Science/Overview.pptx
+++ b/Intro To ML and Data Science/Overview.pptx
@@ -11,19 +11,19 @@
     <p:handoutMasterId r:id="rId20"/>
   </p:handoutMasterIdLst>
   <p:sldIdLst>
-    <p:sldId id="402" r:id="rId2"/>
-    <p:sldId id="433" r:id="rId3"/>
-    <p:sldId id="344" r:id="rId4"/>
-    <p:sldId id="438" r:id="rId5"/>
-    <p:sldId id="364" r:id="rId6"/>
-    <p:sldId id="443" r:id="rId7"/>
-    <p:sldId id="388" r:id="rId8"/>
-    <p:sldId id="445" r:id="rId9"/>
-    <p:sldId id="444" r:id="rId10"/>
-    <p:sldId id="446" r:id="rId11"/>
-    <p:sldId id="447" r:id="rId12"/>
-    <p:sldId id="448" r:id="rId13"/>
-    <p:sldId id="449" r:id="rId14"/>
+    <p:sldId id="433" r:id="rId2"/>
+    <p:sldId id="344" r:id="rId3"/>
+    <p:sldId id="364" r:id="rId4"/>
+    <p:sldId id="449" r:id="rId5"/>
+    <p:sldId id="388" r:id="rId6"/>
+    <p:sldId id="451" r:id="rId7"/>
+    <p:sldId id="445" r:id="rId8"/>
+    <p:sldId id="444" r:id="rId9"/>
+    <p:sldId id="446" r:id="rId10"/>
+    <p:sldId id="447" r:id="rId11"/>
+    <p:sldId id="448" r:id="rId12"/>
+    <p:sldId id="443" r:id="rId13"/>
+    <p:sldId id="452" r:id="rId14"/>
     <p:sldId id="413" r:id="rId15"/>
     <p:sldId id="450" r:id="rId16"/>
     <p:sldId id="265" r:id="rId17"/>
@@ -753,6 +753,4487 @@
 </pc:chgInfo>
 </file>
 
+<file path=ppt/diagrams/colors1.xml><?xml version="1.0" encoding="utf-8"?>
+<dgm:colorsDef xmlns:dgm="http://schemas.openxmlformats.org/drawingml/2006/diagram" xmlns:a="http://schemas.openxmlformats.org/drawingml/2006/main" uniqueId="urn:microsoft.com/office/officeart/2005/8/colors/accent1_2">
+  <dgm:title val=""/>
+  <dgm:desc val=""/>
+  <dgm:catLst>
+    <dgm:cat type="accent1" pri="11200"/>
+  </dgm:catLst>
+  <dgm:styleLbl name="node0">
+    <dgm:fillClrLst meth="repeat">
+      <a:schemeClr val="accent1"/>
+    </dgm:fillClrLst>
+    <dgm:linClrLst meth="repeat">
+      <a:schemeClr val="lt1"/>
+    </dgm:linClrLst>
+    <dgm:effectClrLst/>
+    <dgm:txLinClrLst/>
+    <dgm:txFillClrLst/>
+    <dgm:txEffectClrLst/>
+  </dgm:styleLbl>
+  <dgm:styleLbl name="alignNode1">
+    <dgm:fillClrLst meth="repeat">
+      <a:schemeClr val="accent1"/>
+    </dgm:fillClrLst>
+    <dgm:linClrLst meth="repeat">
+      <a:schemeClr val="accent1"/>
+    </dgm:linClrLst>
+    <dgm:effectClrLst/>
+    <dgm:txLinClrLst/>
+    <dgm:txFillClrLst/>
+    <dgm:txEffectClrLst/>
+  </dgm:styleLbl>
+  <dgm:styleLbl name="node1">
+    <dgm:fillClrLst meth="repeat">
+      <a:schemeClr val="accent1"/>
+    </dgm:fillClrLst>
+    <dgm:linClrLst meth="repeat">
+      <a:schemeClr val="lt1"/>
+    </dgm:linClrLst>
+    <dgm:effectClrLst/>
+    <dgm:txLinClrLst/>
+    <dgm:txFillClrLst/>
+    <dgm:txEffectClrLst/>
+  </dgm:styleLbl>
+  <dgm:styleLbl name="lnNode1">
+    <dgm:fillClrLst meth="repeat">
+      <a:schemeClr val="accent1"/>
+    </dgm:fillClrLst>
+    <dgm:linClrLst meth="repeat">
+      <a:schemeClr val="lt1"/>
+    </dgm:linClrLst>
+    <dgm:effectClrLst/>
+    <dgm:txLinClrLst/>
+    <dgm:txFillClrLst/>
+    <dgm:txEffectClrLst/>
+  </dgm:styleLbl>
+  <dgm:styleLbl name="vennNode1">
+    <dgm:fillClrLst meth="repeat">
+      <a:schemeClr val="accent1">
+        <a:alpha val="50000"/>
+      </a:schemeClr>
+    </dgm:fillClrLst>
+    <dgm:linClrLst meth="repeat">
+      <a:schemeClr val="lt1"/>
+    </dgm:linClrLst>
+    <dgm:effectClrLst/>
+    <dgm:txLinClrLst/>
+    <dgm:txFillClrLst/>
+    <dgm:txEffectClrLst/>
+  </dgm:styleLbl>
+  <dgm:styleLbl name="node2">
+    <dgm:fillClrLst meth="repeat">
+      <a:schemeClr val="accent1"/>
+    </dgm:fillClrLst>
+    <dgm:linClrLst meth="repeat">
+      <a:schemeClr val="lt1"/>
+    </dgm:linClrLst>
+    <dgm:effectClrLst/>
+    <dgm:txLinClrLst/>
+    <dgm:txFillClrLst/>
+    <dgm:txEffectClrLst/>
+  </dgm:styleLbl>
+  <dgm:styleLbl name="node3">
+    <dgm:fillClrLst meth="repeat">
+      <a:schemeClr val="accent1"/>
+    </dgm:fillClrLst>
+    <dgm:linClrLst meth="repeat">
+      <a:schemeClr val="lt1"/>
+    </dgm:linClrLst>
+    <dgm:effectClrLst/>
+    <dgm:txLinClrLst/>
+    <dgm:txFillClrLst/>
+    <dgm:txEffectClrLst/>
+  </dgm:styleLbl>
+  <dgm:styleLbl name="node4">
+    <dgm:fillClrLst meth="repeat">
+      <a:schemeClr val="accent1"/>
+    </dgm:fillClrLst>
+    <dgm:linClrLst meth="repeat">
+      <a:schemeClr val="lt1"/>
+    </dgm:linClrLst>
+    <dgm:effectClrLst/>
+    <dgm:txLinClrLst/>
+    <dgm:txFillClrLst/>
+    <dgm:txEffectClrLst/>
+  </dgm:styleLbl>
+  <dgm:styleLbl name="fgImgPlace1">
+    <dgm:fillClrLst meth="repeat">
+      <a:schemeClr val="accent1">
+        <a:tint val="50000"/>
+      </a:schemeClr>
+    </dgm:fillClrLst>
+    <dgm:linClrLst meth="repeat">
+      <a:schemeClr val="lt1"/>
+    </dgm:linClrLst>
+    <dgm:effectClrLst/>
+    <dgm:txLinClrLst/>
+    <dgm:txFillClrLst meth="repeat">
+      <a:schemeClr val="lt1"/>
+    </dgm:txFillClrLst>
+    <dgm:txEffectClrLst/>
+  </dgm:styleLbl>
+  <dgm:styleLbl name="alignImgPlace1">
+    <dgm:fillClrLst meth="repeat">
+      <a:schemeClr val="accent1">
+        <a:tint val="50000"/>
+      </a:schemeClr>
+    </dgm:fillClrLst>
+    <dgm:linClrLst meth="repeat">
+      <a:schemeClr val="lt1"/>
+    </dgm:linClrLst>
+    <dgm:effectClrLst/>
+    <dgm:txLinClrLst/>
+    <dgm:txFillClrLst meth="repeat">
+      <a:schemeClr val="lt1"/>
+    </dgm:txFillClrLst>
+    <dgm:txEffectClrLst/>
+  </dgm:styleLbl>
+  <dgm:styleLbl name="bgImgPlace1">
+    <dgm:fillClrLst meth="repeat">
+      <a:schemeClr val="accent1">
+        <a:tint val="50000"/>
+      </a:schemeClr>
+    </dgm:fillClrLst>
+    <dgm:linClrLst meth="repeat">
+      <a:schemeClr val="lt1"/>
+    </dgm:linClrLst>
+    <dgm:effectClrLst/>
+    <dgm:txLinClrLst/>
+    <dgm:txFillClrLst meth="repeat">
+      <a:schemeClr val="lt1"/>
+    </dgm:txFillClrLst>
+    <dgm:txEffectClrLst/>
+  </dgm:styleLbl>
+  <dgm:styleLbl name="sibTrans2D1">
+    <dgm:fillClrLst meth="repeat">
+      <a:schemeClr val="accent1">
+        <a:tint val="60000"/>
+      </a:schemeClr>
+    </dgm:fillClrLst>
+    <dgm:linClrLst meth="repeat">
+      <a:schemeClr val="accent1">
+        <a:tint val="60000"/>
+      </a:schemeClr>
+    </dgm:linClrLst>
+    <dgm:effectClrLst/>
+    <dgm:txLinClrLst/>
+    <dgm:txFillClrLst/>
+    <dgm:txEffectClrLst/>
+  </dgm:styleLbl>
+  <dgm:styleLbl name="fgSibTrans2D1">
+    <dgm:fillClrLst meth="repeat">
+      <a:schemeClr val="accent1">
+        <a:tint val="60000"/>
+      </a:schemeClr>
+    </dgm:fillClrLst>
+    <dgm:linClrLst meth="repeat">
+      <a:schemeClr val="accent1">
+        <a:tint val="60000"/>
+      </a:schemeClr>
+    </dgm:linClrLst>
+    <dgm:effectClrLst/>
+    <dgm:txLinClrLst/>
+    <dgm:txFillClrLst/>
+    <dgm:txEffectClrLst/>
+  </dgm:styleLbl>
+  <dgm:styleLbl name="bgSibTrans2D1">
+    <dgm:fillClrLst meth="repeat">
+      <a:schemeClr val="accent1">
+        <a:tint val="60000"/>
+      </a:schemeClr>
+    </dgm:fillClrLst>
+    <dgm:linClrLst meth="repeat">
+      <a:schemeClr val="accent1">
+        <a:tint val="60000"/>
+      </a:schemeClr>
+    </dgm:linClrLst>
+    <dgm:effectClrLst/>
+    <dgm:txLinClrLst/>
+    <dgm:txFillClrLst/>
+    <dgm:txEffectClrLst/>
+  </dgm:styleLbl>
+  <dgm:styleLbl name="sibTrans1D1">
+    <dgm:fillClrLst meth="repeat">
+      <a:schemeClr val="accent1"/>
+    </dgm:fillClrLst>
+    <dgm:linClrLst meth="repeat">
+      <a:schemeClr val="accent1"/>
+    </dgm:linClrLst>
+    <dgm:effectClrLst/>
+    <dgm:txLinClrLst/>
+    <dgm:txFillClrLst meth="repeat">
+      <a:schemeClr val="tx1"/>
+    </dgm:txFillClrLst>
+    <dgm:txEffectClrLst/>
+  </dgm:styleLbl>
+  <dgm:styleLbl name="callout">
+    <dgm:fillClrLst meth="repeat">
+      <a:schemeClr val="accent1"/>
+    </dgm:fillClrLst>
+    <dgm:linClrLst meth="repeat">
+      <a:schemeClr val="accent1">
+        <a:tint val="50000"/>
+      </a:schemeClr>
+    </dgm:linClrLst>
+    <dgm:effectClrLst/>
+    <dgm:txLinClrLst/>
+    <dgm:txFillClrLst meth="repeat">
+      <a:schemeClr val="tx1"/>
+    </dgm:txFillClrLst>
+    <dgm:txEffectClrLst/>
+  </dgm:styleLbl>
+  <dgm:styleLbl name="asst0">
+    <dgm:fillClrLst meth="repeat">
+      <a:schemeClr val="accent1"/>
+    </dgm:fillClrLst>
+    <dgm:linClrLst meth="repeat">
+      <a:schemeClr val="lt1"/>
+    </dgm:linClrLst>
+    <dgm:effectClrLst/>
+    <dgm:txLinClrLst/>
+    <dgm:txFillClrLst/>
+    <dgm:txEffectClrLst/>
+  </dgm:styleLbl>
+  <dgm:styleLbl name="asst1">
+    <dgm:fillClrLst meth="repeat">
+      <a:schemeClr val="accent1"/>
+    </dgm:fillClrLst>
+    <dgm:linClrLst meth="repeat">
+      <a:schemeClr val="lt1"/>
+    </dgm:linClrLst>
+    <dgm:effectClrLst/>
+    <dgm:txLinClrLst/>
+    <dgm:txFillClrLst/>
+    <dgm:txEffectClrLst/>
+  </dgm:styleLbl>
+  <dgm:styleLbl name="asst2">
+    <dgm:fillClrLst meth="repeat">
+      <a:schemeClr val="accent1"/>
+    </dgm:fillClrLst>
+    <dgm:linClrLst meth="repeat">
+      <a:schemeClr val="lt1"/>
+    </dgm:linClrLst>
+    <dgm:effectClrLst/>
+    <dgm:txLinClrLst/>
+    <dgm:txFillClrLst/>
+    <dgm:txEffectClrLst/>
+  </dgm:styleLbl>
+  <dgm:styleLbl name="asst3">
+    <dgm:fillClrLst meth="repeat">
+      <a:schemeClr val="accent1"/>
+    </dgm:fillClrLst>
+    <dgm:linClrLst meth="repeat">
+      <a:schemeClr val="lt1"/>
+    </dgm:linClrLst>
+    <dgm:effectClrLst/>
+    <dgm:txLinClrLst/>
+    <dgm:txFillClrLst/>
+    <dgm:txEffectClrLst/>
+  </dgm:styleLbl>
+  <dgm:styleLbl name="asst4">
+    <dgm:fillClrLst meth="repeat">
+      <a:schemeClr val="accent1"/>
+    </dgm:fillClrLst>
+    <dgm:linClrLst meth="repeat">
+      <a:schemeClr val="lt1"/>
+    </dgm:linClrLst>
+    <dgm:effectClrLst/>
+    <dgm:txLinClrLst/>
+    <dgm:txFillClrLst/>
+    <dgm:txEffectClrLst/>
+  </dgm:styleLbl>
+  <dgm:styleLbl name="parChTrans2D1">
+    <dgm:fillClrLst meth="repeat">
+      <a:schemeClr val="accent1">
+        <a:tint val="60000"/>
+      </a:schemeClr>
+    </dgm:fillClrLst>
+    <dgm:linClrLst meth="repeat">
+      <a:schemeClr val="accent1">
+        <a:tint val="60000"/>
+      </a:schemeClr>
+    </dgm:linClrLst>
+    <dgm:effectClrLst/>
+    <dgm:txLinClrLst/>
+    <dgm:txFillClrLst meth="repeat">
+      <a:schemeClr val="lt1"/>
+    </dgm:txFillClrLst>
+    <dgm:txEffectClrLst/>
+  </dgm:styleLbl>
+  <dgm:styleLbl name="parChTrans2D2">
+    <dgm:fillClrLst meth="repeat">
+      <a:schemeClr val="accent1"/>
+    </dgm:fillClrLst>
+    <dgm:linClrLst meth="repeat">
+      <a:schemeClr val="accent1"/>
+    </dgm:linClrLst>
+    <dgm:effectClrLst/>
+    <dgm:txLinClrLst/>
+    <dgm:txFillClrLst meth="repeat">
+      <a:schemeClr val="lt1"/>
+    </dgm:txFillClrLst>
+    <dgm:txEffectClrLst/>
+  </dgm:styleLbl>
+  <dgm:styleLbl name="parChTrans2D3">
+    <dgm:fillClrLst meth="repeat">
+      <a:schemeClr val="accent1"/>
+    </dgm:fillClrLst>
+    <dgm:linClrLst meth="repeat">
+      <a:schemeClr val="accent1"/>
+    </dgm:linClrLst>
+    <dgm:effectClrLst/>
+    <dgm:txLinClrLst/>
+    <dgm:txFillClrLst meth="repeat">
+      <a:schemeClr val="lt1"/>
+    </dgm:txFillClrLst>
+    <dgm:txEffectClrLst/>
+  </dgm:styleLbl>
+  <dgm:styleLbl name="parChTrans2D4">
+    <dgm:fillClrLst meth="repeat">
+      <a:schemeClr val="accent1"/>
+    </dgm:fillClrLst>
+    <dgm:linClrLst meth="repeat">
+      <a:schemeClr val="accent1"/>
+    </dgm:linClrLst>
+    <dgm:effectClrLst/>
+    <dgm:txLinClrLst/>
+    <dgm:txFillClrLst meth="repeat">
+      <a:schemeClr val="lt1"/>
+    </dgm:txFillClrLst>
+    <dgm:txEffectClrLst/>
+  </dgm:styleLbl>
+  <dgm:styleLbl name="parChTrans1D1">
+    <dgm:fillClrLst meth="repeat">
+      <a:schemeClr val="accent1"/>
+    </dgm:fillClrLst>
+    <dgm:linClrLst meth="repeat">
+      <a:schemeClr val="accent1">
+        <a:shade val="60000"/>
+      </a:schemeClr>
+    </dgm:linClrLst>
+    <dgm:effectClrLst/>
+    <dgm:txLinClrLst/>
+    <dgm:txFillClrLst meth="repeat">
+      <a:schemeClr val="tx1"/>
+    </dgm:txFillClrLst>
+    <dgm:txEffectClrLst/>
+  </dgm:styleLbl>
+  <dgm:styleLbl name="parChTrans1D2">
+    <dgm:fillClrLst meth="repeat">
+      <a:schemeClr val="accent1"/>
+    </dgm:fillClrLst>
+    <dgm:linClrLst meth="repeat">
+      <a:schemeClr val="accent1">
+        <a:shade val="60000"/>
+      </a:schemeClr>
+    </dgm:linClrLst>
+    <dgm:effectClrLst/>
+    <dgm:txLinClrLst/>
+    <dgm:txFillClrLst meth="repeat">
+      <a:schemeClr val="tx1"/>
+    </dgm:txFillClrLst>
+    <dgm:txEffectClrLst/>
+  </dgm:styleLbl>
+  <dgm:styleLbl name="parChTrans1D3">
+    <dgm:fillClrLst meth="repeat">
+      <a:schemeClr val="accent1"/>
+    </dgm:fillClrLst>
+    <dgm:linClrLst meth="repeat">
+      <a:schemeClr val="accent1">
+        <a:shade val="80000"/>
+      </a:schemeClr>
+    </dgm:linClrLst>
+    <dgm:effectClrLst/>
+    <dgm:txLinClrLst/>
+    <dgm:txFillClrLst meth="repeat">
+      <a:schemeClr val="tx1"/>
+    </dgm:txFillClrLst>
+    <dgm:txEffectClrLst/>
+  </dgm:styleLbl>
+  <dgm:styleLbl name="parChTrans1D4">
+    <dgm:fillClrLst meth="repeat">
+      <a:schemeClr val="accent1"/>
+    </dgm:fillClrLst>
+    <dgm:linClrLst meth="repeat">
+      <a:schemeClr val="accent1">
+        <a:shade val="80000"/>
+      </a:schemeClr>
+    </dgm:linClrLst>
+    <dgm:effectClrLst/>
+    <dgm:txLinClrLst/>
+    <dgm:txFillClrLst meth="repeat">
+      <a:schemeClr val="tx1"/>
+    </dgm:txFillClrLst>
+    <dgm:txEffectClrLst/>
+  </dgm:styleLbl>
+  <dgm:styleLbl name="fgAcc1">
+    <dgm:fillClrLst meth="repeat">
+      <a:schemeClr val="lt1">
+        <a:alpha val="90000"/>
+      </a:schemeClr>
+    </dgm:fillClrLst>
+    <dgm:linClrLst meth="repeat">
+      <a:schemeClr val="accent1"/>
+    </dgm:linClrLst>
+    <dgm:effectClrLst/>
+    <dgm:txLinClrLst/>
+    <dgm:txFillClrLst meth="repeat">
+      <a:schemeClr val="dk1"/>
+    </dgm:txFillClrLst>
+    <dgm:txEffectClrLst/>
+  </dgm:styleLbl>
+  <dgm:styleLbl name="conFgAcc1">
+    <dgm:fillClrLst meth="repeat">
+      <a:schemeClr val="lt1">
+        <a:alpha val="90000"/>
+      </a:schemeClr>
+    </dgm:fillClrLst>
+    <dgm:linClrLst meth="repeat">
+      <a:schemeClr val="accent1"/>
+    </dgm:linClrLst>
+    <dgm:effectClrLst/>
+    <dgm:txLinClrLst/>
+    <dgm:txFillClrLst meth="repeat">
+      <a:schemeClr val="dk1"/>
+    </dgm:txFillClrLst>
+    <dgm:txEffectClrLst/>
+  </dgm:styleLbl>
+  <dgm:styleLbl name="alignAcc1">
+    <dgm:fillClrLst meth="repeat">
+      <a:schemeClr val="lt1">
+        <a:alpha val="90000"/>
+      </a:schemeClr>
+    </dgm:fillClrLst>
+    <dgm:linClrLst meth="repeat">
+      <a:schemeClr val="accent1"/>
+    </dgm:linClrLst>
+    <dgm:effectClrLst/>
+    <dgm:txLinClrLst/>
+    <dgm:txFillClrLst meth="repeat">
+      <a:schemeClr val="dk1"/>
+    </dgm:txFillClrLst>
+    <dgm:txEffectClrLst/>
+  </dgm:styleLbl>
+  <dgm:styleLbl name="trAlignAcc1">
+    <dgm:fillClrLst meth="repeat">
+      <a:schemeClr val="lt1">
+        <a:alpha val="40000"/>
+      </a:schemeClr>
+    </dgm:fillClrLst>
+    <dgm:linClrLst meth="repeat">
+      <a:schemeClr val="accent1"/>
+    </dgm:linClrLst>
+    <dgm:effectClrLst/>
+    <dgm:txLinClrLst/>
+    <dgm:txFillClrLst meth="repeat">
+      <a:schemeClr val="dk1"/>
+    </dgm:txFillClrLst>
+    <dgm:txEffectClrLst/>
+  </dgm:styleLbl>
+  <dgm:styleLbl name="bgAcc1">
+    <dgm:fillClrLst meth="repeat">
+      <a:schemeClr val="lt1">
+        <a:alpha val="90000"/>
+      </a:schemeClr>
+    </dgm:fillClrLst>
+    <dgm:linClrLst meth="repeat">
+      <a:schemeClr val="accent1"/>
+    </dgm:linClrLst>
+    <dgm:effectClrLst/>
+    <dgm:txLinClrLst/>
+    <dgm:txFillClrLst meth="repeat">
+      <a:schemeClr val="dk1"/>
+    </dgm:txFillClrLst>
+    <dgm:txEffectClrLst/>
+  </dgm:styleLbl>
+  <dgm:styleLbl name="solidFgAcc1">
+    <dgm:fillClrLst meth="repeat">
+      <a:schemeClr val="lt1"/>
+    </dgm:fillClrLst>
+    <dgm:linClrLst meth="repeat">
+      <a:schemeClr val="accent1"/>
+    </dgm:linClrLst>
+    <dgm:effectClrLst/>
+    <dgm:txLinClrLst/>
+    <dgm:txFillClrLst meth="repeat">
+      <a:schemeClr val="dk1"/>
+    </dgm:txFillClrLst>
+    <dgm:txEffectClrLst/>
+  </dgm:styleLbl>
+  <dgm:styleLbl name="solidAlignAcc1">
+    <dgm:fillClrLst meth="repeat">
+      <a:schemeClr val="lt1"/>
+    </dgm:fillClrLst>
+    <dgm:linClrLst meth="repeat">
+      <a:schemeClr val="accent1"/>
+    </dgm:linClrLst>
+    <dgm:effectClrLst/>
+    <dgm:txLinClrLst/>
+    <dgm:txFillClrLst meth="repeat">
+      <a:schemeClr val="dk1"/>
+    </dgm:txFillClrLst>
+    <dgm:txEffectClrLst/>
+  </dgm:styleLbl>
+  <dgm:styleLbl name="solidBgAcc1">
+    <dgm:fillClrLst meth="repeat">
+      <a:schemeClr val="lt1"/>
+    </dgm:fillClrLst>
+    <dgm:linClrLst meth="repeat">
+      <a:schemeClr val="accent1"/>
+    </dgm:linClrLst>
+    <dgm:effectClrLst/>
+    <dgm:txLinClrLst/>
+    <dgm:txFillClrLst meth="repeat">
+      <a:schemeClr val="dk1"/>
+    </dgm:txFillClrLst>
+    <dgm:txEffectClrLst/>
+  </dgm:styleLbl>
+  <dgm:styleLbl name="fgAccFollowNode1">
+    <dgm:fillClrLst meth="repeat">
+      <a:schemeClr val="accent1">
+        <a:alpha val="90000"/>
+        <a:tint val="40000"/>
+      </a:schemeClr>
+    </dgm:fillClrLst>
+    <dgm:linClrLst meth="repeat">
+      <a:schemeClr val="accent1">
+        <a:alpha val="90000"/>
+        <a:tint val="40000"/>
+      </a:schemeClr>
+    </dgm:linClrLst>
+    <dgm:effectClrLst/>
+    <dgm:txLinClrLst/>
+    <dgm:txFillClrLst meth="repeat">
+      <a:schemeClr val="dk1"/>
+    </dgm:txFillClrLst>
+    <dgm:txEffectClrLst/>
+  </dgm:styleLbl>
+  <dgm:styleLbl name="alignAccFollowNode1">
+    <dgm:fillClrLst meth="repeat">
+      <a:schemeClr val="accent1">
+        <a:alpha val="90000"/>
+        <a:tint val="40000"/>
+      </a:schemeClr>
+    </dgm:fillClrLst>
+    <dgm:linClrLst meth="repeat">
+      <a:schemeClr val="accent1">
+        <a:alpha val="90000"/>
+        <a:tint val="40000"/>
+      </a:schemeClr>
+    </dgm:linClrLst>
+    <dgm:effectClrLst/>
+    <dgm:txLinClrLst/>
+    <dgm:txFillClrLst meth="repeat">
+      <a:schemeClr val="dk1"/>
+    </dgm:txFillClrLst>
+    <dgm:txEffectClrLst/>
+  </dgm:styleLbl>
+  <dgm:styleLbl name="bgAccFollowNode1">
+    <dgm:fillClrLst meth="repeat">
+      <a:schemeClr val="accent1">
+        <a:alpha val="90000"/>
+        <a:tint val="40000"/>
+      </a:schemeClr>
+    </dgm:fillClrLst>
+    <dgm:linClrLst meth="repeat">
+      <a:schemeClr val="accent1">
+        <a:alpha val="90000"/>
+        <a:tint val="40000"/>
+      </a:schemeClr>
+    </dgm:linClrLst>
+    <dgm:effectClrLst/>
+    <dgm:txLinClrLst/>
+    <dgm:txFillClrLst meth="repeat">
+      <a:schemeClr val="dk1"/>
+    </dgm:txFillClrLst>
+    <dgm:txEffectClrLst/>
+  </dgm:styleLbl>
+  <dgm:styleLbl name="fgAcc0">
+    <dgm:fillClrLst meth="repeat">
+      <a:schemeClr val="lt1">
+        <a:alpha val="90000"/>
+      </a:schemeClr>
+    </dgm:fillClrLst>
+    <dgm:linClrLst meth="repeat">
+      <a:schemeClr val="accent1"/>
+    </dgm:linClrLst>
+    <dgm:effectClrLst/>
+    <dgm:txLinClrLst/>
+    <dgm:txFillClrLst meth="repeat">
+      <a:schemeClr val="dk1"/>
+    </dgm:txFillClrLst>
+    <dgm:txEffectClrLst/>
+  </dgm:styleLbl>
+  <dgm:styleLbl name="fgAcc2">
+    <dgm:fillClrLst meth="repeat">
+      <a:schemeClr val="lt1">
+        <a:alpha val="90000"/>
+      </a:schemeClr>
+    </dgm:fillClrLst>
+    <dgm:linClrLst meth="repeat">
+      <a:schemeClr val="accent1"/>
+    </dgm:linClrLst>
+    <dgm:effectClrLst/>
+    <dgm:txLinClrLst/>
+    <dgm:txFillClrLst meth="repeat">
+      <a:schemeClr val="dk1"/>
+    </dgm:txFillClrLst>
+    <dgm:txEffectClrLst/>
+  </dgm:styleLbl>
+  <dgm:styleLbl name="fgAcc3">
+    <dgm:fillClrLst meth="repeat">
+      <a:schemeClr val="lt1">
+        <a:alpha val="90000"/>
+      </a:schemeClr>
+    </dgm:fillClrLst>
+    <dgm:linClrLst meth="repeat">
+      <a:schemeClr val="accent1"/>
+    </dgm:linClrLst>
+    <dgm:effectClrLst/>
+    <dgm:txLinClrLst/>
+    <dgm:txFillClrLst meth="repeat">
+      <a:schemeClr val="dk1"/>
+    </dgm:txFillClrLst>
+    <dgm:txEffectClrLst/>
+  </dgm:styleLbl>
+  <dgm:styleLbl name="fgAcc4">
+    <dgm:fillClrLst meth="repeat">
+      <a:schemeClr val="lt1">
+        <a:alpha val="90000"/>
+      </a:schemeClr>
+    </dgm:fillClrLst>
+    <dgm:linClrLst meth="repeat">
+      <a:schemeClr val="accent1"/>
+    </dgm:linClrLst>
+    <dgm:effectClrLst/>
+    <dgm:txLinClrLst/>
+    <dgm:txFillClrLst meth="repeat">
+      <a:schemeClr val="dk1"/>
+    </dgm:txFillClrLst>
+    <dgm:txEffectClrLst/>
+  </dgm:styleLbl>
+  <dgm:styleLbl name="bgShp">
+    <dgm:fillClrLst meth="repeat">
+      <a:schemeClr val="accent1">
+        <a:tint val="40000"/>
+      </a:schemeClr>
+    </dgm:fillClrLst>
+    <dgm:linClrLst meth="repeat">
+      <a:schemeClr val="accent1"/>
+    </dgm:linClrLst>
+    <dgm:effectClrLst/>
+    <dgm:txLinClrLst/>
+    <dgm:txFillClrLst meth="repeat">
+      <a:schemeClr val="dk1"/>
+    </dgm:txFillClrLst>
+    <dgm:txEffectClrLst/>
+  </dgm:styleLbl>
+  <dgm:styleLbl name="dkBgShp">
+    <dgm:fillClrLst meth="repeat">
+      <a:schemeClr val="accent1">
+        <a:shade val="80000"/>
+      </a:schemeClr>
+    </dgm:fillClrLst>
+    <dgm:linClrLst meth="repeat">
+      <a:schemeClr val="accent1"/>
+    </dgm:linClrLst>
+    <dgm:effectClrLst/>
+    <dgm:txLinClrLst/>
+    <dgm:txFillClrLst meth="repeat">
+      <a:schemeClr val="lt1"/>
+    </dgm:txFillClrLst>
+    <dgm:txEffectClrLst/>
+  </dgm:styleLbl>
+  <dgm:styleLbl name="trBgShp">
+    <dgm:fillClrLst meth="repeat">
+      <a:schemeClr val="accent1">
+        <a:tint val="50000"/>
+        <a:alpha val="40000"/>
+      </a:schemeClr>
+    </dgm:fillClrLst>
+    <dgm:linClrLst meth="repeat">
+      <a:schemeClr val="accent1"/>
+    </dgm:linClrLst>
+    <dgm:effectClrLst/>
+    <dgm:txLinClrLst/>
+    <dgm:txFillClrLst meth="repeat">
+      <a:schemeClr val="lt1"/>
+    </dgm:txFillClrLst>
+    <dgm:txEffectClrLst/>
+  </dgm:styleLbl>
+  <dgm:styleLbl name="fgShp">
+    <dgm:fillClrLst meth="repeat">
+      <a:schemeClr val="accent1">
+        <a:tint val="60000"/>
+      </a:schemeClr>
+    </dgm:fillClrLst>
+    <dgm:linClrLst meth="repeat">
+      <a:schemeClr val="lt1"/>
+    </dgm:linClrLst>
+    <dgm:effectClrLst/>
+    <dgm:txLinClrLst/>
+    <dgm:txFillClrLst meth="repeat">
+      <a:schemeClr val="dk1"/>
+    </dgm:txFillClrLst>
+    <dgm:txEffectClrLst/>
+  </dgm:styleLbl>
+  <dgm:styleLbl name="revTx">
+    <dgm:fillClrLst meth="repeat">
+      <a:schemeClr val="lt1">
+        <a:alpha val="0"/>
+      </a:schemeClr>
+    </dgm:fillClrLst>
+    <dgm:linClrLst meth="repeat">
+      <a:schemeClr val="dk1">
+        <a:alpha val="0"/>
+      </a:schemeClr>
+    </dgm:linClrLst>
+    <dgm:effectClrLst/>
+    <dgm:txLinClrLst/>
+    <dgm:txFillClrLst meth="repeat">
+      <a:schemeClr val="tx1"/>
+    </dgm:txFillClrLst>
+    <dgm:txEffectClrLst/>
+  </dgm:styleLbl>
+</dgm:colorsDef>
+</file>
+
+<file path=ppt/diagrams/data1.xml><?xml version="1.0" encoding="utf-8"?>
+<dgm:dataModel xmlns:dgm="http://schemas.openxmlformats.org/drawingml/2006/diagram" xmlns:a="http://schemas.openxmlformats.org/drawingml/2006/main">
+  <dgm:ptLst>
+    <dgm:pt modelId="{53FA7F5E-9B1A-4365-9EB8-0054070003BB}" type="doc">
+      <dgm:prSet loTypeId="urn:microsoft.com/office/officeart/2005/8/layout/hierarchy1" loCatId="hierarchy" qsTypeId="urn:microsoft.com/office/officeart/2005/8/quickstyle/simple2" qsCatId="simple" csTypeId="urn:microsoft.com/office/officeart/2005/8/colors/accent1_2" csCatId="accent1" phldr="1"/>
+      <dgm:spPr/>
+      <dgm:t>
+        <a:bodyPr/>
+        <a:lstStyle/>
+        <a:p>
+          <a:endParaRPr lang="en-US"/>
+        </a:p>
+      </dgm:t>
+    </dgm:pt>
+    <dgm:pt modelId="{9C06066B-FEF3-4E6A-96BE-FA058FC0BAB7}">
+      <dgm:prSet phldrT="[Text]"/>
+      <dgm:spPr/>
+      <dgm:t>
+        <a:bodyPr/>
+        <a:lstStyle/>
+        <a:p>
+          <a:r>
+            <a:rPr lang="en-US" dirty="0"/>
+            <a:t>Machine Learning</a:t>
+          </a:r>
+        </a:p>
+      </dgm:t>
+    </dgm:pt>
+    <dgm:pt modelId="{B48CF68D-5554-4089-A642-A8449DBC6E3F}" type="parTrans" cxnId="{CD319E70-F764-4BB5-B6BA-E9CF2655956D}">
+      <dgm:prSet/>
+      <dgm:spPr/>
+      <dgm:t>
+        <a:bodyPr/>
+        <a:lstStyle/>
+        <a:p>
+          <a:endParaRPr lang="en-US"/>
+        </a:p>
+      </dgm:t>
+    </dgm:pt>
+    <dgm:pt modelId="{BAFEB2D8-BCF0-4D0B-ACAB-C824F458508B}" type="sibTrans" cxnId="{CD319E70-F764-4BB5-B6BA-E9CF2655956D}">
+      <dgm:prSet/>
+      <dgm:spPr/>
+      <dgm:t>
+        <a:bodyPr/>
+        <a:lstStyle/>
+        <a:p>
+          <a:endParaRPr lang="en-US"/>
+        </a:p>
+      </dgm:t>
+    </dgm:pt>
+    <dgm:pt modelId="{E5A0807B-A9B3-4B88-B050-17F109D3E52D}" type="asst">
+      <dgm:prSet phldrT="[Text]"/>
+      <dgm:spPr/>
+      <dgm:t>
+        <a:bodyPr/>
+        <a:lstStyle/>
+        <a:p>
+          <a:r>
+            <a:rPr lang="en-US" dirty="0"/>
+            <a:t>Supervised learning</a:t>
+          </a:r>
+        </a:p>
+      </dgm:t>
+    </dgm:pt>
+    <dgm:pt modelId="{B15C3DAD-9510-40AA-9FAF-A02D612BCBF6}" type="parTrans" cxnId="{713671EE-F342-4C86-BFA8-183BD3CFCB6B}">
+      <dgm:prSet/>
+      <dgm:spPr/>
+      <dgm:t>
+        <a:bodyPr/>
+        <a:lstStyle/>
+        <a:p>
+          <a:endParaRPr lang="en-US"/>
+        </a:p>
+      </dgm:t>
+    </dgm:pt>
+    <dgm:pt modelId="{DEF81498-814F-4209-B376-F0DCEC3E04D6}" type="sibTrans" cxnId="{713671EE-F342-4C86-BFA8-183BD3CFCB6B}">
+      <dgm:prSet/>
+      <dgm:spPr/>
+      <dgm:t>
+        <a:bodyPr/>
+        <a:lstStyle/>
+        <a:p>
+          <a:endParaRPr lang="en-US"/>
+        </a:p>
+      </dgm:t>
+    </dgm:pt>
+    <dgm:pt modelId="{8045F032-DAC8-4C7B-AFBC-51EC7D0B3FA2}">
+      <dgm:prSet phldrT="[Text]"/>
+      <dgm:spPr/>
+      <dgm:t>
+        <a:bodyPr/>
+        <a:lstStyle/>
+        <a:p>
+          <a:r>
+            <a:rPr lang="en-US" dirty="0"/>
+            <a:t>Unsupervised Learning</a:t>
+          </a:r>
+        </a:p>
+      </dgm:t>
+    </dgm:pt>
+    <dgm:pt modelId="{8055A85D-2B17-4846-A250-B279259797C6}" type="parTrans" cxnId="{14E4C0A9-C974-494A-841D-27986DB32FB9}">
+      <dgm:prSet/>
+      <dgm:spPr/>
+      <dgm:t>
+        <a:bodyPr/>
+        <a:lstStyle/>
+        <a:p>
+          <a:endParaRPr lang="en-US"/>
+        </a:p>
+      </dgm:t>
+    </dgm:pt>
+    <dgm:pt modelId="{BD682B89-D05A-4951-A0C2-CFBE13B550AB}" type="sibTrans" cxnId="{14E4C0A9-C974-494A-841D-27986DB32FB9}">
+      <dgm:prSet/>
+      <dgm:spPr/>
+      <dgm:t>
+        <a:bodyPr/>
+        <a:lstStyle/>
+        <a:p>
+          <a:endParaRPr lang="en-US"/>
+        </a:p>
+      </dgm:t>
+    </dgm:pt>
+    <dgm:pt modelId="{2FEC1185-E18D-4E10-8425-55D856F2DA1B}">
+      <dgm:prSet phldrT="[Text]"/>
+      <dgm:spPr/>
+      <dgm:t>
+        <a:bodyPr/>
+        <a:lstStyle/>
+        <a:p>
+          <a:r>
+            <a:rPr lang="en-US" dirty="0"/>
+            <a:t>Association</a:t>
+          </a:r>
+        </a:p>
+      </dgm:t>
+    </dgm:pt>
+    <dgm:pt modelId="{8F716C72-7EA3-4032-AB4B-315D57747253}" type="parTrans" cxnId="{88EB65B2-F116-402F-945F-D72625EA80C7}">
+      <dgm:prSet/>
+      <dgm:spPr/>
+      <dgm:t>
+        <a:bodyPr/>
+        <a:lstStyle/>
+        <a:p>
+          <a:endParaRPr lang="en-US"/>
+        </a:p>
+      </dgm:t>
+    </dgm:pt>
+    <dgm:pt modelId="{2DEF18B0-383C-4EDD-8CBA-19B59FC105FF}" type="sibTrans" cxnId="{88EB65B2-F116-402F-945F-D72625EA80C7}">
+      <dgm:prSet/>
+      <dgm:spPr/>
+      <dgm:t>
+        <a:bodyPr/>
+        <a:lstStyle/>
+        <a:p>
+          <a:endParaRPr lang="en-US"/>
+        </a:p>
+      </dgm:t>
+    </dgm:pt>
+    <dgm:pt modelId="{1D47B408-2953-4891-AD88-1A326D85A6EE}">
+      <dgm:prSet phldrT="[Text]"/>
+      <dgm:spPr/>
+      <dgm:t>
+        <a:bodyPr/>
+        <a:lstStyle/>
+        <a:p>
+          <a:r>
+            <a:rPr lang="en-US" dirty="0"/>
+            <a:t>Clustering</a:t>
+          </a:r>
+        </a:p>
+      </dgm:t>
+    </dgm:pt>
+    <dgm:pt modelId="{46AC8AD3-4C41-4AD2-BB1C-B39966A90453}" type="parTrans" cxnId="{5B02B18A-01C5-4C06-A0C9-A05EA371899B}">
+      <dgm:prSet/>
+      <dgm:spPr/>
+      <dgm:t>
+        <a:bodyPr/>
+        <a:lstStyle/>
+        <a:p>
+          <a:endParaRPr lang="en-US"/>
+        </a:p>
+      </dgm:t>
+    </dgm:pt>
+    <dgm:pt modelId="{B7FC521E-AD8D-45BE-8338-3164EC2B9949}" type="sibTrans" cxnId="{5B02B18A-01C5-4C06-A0C9-A05EA371899B}">
+      <dgm:prSet/>
+      <dgm:spPr/>
+      <dgm:t>
+        <a:bodyPr/>
+        <a:lstStyle/>
+        <a:p>
+          <a:endParaRPr lang="en-US"/>
+        </a:p>
+      </dgm:t>
+    </dgm:pt>
+    <dgm:pt modelId="{A2CD083D-1C84-4478-9F3F-62AFB44894B1}">
+      <dgm:prSet/>
+      <dgm:spPr/>
+      <dgm:t>
+        <a:bodyPr/>
+        <a:lstStyle/>
+        <a:p>
+          <a:r>
+            <a:rPr lang="en-US" dirty="0"/>
+            <a:t>Regression</a:t>
+          </a:r>
+        </a:p>
+      </dgm:t>
+    </dgm:pt>
+    <dgm:pt modelId="{6A6135B9-7FB0-4196-933D-BE93268A199F}" type="parTrans" cxnId="{52AFE90A-DACA-4B92-8C29-8983104FFE6F}">
+      <dgm:prSet/>
+      <dgm:spPr/>
+      <dgm:t>
+        <a:bodyPr/>
+        <a:lstStyle/>
+        <a:p>
+          <a:endParaRPr lang="en-US"/>
+        </a:p>
+      </dgm:t>
+    </dgm:pt>
+    <dgm:pt modelId="{E8BF5988-235F-4D64-868E-F29CC8F2413A}" type="sibTrans" cxnId="{52AFE90A-DACA-4B92-8C29-8983104FFE6F}">
+      <dgm:prSet/>
+      <dgm:spPr/>
+      <dgm:t>
+        <a:bodyPr/>
+        <a:lstStyle/>
+        <a:p>
+          <a:endParaRPr lang="en-US"/>
+        </a:p>
+      </dgm:t>
+    </dgm:pt>
+    <dgm:pt modelId="{EF45CBAD-5489-4A11-B7D5-1BF89C976CD6}">
+      <dgm:prSet/>
+      <dgm:spPr/>
+      <dgm:t>
+        <a:bodyPr/>
+        <a:lstStyle/>
+        <a:p>
+          <a:r>
+            <a:rPr lang="en-US" dirty="0"/>
+            <a:t>Classification</a:t>
+          </a:r>
+        </a:p>
+      </dgm:t>
+    </dgm:pt>
+    <dgm:pt modelId="{EB287531-8730-4B5D-9381-0AEA4C97CD15}" type="parTrans" cxnId="{4E2BB7CE-A8E1-4E80-9587-48CE6DF2CAF0}">
+      <dgm:prSet/>
+      <dgm:spPr/>
+      <dgm:t>
+        <a:bodyPr/>
+        <a:lstStyle/>
+        <a:p>
+          <a:endParaRPr lang="en-US"/>
+        </a:p>
+      </dgm:t>
+    </dgm:pt>
+    <dgm:pt modelId="{CFEE6D2A-B774-4896-BF48-8ABDD0442A47}" type="sibTrans" cxnId="{4E2BB7CE-A8E1-4E80-9587-48CE6DF2CAF0}">
+      <dgm:prSet/>
+      <dgm:spPr/>
+      <dgm:t>
+        <a:bodyPr/>
+        <a:lstStyle/>
+        <a:p>
+          <a:endParaRPr lang="en-US"/>
+        </a:p>
+      </dgm:t>
+    </dgm:pt>
+    <dgm:pt modelId="{8B465D99-4BC9-4AFA-BB1E-C8F2697F28DB}">
+      <dgm:prSet/>
+      <dgm:spPr/>
+      <dgm:t>
+        <a:bodyPr/>
+        <a:lstStyle/>
+        <a:p>
+          <a:r>
+            <a:rPr lang="en-US" dirty="0"/>
+            <a:t>Reinforcement learning</a:t>
+          </a:r>
+        </a:p>
+      </dgm:t>
+    </dgm:pt>
+    <dgm:pt modelId="{37D255CB-535A-497F-B5D2-5D983BB9EDC8}" type="parTrans" cxnId="{FB064D0D-2EC5-4DEA-8AFB-C178639815E0}">
+      <dgm:prSet/>
+      <dgm:spPr/>
+      <dgm:t>
+        <a:bodyPr/>
+        <a:lstStyle/>
+        <a:p>
+          <a:endParaRPr lang="en-US"/>
+        </a:p>
+      </dgm:t>
+    </dgm:pt>
+    <dgm:pt modelId="{467C85C2-072E-480F-8BC0-6F11D41C6055}" type="sibTrans" cxnId="{FB064D0D-2EC5-4DEA-8AFB-C178639815E0}">
+      <dgm:prSet/>
+      <dgm:spPr/>
+      <dgm:t>
+        <a:bodyPr/>
+        <a:lstStyle/>
+        <a:p>
+          <a:endParaRPr lang="en-US"/>
+        </a:p>
+      </dgm:t>
+    </dgm:pt>
+    <dgm:pt modelId="{A51B5636-9447-4FFA-ACA9-3ED6DD4FC9FA}" type="pres">
+      <dgm:prSet presAssocID="{53FA7F5E-9B1A-4365-9EB8-0054070003BB}" presName="hierChild1" presStyleCnt="0">
+        <dgm:presLayoutVars>
+          <dgm:chPref val="1"/>
+          <dgm:dir/>
+          <dgm:animOne val="branch"/>
+          <dgm:animLvl val="lvl"/>
+          <dgm:resizeHandles/>
+        </dgm:presLayoutVars>
+      </dgm:prSet>
+      <dgm:spPr/>
+    </dgm:pt>
+    <dgm:pt modelId="{AEA4F478-435E-4351-B7C5-F8E4CA698F1F}" type="pres">
+      <dgm:prSet presAssocID="{9C06066B-FEF3-4E6A-96BE-FA058FC0BAB7}" presName="hierRoot1" presStyleCnt="0"/>
+      <dgm:spPr/>
+    </dgm:pt>
+    <dgm:pt modelId="{FF72095D-1D48-467A-B2C6-E4A9E2246C91}" type="pres">
+      <dgm:prSet presAssocID="{9C06066B-FEF3-4E6A-96BE-FA058FC0BAB7}" presName="composite" presStyleCnt="0"/>
+      <dgm:spPr/>
+    </dgm:pt>
+    <dgm:pt modelId="{DF33F7AA-5B62-4D52-8FA6-655D3A5211C7}" type="pres">
+      <dgm:prSet presAssocID="{9C06066B-FEF3-4E6A-96BE-FA058FC0BAB7}" presName="background" presStyleLbl="node0" presStyleIdx="0" presStyleCnt="1"/>
+      <dgm:spPr/>
+    </dgm:pt>
+    <dgm:pt modelId="{BF40D2FA-BA4D-4599-85D7-0C73F43D1EF8}" type="pres">
+      <dgm:prSet presAssocID="{9C06066B-FEF3-4E6A-96BE-FA058FC0BAB7}" presName="text" presStyleLbl="fgAcc0" presStyleIdx="0" presStyleCnt="1" custLinFactNeighborX="-31043" custLinFactNeighborY="-36134">
+        <dgm:presLayoutVars>
+          <dgm:chPref val="3"/>
+        </dgm:presLayoutVars>
+      </dgm:prSet>
+      <dgm:spPr/>
+    </dgm:pt>
+    <dgm:pt modelId="{B490F21E-D6C8-435F-A008-0A3CC29848BF}" type="pres">
+      <dgm:prSet presAssocID="{9C06066B-FEF3-4E6A-96BE-FA058FC0BAB7}" presName="hierChild2" presStyleCnt="0"/>
+      <dgm:spPr/>
+    </dgm:pt>
+    <dgm:pt modelId="{EC7A55D7-AE96-4EF9-A921-AEDE78C266DC}" type="pres">
+      <dgm:prSet presAssocID="{B15C3DAD-9510-40AA-9FAF-A02D612BCBF6}" presName="Name10" presStyleLbl="parChTrans1D2" presStyleIdx="0" presStyleCnt="3"/>
+      <dgm:spPr/>
+    </dgm:pt>
+    <dgm:pt modelId="{A2495FCF-773F-466C-BE9B-507A2EBF4104}" type="pres">
+      <dgm:prSet presAssocID="{E5A0807B-A9B3-4B88-B050-17F109D3E52D}" presName="hierRoot2" presStyleCnt="0"/>
+      <dgm:spPr/>
+    </dgm:pt>
+    <dgm:pt modelId="{35405222-F6A4-40A7-ADC3-3699CA4227D5}" type="pres">
+      <dgm:prSet presAssocID="{E5A0807B-A9B3-4B88-B050-17F109D3E52D}" presName="composite2" presStyleCnt="0"/>
+      <dgm:spPr/>
+    </dgm:pt>
+    <dgm:pt modelId="{C87BB537-185A-49D0-A558-9BE3C980E3C5}" type="pres">
+      <dgm:prSet presAssocID="{E5A0807B-A9B3-4B88-B050-17F109D3E52D}" presName="background2" presStyleLbl="asst1" presStyleIdx="0" presStyleCnt="1"/>
+      <dgm:spPr/>
+    </dgm:pt>
+    <dgm:pt modelId="{92DCB8DF-CCB4-441D-AA4C-2673257D8E97}" type="pres">
+      <dgm:prSet presAssocID="{E5A0807B-A9B3-4B88-B050-17F109D3E52D}" presName="text2" presStyleLbl="fgAcc2" presStyleIdx="0" presStyleCnt="3">
+        <dgm:presLayoutVars>
+          <dgm:chPref val="3"/>
+        </dgm:presLayoutVars>
+      </dgm:prSet>
+      <dgm:spPr/>
+    </dgm:pt>
+    <dgm:pt modelId="{5E817302-8644-4B87-8FB5-F0CF0C5957E4}" type="pres">
+      <dgm:prSet presAssocID="{E5A0807B-A9B3-4B88-B050-17F109D3E52D}" presName="hierChild3" presStyleCnt="0"/>
+      <dgm:spPr/>
+    </dgm:pt>
+    <dgm:pt modelId="{3CF24D22-C763-4B0A-8619-B073B24FBCB3}" type="pres">
+      <dgm:prSet presAssocID="{6A6135B9-7FB0-4196-933D-BE93268A199F}" presName="Name17" presStyleLbl="parChTrans1D3" presStyleIdx="0" presStyleCnt="4"/>
+      <dgm:spPr/>
+    </dgm:pt>
+    <dgm:pt modelId="{5459B15B-443A-4500-9694-9CAFA012E602}" type="pres">
+      <dgm:prSet presAssocID="{A2CD083D-1C84-4478-9F3F-62AFB44894B1}" presName="hierRoot3" presStyleCnt="0"/>
+      <dgm:spPr/>
+    </dgm:pt>
+    <dgm:pt modelId="{0658EDFD-271B-4476-8179-FBB3591D1D84}" type="pres">
+      <dgm:prSet presAssocID="{A2CD083D-1C84-4478-9F3F-62AFB44894B1}" presName="composite3" presStyleCnt="0"/>
+      <dgm:spPr/>
+    </dgm:pt>
+    <dgm:pt modelId="{940B7AEA-E53B-4C88-A840-459AEB6D54A6}" type="pres">
+      <dgm:prSet presAssocID="{A2CD083D-1C84-4478-9F3F-62AFB44894B1}" presName="background3" presStyleLbl="node3" presStyleIdx="0" presStyleCnt="4"/>
+      <dgm:spPr/>
+    </dgm:pt>
+    <dgm:pt modelId="{C42104E1-F07F-498D-8C41-6D2B1DBB2EBA}" type="pres">
+      <dgm:prSet presAssocID="{A2CD083D-1C84-4478-9F3F-62AFB44894B1}" presName="text3" presStyleLbl="fgAcc3" presStyleIdx="0" presStyleCnt="4">
+        <dgm:presLayoutVars>
+          <dgm:chPref val="3"/>
+        </dgm:presLayoutVars>
+      </dgm:prSet>
+      <dgm:spPr/>
+    </dgm:pt>
+    <dgm:pt modelId="{DA50684D-9CD4-46B8-AC5F-8F51DC5A4C65}" type="pres">
+      <dgm:prSet presAssocID="{A2CD083D-1C84-4478-9F3F-62AFB44894B1}" presName="hierChild4" presStyleCnt="0"/>
+      <dgm:spPr/>
+    </dgm:pt>
+    <dgm:pt modelId="{5442838E-007B-4CD2-834A-670B44EB0B76}" type="pres">
+      <dgm:prSet presAssocID="{EB287531-8730-4B5D-9381-0AEA4C97CD15}" presName="Name17" presStyleLbl="parChTrans1D3" presStyleIdx="1" presStyleCnt="4"/>
+      <dgm:spPr/>
+    </dgm:pt>
+    <dgm:pt modelId="{114F6ACD-3BF1-43CA-AE07-30AA95D16639}" type="pres">
+      <dgm:prSet presAssocID="{EF45CBAD-5489-4A11-B7D5-1BF89C976CD6}" presName="hierRoot3" presStyleCnt="0"/>
+      <dgm:spPr/>
+    </dgm:pt>
+    <dgm:pt modelId="{DB4F56F2-DEE1-4D9E-BC21-FBC690A728F9}" type="pres">
+      <dgm:prSet presAssocID="{EF45CBAD-5489-4A11-B7D5-1BF89C976CD6}" presName="composite3" presStyleCnt="0"/>
+      <dgm:spPr/>
+    </dgm:pt>
+    <dgm:pt modelId="{DAA0D212-4225-4579-AF2F-1ED1008247EA}" type="pres">
+      <dgm:prSet presAssocID="{EF45CBAD-5489-4A11-B7D5-1BF89C976CD6}" presName="background3" presStyleLbl="node3" presStyleIdx="1" presStyleCnt="4"/>
+      <dgm:spPr/>
+    </dgm:pt>
+    <dgm:pt modelId="{501ECA39-7506-4EA3-98FA-BBA1AD178BBE}" type="pres">
+      <dgm:prSet presAssocID="{EF45CBAD-5489-4A11-B7D5-1BF89C976CD6}" presName="text3" presStyleLbl="fgAcc3" presStyleIdx="1" presStyleCnt="4">
+        <dgm:presLayoutVars>
+          <dgm:chPref val="3"/>
+        </dgm:presLayoutVars>
+      </dgm:prSet>
+      <dgm:spPr/>
+    </dgm:pt>
+    <dgm:pt modelId="{65B70639-6193-4731-9AB3-513EBDB6BB91}" type="pres">
+      <dgm:prSet presAssocID="{EF45CBAD-5489-4A11-B7D5-1BF89C976CD6}" presName="hierChild4" presStyleCnt="0"/>
+      <dgm:spPr/>
+    </dgm:pt>
+    <dgm:pt modelId="{E3449510-CAB7-4FB6-A2DE-9FAA25E019D2}" type="pres">
+      <dgm:prSet presAssocID="{8055A85D-2B17-4846-A250-B279259797C6}" presName="Name10" presStyleLbl="parChTrans1D2" presStyleIdx="1" presStyleCnt="3"/>
+      <dgm:spPr/>
+    </dgm:pt>
+    <dgm:pt modelId="{78917786-AB96-4434-A896-40DFBA94ADBC}" type="pres">
+      <dgm:prSet presAssocID="{8045F032-DAC8-4C7B-AFBC-51EC7D0B3FA2}" presName="hierRoot2" presStyleCnt="0"/>
+      <dgm:spPr/>
+    </dgm:pt>
+    <dgm:pt modelId="{ADAFF434-645D-4E03-A20B-37AFBD11E6EC}" type="pres">
+      <dgm:prSet presAssocID="{8045F032-DAC8-4C7B-AFBC-51EC7D0B3FA2}" presName="composite2" presStyleCnt="0"/>
+      <dgm:spPr/>
+    </dgm:pt>
+    <dgm:pt modelId="{6186ABAF-F378-4B7C-A449-0924F95FC875}" type="pres">
+      <dgm:prSet presAssocID="{8045F032-DAC8-4C7B-AFBC-51EC7D0B3FA2}" presName="background2" presStyleLbl="node2" presStyleIdx="0" presStyleCnt="2"/>
+      <dgm:spPr/>
+    </dgm:pt>
+    <dgm:pt modelId="{90FD6A9C-48CF-4B27-A351-9CF3411A41F4}" type="pres">
+      <dgm:prSet presAssocID="{8045F032-DAC8-4C7B-AFBC-51EC7D0B3FA2}" presName="text2" presStyleLbl="fgAcc2" presStyleIdx="1" presStyleCnt="3" custLinFactNeighborX="1788" custLinFactNeighborY="-712">
+        <dgm:presLayoutVars>
+          <dgm:chPref val="3"/>
+        </dgm:presLayoutVars>
+      </dgm:prSet>
+      <dgm:spPr/>
+    </dgm:pt>
+    <dgm:pt modelId="{3EB535EE-E806-4C16-9847-5D51D9BD7FAE}" type="pres">
+      <dgm:prSet presAssocID="{8045F032-DAC8-4C7B-AFBC-51EC7D0B3FA2}" presName="hierChild3" presStyleCnt="0"/>
+      <dgm:spPr/>
+    </dgm:pt>
+    <dgm:pt modelId="{1F4C009B-DA2F-4EDD-9318-D0273BB07D3B}" type="pres">
+      <dgm:prSet presAssocID="{46AC8AD3-4C41-4AD2-BB1C-B39966A90453}" presName="Name17" presStyleLbl="parChTrans1D3" presStyleIdx="2" presStyleCnt="4"/>
+      <dgm:spPr/>
+    </dgm:pt>
+    <dgm:pt modelId="{A5A46EE1-EA11-49D9-A5BB-59C6BB6C266B}" type="pres">
+      <dgm:prSet presAssocID="{1D47B408-2953-4891-AD88-1A326D85A6EE}" presName="hierRoot3" presStyleCnt="0"/>
+      <dgm:spPr/>
+    </dgm:pt>
+    <dgm:pt modelId="{AC5EC1A1-720F-4C7B-AD6B-93FE0694DB56}" type="pres">
+      <dgm:prSet presAssocID="{1D47B408-2953-4891-AD88-1A326D85A6EE}" presName="composite3" presStyleCnt="0"/>
+      <dgm:spPr/>
+    </dgm:pt>
+    <dgm:pt modelId="{DFD8C324-C6AC-45AC-82A5-0DCCBC87D263}" type="pres">
+      <dgm:prSet presAssocID="{1D47B408-2953-4891-AD88-1A326D85A6EE}" presName="background3" presStyleLbl="node3" presStyleIdx="2" presStyleCnt="4"/>
+      <dgm:spPr/>
+    </dgm:pt>
+    <dgm:pt modelId="{40359719-29DB-4B64-B983-3671E1C251AC}" type="pres">
+      <dgm:prSet presAssocID="{1D47B408-2953-4891-AD88-1A326D85A6EE}" presName="text3" presStyleLbl="fgAcc3" presStyleIdx="2" presStyleCnt="4">
+        <dgm:presLayoutVars>
+          <dgm:chPref val="3"/>
+        </dgm:presLayoutVars>
+      </dgm:prSet>
+      <dgm:spPr/>
+    </dgm:pt>
+    <dgm:pt modelId="{5475ACFF-34B4-44E7-95DC-13CC2CD7FCF0}" type="pres">
+      <dgm:prSet presAssocID="{1D47B408-2953-4891-AD88-1A326D85A6EE}" presName="hierChild4" presStyleCnt="0"/>
+      <dgm:spPr/>
+    </dgm:pt>
+    <dgm:pt modelId="{F2DCA186-0CE9-4587-A2A7-5F67FE2A0344}" type="pres">
+      <dgm:prSet presAssocID="{8F716C72-7EA3-4032-AB4B-315D57747253}" presName="Name17" presStyleLbl="parChTrans1D3" presStyleIdx="3" presStyleCnt="4"/>
+      <dgm:spPr/>
+    </dgm:pt>
+    <dgm:pt modelId="{5D098A2A-C6E7-4677-8D18-FC7EF6C8214E}" type="pres">
+      <dgm:prSet presAssocID="{2FEC1185-E18D-4E10-8425-55D856F2DA1B}" presName="hierRoot3" presStyleCnt="0"/>
+      <dgm:spPr/>
+    </dgm:pt>
+    <dgm:pt modelId="{3BA4450D-EBDE-481C-83F9-938D64D47B53}" type="pres">
+      <dgm:prSet presAssocID="{2FEC1185-E18D-4E10-8425-55D856F2DA1B}" presName="composite3" presStyleCnt="0"/>
+      <dgm:spPr/>
+    </dgm:pt>
+    <dgm:pt modelId="{F515E470-14CD-4219-BD55-528DB53E044B}" type="pres">
+      <dgm:prSet presAssocID="{2FEC1185-E18D-4E10-8425-55D856F2DA1B}" presName="background3" presStyleLbl="node3" presStyleIdx="3" presStyleCnt="4"/>
+      <dgm:spPr/>
+    </dgm:pt>
+    <dgm:pt modelId="{F329F9BC-CD12-4ABC-9FC9-173BE5DA127C}" type="pres">
+      <dgm:prSet presAssocID="{2FEC1185-E18D-4E10-8425-55D856F2DA1B}" presName="text3" presStyleLbl="fgAcc3" presStyleIdx="3" presStyleCnt="4">
+        <dgm:presLayoutVars>
+          <dgm:chPref val="3"/>
+        </dgm:presLayoutVars>
+      </dgm:prSet>
+      <dgm:spPr/>
+    </dgm:pt>
+    <dgm:pt modelId="{BB7582C2-4E9B-4B1B-843D-C26EDD070FC2}" type="pres">
+      <dgm:prSet presAssocID="{2FEC1185-E18D-4E10-8425-55D856F2DA1B}" presName="hierChild4" presStyleCnt="0"/>
+      <dgm:spPr/>
+    </dgm:pt>
+    <dgm:pt modelId="{89921319-62D0-4598-91DF-003C1E880BE1}" type="pres">
+      <dgm:prSet presAssocID="{37D255CB-535A-497F-B5D2-5D983BB9EDC8}" presName="Name10" presStyleLbl="parChTrans1D2" presStyleIdx="2" presStyleCnt="3"/>
+      <dgm:spPr/>
+    </dgm:pt>
+    <dgm:pt modelId="{EF7326DA-8E16-4FF6-AE5F-4A809E8EC2BD}" type="pres">
+      <dgm:prSet presAssocID="{8B465D99-4BC9-4AFA-BB1E-C8F2697F28DB}" presName="hierRoot2" presStyleCnt="0"/>
+      <dgm:spPr/>
+    </dgm:pt>
+    <dgm:pt modelId="{A591E101-87DB-4903-9052-FBB2ED7466BA}" type="pres">
+      <dgm:prSet presAssocID="{8B465D99-4BC9-4AFA-BB1E-C8F2697F28DB}" presName="composite2" presStyleCnt="0"/>
+      <dgm:spPr/>
+    </dgm:pt>
+    <dgm:pt modelId="{0DED723F-F49C-4CB1-8CC9-FFD46C0C7496}" type="pres">
+      <dgm:prSet presAssocID="{8B465D99-4BC9-4AFA-BB1E-C8F2697F28DB}" presName="background2" presStyleLbl="node2" presStyleIdx="1" presStyleCnt="2"/>
+      <dgm:spPr/>
+    </dgm:pt>
+    <dgm:pt modelId="{9B8339BA-25B6-4CC3-8B89-EBB6912129DF}" type="pres">
+      <dgm:prSet presAssocID="{8B465D99-4BC9-4AFA-BB1E-C8F2697F28DB}" presName="text2" presStyleLbl="fgAcc2" presStyleIdx="2" presStyleCnt="3" custLinFactNeighborX="30694">
+        <dgm:presLayoutVars>
+          <dgm:chPref val="3"/>
+        </dgm:presLayoutVars>
+      </dgm:prSet>
+      <dgm:spPr/>
+    </dgm:pt>
+    <dgm:pt modelId="{97A077EE-DC82-485D-9D48-357E875CA805}" type="pres">
+      <dgm:prSet presAssocID="{8B465D99-4BC9-4AFA-BB1E-C8F2697F28DB}" presName="hierChild3" presStyleCnt="0"/>
+      <dgm:spPr/>
+    </dgm:pt>
+  </dgm:ptLst>
+  <dgm:cxnLst>
+    <dgm:cxn modelId="{E80B0B04-7FE7-45DF-8DC4-23F3DCA411C3}" type="presOf" srcId="{53FA7F5E-9B1A-4365-9EB8-0054070003BB}" destId="{A51B5636-9447-4FFA-ACA9-3ED6DD4FC9FA}" srcOrd="0" destOrd="0" presId="urn:microsoft.com/office/officeart/2005/8/layout/hierarchy1"/>
+    <dgm:cxn modelId="{52AFE90A-DACA-4B92-8C29-8983104FFE6F}" srcId="{E5A0807B-A9B3-4B88-B050-17F109D3E52D}" destId="{A2CD083D-1C84-4478-9F3F-62AFB44894B1}" srcOrd="0" destOrd="0" parTransId="{6A6135B9-7FB0-4196-933D-BE93268A199F}" sibTransId="{E8BF5988-235F-4D64-868E-F29CC8F2413A}"/>
+    <dgm:cxn modelId="{FB064D0D-2EC5-4DEA-8AFB-C178639815E0}" srcId="{9C06066B-FEF3-4E6A-96BE-FA058FC0BAB7}" destId="{8B465D99-4BC9-4AFA-BB1E-C8F2697F28DB}" srcOrd="2" destOrd="0" parTransId="{37D255CB-535A-497F-B5D2-5D983BB9EDC8}" sibTransId="{467C85C2-072E-480F-8BC0-6F11D41C6055}"/>
+    <dgm:cxn modelId="{96D8B815-4C93-474D-ABDA-3E504F19DC91}" type="presOf" srcId="{A2CD083D-1C84-4478-9F3F-62AFB44894B1}" destId="{C42104E1-F07F-498D-8C41-6D2B1DBB2EBA}" srcOrd="0" destOrd="0" presId="urn:microsoft.com/office/officeart/2005/8/layout/hierarchy1"/>
+    <dgm:cxn modelId="{700F843C-7788-4E7D-9534-2A9964FD6CFE}" type="presOf" srcId="{8055A85D-2B17-4846-A250-B279259797C6}" destId="{E3449510-CAB7-4FB6-A2DE-9FAA25E019D2}" srcOrd="0" destOrd="0" presId="urn:microsoft.com/office/officeart/2005/8/layout/hierarchy1"/>
+    <dgm:cxn modelId="{0D324C3E-55B2-4CE7-B165-9A2C44CF1E44}" type="presOf" srcId="{37D255CB-535A-497F-B5D2-5D983BB9EDC8}" destId="{89921319-62D0-4598-91DF-003C1E880BE1}" srcOrd="0" destOrd="0" presId="urn:microsoft.com/office/officeart/2005/8/layout/hierarchy1"/>
+    <dgm:cxn modelId="{35DA713F-F516-4238-8E70-3B3B375BA21E}" type="presOf" srcId="{8B465D99-4BC9-4AFA-BB1E-C8F2697F28DB}" destId="{9B8339BA-25B6-4CC3-8B89-EBB6912129DF}" srcOrd="0" destOrd="0" presId="urn:microsoft.com/office/officeart/2005/8/layout/hierarchy1"/>
+    <dgm:cxn modelId="{CD319E70-F764-4BB5-B6BA-E9CF2655956D}" srcId="{53FA7F5E-9B1A-4365-9EB8-0054070003BB}" destId="{9C06066B-FEF3-4E6A-96BE-FA058FC0BAB7}" srcOrd="0" destOrd="0" parTransId="{B48CF68D-5554-4089-A642-A8449DBC6E3F}" sibTransId="{BAFEB2D8-BCF0-4D0B-ACAB-C824F458508B}"/>
+    <dgm:cxn modelId="{E32ADA56-CABA-4D26-B410-45211D412B58}" type="presOf" srcId="{6A6135B9-7FB0-4196-933D-BE93268A199F}" destId="{3CF24D22-C763-4B0A-8619-B073B24FBCB3}" srcOrd="0" destOrd="0" presId="urn:microsoft.com/office/officeart/2005/8/layout/hierarchy1"/>
+    <dgm:cxn modelId="{73E63D77-2B2B-4F8D-B4B6-890CBF87725C}" type="presOf" srcId="{E5A0807B-A9B3-4B88-B050-17F109D3E52D}" destId="{92DCB8DF-CCB4-441D-AA4C-2673257D8E97}" srcOrd="0" destOrd="0" presId="urn:microsoft.com/office/officeart/2005/8/layout/hierarchy1"/>
+    <dgm:cxn modelId="{4E922959-80A9-4DED-B8E8-51711A7271A2}" type="presOf" srcId="{B15C3DAD-9510-40AA-9FAF-A02D612BCBF6}" destId="{EC7A55D7-AE96-4EF9-A921-AEDE78C266DC}" srcOrd="0" destOrd="0" presId="urn:microsoft.com/office/officeart/2005/8/layout/hierarchy1"/>
+    <dgm:cxn modelId="{1C01397A-CF68-4012-8CE3-AE83A9B43836}" type="presOf" srcId="{EB287531-8730-4B5D-9381-0AEA4C97CD15}" destId="{5442838E-007B-4CD2-834A-670B44EB0B76}" srcOrd="0" destOrd="0" presId="urn:microsoft.com/office/officeart/2005/8/layout/hierarchy1"/>
+    <dgm:cxn modelId="{5B02B18A-01C5-4C06-A0C9-A05EA371899B}" srcId="{8045F032-DAC8-4C7B-AFBC-51EC7D0B3FA2}" destId="{1D47B408-2953-4891-AD88-1A326D85A6EE}" srcOrd="0" destOrd="0" parTransId="{46AC8AD3-4C41-4AD2-BB1C-B39966A90453}" sibTransId="{B7FC521E-AD8D-45BE-8338-3164EC2B9949}"/>
+    <dgm:cxn modelId="{48E7788B-50A2-480D-AA44-FA30448A1488}" type="presOf" srcId="{1D47B408-2953-4891-AD88-1A326D85A6EE}" destId="{40359719-29DB-4B64-B983-3671E1C251AC}" srcOrd="0" destOrd="0" presId="urn:microsoft.com/office/officeart/2005/8/layout/hierarchy1"/>
+    <dgm:cxn modelId="{EA681FA5-EE96-4827-BE43-DF7BEF759DB6}" type="presOf" srcId="{2FEC1185-E18D-4E10-8425-55D856F2DA1B}" destId="{F329F9BC-CD12-4ABC-9FC9-173BE5DA127C}" srcOrd="0" destOrd="0" presId="urn:microsoft.com/office/officeart/2005/8/layout/hierarchy1"/>
+    <dgm:cxn modelId="{9E24D6A7-C514-4792-B79D-B947FB213834}" type="presOf" srcId="{EF45CBAD-5489-4A11-B7D5-1BF89C976CD6}" destId="{501ECA39-7506-4EA3-98FA-BBA1AD178BBE}" srcOrd="0" destOrd="0" presId="urn:microsoft.com/office/officeart/2005/8/layout/hierarchy1"/>
+    <dgm:cxn modelId="{14E4C0A9-C974-494A-841D-27986DB32FB9}" srcId="{9C06066B-FEF3-4E6A-96BE-FA058FC0BAB7}" destId="{8045F032-DAC8-4C7B-AFBC-51EC7D0B3FA2}" srcOrd="1" destOrd="0" parTransId="{8055A85D-2B17-4846-A250-B279259797C6}" sibTransId="{BD682B89-D05A-4951-A0C2-CFBE13B550AB}"/>
+    <dgm:cxn modelId="{88EB65B2-F116-402F-945F-D72625EA80C7}" srcId="{8045F032-DAC8-4C7B-AFBC-51EC7D0B3FA2}" destId="{2FEC1185-E18D-4E10-8425-55D856F2DA1B}" srcOrd="1" destOrd="0" parTransId="{8F716C72-7EA3-4032-AB4B-315D57747253}" sibTransId="{2DEF18B0-383C-4EDD-8CBA-19B59FC105FF}"/>
+    <dgm:cxn modelId="{D303A5CC-2D48-412D-849D-79AB765490CE}" type="presOf" srcId="{9C06066B-FEF3-4E6A-96BE-FA058FC0BAB7}" destId="{BF40D2FA-BA4D-4599-85D7-0C73F43D1EF8}" srcOrd="0" destOrd="0" presId="urn:microsoft.com/office/officeart/2005/8/layout/hierarchy1"/>
+    <dgm:cxn modelId="{4E2BB7CE-A8E1-4E80-9587-48CE6DF2CAF0}" srcId="{E5A0807B-A9B3-4B88-B050-17F109D3E52D}" destId="{EF45CBAD-5489-4A11-B7D5-1BF89C976CD6}" srcOrd="1" destOrd="0" parTransId="{EB287531-8730-4B5D-9381-0AEA4C97CD15}" sibTransId="{CFEE6D2A-B774-4896-BF48-8ABDD0442A47}"/>
+    <dgm:cxn modelId="{094661DC-1D04-4B42-BBE6-3F6D8838B241}" type="presOf" srcId="{46AC8AD3-4C41-4AD2-BB1C-B39966A90453}" destId="{1F4C009B-DA2F-4EDD-9318-D0273BB07D3B}" srcOrd="0" destOrd="0" presId="urn:microsoft.com/office/officeart/2005/8/layout/hierarchy1"/>
+    <dgm:cxn modelId="{5D473DE0-57DD-4611-B234-4F6046F01610}" type="presOf" srcId="{8F716C72-7EA3-4032-AB4B-315D57747253}" destId="{F2DCA186-0CE9-4587-A2A7-5F67FE2A0344}" srcOrd="0" destOrd="0" presId="urn:microsoft.com/office/officeart/2005/8/layout/hierarchy1"/>
+    <dgm:cxn modelId="{4CF97FE6-7DFB-4D17-8B8B-8A6E59722169}" type="presOf" srcId="{8045F032-DAC8-4C7B-AFBC-51EC7D0B3FA2}" destId="{90FD6A9C-48CF-4B27-A351-9CF3411A41F4}" srcOrd="0" destOrd="0" presId="urn:microsoft.com/office/officeart/2005/8/layout/hierarchy1"/>
+    <dgm:cxn modelId="{713671EE-F342-4C86-BFA8-183BD3CFCB6B}" srcId="{9C06066B-FEF3-4E6A-96BE-FA058FC0BAB7}" destId="{E5A0807B-A9B3-4B88-B050-17F109D3E52D}" srcOrd="0" destOrd="0" parTransId="{B15C3DAD-9510-40AA-9FAF-A02D612BCBF6}" sibTransId="{DEF81498-814F-4209-B376-F0DCEC3E04D6}"/>
+    <dgm:cxn modelId="{DD718D7D-C21A-4A91-9B95-7583FE8757BF}" type="presParOf" srcId="{A51B5636-9447-4FFA-ACA9-3ED6DD4FC9FA}" destId="{AEA4F478-435E-4351-B7C5-F8E4CA698F1F}" srcOrd="0" destOrd="0" presId="urn:microsoft.com/office/officeart/2005/8/layout/hierarchy1"/>
+    <dgm:cxn modelId="{6178657D-9AB9-4D06-8202-2CF68D990683}" type="presParOf" srcId="{AEA4F478-435E-4351-B7C5-F8E4CA698F1F}" destId="{FF72095D-1D48-467A-B2C6-E4A9E2246C91}" srcOrd="0" destOrd="0" presId="urn:microsoft.com/office/officeart/2005/8/layout/hierarchy1"/>
+    <dgm:cxn modelId="{9B3657B0-F30F-40E8-B4F9-A31AB210AA32}" type="presParOf" srcId="{FF72095D-1D48-467A-B2C6-E4A9E2246C91}" destId="{DF33F7AA-5B62-4D52-8FA6-655D3A5211C7}" srcOrd="0" destOrd="0" presId="urn:microsoft.com/office/officeart/2005/8/layout/hierarchy1"/>
+    <dgm:cxn modelId="{CBECF608-6427-4917-B6C3-3BC26323A1FA}" type="presParOf" srcId="{FF72095D-1D48-467A-B2C6-E4A9E2246C91}" destId="{BF40D2FA-BA4D-4599-85D7-0C73F43D1EF8}" srcOrd="1" destOrd="0" presId="urn:microsoft.com/office/officeart/2005/8/layout/hierarchy1"/>
+    <dgm:cxn modelId="{D2553506-7245-4917-AE46-07A702B7B646}" type="presParOf" srcId="{AEA4F478-435E-4351-B7C5-F8E4CA698F1F}" destId="{B490F21E-D6C8-435F-A008-0A3CC29848BF}" srcOrd="1" destOrd="0" presId="urn:microsoft.com/office/officeart/2005/8/layout/hierarchy1"/>
+    <dgm:cxn modelId="{4B322027-4974-4A7B-8D8A-128923FA83D8}" type="presParOf" srcId="{B490F21E-D6C8-435F-A008-0A3CC29848BF}" destId="{EC7A55D7-AE96-4EF9-A921-AEDE78C266DC}" srcOrd="0" destOrd="0" presId="urn:microsoft.com/office/officeart/2005/8/layout/hierarchy1"/>
+    <dgm:cxn modelId="{472D63CE-836C-48E0-9963-F75C81BF9524}" type="presParOf" srcId="{B490F21E-D6C8-435F-A008-0A3CC29848BF}" destId="{A2495FCF-773F-466C-BE9B-507A2EBF4104}" srcOrd="1" destOrd="0" presId="urn:microsoft.com/office/officeart/2005/8/layout/hierarchy1"/>
+    <dgm:cxn modelId="{94F5868E-E16D-4722-A312-B909C2B2EC57}" type="presParOf" srcId="{A2495FCF-773F-466C-BE9B-507A2EBF4104}" destId="{35405222-F6A4-40A7-ADC3-3699CA4227D5}" srcOrd="0" destOrd="0" presId="urn:microsoft.com/office/officeart/2005/8/layout/hierarchy1"/>
+    <dgm:cxn modelId="{6F3B6676-70BC-4267-A7C1-18FAB85EE723}" type="presParOf" srcId="{35405222-F6A4-40A7-ADC3-3699CA4227D5}" destId="{C87BB537-185A-49D0-A558-9BE3C980E3C5}" srcOrd="0" destOrd="0" presId="urn:microsoft.com/office/officeart/2005/8/layout/hierarchy1"/>
+    <dgm:cxn modelId="{3CD2FCD0-ADA9-48C5-9498-8CC54CA3B512}" type="presParOf" srcId="{35405222-F6A4-40A7-ADC3-3699CA4227D5}" destId="{92DCB8DF-CCB4-441D-AA4C-2673257D8E97}" srcOrd="1" destOrd="0" presId="urn:microsoft.com/office/officeart/2005/8/layout/hierarchy1"/>
+    <dgm:cxn modelId="{AE887F37-0F8F-4F43-997E-9C4AE800EBDF}" type="presParOf" srcId="{A2495FCF-773F-466C-BE9B-507A2EBF4104}" destId="{5E817302-8644-4B87-8FB5-F0CF0C5957E4}" srcOrd="1" destOrd="0" presId="urn:microsoft.com/office/officeart/2005/8/layout/hierarchy1"/>
+    <dgm:cxn modelId="{23284084-C02B-4EE8-BF47-C1E5B011AC4A}" type="presParOf" srcId="{5E817302-8644-4B87-8FB5-F0CF0C5957E4}" destId="{3CF24D22-C763-4B0A-8619-B073B24FBCB3}" srcOrd="0" destOrd="0" presId="urn:microsoft.com/office/officeart/2005/8/layout/hierarchy1"/>
+    <dgm:cxn modelId="{DA9BFB7A-067C-4802-BC5C-46BFCB2E0FE0}" type="presParOf" srcId="{5E817302-8644-4B87-8FB5-F0CF0C5957E4}" destId="{5459B15B-443A-4500-9694-9CAFA012E602}" srcOrd="1" destOrd="0" presId="urn:microsoft.com/office/officeart/2005/8/layout/hierarchy1"/>
+    <dgm:cxn modelId="{00F16DF9-9BBF-442E-A135-DC19C60C0D1C}" type="presParOf" srcId="{5459B15B-443A-4500-9694-9CAFA012E602}" destId="{0658EDFD-271B-4476-8179-FBB3591D1D84}" srcOrd="0" destOrd="0" presId="urn:microsoft.com/office/officeart/2005/8/layout/hierarchy1"/>
+    <dgm:cxn modelId="{D9F03F39-4F36-495F-B7B3-00BA9B9192E7}" type="presParOf" srcId="{0658EDFD-271B-4476-8179-FBB3591D1D84}" destId="{940B7AEA-E53B-4C88-A840-459AEB6D54A6}" srcOrd="0" destOrd="0" presId="urn:microsoft.com/office/officeart/2005/8/layout/hierarchy1"/>
+    <dgm:cxn modelId="{2585EED2-AAD2-487C-8B1A-B071C7D1D79B}" type="presParOf" srcId="{0658EDFD-271B-4476-8179-FBB3591D1D84}" destId="{C42104E1-F07F-498D-8C41-6D2B1DBB2EBA}" srcOrd="1" destOrd="0" presId="urn:microsoft.com/office/officeart/2005/8/layout/hierarchy1"/>
+    <dgm:cxn modelId="{F2DD7479-38B4-4208-BC1F-ABE612B51FD6}" type="presParOf" srcId="{5459B15B-443A-4500-9694-9CAFA012E602}" destId="{DA50684D-9CD4-46B8-AC5F-8F51DC5A4C65}" srcOrd="1" destOrd="0" presId="urn:microsoft.com/office/officeart/2005/8/layout/hierarchy1"/>
+    <dgm:cxn modelId="{E8C093D4-91B3-4532-991F-E3B3EEC0A42A}" type="presParOf" srcId="{5E817302-8644-4B87-8FB5-F0CF0C5957E4}" destId="{5442838E-007B-4CD2-834A-670B44EB0B76}" srcOrd="2" destOrd="0" presId="urn:microsoft.com/office/officeart/2005/8/layout/hierarchy1"/>
+    <dgm:cxn modelId="{E088E09C-95CC-41C8-9FED-767FF22CB750}" type="presParOf" srcId="{5E817302-8644-4B87-8FB5-F0CF0C5957E4}" destId="{114F6ACD-3BF1-43CA-AE07-30AA95D16639}" srcOrd="3" destOrd="0" presId="urn:microsoft.com/office/officeart/2005/8/layout/hierarchy1"/>
+    <dgm:cxn modelId="{137DFBE4-8FB5-4913-A2D7-510FBC5B9F6D}" type="presParOf" srcId="{114F6ACD-3BF1-43CA-AE07-30AA95D16639}" destId="{DB4F56F2-DEE1-4D9E-BC21-FBC690A728F9}" srcOrd="0" destOrd="0" presId="urn:microsoft.com/office/officeart/2005/8/layout/hierarchy1"/>
+    <dgm:cxn modelId="{F764FE91-0DBA-410C-88D0-35966ABF2C85}" type="presParOf" srcId="{DB4F56F2-DEE1-4D9E-BC21-FBC690A728F9}" destId="{DAA0D212-4225-4579-AF2F-1ED1008247EA}" srcOrd="0" destOrd="0" presId="urn:microsoft.com/office/officeart/2005/8/layout/hierarchy1"/>
+    <dgm:cxn modelId="{803505AE-250C-4A9F-9883-87EF02C11E50}" type="presParOf" srcId="{DB4F56F2-DEE1-4D9E-BC21-FBC690A728F9}" destId="{501ECA39-7506-4EA3-98FA-BBA1AD178BBE}" srcOrd="1" destOrd="0" presId="urn:microsoft.com/office/officeart/2005/8/layout/hierarchy1"/>
+    <dgm:cxn modelId="{D248A583-EA3D-4832-B7C2-2E629F90F765}" type="presParOf" srcId="{114F6ACD-3BF1-43CA-AE07-30AA95D16639}" destId="{65B70639-6193-4731-9AB3-513EBDB6BB91}" srcOrd="1" destOrd="0" presId="urn:microsoft.com/office/officeart/2005/8/layout/hierarchy1"/>
+    <dgm:cxn modelId="{804867FF-766E-4CF4-8777-A8A7CF0F0B4D}" type="presParOf" srcId="{B490F21E-D6C8-435F-A008-0A3CC29848BF}" destId="{E3449510-CAB7-4FB6-A2DE-9FAA25E019D2}" srcOrd="2" destOrd="0" presId="urn:microsoft.com/office/officeart/2005/8/layout/hierarchy1"/>
+    <dgm:cxn modelId="{A71BAE8E-4651-4DF1-99D2-95CA085723E4}" type="presParOf" srcId="{B490F21E-D6C8-435F-A008-0A3CC29848BF}" destId="{78917786-AB96-4434-A896-40DFBA94ADBC}" srcOrd="3" destOrd="0" presId="urn:microsoft.com/office/officeart/2005/8/layout/hierarchy1"/>
+    <dgm:cxn modelId="{06AC86B1-4F59-442D-8FC2-16DC55EBA54B}" type="presParOf" srcId="{78917786-AB96-4434-A896-40DFBA94ADBC}" destId="{ADAFF434-645D-4E03-A20B-37AFBD11E6EC}" srcOrd="0" destOrd="0" presId="urn:microsoft.com/office/officeart/2005/8/layout/hierarchy1"/>
+    <dgm:cxn modelId="{7EFB990C-188A-405C-9B8A-FD27AA3DC47B}" type="presParOf" srcId="{ADAFF434-645D-4E03-A20B-37AFBD11E6EC}" destId="{6186ABAF-F378-4B7C-A449-0924F95FC875}" srcOrd="0" destOrd="0" presId="urn:microsoft.com/office/officeart/2005/8/layout/hierarchy1"/>
+    <dgm:cxn modelId="{0B0C37A9-AE98-455D-A61E-024C6FEB66FB}" type="presParOf" srcId="{ADAFF434-645D-4E03-A20B-37AFBD11E6EC}" destId="{90FD6A9C-48CF-4B27-A351-9CF3411A41F4}" srcOrd="1" destOrd="0" presId="urn:microsoft.com/office/officeart/2005/8/layout/hierarchy1"/>
+    <dgm:cxn modelId="{A1C4D4C0-7685-4F4F-AA9B-7A23E42B17B3}" type="presParOf" srcId="{78917786-AB96-4434-A896-40DFBA94ADBC}" destId="{3EB535EE-E806-4C16-9847-5D51D9BD7FAE}" srcOrd="1" destOrd="0" presId="urn:microsoft.com/office/officeart/2005/8/layout/hierarchy1"/>
+    <dgm:cxn modelId="{FAD6E397-ACEB-46BD-B7A6-A3219AD27D3E}" type="presParOf" srcId="{3EB535EE-E806-4C16-9847-5D51D9BD7FAE}" destId="{1F4C009B-DA2F-4EDD-9318-D0273BB07D3B}" srcOrd="0" destOrd="0" presId="urn:microsoft.com/office/officeart/2005/8/layout/hierarchy1"/>
+    <dgm:cxn modelId="{5524252D-5E13-418C-80B4-65D98A19090B}" type="presParOf" srcId="{3EB535EE-E806-4C16-9847-5D51D9BD7FAE}" destId="{A5A46EE1-EA11-49D9-A5BB-59C6BB6C266B}" srcOrd="1" destOrd="0" presId="urn:microsoft.com/office/officeart/2005/8/layout/hierarchy1"/>
+    <dgm:cxn modelId="{20F11271-E087-4FBB-910A-BC720EA26058}" type="presParOf" srcId="{A5A46EE1-EA11-49D9-A5BB-59C6BB6C266B}" destId="{AC5EC1A1-720F-4C7B-AD6B-93FE0694DB56}" srcOrd="0" destOrd="0" presId="urn:microsoft.com/office/officeart/2005/8/layout/hierarchy1"/>
+    <dgm:cxn modelId="{73691DF9-F602-4D0D-A541-E55858D1C46C}" type="presParOf" srcId="{AC5EC1A1-720F-4C7B-AD6B-93FE0694DB56}" destId="{DFD8C324-C6AC-45AC-82A5-0DCCBC87D263}" srcOrd="0" destOrd="0" presId="urn:microsoft.com/office/officeart/2005/8/layout/hierarchy1"/>
+    <dgm:cxn modelId="{19079A31-2DF4-4C68-A9DF-5FDA2FEA2BBB}" type="presParOf" srcId="{AC5EC1A1-720F-4C7B-AD6B-93FE0694DB56}" destId="{40359719-29DB-4B64-B983-3671E1C251AC}" srcOrd="1" destOrd="0" presId="urn:microsoft.com/office/officeart/2005/8/layout/hierarchy1"/>
+    <dgm:cxn modelId="{0A306414-0237-4DB2-B136-097AAA12B079}" type="presParOf" srcId="{A5A46EE1-EA11-49D9-A5BB-59C6BB6C266B}" destId="{5475ACFF-34B4-44E7-95DC-13CC2CD7FCF0}" srcOrd="1" destOrd="0" presId="urn:microsoft.com/office/officeart/2005/8/layout/hierarchy1"/>
+    <dgm:cxn modelId="{05FAA554-A18C-46A7-8379-C330501CDA76}" type="presParOf" srcId="{3EB535EE-E806-4C16-9847-5D51D9BD7FAE}" destId="{F2DCA186-0CE9-4587-A2A7-5F67FE2A0344}" srcOrd="2" destOrd="0" presId="urn:microsoft.com/office/officeart/2005/8/layout/hierarchy1"/>
+    <dgm:cxn modelId="{9F8FCF6F-A9F0-4A8E-82B7-7BD6FBB81106}" type="presParOf" srcId="{3EB535EE-E806-4C16-9847-5D51D9BD7FAE}" destId="{5D098A2A-C6E7-4677-8D18-FC7EF6C8214E}" srcOrd="3" destOrd="0" presId="urn:microsoft.com/office/officeart/2005/8/layout/hierarchy1"/>
+    <dgm:cxn modelId="{8736E2D5-17B8-4E2C-9581-D0656FABFAB0}" type="presParOf" srcId="{5D098A2A-C6E7-4677-8D18-FC7EF6C8214E}" destId="{3BA4450D-EBDE-481C-83F9-938D64D47B53}" srcOrd="0" destOrd="0" presId="urn:microsoft.com/office/officeart/2005/8/layout/hierarchy1"/>
+    <dgm:cxn modelId="{481D3DF8-8866-4FF2-88D3-6DE090B72389}" type="presParOf" srcId="{3BA4450D-EBDE-481C-83F9-938D64D47B53}" destId="{F515E470-14CD-4219-BD55-528DB53E044B}" srcOrd="0" destOrd="0" presId="urn:microsoft.com/office/officeart/2005/8/layout/hierarchy1"/>
+    <dgm:cxn modelId="{25EC36BC-A706-446A-9D59-82FC08A163AA}" type="presParOf" srcId="{3BA4450D-EBDE-481C-83F9-938D64D47B53}" destId="{F329F9BC-CD12-4ABC-9FC9-173BE5DA127C}" srcOrd="1" destOrd="0" presId="urn:microsoft.com/office/officeart/2005/8/layout/hierarchy1"/>
+    <dgm:cxn modelId="{C6641A37-6A92-462D-831E-660D802FD845}" type="presParOf" srcId="{5D098A2A-C6E7-4677-8D18-FC7EF6C8214E}" destId="{BB7582C2-4E9B-4B1B-843D-C26EDD070FC2}" srcOrd="1" destOrd="0" presId="urn:microsoft.com/office/officeart/2005/8/layout/hierarchy1"/>
+    <dgm:cxn modelId="{5ABE8D53-453F-4146-98CB-5D929DD42EA0}" type="presParOf" srcId="{B490F21E-D6C8-435F-A008-0A3CC29848BF}" destId="{89921319-62D0-4598-91DF-003C1E880BE1}" srcOrd="4" destOrd="0" presId="urn:microsoft.com/office/officeart/2005/8/layout/hierarchy1"/>
+    <dgm:cxn modelId="{8EEBBC8E-CDB5-4934-B9AF-B17317070F4D}" type="presParOf" srcId="{B490F21E-D6C8-435F-A008-0A3CC29848BF}" destId="{EF7326DA-8E16-4FF6-AE5F-4A809E8EC2BD}" srcOrd="5" destOrd="0" presId="urn:microsoft.com/office/officeart/2005/8/layout/hierarchy1"/>
+    <dgm:cxn modelId="{C3E3F713-D399-422B-B957-DAF7E5A0F6A9}" type="presParOf" srcId="{EF7326DA-8E16-4FF6-AE5F-4A809E8EC2BD}" destId="{A591E101-87DB-4903-9052-FBB2ED7466BA}" srcOrd="0" destOrd="0" presId="urn:microsoft.com/office/officeart/2005/8/layout/hierarchy1"/>
+    <dgm:cxn modelId="{50C5E9DA-ED94-406B-AC7F-7A656FDD8779}" type="presParOf" srcId="{A591E101-87DB-4903-9052-FBB2ED7466BA}" destId="{0DED723F-F49C-4CB1-8CC9-FFD46C0C7496}" srcOrd="0" destOrd="0" presId="urn:microsoft.com/office/officeart/2005/8/layout/hierarchy1"/>
+    <dgm:cxn modelId="{42B96B52-EF07-4199-85E1-B8F18AA82148}" type="presParOf" srcId="{A591E101-87DB-4903-9052-FBB2ED7466BA}" destId="{9B8339BA-25B6-4CC3-8B89-EBB6912129DF}" srcOrd="1" destOrd="0" presId="urn:microsoft.com/office/officeart/2005/8/layout/hierarchy1"/>
+    <dgm:cxn modelId="{DB81D347-9B5B-4AB6-A780-7326089765DB}" type="presParOf" srcId="{EF7326DA-8E16-4FF6-AE5F-4A809E8EC2BD}" destId="{97A077EE-DC82-485D-9D48-357E875CA805}" srcOrd="1" destOrd="0" presId="urn:microsoft.com/office/officeart/2005/8/layout/hierarchy1"/>
+  </dgm:cxnLst>
+  <dgm:bg/>
+  <dgm:whole/>
+  <dgm:extLst>
+    <a:ext uri="http://schemas.microsoft.com/office/drawing/2008/diagram">
+      <dsp:dataModelExt xmlns:dsp="http://schemas.microsoft.com/office/drawing/2008/diagram" relId="rId6" minVer="http://schemas.openxmlformats.org/drawingml/2006/diagram"/>
+    </a:ext>
+  </dgm:extLst>
+</dgm:dataModel>
+</file>
+
+<file path=ppt/diagrams/drawing1.xml><?xml version="1.0" encoding="utf-8"?>
+<dsp:drawing xmlns:dgm="http://schemas.openxmlformats.org/drawingml/2006/diagram" xmlns:dsp="http://schemas.microsoft.com/office/drawing/2008/diagram" xmlns:a="http://schemas.openxmlformats.org/drawingml/2006/main">
+  <dsp:spTree>
+    <dsp:nvGrpSpPr>
+      <dsp:cNvPr id="0" name=""/>
+      <dsp:cNvGrpSpPr/>
+    </dsp:nvGrpSpPr>
+    <dsp:grpSpPr/>
+    <dsp:sp modelId="{89921319-62D0-4598-91DF-003C1E880BE1}">
+      <dsp:nvSpPr>
+        <dsp:cNvPr id="0" name=""/>
+        <dsp:cNvSpPr/>
+      </dsp:nvSpPr>
+      <dsp:spPr>
+        <a:xfrm>
+          <a:off x="4107518" y="1314029"/>
+          <a:ext cx="3343510" cy="810811"/>
+        </a:xfrm>
+        <a:custGeom>
+          <a:avLst/>
+          <a:gdLst/>
+          <a:ahLst/>
+          <a:cxnLst/>
+          <a:rect l="0" t="0" r="0" b="0"/>
+          <a:pathLst>
+            <a:path>
+              <a:moveTo>
+                <a:pt x="0" y="0"/>
+              </a:moveTo>
+              <a:lnTo>
+                <a:pt x="0" y="666443"/>
+              </a:lnTo>
+              <a:lnTo>
+                <a:pt x="3343510" y="666443"/>
+              </a:lnTo>
+              <a:lnTo>
+                <a:pt x="3343510" y="810811"/>
+              </a:lnTo>
+            </a:path>
+          </a:pathLst>
+        </a:custGeom>
+        <a:noFill/>
+        <a:ln w="19050" cap="flat" cmpd="sng" algn="ctr">
+          <a:solidFill>
+            <a:schemeClr val="accent1">
+              <a:shade val="60000"/>
+              <a:hueOff val="0"/>
+              <a:satOff val="0"/>
+              <a:lumOff val="0"/>
+              <a:alphaOff val="0"/>
+            </a:schemeClr>
+          </a:solidFill>
+          <a:prstDash val="solid"/>
+        </a:ln>
+        <a:effectLst/>
+      </dsp:spPr>
+      <dsp:style>
+        <a:lnRef idx="2">
+          <a:scrgbClr r="0" g="0" b="0"/>
+        </a:lnRef>
+        <a:fillRef idx="0">
+          <a:scrgbClr r="0" g="0" b="0"/>
+        </a:fillRef>
+        <a:effectRef idx="0">
+          <a:scrgbClr r="0" g="0" b="0"/>
+        </a:effectRef>
+        <a:fontRef idx="minor"/>
+      </dsp:style>
+    </dsp:sp>
+    <dsp:sp modelId="{F2DCA186-0CE9-4587-A2A7-5F67FE2A0344}">
+      <dsp:nvSpPr>
+        <dsp:cNvPr id="0" name=""/>
+        <dsp:cNvSpPr/>
+      </dsp:nvSpPr>
+      <dsp:spPr>
+        <a:xfrm>
+          <a:off x="5571513" y="3107380"/>
+          <a:ext cx="924492" cy="460280"/>
+        </a:xfrm>
+        <a:custGeom>
+          <a:avLst/>
+          <a:gdLst/>
+          <a:ahLst/>
+          <a:cxnLst/>
+          <a:rect l="0" t="0" r="0" b="0"/>
+          <a:pathLst>
+            <a:path>
+              <a:moveTo>
+                <a:pt x="0" y="0"/>
+              </a:moveTo>
+              <a:lnTo>
+                <a:pt x="0" y="315912"/>
+              </a:lnTo>
+              <a:lnTo>
+                <a:pt x="924492" y="315912"/>
+              </a:lnTo>
+              <a:lnTo>
+                <a:pt x="924492" y="460280"/>
+              </a:lnTo>
+            </a:path>
+          </a:pathLst>
+        </a:custGeom>
+        <a:noFill/>
+        <a:ln w="19050" cap="flat" cmpd="sng" algn="ctr">
+          <a:solidFill>
+            <a:schemeClr val="accent1">
+              <a:shade val="80000"/>
+              <a:hueOff val="0"/>
+              <a:satOff val="0"/>
+              <a:lumOff val="0"/>
+              <a:alphaOff val="0"/>
+            </a:schemeClr>
+          </a:solidFill>
+          <a:prstDash val="solid"/>
+        </a:ln>
+        <a:effectLst/>
+      </dsp:spPr>
+      <dsp:style>
+        <a:lnRef idx="2">
+          <a:scrgbClr r="0" g="0" b="0"/>
+        </a:lnRef>
+        <a:fillRef idx="0">
+          <a:scrgbClr r="0" g="0" b="0"/>
+        </a:fillRef>
+        <a:effectRef idx="0">
+          <a:scrgbClr r="0" g="0" b="0"/>
+        </a:effectRef>
+        <a:fontRef idx="minor"/>
+      </dsp:style>
+    </dsp:sp>
+    <dsp:sp modelId="{1F4C009B-DA2F-4EDD-9318-D0273BB07D3B}">
+      <dsp:nvSpPr>
+        <dsp:cNvPr id="0" name=""/>
+        <dsp:cNvSpPr/>
+      </dsp:nvSpPr>
+      <dsp:spPr>
+        <a:xfrm>
+          <a:off x="4591293" y="3107380"/>
+          <a:ext cx="980220" cy="460280"/>
+        </a:xfrm>
+        <a:custGeom>
+          <a:avLst/>
+          <a:gdLst/>
+          <a:ahLst/>
+          <a:cxnLst/>
+          <a:rect l="0" t="0" r="0" b="0"/>
+          <a:pathLst>
+            <a:path>
+              <a:moveTo>
+                <a:pt x="980220" y="0"/>
+              </a:moveTo>
+              <a:lnTo>
+                <a:pt x="980220" y="315912"/>
+              </a:lnTo>
+              <a:lnTo>
+                <a:pt x="0" y="315912"/>
+              </a:lnTo>
+              <a:lnTo>
+                <a:pt x="0" y="460280"/>
+              </a:lnTo>
+            </a:path>
+          </a:pathLst>
+        </a:custGeom>
+        <a:noFill/>
+        <a:ln w="19050" cap="flat" cmpd="sng" algn="ctr">
+          <a:solidFill>
+            <a:schemeClr val="accent1">
+              <a:shade val="80000"/>
+              <a:hueOff val="0"/>
+              <a:satOff val="0"/>
+              <a:lumOff val="0"/>
+              <a:alphaOff val="0"/>
+            </a:schemeClr>
+          </a:solidFill>
+          <a:prstDash val="solid"/>
+        </a:ln>
+        <a:effectLst/>
+      </dsp:spPr>
+      <dsp:style>
+        <a:lnRef idx="2">
+          <a:scrgbClr r="0" g="0" b="0"/>
+        </a:lnRef>
+        <a:fillRef idx="0">
+          <a:scrgbClr r="0" g="0" b="0"/>
+        </a:fillRef>
+        <a:effectRef idx="0">
+          <a:scrgbClr r="0" g="0" b="0"/>
+        </a:effectRef>
+        <a:fontRef idx="minor"/>
+      </dsp:style>
+    </dsp:sp>
+    <dsp:sp modelId="{E3449510-CAB7-4FB6-A2DE-9FAA25E019D2}">
+      <dsp:nvSpPr>
+        <dsp:cNvPr id="0" name=""/>
+        <dsp:cNvSpPr/>
+      </dsp:nvSpPr>
+      <dsp:spPr>
+        <a:xfrm>
+          <a:off x="4107518" y="1314029"/>
+          <a:ext cx="1463995" cy="803765"/>
+        </a:xfrm>
+        <a:custGeom>
+          <a:avLst/>
+          <a:gdLst/>
+          <a:ahLst/>
+          <a:cxnLst/>
+          <a:rect l="0" t="0" r="0" b="0"/>
+          <a:pathLst>
+            <a:path>
+              <a:moveTo>
+                <a:pt x="0" y="0"/>
+              </a:moveTo>
+              <a:lnTo>
+                <a:pt x="0" y="659397"/>
+              </a:lnTo>
+              <a:lnTo>
+                <a:pt x="1463995" y="659397"/>
+              </a:lnTo>
+              <a:lnTo>
+                <a:pt x="1463995" y="803765"/>
+              </a:lnTo>
+            </a:path>
+          </a:pathLst>
+        </a:custGeom>
+        <a:noFill/>
+        <a:ln w="19050" cap="flat" cmpd="sng" algn="ctr">
+          <a:solidFill>
+            <a:schemeClr val="accent1">
+              <a:shade val="60000"/>
+              <a:hueOff val="0"/>
+              <a:satOff val="0"/>
+              <a:lumOff val="0"/>
+              <a:alphaOff val="0"/>
+            </a:schemeClr>
+          </a:solidFill>
+          <a:prstDash val="solid"/>
+        </a:ln>
+        <a:effectLst/>
+      </dsp:spPr>
+      <dsp:style>
+        <a:lnRef idx="2">
+          <a:scrgbClr r="0" g="0" b="0"/>
+        </a:lnRef>
+        <a:fillRef idx="0">
+          <a:scrgbClr r="0" g="0" b="0"/>
+        </a:fillRef>
+        <a:effectRef idx="0">
+          <a:scrgbClr r="0" g="0" b="0"/>
+        </a:effectRef>
+        <a:fontRef idx="minor"/>
+      </dsp:style>
+    </dsp:sp>
+    <dsp:sp modelId="{5442838E-007B-4CD2-834A-670B44EB0B76}">
+      <dsp:nvSpPr>
+        <dsp:cNvPr id="0" name=""/>
+        <dsp:cNvSpPr/>
+      </dsp:nvSpPr>
+      <dsp:spPr>
+        <a:xfrm>
+          <a:off x="1734224" y="3114425"/>
+          <a:ext cx="952356" cy="453235"/>
+        </a:xfrm>
+        <a:custGeom>
+          <a:avLst/>
+          <a:gdLst/>
+          <a:ahLst/>
+          <a:cxnLst/>
+          <a:rect l="0" t="0" r="0" b="0"/>
+          <a:pathLst>
+            <a:path>
+              <a:moveTo>
+                <a:pt x="0" y="0"/>
+              </a:moveTo>
+              <a:lnTo>
+                <a:pt x="0" y="308866"/>
+              </a:lnTo>
+              <a:lnTo>
+                <a:pt x="952356" y="308866"/>
+              </a:lnTo>
+              <a:lnTo>
+                <a:pt x="952356" y="453235"/>
+              </a:lnTo>
+            </a:path>
+          </a:pathLst>
+        </a:custGeom>
+        <a:noFill/>
+        <a:ln w="19050" cap="flat" cmpd="sng" algn="ctr">
+          <a:solidFill>
+            <a:schemeClr val="accent1">
+              <a:shade val="80000"/>
+              <a:hueOff val="0"/>
+              <a:satOff val="0"/>
+              <a:lumOff val="0"/>
+              <a:alphaOff val="0"/>
+            </a:schemeClr>
+          </a:solidFill>
+          <a:prstDash val="solid"/>
+        </a:ln>
+        <a:effectLst/>
+      </dsp:spPr>
+      <dsp:style>
+        <a:lnRef idx="2">
+          <a:scrgbClr r="0" g="0" b="0"/>
+        </a:lnRef>
+        <a:fillRef idx="0">
+          <a:scrgbClr r="0" g="0" b="0"/>
+        </a:fillRef>
+        <a:effectRef idx="0">
+          <a:scrgbClr r="0" g="0" b="0"/>
+        </a:effectRef>
+        <a:fontRef idx="minor"/>
+      </dsp:style>
+    </dsp:sp>
+    <dsp:sp modelId="{3CF24D22-C763-4B0A-8619-B073B24FBCB3}">
+      <dsp:nvSpPr>
+        <dsp:cNvPr id="0" name=""/>
+        <dsp:cNvSpPr/>
+      </dsp:nvSpPr>
+      <dsp:spPr>
+        <a:xfrm>
+          <a:off x="781867" y="3114425"/>
+          <a:ext cx="952356" cy="453235"/>
+        </a:xfrm>
+        <a:custGeom>
+          <a:avLst/>
+          <a:gdLst/>
+          <a:ahLst/>
+          <a:cxnLst/>
+          <a:rect l="0" t="0" r="0" b="0"/>
+          <a:pathLst>
+            <a:path>
+              <a:moveTo>
+                <a:pt x="952356" y="0"/>
+              </a:moveTo>
+              <a:lnTo>
+                <a:pt x="952356" y="308866"/>
+              </a:lnTo>
+              <a:lnTo>
+                <a:pt x="0" y="308866"/>
+              </a:lnTo>
+              <a:lnTo>
+                <a:pt x="0" y="453235"/>
+              </a:lnTo>
+            </a:path>
+          </a:pathLst>
+        </a:custGeom>
+        <a:noFill/>
+        <a:ln w="19050" cap="flat" cmpd="sng" algn="ctr">
+          <a:solidFill>
+            <a:schemeClr val="accent1">
+              <a:shade val="80000"/>
+              <a:hueOff val="0"/>
+              <a:satOff val="0"/>
+              <a:lumOff val="0"/>
+              <a:alphaOff val="0"/>
+            </a:schemeClr>
+          </a:solidFill>
+          <a:prstDash val="solid"/>
+        </a:ln>
+        <a:effectLst/>
+      </dsp:spPr>
+      <dsp:style>
+        <a:lnRef idx="2">
+          <a:scrgbClr r="0" g="0" b="0"/>
+        </a:lnRef>
+        <a:fillRef idx="0">
+          <a:scrgbClr r="0" g="0" b="0"/>
+        </a:fillRef>
+        <a:effectRef idx="0">
+          <a:scrgbClr r="0" g="0" b="0"/>
+        </a:effectRef>
+        <a:fontRef idx="minor"/>
+      </dsp:style>
+    </dsp:sp>
+    <dsp:sp modelId="{EC7A55D7-AE96-4EF9-A921-AEDE78C266DC}">
+      <dsp:nvSpPr>
+        <dsp:cNvPr id="0" name=""/>
+        <dsp:cNvSpPr/>
+      </dsp:nvSpPr>
+      <dsp:spPr>
+        <a:xfrm>
+          <a:off x="1734224" y="1314029"/>
+          <a:ext cx="2373294" cy="810811"/>
+        </a:xfrm>
+        <a:custGeom>
+          <a:avLst/>
+          <a:gdLst/>
+          <a:ahLst/>
+          <a:cxnLst/>
+          <a:rect l="0" t="0" r="0" b="0"/>
+          <a:pathLst>
+            <a:path>
+              <a:moveTo>
+                <a:pt x="2373294" y="0"/>
+              </a:moveTo>
+              <a:lnTo>
+                <a:pt x="2373294" y="666443"/>
+              </a:lnTo>
+              <a:lnTo>
+                <a:pt x="0" y="666443"/>
+              </a:lnTo>
+              <a:lnTo>
+                <a:pt x="0" y="810811"/>
+              </a:lnTo>
+            </a:path>
+          </a:pathLst>
+        </a:custGeom>
+        <a:noFill/>
+        <a:ln w="19050" cap="flat" cmpd="sng" algn="ctr">
+          <a:solidFill>
+            <a:schemeClr val="accent1">
+              <a:shade val="60000"/>
+              <a:hueOff val="0"/>
+              <a:satOff val="0"/>
+              <a:lumOff val="0"/>
+              <a:alphaOff val="0"/>
+            </a:schemeClr>
+          </a:solidFill>
+          <a:prstDash val="solid"/>
+        </a:ln>
+        <a:effectLst/>
+      </dsp:spPr>
+      <dsp:style>
+        <a:lnRef idx="2">
+          <a:scrgbClr r="0" g="0" b="0"/>
+        </a:lnRef>
+        <a:fillRef idx="0">
+          <a:scrgbClr r="0" g="0" b="0"/>
+        </a:fillRef>
+        <a:effectRef idx="0">
+          <a:scrgbClr r="0" g="0" b="0"/>
+        </a:effectRef>
+        <a:fontRef idx="minor"/>
+      </dsp:style>
+    </dsp:sp>
+    <dsp:sp modelId="{DF33F7AA-5B62-4D52-8FA6-655D3A5211C7}">
+      <dsp:nvSpPr>
+        <dsp:cNvPr id="0" name=""/>
+        <dsp:cNvSpPr/>
+      </dsp:nvSpPr>
+      <dsp:spPr>
+        <a:xfrm>
+          <a:off x="3328318" y="324444"/>
+          <a:ext cx="1558401" cy="989584"/>
+        </a:xfrm>
+        <a:prstGeom prst="roundRect">
+          <a:avLst>
+            <a:gd name="adj" fmla="val 10000"/>
+          </a:avLst>
+        </a:prstGeom>
+        <a:solidFill>
+          <a:schemeClr val="accent1">
+            <a:hueOff val="0"/>
+            <a:satOff val="0"/>
+            <a:lumOff val="0"/>
+            <a:alphaOff val="0"/>
+          </a:schemeClr>
+        </a:solidFill>
+        <a:ln w="47625" cap="flat" cmpd="dbl" algn="ctr">
+          <a:solidFill>
+            <a:schemeClr val="lt1">
+              <a:hueOff val="0"/>
+              <a:satOff val="0"/>
+              <a:lumOff val="0"/>
+              <a:alphaOff val="0"/>
+            </a:schemeClr>
+          </a:solidFill>
+          <a:prstDash val="solid"/>
+        </a:ln>
+        <a:effectLst>
+          <a:outerShdw blurRad="38100" dist="30000" dir="5400000" rotWithShape="0">
+            <a:srgbClr val="000000">
+              <a:alpha val="45000"/>
+            </a:srgbClr>
+          </a:outerShdw>
+        </a:effectLst>
+      </dsp:spPr>
+      <dsp:style>
+        <a:lnRef idx="3">
+          <a:scrgbClr r="0" g="0" b="0"/>
+        </a:lnRef>
+        <a:fillRef idx="1">
+          <a:scrgbClr r="0" g="0" b="0"/>
+        </a:fillRef>
+        <a:effectRef idx="1">
+          <a:scrgbClr r="0" g="0" b="0"/>
+        </a:effectRef>
+        <a:fontRef idx="minor">
+          <a:schemeClr val="lt1"/>
+        </a:fontRef>
+      </dsp:style>
+    </dsp:sp>
+    <dsp:sp modelId="{BF40D2FA-BA4D-4599-85D7-0C73F43D1EF8}">
+      <dsp:nvSpPr>
+        <dsp:cNvPr id="0" name=""/>
+        <dsp:cNvSpPr/>
+      </dsp:nvSpPr>
+      <dsp:spPr>
+        <a:xfrm>
+          <a:off x="3501473" y="488942"/>
+          <a:ext cx="1558401" cy="989584"/>
+        </a:xfrm>
+        <a:prstGeom prst="roundRect">
+          <a:avLst>
+            <a:gd name="adj" fmla="val 10000"/>
+          </a:avLst>
+        </a:prstGeom>
+        <a:solidFill>
+          <a:schemeClr val="lt1">
+            <a:alpha val="90000"/>
+            <a:hueOff val="0"/>
+            <a:satOff val="0"/>
+            <a:lumOff val="0"/>
+            <a:alphaOff val="0"/>
+          </a:schemeClr>
+        </a:solidFill>
+        <a:ln w="19050" cap="flat" cmpd="sng" algn="ctr">
+          <a:solidFill>
+            <a:schemeClr val="accent1">
+              <a:hueOff val="0"/>
+              <a:satOff val="0"/>
+              <a:lumOff val="0"/>
+              <a:alphaOff val="0"/>
+            </a:schemeClr>
+          </a:solidFill>
+          <a:prstDash val="solid"/>
+        </a:ln>
+        <a:effectLst/>
+      </dsp:spPr>
+      <dsp:style>
+        <a:lnRef idx="2">
+          <a:scrgbClr r="0" g="0" b="0"/>
+        </a:lnRef>
+        <a:fillRef idx="1">
+          <a:scrgbClr r="0" g="0" b="0"/>
+        </a:fillRef>
+        <a:effectRef idx="0">
+          <a:scrgbClr r="0" g="0" b="0"/>
+        </a:effectRef>
+        <a:fontRef idx="minor"/>
+      </dsp:style>
+      <dsp:txBody>
+        <a:bodyPr spcFirstLastPara="0" vert="horz" wrap="square" lIns="60960" tIns="60960" rIns="60960" bIns="60960" numCol="1" spcCol="1270" anchor="ctr" anchorCtr="0">
+          <a:noAutofit/>
+        </a:bodyPr>
+        <a:lstStyle/>
+        <a:p>
+          <a:pPr marL="0" lvl="0" indent="0" algn="ctr" defTabSz="711200">
+            <a:lnSpc>
+              <a:spcPct val="90000"/>
+            </a:lnSpc>
+            <a:spcBef>
+              <a:spcPct val="0"/>
+            </a:spcBef>
+            <a:spcAft>
+              <a:spcPct val="35000"/>
+            </a:spcAft>
+            <a:buNone/>
+          </a:pPr>
+          <a:r>
+            <a:rPr lang="en-US" sz="1600" kern="1200" dirty="0"/>
+            <a:t>Machine Learning</a:t>
+          </a:r>
+        </a:p>
+      </dsp:txBody>
+      <dsp:txXfrm>
+        <a:off x="3530457" y="517926"/>
+        <a:ext cx="1500433" cy="931616"/>
+      </dsp:txXfrm>
+    </dsp:sp>
+    <dsp:sp modelId="{C87BB537-185A-49D0-A558-9BE3C980E3C5}">
+      <dsp:nvSpPr>
+        <dsp:cNvPr id="0" name=""/>
+        <dsp:cNvSpPr/>
+      </dsp:nvSpPr>
+      <dsp:spPr>
+        <a:xfrm>
+          <a:off x="955023" y="2124841"/>
+          <a:ext cx="1558401" cy="989584"/>
+        </a:xfrm>
+        <a:prstGeom prst="roundRect">
+          <a:avLst>
+            <a:gd name="adj" fmla="val 10000"/>
+          </a:avLst>
+        </a:prstGeom>
+        <a:solidFill>
+          <a:schemeClr val="accent1">
+            <a:hueOff val="0"/>
+            <a:satOff val="0"/>
+            <a:lumOff val="0"/>
+            <a:alphaOff val="0"/>
+          </a:schemeClr>
+        </a:solidFill>
+        <a:ln w="47625" cap="flat" cmpd="dbl" algn="ctr">
+          <a:solidFill>
+            <a:schemeClr val="lt1">
+              <a:hueOff val="0"/>
+              <a:satOff val="0"/>
+              <a:lumOff val="0"/>
+              <a:alphaOff val="0"/>
+            </a:schemeClr>
+          </a:solidFill>
+          <a:prstDash val="solid"/>
+        </a:ln>
+        <a:effectLst>
+          <a:outerShdw blurRad="38100" dist="30000" dir="5400000" rotWithShape="0">
+            <a:srgbClr val="000000">
+              <a:alpha val="45000"/>
+            </a:srgbClr>
+          </a:outerShdw>
+        </a:effectLst>
+      </dsp:spPr>
+      <dsp:style>
+        <a:lnRef idx="3">
+          <a:scrgbClr r="0" g="0" b="0"/>
+        </a:lnRef>
+        <a:fillRef idx="1">
+          <a:scrgbClr r="0" g="0" b="0"/>
+        </a:fillRef>
+        <a:effectRef idx="1">
+          <a:scrgbClr r="0" g="0" b="0"/>
+        </a:effectRef>
+        <a:fontRef idx="minor">
+          <a:schemeClr val="lt1"/>
+        </a:fontRef>
+      </dsp:style>
+    </dsp:sp>
+    <dsp:sp modelId="{92DCB8DF-CCB4-441D-AA4C-2673257D8E97}">
+      <dsp:nvSpPr>
+        <dsp:cNvPr id="0" name=""/>
+        <dsp:cNvSpPr/>
+      </dsp:nvSpPr>
+      <dsp:spPr>
+        <a:xfrm>
+          <a:off x="1128179" y="2289339"/>
+          <a:ext cx="1558401" cy="989584"/>
+        </a:xfrm>
+        <a:prstGeom prst="roundRect">
+          <a:avLst>
+            <a:gd name="adj" fmla="val 10000"/>
+          </a:avLst>
+        </a:prstGeom>
+        <a:solidFill>
+          <a:schemeClr val="lt1">
+            <a:alpha val="90000"/>
+            <a:hueOff val="0"/>
+            <a:satOff val="0"/>
+            <a:lumOff val="0"/>
+            <a:alphaOff val="0"/>
+          </a:schemeClr>
+        </a:solidFill>
+        <a:ln w="19050" cap="flat" cmpd="sng" algn="ctr">
+          <a:solidFill>
+            <a:schemeClr val="accent1">
+              <a:hueOff val="0"/>
+              <a:satOff val="0"/>
+              <a:lumOff val="0"/>
+              <a:alphaOff val="0"/>
+            </a:schemeClr>
+          </a:solidFill>
+          <a:prstDash val="solid"/>
+        </a:ln>
+        <a:effectLst/>
+      </dsp:spPr>
+      <dsp:style>
+        <a:lnRef idx="2">
+          <a:scrgbClr r="0" g="0" b="0"/>
+        </a:lnRef>
+        <a:fillRef idx="1">
+          <a:scrgbClr r="0" g="0" b="0"/>
+        </a:fillRef>
+        <a:effectRef idx="0">
+          <a:scrgbClr r="0" g="0" b="0"/>
+        </a:effectRef>
+        <a:fontRef idx="minor"/>
+      </dsp:style>
+      <dsp:txBody>
+        <a:bodyPr spcFirstLastPara="0" vert="horz" wrap="square" lIns="60960" tIns="60960" rIns="60960" bIns="60960" numCol="1" spcCol="1270" anchor="ctr" anchorCtr="0">
+          <a:noAutofit/>
+        </a:bodyPr>
+        <a:lstStyle/>
+        <a:p>
+          <a:pPr marL="0" lvl="0" indent="0" algn="ctr" defTabSz="711200">
+            <a:lnSpc>
+              <a:spcPct val="90000"/>
+            </a:lnSpc>
+            <a:spcBef>
+              <a:spcPct val="0"/>
+            </a:spcBef>
+            <a:spcAft>
+              <a:spcPct val="35000"/>
+            </a:spcAft>
+            <a:buNone/>
+          </a:pPr>
+          <a:r>
+            <a:rPr lang="en-US" sz="1600" kern="1200" dirty="0"/>
+            <a:t>Supervised learning</a:t>
+          </a:r>
+        </a:p>
+      </dsp:txBody>
+      <dsp:txXfrm>
+        <a:off x="1157163" y="2318323"/>
+        <a:ext cx="1500433" cy="931616"/>
+      </dsp:txXfrm>
+    </dsp:sp>
+    <dsp:sp modelId="{940B7AEA-E53B-4C88-A840-459AEB6D54A6}">
+      <dsp:nvSpPr>
+        <dsp:cNvPr id="0" name=""/>
+        <dsp:cNvSpPr/>
+      </dsp:nvSpPr>
+      <dsp:spPr>
+        <a:xfrm>
+          <a:off x="2667" y="3567661"/>
+          <a:ext cx="1558401" cy="989584"/>
+        </a:xfrm>
+        <a:prstGeom prst="roundRect">
+          <a:avLst>
+            <a:gd name="adj" fmla="val 10000"/>
+          </a:avLst>
+        </a:prstGeom>
+        <a:solidFill>
+          <a:schemeClr val="accent1">
+            <a:hueOff val="0"/>
+            <a:satOff val="0"/>
+            <a:lumOff val="0"/>
+            <a:alphaOff val="0"/>
+          </a:schemeClr>
+        </a:solidFill>
+        <a:ln w="47625" cap="flat" cmpd="dbl" algn="ctr">
+          <a:solidFill>
+            <a:schemeClr val="lt1">
+              <a:hueOff val="0"/>
+              <a:satOff val="0"/>
+              <a:lumOff val="0"/>
+              <a:alphaOff val="0"/>
+            </a:schemeClr>
+          </a:solidFill>
+          <a:prstDash val="solid"/>
+        </a:ln>
+        <a:effectLst>
+          <a:outerShdw blurRad="38100" dist="30000" dir="5400000" rotWithShape="0">
+            <a:srgbClr val="000000">
+              <a:alpha val="45000"/>
+            </a:srgbClr>
+          </a:outerShdw>
+        </a:effectLst>
+      </dsp:spPr>
+      <dsp:style>
+        <a:lnRef idx="3">
+          <a:scrgbClr r="0" g="0" b="0"/>
+        </a:lnRef>
+        <a:fillRef idx="1">
+          <a:scrgbClr r="0" g="0" b="0"/>
+        </a:fillRef>
+        <a:effectRef idx="1">
+          <a:scrgbClr r="0" g="0" b="0"/>
+        </a:effectRef>
+        <a:fontRef idx="minor">
+          <a:schemeClr val="lt1"/>
+        </a:fontRef>
+      </dsp:style>
+    </dsp:sp>
+    <dsp:sp modelId="{C42104E1-F07F-498D-8C41-6D2B1DBB2EBA}">
+      <dsp:nvSpPr>
+        <dsp:cNvPr id="0" name=""/>
+        <dsp:cNvSpPr/>
+      </dsp:nvSpPr>
+      <dsp:spPr>
+        <a:xfrm>
+          <a:off x="175822" y="3732158"/>
+          <a:ext cx="1558401" cy="989584"/>
+        </a:xfrm>
+        <a:prstGeom prst="roundRect">
+          <a:avLst>
+            <a:gd name="adj" fmla="val 10000"/>
+          </a:avLst>
+        </a:prstGeom>
+        <a:solidFill>
+          <a:schemeClr val="lt1">
+            <a:alpha val="90000"/>
+            <a:hueOff val="0"/>
+            <a:satOff val="0"/>
+            <a:lumOff val="0"/>
+            <a:alphaOff val="0"/>
+          </a:schemeClr>
+        </a:solidFill>
+        <a:ln w="19050" cap="flat" cmpd="sng" algn="ctr">
+          <a:solidFill>
+            <a:schemeClr val="accent1">
+              <a:hueOff val="0"/>
+              <a:satOff val="0"/>
+              <a:lumOff val="0"/>
+              <a:alphaOff val="0"/>
+            </a:schemeClr>
+          </a:solidFill>
+          <a:prstDash val="solid"/>
+        </a:ln>
+        <a:effectLst/>
+      </dsp:spPr>
+      <dsp:style>
+        <a:lnRef idx="2">
+          <a:scrgbClr r="0" g="0" b="0"/>
+        </a:lnRef>
+        <a:fillRef idx="1">
+          <a:scrgbClr r="0" g="0" b="0"/>
+        </a:fillRef>
+        <a:effectRef idx="0">
+          <a:scrgbClr r="0" g="0" b="0"/>
+        </a:effectRef>
+        <a:fontRef idx="minor"/>
+      </dsp:style>
+      <dsp:txBody>
+        <a:bodyPr spcFirstLastPara="0" vert="horz" wrap="square" lIns="60960" tIns="60960" rIns="60960" bIns="60960" numCol="1" spcCol="1270" anchor="ctr" anchorCtr="0">
+          <a:noAutofit/>
+        </a:bodyPr>
+        <a:lstStyle/>
+        <a:p>
+          <a:pPr marL="0" lvl="0" indent="0" algn="ctr" defTabSz="711200">
+            <a:lnSpc>
+              <a:spcPct val="90000"/>
+            </a:lnSpc>
+            <a:spcBef>
+              <a:spcPct val="0"/>
+            </a:spcBef>
+            <a:spcAft>
+              <a:spcPct val="35000"/>
+            </a:spcAft>
+            <a:buNone/>
+          </a:pPr>
+          <a:r>
+            <a:rPr lang="en-US" sz="1600" kern="1200" dirty="0"/>
+            <a:t>Regression</a:t>
+          </a:r>
+        </a:p>
+      </dsp:txBody>
+      <dsp:txXfrm>
+        <a:off x="204806" y="3761142"/>
+        <a:ext cx="1500433" cy="931616"/>
+      </dsp:txXfrm>
+    </dsp:sp>
+    <dsp:sp modelId="{DAA0D212-4225-4579-AF2F-1ED1008247EA}">
+      <dsp:nvSpPr>
+        <dsp:cNvPr id="0" name=""/>
+        <dsp:cNvSpPr/>
+      </dsp:nvSpPr>
+      <dsp:spPr>
+        <a:xfrm>
+          <a:off x="1907379" y="3567661"/>
+          <a:ext cx="1558401" cy="989584"/>
+        </a:xfrm>
+        <a:prstGeom prst="roundRect">
+          <a:avLst>
+            <a:gd name="adj" fmla="val 10000"/>
+          </a:avLst>
+        </a:prstGeom>
+        <a:solidFill>
+          <a:schemeClr val="accent1">
+            <a:hueOff val="0"/>
+            <a:satOff val="0"/>
+            <a:lumOff val="0"/>
+            <a:alphaOff val="0"/>
+          </a:schemeClr>
+        </a:solidFill>
+        <a:ln w="47625" cap="flat" cmpd="dbl" algn="ctr">
+          <a:solidFill>
+            <a:schemeClr val="lt1">
+              <a:hueOff val="0"/>
+              <a:satOff val="0"/>
+              <a:lumOff val="0"/>
+              <a:alphaOff val="0"/>
+            </a:schemeClr>
+          </a:solidFill>
+          <a:prstDash val="solid"/>
+        </a:ln>
+        <a:effectLst>
+          <a:outerShdw blurRad="38100" dist="30000" dir="5400000" rotWithShape="0">
+            <a:srgbClr val="000000">
+              <a:alpha val="45000"/>
+            </a:srgbClr>
+          </a:outerShdw>
+        </a:effectLst>
+      </dsp:spPr>
+      <dsp:style>
+        <a:lnRef idx="3">
+          <a:scrgbClr r="0" g="0" b="0"/>
+        </a:lnRef>
+        <a:fillRef idx="1">
+          <a:scrgbClr r="0" g="0" b="0"/>
+        </a:fillRef>
+        <a:effectRef idx="1">
+          <a:scrgbClr r="0" g="0" b="0"/>
+        </a:effectRef>
+        <a:fontRef idx="minor">
+          <a:schemeClr val="lt1"/>
+        </a:fontRef>
+      </dsp:style>
+    </dsp:sp>
+    <dsp:sp modelId="{501ECA39-7506-4EA3-98FA-BBA1AD178BBE}">
+      <dsp:nvSpPr>
+        <dsp:cNvPr id="0" name=""/>
+        <dsp:cNvSpPr/>
+      </dsp:nvSpPr>
+      <dsp:spPr>
+        <a:xfrm>
+          <a:off x="2080535" y="3732158"/>
+          <a:ext cx="1558401" cy="989584"/>
+        </a:xfrm>
+        <a:prstGeom prst="roundRect">
+          <a:avLst>
+            <a:gd name="adj" fmla="val 10000"/>
+          </a:avLst>
+        </a:prstGeom>
+        <a:solidFill>
+          <a:schemeClr val="lt1">
+            <a:alpha val="90000"/>
+            <a:hueOff val="0"/>
+            <a:satOff val="0"/>
+            <a:lumOff val="0"/>
+            <a:alphaOff val="0"/>
+          </a:schemeClr>
+        </a:solidFill>
+        <a:ln w="19050" cap="flat" cmpd="sng" algn="ctr">
+          <a:solidFill>
+            <a:schemeClr val="accent1">
+              <a:hueOff val="0"/>
+              <a:satOff val="0"/>
+              <a:lumOff val="0"/>
+              <a:alphaOff val="0"/>
+            </a:schemeClr>
+          </a:solidFill>
+          <a:prstDash val="solid"/>
+        </a:ln>
+        <a:effectLst/>
+      </dsp:spPr>
+      <dsp:style>
+        <a:lnRef idx="2">
+          <a:scrgbClr r="0" g="0" b="0"/>
+        </a:lnRef>
+        <a:fillRef idx="1">
+          <a:scrgbClr r="0" g="0" b="0"/>
+        </a:fillRef>
+        <a:effectRef idx="0">
+          <a:scrgbClr r="0" g="0" b="0"/>
+        </a:effectRef>
+        <a:fontRef idx="minor"/>
+      </dsp:style>
+      <dsp:txBody>
+        <a:bodyPr spcFirstLastPara="0" vert="horz" wrap="square" lIns="60960" tIns="60960" rIns="60960" bIns="60960" numCol="1" spcCol="1270" anchor="ctr" anchorCtr="0">
+          <a:noAutofit/>
+        </a:bodyPr>
+        <a:lstStyle/>
+        <a:p>
+          <a:pPr marL="0" lvl="0" indent="0" algn="ctr" defTabSz="711200">
+            <a:lnSpc>
+              <a:spcPct val="90000"/>
+            </a:lnSpc>
+            <a:spcBef>
+              <a:spcPct val="0"/>
+            </a:spcBef>
+            <a:spcAft>
+              <a:spcPct val="35000"/>
+            </a:spcAft>
+            <a:buNone/>
+          </a:pPr>
+          <a:r>
+            <a:rPr lang="en-US" sz="1600" kern="1200" dirty="0"/>
+            <a:t>Classification</a:t>
+          </a:r>
+        </a:p>
+      </dsp:txBody>
+      <dsp:txXfrm>
+        <a:off x="2109519" y="3761142"/>
+        <a:ext cx="1500433" cy="931616"/>
+      </dsp:txXfrm>
+    </dsp:sp>
+    <dsp:sp modelId="{6186ABAF-F378-4B7C-A449-0924F95FC875}">
+      <dsp:nvSpPr>
+        <dsp:cNvPr id="0" name=""/>
+        <dsp:cNvSpPr/>
+      </dsp:nvSpPr>
+      <dsp:spPr>
+        <a:xfrm>
+          <a:off x="4792313" y="2117795"/>
+          <a:ext cx="1558401" cy="989584"/>
+        </a:xfrm>
+        <a:prstGeom prst="roundRect">
+          <a:avLst>
+            <a:gd name="adj" fmla="val 10000"/>
+          </a:avLst>
+        </a:prstGeom>
+        <a:solidFill>
+          <a:schemeClr val="accent1">
+            <a:hueOff val="0"/>
+            <a:satOff val="0"/>
+            <a:lumOff val="0"/>
+            <a:alphaOff val="0"/>
+          </a:schemeClr>
+        </a:solidFill>
+        <a:ln w="47625" cap="flat" cmpd="dbl" algn="ctr">
+          <a:solidFill>
+            <a:schemeClr val="lt1">
+              <a:hueOff val="0"/>
+              <a:satOff val="0"/>
+              <a:lumOff val="0"/>
+              <a:alphaOff val="0"/>
+            </a:schemeClr>
+          </a:solidFill>
+          <a:prstDash val="solid"/>
+        </a:ln>
+        <a:effectLst>
+          <a:outerShdw blurRad="38100" dist="30000" dir="5400000" rotWithShape="0">
+            <a:srgbClr val="000000">
+              <a:alpha val="45000"/>
+            </a:srgbClr>
+          </a:outerShdw>
+        </a:effectLst>
+      </dsp:spPr>
+      <dsp:style>
+        <a:lnRef idx="3">
+          <a:scrgbClr r="0" g="0" b="0"/>
+        </a:lnRef>
+        <a:fillRef idx="1">
+          <a:scrgbClr r="0" g="0" b="0"/>
+        </a:fillRef>
+        <a:effectRef idx="1">
+          <a:scrgbClr r="0" g="0" b="0"/>
+        </a:effectRef>
+        <a:fontRef idx="minor">
+          <a:schemeClr val="lt1"/>
+        </a:fontRef>
+      </dsp:style>
+    </dsp:sp>
+    <dsp:sp modelId="{90FD6A9C-48CF-4B27-A351-9CF3411A41F4}">
+      <dsp:nvSpPr>
+        <dsp:cNvPr id="0" name=""/>
+        <dsp:cNvSpPr/>
+      </dsp:nvSpPr>
+      <dsp:spPr>
+        <a:xfrm>
+          <a:off x="4965468" y="2282293"/>
+          <a:ext cx="1558401" cy="989584"/>
+        </a:xfrm>
+        <a:prstGeom prst="roundRect">
+          <a:avLst>
+            <a:gd name="adj" fmla="val 10000"/>
+          </a:avLst>
+        </a:prstGeom>
+        <a:solidFill>
+          <a:schemeClr val="lt1">
+            <a:alpha val="90000"/>
+            <a:hueOff val="0"/>
+            <a:satOff val="0"/>
+            <a:lumOff val="0"/>
+            <a:alphaOff val="0"/>
+          </a:schemeClr>
+        </a:solidFill>
+        <a:ln w="19050" cap="flat" cmpd="sng" algn="ctr">
+          <a:solidFill>
+            <a:schemeClr val="accent1">
+              <a:hueOff val="0"/>
+              <a:satOff val="0"/>
+              <a:lumOff val="0"/>
+              <a:alphaOff val="0"/>
+            </a:schemeClr>
+          </a:solidFill>
+          <a:prstDash val="solid"/>
+        </a:ln>
+        <a:effectLst/>
+      </dsp:spPr>
+      <dsp:style>
+        <a:lnRef idx="2">
+          <a:scrgbClr r="0" g="0" b="0"/>
+        </a:lnRef>
+        <a:fillRef idx="1">
+          <a:scrgbClr r="0" g="0" b="0"/>
+        </a:fillRef>
+        <a:effectRef idx="0">
+          <a:scrgbClr r="0" g="0" b="0"/>
+        </a:effectRef>
+        <a:fontRef idx="minor"/>
+      </dsp:style>
+      <dsp:txBody>
+        <a:bodyPr spcFirstLastPara="0" vert="horz" wrap="square" lIns="60960" tIns="60960" rIns="60960" bIns="60960" numCol="1" spcCol="1270" anchor="ctr" anchorCtr="0">
+          <a:noAutofit/>
+        </a:bodyPr>
+        <a:lstStyle/>
+        <a:p>
+          <a:pPr marL="0" lvl="0" indent="0" algn="ctr" defTabSz="711200">
+            <a:lnSpc>
+              <a:spcPct val="90000"/>
+            </a:lnSpc>
+            <a:spcBef>
+              <a:spcPct val="0"/>
+            </a:spcBef>
+            <a:spcAft>
+              <a:spcPct val="35000"/>
+            </a:spcAft>
+            <a:buNone/>
+          </a:pPr>
+          <a:r>
+            <a:rPr lang="en-US" sz="1600" kern="1200" dirty="0"/>
+            <a:t>Unsupervised Learning</a:t>
+          </a:r>
+        </a:p>
+      </dsp:txBody>
+      <dsp:txXfrm>
+        <a:off x="4994452" y="2311277"/>
+        <a:ext cx="1500433" cy="931616"/>
+      </dsp:txXfrm>
+    </dsp:sp>
+    <dsp:sp modelId="{DFD8C324-C6AC-45AC-82A5-0DCCBC87D263}">
+      <dsp:nvSpPr>
+        <dsp:cNvPr id="0" name=""/>
+        <dsp:cNvSpPr/>
+      </dsp:nvSpPr>
+      <dsp:spPr>
+        <a:xfrm>
+          <a:off x="3812092" y="3567661"/>
+          <a:ext cx="1558401" cy="989584"/>
+        </a:xfrm>
+        <a:prstGeom prst="roundRect">
+          <a:avLst>
+            <a:gd name="adj" fmla="val 10000"/>
+          </a:avLst>
+        </a:prstGeom>
+        <a:solidFill>
+          <a:schemeClr val="accent1">
+            <a:hueOff val="0"/>
+            <a:satOff val="0"/>
+            <a:lumOff val="0"/>
+            <a:alphaOff val="0"/>
+          </a:schemeClr>
+        </a:solidFill>
+        <a:ln w="47625" cap="flat" cmpd="dbl" algn="ctr">
+          <a:solidFill>
+            <a:schemeClr val="lt1">
+              <a:hueOff val="0"/>
+              <a:satOff val="0"/>
+              <a:lumOff val="0"/>
+              <a:alphaOff val="0"/>
+            </a:schemeClr>
+          </a:solidFill>
+          <a:prstDash val="solid"/>
+        </a:ln>
+        <a:effectLst>
+          <a:outerShdw blurRad="38100" dist="30000" dir="5400000" rotWithShape="0">
+            <a:srgbClr val="000000">
+              <a:alpha val="45000"/>
+            </a:srgbClr>
+          </a:outerShdw>
+        </a:effectLst>
+      </dsp:spPr>
+      <dsp:style>
+        <a:lnRef idx="3">
+          <a:scrgbClr r="0" g="0" b="0"/>
+        </a:lnRef>
+        <a:fillRef idx="1">
+          <a:scrgbClr r="0" g="0" b="0"/>
+        </a:fillRef>
+        <a:effectRef idx="1">
+          <a:scrgbClr r="0" g="0" b="0"/>
+        </a:effectRef>
+        <a:fontRef idx="minor">
+          <a:schemeClr val="lt1"/>
+        </a:fontRef>
+      </dsp:style>
+    </dsp:sp>
+    <dsp:sp modelId="{40359719-29DB-4B64-B983-3671E1C251AC}">
+      <dsp:nvSpPr>
+        <dsp:cNvPr id="0" name=""/>
+        <dsp:cNvSpPr/>
+      </dsp:nvSpPr>
+      <dsp:spPr>
+        <a:xfrm>
+          <a:off x="3985248" y="3732158"/>
+          <a:ext cx="1558401" cy="989584"/>
+        </a:xfrm>
+        <a:prstGeom prst="roundRect">
+          <a:avLst>
+            <a:gd name="adj" fmla="val 10000"/>
+          </a:avLst>
+        </a:prstGeom>
+        <a:solidFill>
+          <a:schemeClr val="lt1">
+            <a:alpha val="90000"/>
+            <a:hueOff val="0"/>
+            <a:satOff val="0"/>
+            <a:lumOff val="0"/>
+            <a:alphaOff val="0"/>
+          </a:schemeClr>
+        </a:solidFill>
+        <a:ln w="19050" cap="flat" cmpd="sng" algn="ctr">
+          <a:solidFill>
+            <a:schemeClr val="accent1">
+              <a:hueOff val="0"/>
+              <a:satOff val="0"/>
+              <a:lumOff val="0"/>
+              <a:alphaOff val="0"/>
+            </a:schemeClr>
+          </a:solidFill>
+          <a:prstDash val="solid"/>
+        </a:ln>
+        <a:effectLst/>
+      </dsp:spPr>
+      <dsp:style>
+        <a:lnRef idx="2">
+          <a:scrgbClr r="0" g="0" b="0"/>
+        </a:lnRef>
+        <a:fillRef idx="1">
+          <a:scrgbClr r="0" g="0" b="0"/>
+        </a:fillRef>
+        <a:effectRef idx="0">
+          <a:scrgbClr r="0" g="0" b="0"/>
+        </a:effectRef>
+        <a:fontRef idx="minor"/>
+      </dsp:style>
+      <dsp:txBody>
+        <a:bodyPr spcFirstLastPara="0" vert="horz" wrap="square" lIns="60960" tIns="60960" rIns="60960" bIns="60960" numCol="1" spcCol="1270" anchor="ctr" anchorCtr="0">
+          <a:noAutofit/>
+        </a:bodyPr>
+        <a:lstStyle/>
+        <a:p>
+          <a:pPr marL="0" lvl="0" indent="0" algn="ctr" defTabSz="711200">
+            <a:lnSpc>
+              <a:spcPct val="90000"/>
+            </a:lnSpc>
+            <a:spcBef>
+              <a:spcPct val="0"/>
+            </a:spcBef>
+            <a:spcAft>
+              <a:spcPct val="35000"/>
+            </a:spcAft>
+            <a:buNone/>
+          </a:pPr>
+          <a:r>
+            <a:rPr lang="en-US" sz="1600" kern="1200" dirty="0"/>
+            <a:t>Clustering</a:t>
+          </a:r>
+        </a:p>
+      </dsp:txBody>
+      <dsp:txXfrm>
+        <a:off x="4014232" y="3761142"/>
+        <a:ext cx="1500433" cy="931616"/>
+      </dsp:txXfrm>
+    </dsp:sp>
+    <dsp:sp modelId="{F515E470-14CD-4219-BD55-528DB53E044B}">
+      <dsp:nvSpPr>
+        <dsp:cNvPr id="0" name=""/>
+        <dsp:cNvSpPr/>
+      </dsp:nvSpPr>
+      <dsp:spPr>
+        <a:xfrm>
+          <a:off x="5716805" y="3567661"/>
+          <a:ext cx="1558401" cy="989584"/>
+        </a:xfrm>
+        <a:prstGeom prst="roundRect">
+          <a:avLst>
+            <a:gd name="adj" fmla="val 10000"/>
+          </a:avLst>
+        </a:prstGeom>
+        <a:solidFill>
+          <a:schemeClr val="accent1">
+            <a:hueOff val="0"/>
+            <a:satOff val="0"/>
+            <a:lumOff val="0"/>
+            <a:alphaOff val="0"/>
+          </a:schemeClr>
+        </a:solidFill>
+        <a:ln w="47625" cap="flat" cmpd="dbl" algn="ctr">
+          <a:solidFill>
+            <a:schemeClr val="lt1">
+              <a:hueOff val="0"/>
+              <a:satOff val="0"/>
+              <a:lumOff val="0"/>
+              <a:alphaOff val="0"/>
+            </a:schemeClr>
+          </a:solidFill>
+          <a:prstDash val="solid"/>
+        </a:ln>
+        <a:effectLst>
+          <a:outerShdw blurRad="38100" dist="30000" dir="5400000" rotWithShape="0">
+            <a:srgbClr val="000000">
+              <a:alpha val="45000"/>
+            </a:srgbClr>
+          </a:outerShdw>
+        </a:effectLst>
+      </dsp:spPr>
+      <dsp:style>
+        <a:lnRef idx="3">
+          <a:scrgbClr r="0" g="0" b="0"/>
+        </a:lnRef>
+        <a:fillRef idx="1">
+          <a:scrgbClr r="0" g="0" b="0"/>
+        </a:fillRef>
+        <a:effectRef idx="1">
+          <a:scrgbClr r="0" g="0" b="0"/>
+        </a:effectRef>
+        <a:fontRef idx="minor">
+          <a:schemeClr val="lt1"/>
+        </a:fontRef>
+      </dsp:style>
+    </dsp:sp>
+    <dsp:sp modelId="{F329F9BC-CD12-4ABC-9FC9-173BE5DA127C}">
+      <dsp:nvSpPr>
+        <dsp:cNvPr id="0" name=""/>
+        <dsp:cNvSpPr/>
+      </dsp:nvSpPr>
+      <dsp:spPr>
+        <a:xfrm>
+          <a:off x="5889961" y="3732158"/>
+          <a:ext cx="1558401" cy="989584"/>
+        </a:xfrm>
+        <a:prstGeom prst="roundRect">
+          <a:avLst>
+            <a:gd name="adj" fmla="val 10000"/>
+          </a:avLst>
+        </a:prstGeom>
+        <a:solidFill>
+          <a:schemeClr val="lt1">
+            <a:alpha val="90000"/>
+            <a:hueOff val="0"/>
+            <a:satOff val="0"/>
+            <a:lumOff val="0"/>
+            <a:alphaOff val="0"/>
+          </a:schemeClr>
+        </a:solidFill>
+        <a:ln w="19050" cap="flat" cmpd="sng" algn="ctr">
+          <a:solidFill>
+            <a:schemeClr val="accent1">
+              <a:hueOff val="0"/>
+              <a:satOff val="0"/>
+              <a:lumOff val="0"/>
+              <a:alphaOff val="0"/>
+            </a:schemeClr>
+          </a:solidFill>
+          <a:prstDash val="solid"/>
+        </a:ln>
+        <a:effectLst/>
+      </dsp:spPr>
+      <dsp:style>
+        <a:lnRef idx="2">
+          <a:scrgbClr r="0" g="0" b="0"/>
+        </a:lnRef>
+        <a:fillRef idx="1">
+          <a:scrgbClr r="0" g="0" b="0"/>
+        </a:fillRef>
+        <a:effectRef idx="0">
+          <a:scrgbClr r="0" g="0" b="0"/>
+        </a:effectRef>
+        <a:fontRef idx="minor"/>
+      </dsp:style>
+      <dsp:txBody>
+        <a:bodyPr spcFirstLastPara="0" vert="horz" wrap="square" lIns="60960" tIns="60960" rIns="60960" bIns="60960" numCol="1" spcCol="1270" anchor="ctr" anchorCtr="0">
+          <a:noAutofit/>
+        </a:bodyPr>
+        <a:lstStyle/>
+        <a:p>
+          <a:pPr marL="0" lvl="0" indent="0" algn="ctr" defTabSz="711200">
+            <a:lnSpc>
+              <a:spcPct val="90000"/>
+            </a:lnSpc>
+            <a:spcBef>
+              <a:spcPct val="0"/>
+            </a:spcBef>
+            <a:spcAft>
+              <a:spcPct val="35000"/>
+            </a:spcAft>
+            <a:buNone/>
+          </a:pPr>
+          <a:r>
+            <a:rPr lang="en-US" sz="1600" kern="1200" dirty="0"/>
+            <a:t>Association</a:t>
+          </a:r>
+        </a:p>
+      </dsp:txBody>
+      <dsp:txXfrm>
+        <a:off x="5918945" y="3761142"/>
+        <a:ext cx="1500433" cy="931616"/>
+      </dsp:txXfrm>
+    </dsp:sp>
+    <dsp:sp modelId="{0DED723F-F49C-4CB1-8CC9-FFD46C0C7496}">
+      <dsp:nvSpPr>
+        <dsp:cNvPr id="0" name=""/>
+        <dsp:cNvSpPr/>
+      </dsp:nvSpPr>
+      <dsp:spPr>
+        <a:xfrm>
+          <a:off x="6671828" y="2124841"/>
+          <a:ext cx="1558401" cy="989584"/>
+        </a:xfrm>
+        <a:prstGeom prst="roundRect">
+          <a:avLst>
+            <a:gd name="adj" fmla="val 10000"/>
+          </a:avLst>
+        </a:prstGeom>
+        <a:solidFill>
+          <a:schemeClr val="accent1">
+            <a:hueOff val="0"/>
+            <a:satOff val="0"/>
+            <a:lumOff val="0"/>
+            <a:alphaOff val="0"/>
+          </a:schemeClr>
+        </a:solidFill>
+        <a:ln w="47625" cap="flat" cmpd="dbl" algn="ctr">
+          <a:solidFill>
+            <a:schemeClr val="lt1">
+              <a:hueOff val="0"/>
+              <a:satOff val="0"/>
+              <a:lumOff val="0"/>
+              <a:alphaOff val="0"/>
+            </a:schemeClr>
+          </a:solidFill>
+          <a:prstDash val="solid"/>
+        </a:ln>
+        <a:effectLst>
+          <a:outerShdw blurRad="38100" dist="30000" dir="5400000" rotWithShape="0">
+            <a:srgbClr val="000000">
+              <a:alpha val="45000"/>
+            </a:srgbClr>
+          </a:outerShdw>
+        </a:effectLst>
+      </dsp:spPr>
+      <dsp:style>
+        <a:lnRef idx="3">
+          <a:scrgbClr r="0" g="0" b="0"/>
+        </a:lnRef>
+        <a:fillRef idx="1">
+          <a:scrgbClr r="0" g="0" b="0"/>
+        </a:fillRef>
+        <a:effectRef idx="1">
+          <a:scrgbClr r="0" g="0" b="0"/>
+        </a:effectRef>
+        <a:fontRef idx="minor">
+          <a:schemeClr val="lt1"/>
+        </a:fontRef>
+      </dsp:style>
+    </dsp:sp>
+    <dsp:sp modelId="{9B8339BA-25B6-4CC3-8B89-EBB6912129DF}">
+      <dsp:nvSpPr>
+        <dsp:cNvPr id="0" name=""/>
+        <dsp:cNvSpPr/>
+      </dsp:nvSpPr>
+      <dsp:spPr>
+        <a:xfrm>
+          <a:off x="6844984" y="2289339"/>
+          <a:ext cx="1558401" cy="989584"/>
+        </a:xfrm>
+        <a:prstGeom prst="roundRect">
+          <a:avLst>
+            <a:gd name="adj" fmla="val 10000"/>
+          </a:avLst>
+        </a:prstGeom>
+        <a:solidFill>
+          <a:schemeClr val="lt1">
+            <a:alpha val="90000"/>
+            <a:hueOff val="0"/>
+            <a:satOff val="0"/>
+            <a:lumOff val="0"/>
+            <a:alphaOff val="0"/>
+          </a:schemeClr>
+        </a:solidFill>
+        <a:ln w="19050" cap="flat" cmpd="sng" algn="ctr">
+          <a:solidFill>
+            <a:schemeClr val="accent1">
+              <a:hueOff val="0"/>
+              <a:satOff val="0"/>
+              <a:lumOff val="0"/>
+              <a:alphaOff val="0"/>
+            </a:schemeClr>
+          </a:solidFill>
+          <a:prstDash val="solid"/>
+        </a:ln>
+        <a:effectLst/>
+      </dsp:spPr>
+      <dsp:style>
+        <a:lnRef idx="2">
+          <a:scrgbClr r="0" g="0" b="0"/>
+        </a:lnRef>
+        <a:fillRef idx="1">
+          <a:scrgbClr r="0" g="0" b="0"/>
+        </a:fillRef>
+        <a:effectRef idx="0">
+          <a:scrgbClr r="0" g="0" b="0"/>
+        </a:effectRef>
+        <a:fontRef idx="minor"/>
+      </dsp:style>
+      <dsp:txBody>
+        <a:bodyPr spcFirstLastPara="0" vert="horz" wrap="square" lIns="60960" tIns="60960" rIns="60960" bIns="60960" numCol="1" spcCol="1270" anchor="ctr" anchorCtr="0">
+          <a:noAutofit/>
+        </a:bodyPr>
+        <a:lstStyle/>
+        <a:p>
+          <a:pPr marL="0" lvl="0" indent="0" algn="ctr" defTabSz="711200">
+            <a:lnSpc>
+              <a:spcPct val="90000"/>
+            </a:lnSpc>
+            <a:spcBef>
+              <a:spcPct val="0"/>
+            </a:spcBef>
+            <a:spcAft>
+              <a:spcPct val="35000"/>
+            </a:spcAft>
+            <a:buNone/>
+          </a:pPr>
+          <a:r>
+            <a:rPr lang="en-US" sz="1600" kern="1200" dirty="0"/>
+            <a:t>Reinforcement learning</a:t>
+          </a:r>
+        </a:p>
+      </dsp:txBody>
+      <dsp:txXfrm>
+        <a:off x="6873968" y="2318323"/>
+        <a:ext cx="1500433" cy="931616"/>
+      </dsp:txXfrm>
+    </dsp:sp>
+  </dsp:spTree>
+</dsp:drawing>
+</file>
+
+<file path=ppt/diagrams/layout1.xml><?xml version="1.0" encoding="utf-8"?>
+<dgm:layoutDef xmlns:dgm="http://schemas.openxmlformats.org/drawingml/2006/diagram" xmlns:a="http://schemas.openxmlformats.org/drawingml/2006/main" uniqueId="urn:microsoft.com/office/officeart/2005/8/layout/hierarchy1">
+  <dgm:title val=""/>
+  <dgm:desc val=""/>
+  <dgm:catLst>
+    <dgm:cat type="hierarchy" pri="2000"/>
+  </dgm:catLst>
+  <dgm:sampData>
+    <dgm:dataModel>
+      <dgm:ptLst>
+        <dgm:pt modelId="0" type="doc"/>
+        <dgm:pt modelId="1">
+          <dgm:prSet phldr="1"/>
+        </dgm:pt>
+        <dgm:pt modelId="2">
+          <dgm:prSet phldr="1"/>
+        </dgm:pt>
+        <dgm:pt modelId="21">
+          <dgm:prSet phldr="1"/>
+        </dgm:pt>
+        <dgm:pt modelId="22">
+          <dgm:prSet phldr="1"/>
+        </dgm:pt>
+        <dgm:pt modelId="3">
+          <dgm:prSet phldr="1"/>
+        </dgm:pt>
+        <dgm:pt modelId="31">
+          <dgm:prSet phldr="1"/>
+        </dgm:pt>
+      </dgm:ptLst>
+      <dgm:cxnLst>
+        <dgm:cxn modelId="4" srcId="0" destId="1" srcOrd="0" destOrd="0"/>
+        <dgm:cxn modelId="5" srcId="1" destId="2" srcOrd="0" destOrd="0"/>
+        <dgm:cxn modelId="6" srcId="1" destId="3" srcOrd="1" destOrd="0"/>
+        <dgm:cxn modelId="23" srcId="2" destId="21" srcOrd="0" destOrd="0"/>
+        <dgm:cxn modelId="24" srcId="2" destId="22" srcOrd="1" destOrd="0"/>
+        <dgm:cxn modelId="33" srcId="3" destId="31" srcOrd="0" destOrd="0"/>
+      </dgm:cxnLst>
+      <dgm:bg/>
+      <dgm:whole/>
+    </dgm:dataModel>
+  </dgm:sampData>
+  <dgm:styleData>
+    <dgm:dataModel>
+      <dgm:ptLst>
+        <dgm:pt modelId="0" type="doc"/>
+        <dgm:pt modelId="1"/>
+        <dgm:pt modelId="11"/>
+        <dgm:pt modelId="12"/>
+      </dgm:ptLst>
+      <dgm:cxnLst>
+        <dgm:cxn modelId="2" srcId="0" destId="1" srcOrd="0" destOrd="0"/>
+        <dgm:cxn modelId="13" srcId="1" destId="11" srcOrd="0" destOrd="0"/>
+        <dgm:cxn modelId="14" srcId="1" destId="12" srcOrd="1" destOrd="0"/>
+      </dgm:cxnLst>
+      <dgm:bg/>
+      <dgm:whole/>
+    </dgm:dataModel>
+  </dgm:styleData>
+  <dgm:clrData>
+    <dgm:dataModel>
+      <dgm:ptLst>
+        <dgm:pt modelId="0" type="doc"/>
+        <dgm:pt modelId="1"/>
+        <dgm:pt modelId="2"/>
+        <dgm:pt modelId="21"/>
+        <dgm:pt modelId="211"/>
+        <dgm:pt modelId="3"/>
+        <dgm:pt modelId="31"/>
+        <dgm:pt modelId="311"/>
+      </dgm:ptLst>
+      <dgm:cxnLst>
+        <dgm:cxn modelId="4" srcId="0" destId="1" srcOrd="0" destOrd="0"/>
+        <dgm:cxn modelId="5" srcId="1" destId="2" srcOrd="0" destOrd="0"/>
+        <dgm:cxn modelId="6" srcId="1" destId="3" srcOrd="1" destOrd="0"/>
+        <dgm:cxn modelId="23" srcId="2" destId="21" srcOrd="0" destOrd="0"/>
+        <dgm:cxn modelId="24" srcId="21" destId="211" srcOrd="0" destOrd="0"/>
+        <dgm:cxn modelId="33" srcId="3" destId="31" srcOrd="0" destOrd="0"/>
+        <dgm:cxn modelId="34" srcId="31" destId="311" srcOrd="0" destOrd="0"/>
+      </dgm:cxnLst>
+      <dgm:bg/>
+      <dgm:whole/>
+    </dgm:dataModel>
+  </dgm:clrData>
+  <dgm:layoutNode name="hierChild1">
+    <dgm:varLst>
+      <dgm:chPref val="1"/>
+      <dgm:dir/>
+      <dgm:animOne val="branch"/>
+      <dgm:animLvl val="lvl"/>
+      <dgm:resizeHandles/>
+    </dgm:varLst>
+    <dgm:choose name="Name0">
+      <dgm:if name="Name1" func="var" arg="dir" op="equ" val="norm">
+        <dgm:alg type="hierChild">
+          <dgm:param type="linDir" val="fromL"/>
+        </dgm:alg>
+      </dgm:if>
+      <dgm:else name="Name2">
+        <dgm:alg type="hierChild">
+          <dgm:param type="linDir" val="fromR"/>
+        </dgm:alg>
+      </dgm:else>
+    </dgm:choose>
+    <dgm:shape xmlns:r="http://schemas.openxmlformats.org/officeDocument/2006/relationships" r:blip="">
+      <dgm:adjLst/>
+    </dgm:shape>
+    <dgm:presOf/>
+    <dgm:constrLst>
+      <dgm:constr type="primFontSz" for="des" ptType="node" op="equ" val="65"/>
+      <dgm:constr type="w" for="des" forName="composite" refType="w"/>
+      <dgm:constr type="h" for="des" forName="composite" refType="w" refFor="des" refForName="composite" fact="0.667"/>
+      <dgm:constr type="w" for="des" forName="composite2" refType="w" refFor="des" refForName="composite"/>
+      <dgm:constr type="h" for="des" forName="composite2" refType="h" refFor="des" refForName="composite"/>
+      <dgm:constr type="w" for="des" forName="composite3" refType="w" refFor="des" refForName="composite"/>
+      <dgm:constr type="h" for="des" forName="composite3" refType="h" refFor="des" refForName="composite"/>
+      <dgm:constr type="w" for="des" forName="composite4" refType="w" refFor="des" refForName="composite"/>
+      <dgm:constr type="h" for="des" forName="composite4" refType="h" refFor="des" refForName="composite"/>
+      <dgm:constr type="w" for="des" forName="composite5" refType="w" refFor="des" refForName="composite"/>
+      <dgm:constr type="h" for="des" forName="composite5" refType="h" refFor="des" refForName="composite"/>
+      <dgm:constr type="sibSp" refType="w" refFor="des" refForName="composite" fact="0.1"/>
+      <dgm:constr type="sibSp" for="des" forName="hierChild2" refType="sibSp"/>
+      <dgm:constr type="sibSp" for="des" forName="hierChild3" refType="sibSp"/>
+      <dgm:constr type="sibSp" for="des" forName="hierChild4" refType="sibSp"/>
+      <dgm:constr type="sibSp" for="des" forName="hierChild5" refType="sibSp"/>
+      <dgm:constr type="sibSp" for="des" forName="hierChild6" refType="sibSp"/>
+      <dgm:constr type="sp" for="des" forName="hierRoot1" refType="h" refFor="des" refForName="composite" fact="0.25"/>
+      <dgm:constr type="sp" for="des" forName="hierRoot2" refType="sp" refFor="des" refForName="hierRoot1"/>
+      <dgm:constr type="sp" for="des" forName="hierRoot3" refType="sp" refFor="des" refForName="hierRoot1"/>
+      <dgm:constr type="sp" for="des" forName="hierRoot4" refType="sp" refFor="des" refForName="hierRoot1"/>
+      <dgm:constr type="sp" for="des" forName="hierRoot5" refType="sp" refFor="des" refForName="hierRoot1"/>
+    </dgm:constrLst>
+    <dgm:ruleLst/>
+    <dgm:forEach name="Name3" axis="ch">
+      <dgm:forEach name="Name4" axis="self" ptType="node">
+        <dgm:layoutNode name="hierRoot1">
+          <dgm:alg type="hierRoot"/>
+          <dgm:shape xmlns:r="http://schemas.openxmlformats.org/officeDocument/2006/relationships" r:blip="">
+            <dgm:adjLst/>
+          </dgm:shape>
+          <dgm:presOf/>
+          <dgm:constrLst>
+            <dgm:constr type="bendDist" for="des" ptType="parTrans" refType="sp" fact="0.5"/>
+          </dgm:constrLst>
+          <dgm:ruleLst/>
+          <dgm:layoutNode name="composite">
+            <dgm:alg type="composite"/>
+            <dgm:shape xmlns:r="http://schemas.openxmlformats.org/officeDocument/2006/relationships" r:blip="">
+              <dgm:adjLst/>
+            </dgm:shape>
+            <dgm:presOf/>
+            <dgm:constrLst>
+              <dgm:constr type="w" for="ch" forName="background" refType="w" fact="0.9"/>
+              <dgm:constr type="h" for="ch" forName="background" refType="w" refFor="ch" refForName="background" fact="0.635"/>
+              <dgm:constr type="t" for="ch" forName="background"/>
+              <dgm:constr type="l" for="ch" forName="background"/>
+              <dgm:constr type="w" for="ch" forName="text" refType="w" fact="0.9"/>
+              <dgm:constr type="h" for="ch" forName="text" refType="w" refFor="ch" refForName="text" fact="0.635"/>
+              <dgm:constr type="t" for="ch" forName="text" refType="w" fact="0.095"/>
+              <dgm:constr type="l" for="ch" forName="text" refType="w" fact="0.1"/>
+            </dgm:constrLst>
+            <dgm:ruleLst/>
+            <dgm:layoutNode name="background" styleLbl="node0" moveWith="text">
+              <dgm:alg type="sp"/>
+              <dgm:shape xmlns:r="http://schemas.openxmlformats.org/officeDocument/2006/relationships" type="roundRect" r:blip="">
+                <dgm:adjLst>
+                  <dgm:adj idx="1" val="0.1"/>
+                </dgm:adjLst>
+              </dgm:shape>
+              <dgm:presOf/>
+              <dgm:constrLst/>
+              <dgm:ruleLst/>
+            </dgm:layoutNode>
+            <dgm:layoutNode name="text" styleLbl="fgAcc0">
+              <dgm:varLst>
+                <dgm:chPref val="3"/>
+              </dgm:varLst>
+              <dgm:alg type="tx"/>
+              <dgm:shape xmlns:r="http://schemas.openxmlformats.org/officeDocument/2006/relationships" type="roundRect" r:blip="">
+                <dgm:adjLst>
+                  <dgm:adj idx="1" val="0.1"/>
+                </dgm:adjLst>
+              </dgm:shape>
+              <dgm:presOf axis="self"/>
+              <dgm:constrLst>
+                <dgm:constr type="tMarg" refType="primFontSz" fact="0.3"/>
+                <dgm:constr type="bMarg" refType="primFontSz" fact="0.3"/>
+                <dgm:constr type="lMarg" refType="primFontSz" fact="0.3"/>
+                <dgm:constr type="rMarg" refType="primFontSz" fact="0.3"/>
+              </dgm:constrLst>
+              <dgm:ruleLst>
+                <dgm:rule type="primFontSz" val="5" fact="NaN" max="NaN"/>
+              </dgm:ruleLst>
+            </dgm:layoutNode>
+          </dgm:layoutNode>
+          <dgm:layoutNode name="hierChild2">
+            <dgm:choose name="Name5">
+              <dgm:if name="Name6" func="var" arg="dir" op="equ" val="norm">
+                <dgm:alg type="hierChild">
+                  <dgm:param type="linDir" val="fromL"/>
+                </dgm:alg>
+              </dgm:if>
+              <dgm:else name="Name7">
+                <dgm:alg type="hierChild">
+                  <dgm:param type="linDir" val="fromR"/>
+                </dgm:alg>
+              </dgm:else>
+            </dgm:choose>
+            <dgm:shape xmlns:r="http://schemas.openxmlformats.org/officeDocument/2006/relationships" r:blip="">
+              <dgm:adjLst/>
+            </dgm:shape>
+            <dgm:presOf/>
+            <dgm:constrLst/>
+            <dgm:ruleLst/>
+            <dgm:forEach name="Name8" axis="ch">
+              <dgm:forEach name="Name9" axis="self" ptType="parTrans" cnt="1">
+                <dgm:layoutNode name="Name10">
+                  <dgm:alg type="conn">
+                    <dgm:param type="dim" val="1D"/>
+                    <dgm:param type="endSty" val="noArr"/>
+                    <dgm:param type="connRout" val="bend"/>
+                    <dgm:param type="bendPt" val="end"/>
+                    <dgm:param type="begPts" val="bCtr"/>
+                    <dgm:param type="endPts" val="tCtr"/>
+                    <dgm:param type="srcNode" val="background"/>
+                    <dgm:param type="dstNode" val="background2"/>
+                  </dgm:alg>
+                  <dgm:shape xmlns:r="http://schemas.openxmlformats.org/officeDocument/2006/relationships" type="conn" r:blip="" zOrderOff="-999">
+                    <dgm:adjLst/>
+                  </dgm:shape>
+                  <dgm:presOf axis="self"/>
+                  <dgm:constrLst>
+                    <dgm:constr type="begPad"/>
+                    <dgm:constr type="endPad"/>
+                  </dgm:constrLst>
+                  <dgm:ruleLst/>
+                </dgm:layoutNode>
+              </dgm:forEach>
+              <dgm:forEach name="Name11" axis="self" ptType="node">
+                <dgm:layoutNode name="hierRoot2">
+                  <dgm:alg type="hierRoot"/>
+                  <dgm:shape xmlns:r="http://schemas.openxmlformats.org/officeDocument/2006/relationships" r:blip="">
+                    <dgm:adjLst/>
+                  </dgm:shape>
+                  <dgm:presOf/>
+                  <dgm:constrLst>
+                    <dgm:constr type="bendDist" for="des" ptType="parTrans" refType="sp" fact="0.5"/>
+                  </dgm:constrLst>
+                  <dgm:ruleLst/>
+                  <dgm:layoutNode name="composite2">
+                    <dgm:alg type="composite"/>
+                    <dgm:shape xmlns:r="http://schemas.openxmlformats.org/officeDocument/2006/relationships" r:blip="">
+                      <dgm:adjLst/>
+                    </dgm:shape>
+                    <dgm:presOf/>
+                    <dgm:constrLst>
+                      <dgm:constr type="w" for="ch" forName="background2" refType="w" fact="0.9"/>
+                      <dgm:constr type="h" for="ch" forName="background2" refType="w" refFor="ch" refForName="background2" fact="0.635"/>
+                      <dgm:constr type="t" for="ch" forName="background2"/>
+                      <dgm:constr type="l" for="ch" forName="background2"/>
+                      <dgm:constr type="w" for="ch" forName="text2" refType="w" fact="0.9"/>
+                      <dgm:constr type="h" for="ch" forName="text2" refType="w" refFor="ch" refForName="text2" fact="0.635"/>
+                      <dgm:constr type="t" for="ch" forName="text2" refType="w" fact="0.095"/>
+                      <dgm:constr type="l" for="ch" forName="text2" refType="w" fact="0.1"/>
+                    </dgm:constrLst>
+                    <dgm:ruleLst/>
+                    <dgm:layoutNode name="background2" moveWith="text2">
+                      <dgm:alg type="sp"/>
+                      <dgm:shape xmlns:r="http://schemas.openxmlformats.org/officeDocument/2006/relationships" type="roundRect" r:blip="">
+                        <dgm:adjLst>
+                          <dgm:adj idx="1" val="0.1"/>
+                        </dgm:adjLst>
+                      </dgm:shape>
+                      <dgm:presOf/>
+                      <dgm:constrLst/>
+                      <dgm:ruleLst/>
+                    </dgm:layoutNode>
+                    <dgm:layoutNode name="text2" styleLbl="fgAcc2">
+                      <dgm:varLst>
+                        <dgm:chPref val="3"/>
+                      </dgm:varLst>
+                      <dgm:alg type="tx"/>
+                      <dgm:shape xmlns:r="http://schemas.openxmlformats.org/officeDocument/2006/relationships" type="roundRect" r:blip="">
+                        <dgm:adjLst>
+                          <dgm:adj idx="1" val="0.1"/>
+                        </dgm:adjLst>
+                      </dgm:shape>
+                      <dgm:presOf axis="self"/>
+                      <dgm:constrLst>
+                        <dgm:constr type="tMarg" refType="primFontSz" fact="0.3"/>
+                        <dgm:constr type="bMarg" refType="primFontSz" fact="0.3"/>
+                        <dgm:constr type="lMarg" refType="primFontSz" fact="0.3"/>
+                        <dgm:constr type="rMarg" refType="primFontSz" fact="0.3"/>
+                      </dgm:constrLst>
+                      <dgm:ruleLst>
+                        <dgm:rule type="primFontSz" val="5" fact="NaN" max="NaN"/>
+                      </dgm:ruleLst>
+                    </dgm:layoutNode>
+                  </dgm:layoutNode>
+                  <dgm:layoutNode name="hierChild3">
+                    <dgm:choose name="Name12">
+                      <dgm:if name="Name13" func="var" arg="dir" op="equ" val="norm">
+                        <dgm:alg type="hierChild">
+                          <dgm:param type="linDir" val="fromL"/>
+                        </dgm:alg>
+                      </dgm:if>
+                      <dgm:else name="Name14">
+                        <dgm:alg type="hierChild">
+                          <dgm:param type="linDir" val="fromR"/>
+                        </dgm:alg>
+                      </dgm:else>
+                    </dgm:choose>
+                    <dgm:shape xmlns:r="http://schemas.openxmlformats.org/officeDocument/2006/relationships" r:blip="">
+                      <dgm:adjLst/>
+                    </dgm:shape>
+                    <dgm:presOf/>
+                    <dgm:constrLst/>
+                    <dgm:ruleLst/>
+                    <dgm:forEach name="Name15" axis="ch">
+                      <dgm:forEach name="Name16" axis="self" ptType="parTrans" cnt="1">
+                        <dgm:layoutNode name="Name17">
+                          <dgm:alg type="conn">
+                            <dgm:param type="dim" val="1D"/>
+                            <dgm:param type="endSty" val="noArr"/>
+                            <dgm:param type="connRout" val="bend"/>
+                            <dgm:param type="bendPt" val="end"/>
+                            <dgm:param type="begPts" val="bCtr"/>
+                            <dgm:param type="endPts" val="tCtr"/>
+                            <dgm:param type="srcNode" val="background2"/>
+                            <dgm:param type="dstNode" val="background3"/>
+                          </dgm:alg>
+                          <dgm:shape xmlns:r="http://schemas.openxmlformats.org/officeDocument/2006/relationships" type="conn" r:blip="" zOrderOff="-999">
+                            <dgm:adjLst/>
+                          </dgm:shape>
+                          <dgm:presOf axis="self"/>
+                          <dgm:constrLst>
+                            <dgm:constr type="begPad"/>
+                            <dgm:constr type="endPad"/>
+                          </dgm:constrLst>
+                          <dgm:ruleLst/>
+                        </dgm:layoutNode>
+                      </dgm:forEach>
+                      <dgm:forEach name="Name18" axis="self" ptType="node">
+                        <dgm:layoutNode name="hierRoot3">
+                          <dgm:alg type="hierRoot"/>
+                          <dgm:shape xmlns:r="http://schemas.openxmlformats.org/officeDocument/2006/relationships" r:blip="">
+                            <dgm:adjLst/>
+                          </dgm:shape>
+                          <dgm:presOf/>
+                          <dgm:constrLst>
+                            <dgm:constr type="bendDist" for="des" ptType="parTrans" refType="sp" fact="0.5"/>
+                          </dgm:constrLst>
+                          <dgm:ruleLst/>
+                          <dgm:layoutNode name="composite3">
+                            <dgm:alg type="composite"/>
+                            <dgm:shape xmlns:r="http://schemas.openxmlformats.org/officeDocument/2006/relationships" r:blip="">
+                              <dgm:adjLst/>
+                            </dgm:shape>
+                            <dgm:presOf/>
+                            <dgm:constrLst>
+                              <dgm:constr type="w" for="ch" forName="background3" refType="w" fact="0.9"/>
+                              <dgm:constr type="h" for="ch" forName="background3" refType="w" refFor="ch" refForName="background3" fact="0.635"/>
+                              <dgm:constr type="t" for="ch" forName="background3"/>
+                              <dgm:constr type="l" for="ch" forName="background3"/>
+                              <dgm:constr type="w" for="ch" forName="text3" refType="w" fact="0.9"/>
+                              <dgm:constr type="h" for="ch" forName="text3" refType="w" refFor="ch" refForName="text3" fact="0.635"/>
+                              <dgm:constr type="t" for="ch" forName="text3" refType="w" fact="0.095"/>
+                              <dgm:constr type="l" for="ch" forName="text3" refType="w" fact="0.1"/>
+                            </dgm:constrLst>
+                            <dgm:ruleLst/>
+                            <dgm:layoutNode name="background3" moveWith="text3">
+                              <dgm:alg type="sp"/>
+                              <dgm:shape xmlns:r="http://schemas.openxmlformats.org/officeDocument/2006/relationships" type="roundRect" r:blip="">
+                                <dgm:adjLst>
+                                  <dgm:adj idx="1" val="0.1"/>
+                                </dgm:adjLst>
+                              </dgm:shape>
+                              <dgm:presOf/>
+                              <dgm:constrLst/>
+                              <dgm:ruleLst/>
+                            </dgm:layoutNode>
+                            <dgm:layoutNode name="text3" styleLbl="fgAcc3">
+                              <dgm:varLst>
+                                <dgm:chPref val="3"/>
+                              </dgm:varLst>
+                              <dgm:alg type="tx"/>
+                              <dgm:shape xmlns:r="http://schemas.openxmlformats.org/officeDocument/2006/relationships" type="roundRect" r:blip="">
+                                <dgm:adjLst>
+                                  <dgm:adj idx="1" val="0.1"/>
+                                </dgm:adjLst>
+                              </dgm:shape>
+                              <dgm:presOf axis="self"/>
+                              <dgm:constrLst>
+                                <dgm:constr type="tMarg" refType="primFontSz" fact="0.3"/>
+                                <dgm:constr type="bMarg" refType="primFontSz" fact="0.3"/>
+                                <dgm:constr type="lMarg" refType="primFontSz" fact="0.3"/>
+                                <dgm:constr type="rMarg" refType="primFontSz" fact="0.3"/>
+                              </dgm:constrLst>
+                              <dgm:ruleLst>
+                                <dgm:rule type="primFontSz" val="5" fact="NaN" max="NaN"/>
+                              </dgm:ruleLst>
+                            </dgm:layoutNode>
+                          </dgm:layoutNode>
+                          <dgm:layoutNode name="hierChild4">
+                            <dgm:choose name="Name19">
+                              <dgm:if name="Name20" func="var" arg="dir" op="equ" val="norm">
+                                <dgm:alg type="hierChild">
+                                  <dgm:param type="linDir" val="fromL"/>
+                                </dgm:alg>
+                              </dgm:if>
+                              <dgm:else name="Name21">
+                                <dgm:alg type="hierChild">
+                                  <dgm:param type="linDir" val="fromR"/>
+                                </dgm:alg>
+                              </dgm:else>
+                            </dgm:choose>
+                            <dgm:shape xmlns:r="http://schemas.openxmlformats.org/officeDocument/2006/relationships" r:blip="">
+                              <dgm:adjLst/>
+                            </dgm:shape>
+                            <dgm:presOf/>
+                            <dgm:constrLst/>
+                            <dgm:ruleLst/>
+                            <dgm:forEach name="repeat" axis="ch">
+                              <dgm:forEach name="Name22" axis="self" ptType="parTrans" cnt="1">
+                                <dgm:layoutNode name="Name23">
+                                  <dgm:choose name="Name24">
+                                    <dgm:if name="Name25" axis="self" func="depth" op="lte" val="4">
+                                      <dgm:alg type="conn">
+                                        <dgm:param type="dim" val="1D"/>
+                                        <dgm:param type="endSty" val="noArr"/>
+                                        <dgm:param type="connRout" val="bend"/>
+                                        <dgm:param type="bendPt" val="end"/>
+                                        <dgm:param type="begPts" val="bCtr"/>
+                                        <dgm:param type="endPts" val="tCtr"/>
+                                        <dgm:param type="srcNode" val="background3"/>
+                                        <dgm:param type="dstNode" val="background4"/>
+                                      </dgm:alg>
+                                    </dgm:if>
+                                    <dgm:else name="Name26">
+                                      <dgm:alg type="conn">
+                                        <dgm:param type="dim" val="1D"/>
+                                        <dgm:param type="endSty" val="noArr"/>
+                                        <dgm:param type="connRout" val="bend"/>
+                                        <dgm:param type="bendPt" val="end"/>
+                                        <dgm:param type="begPts" val="bCtr"/>
+                                        <dgm:param type="endPts" val="tCtr"/>
+                                        <dgm:param type="srcNode" val="background4"/>
+                                        <dgm:param type="dstNode" val="background4"/>
+                                      </dgm:alg>
+                                    </dgm:else>
+                                  </dgm:choose>
+                                  <dgm:shape xmlns:r="http://schemas.openxmlformats.org/officeDocument/2006/relationships" type="conn" r:blip="" zOrderOff="-999">
+                                    <dgm:adjLst/>
+                                  </dgm:shape>
+                                  <dgm:presOf axis="self"/>
+                                  <dgm:constrLst>
+                                    <dgm:constr type="begPad"/>
+                                    <dgm:constr type="endPad"/>
+                                  </dgm:constrLst>
+                                  <dgm:ruleLst/>
+                                </dgm:layoutNode>
+                              </dgm:forEach>
+                              <dgm:forEach name="Name27" axis="self" ptType="node">
+                                <dgm:layoutNode name="hierRoot4">
+                                  <dgm:alg type="hierRoot"/>
+                                  <dgm:shape xmlns:r="http://schemas.openxmlformats.org/officeDocument/2006/relationships" r:blip="">
+                                    <dgm:adjLst/>
+                                  </dgm:shape>
+                                  <dgm:presOf/>
+                                  <dgm:constrLst>
+                                    <dgm:constr type="bendDist" for="des" ptType="parTrans" refType="sp" fact="0.5"/>
+                                  </dgm:constrLst>
+                                  <dgm:ruleLst/>
+                                  <dgm:layoutNode name="composite4">
+                                    <dgm:alg type="composite"/>
+                                    <dgm:shape xmlns:r="http://schemas.openxmlformats.org/officeDocument/2006/relationships" r:blip="">
+                                      <dgm:adjLst/>
+                                    </dgm:shape>
+                                    <dgm:presOf/>
+                                    <dgm:constrLst>
+                                      <dgm:constr type="w" for="ch" forName="background4" refType="w" fact="0.9"/>
+                                      <dgm:constr type="h" for="ch" forName="background4" refType="w" refFor="ch" refForName="background4" fact="0.635"/>
+                                      <dgm:constr type="t" for="ch" forName="background4"/>
+                                      <dgm:constr type="l" for="ch" forName="background4"/>
+                                      <dgm:constr type="w" for="ch" forName="text4" refType="w" fact="0.9"/>
+                                      <dgm:constr type="h" for="ch" forName="text4" refType="w" refFor="ch" refForName="text4" fact="0.635"/>
+                                      <dgm:constr type="t" for="ch" forName="text4" refType="w" fact="0.095"/>
+                                      <dgm:constr type="l" for="ch" forName="text4" refType="w" fact="0.1"/>
+                                    </dgm:constrLst>
+                                    <dgm:ruleLst/>
+                                    <dgm:layoutNode name="background4" moveWith="text4">
+                                      <dgm:alg type="sp"/>
+                                      <dgm:shape xmlns:r="http://schemas.openxmlformats.org/officeDocument/2006/relationships" type="roundRect" r:blip="">
+                                        <dgm:adjLst>
+                                          <dgm:adj idx="1" val="0.1"/>
+                                        </dgm:adjLst>
+                                      </dgm:shape>
+                                      <dgm:presOf/>
+                                      <dgm:constrLst/>
+                                      <dgm:ruleLst/>
+                                    </dgm:layoutNode>
+                                    <dgm:layoutNode name="text4" styleLbl="fgAcc4">
+                                      <dgm:varLst>
+                                        <dgm:chPref val="3"/>
+                                      </dgm:varLst>
+                                      <dgm:alg type="tx"/>
+                                      <dgm:shape xmlns:r="http://schemas.openxmlformats.org/officeDocument/2006/relationships" type="roundRect" r:blip="">
+                                        <dgm:adjLst>
+                                          <dgm:adj idx="1" val="0.1"/>
+                                        </dgm:adjLst>
+                                      </dgm:shape>
+                                      <dgm:presOf axis="self"/>
+                                      <dgm:constrLst>
+                                        <dgm:constr type="tMarg" refType="primFontSz" fact="0.3"/>
+                                        <dgm:constr type="bMarg" refType="primFontSz" fact="0.3"/>
+                                        <dgm:constr type="lMarg" refType="primFontSz" fact="0.3"/>
+                                        <dgm:constr type="rMarg" refType="primFontSz" fact="0.3"/>
+                                      </dgm:constrLst>
+                                      <dgm:ruleLst>
+                                        <dgm:rule type="primFontSz" val="5" fact="NaN" max="NaN"/>
+                                      </dgm:ruleLst>
+                                    </dgm:layoutNode>
+                                  </dgm:layoutNode>
+                                  <dgm:layoutNode name="hierChild5">
+                                    <dgm:choose name="Name28">
+                                      <dgm:if name="Name29" func="var" arg="dir" op="equ" val="norm">
+                                        <dgm:alg type="hierChild">
+                                          <dgm:param type="linDir" val="fromL"/>
+                                        </dgm:alg>
+                                      </dgm:if>
+                                      <dgm:else name="Name30">
+                                        <dgm:alg type="hierChild">
+                                          <dgm:param type="linDir" val="fromR"/>
+                                        </dgm:alg>
+                                      </dgm:else>
+                                    </dgm:choose>
+                                    <dgm:shape xmlns:r="http://schemas.openxmlformats.org/officeDocument/2006/relationships" r:blip="">
+                                      <dgm:adjLst/>
+                                    </dgm:shape>
+                                    <dgm:presOf/>
+                                    <dgm:constrLst/>
+                                    <dgm:ruleLst/>
+                                    <dgm:forEach name="Name31" ref="repeat"/>
+                                  </dgm:layoutNode>
+                                </dgm:layoutNode>
+                              </dgm:forEach>
+                            </dgm:forEach>
+                          </dgm:layoutNode>
+                        </dgm:layoutNode>
+                      </dgm:forEach>
+                    </dgm:forEach>
+                  </dgm:layoutNode>
+                </dgm:layoutNode>
+              </dgm:forEach>
+            </dgm:forEach>
+          </dgm:layoutNode>
+        </dgm:layoutNode>
+      </dgm:forEach>
+    </dgm:forEach>
+  </dgm:layoutNode>
+</dgm:layoutDef>
+</file>
+
+<file path=ppt/diagrams/quickStyle1.xml><?xml version="1.0" encoding="utf-8"?>
+<dgm:styleDef xmlns:dgm="http://schemas.openxmlformats.org/drawingml/2006/diagram" xmlns:a="http://schemas.openxmlformats.org/drawingml/2006/main" uniqueId="urn:microsoft.com/office/officeart/2005/8/quickstyle/simple2">
+  <dgm:title val=""/>
+  <dgm:desc val=""/>
+  <dgm:catLst>
+    <dgm:cat type="simple" pri="10200"/>
+  </dgm:catLst>
+  <dgm:scene3d>
+    <a:camera prst="orthographicFront"/>
+    <a:lightRig rig="threePt" dir="t"/>
+  </dgm:scene3d>
+  <dgm:styleLbl name="node0">
+    <dgm:scene3d>
+      <a:camera prst="orthographicFront"/>
+      <a:lightRig rig="threePt" dir="t"/>
+    </dgm:scene3d>
+    <dgm:sp3d/>
+    <dgm:txPr/>
+    <dgm:style>
+      <a:lnRef idx="3">
+        <a:scrgbClr r="0" g="0" b="0"/>
+      </a:lnRef>
+      <a:fillRef idx="1">
+        <a:scrgbClr r="0" g="0" b="0"/>
+      </a:fillRef>
+      <a:effectRef idx="1">
+        <a:scrgbClr r="0" g="0" b="0"/>
+      </a:effectRef>
+      <a:fontRef idx="minor">
+        <a:schemeClr val="lt1"/>
+      </a:fontRef>
+    </dgm:style>
+  </dgm:styleLbl>
+  <dgm:styleLbl name="lnNode1">
+    <dgm:scene3d>
+      <a:camera prst="orthographicFront"/>
+      <a:lightRig rig="threePt" dir="t"/>
+    </dgm:scene3d>
+    <dgm:sp3d/>
+    <dgm:txPr/>
+    <dgm:style>
+      <a:lnRef idx="3">
+        <a:scrgbClr r="0" g="0" b="0"/>
+      </a:lnRef>
+      <a:fillRef idx="1">
+        <a:scrgbClr r="0" g="0" b="0"/>
+      </a:fillRef>
+      <a:effectRef idx="1">
+        <a:scrgbClr r="0" g="0" b="0"/>
+      </a:effectRef>
+      <a:fontRef idx="minor">
+        <a:schemeClr val="lt1"/>
+      </a:fontRef>
+    </dgm:style>
+  </dgm:styleLbl>
+  <dgm:styleLbl name="vennNode1">
+    <dgm:scene3d>
+      <a:camera prst="orthographicFront"/>
+      <a:lightRig rig="threePt" dir="t"/>
+    </dgm:scene3d>
+    <dgm:sp3d/>
+    <dgm:txPr/>
+    <dgm:style>
+      <a:lnRef idx="3">
+        <a:scrgbClr r="0" g="0" b="0"/>
+      </a:lnRef>
+      <a:fillRef idx="1">
+        <a:scrgbClr r="0" g="0" b="0"/>
+      </a:fillRef>
+      <a:effectRef idx="0">
+        <a:scrgbClr r="0" g="0" b="0"/>
+      </a:effectRef>
+      <a:fontRef idx="minor">
+        <a:schemeClr val="tx1"/>
+      </a:fontRef>
+    </dgm:style>
+  </dgm:styleLbl>
+  <dgm:styleLbl name="alignNode1">
+    <dgm:scene3d>
+      <a:camera prst="orthographicFront"/>
+      <a:lightRig rig="threePt" dir="t"/>
+    </dgm:scene3d>
+    <dgm:sp3d/>
+    <dgm:txPr/>
+    <dgm:style>
+      <a:lnRef idx="2">
+        <a:scrgbClr r="0" g="0" b="0"/>
+      </a:lnRef>
+      <a:fillRef idx="1">
+        <a:scrgbClr r="0" g="0" b="0"/>
+      </a:fillRef>
+      <a:effectRef idx="1">
+        <a:scrgbClr r="0" g="0" b="0"/>
+      </a:effectRef>
+      <a:fontRef idx="minor">
+        <a:schemeClr val="lt1"/>
+      </a:fontRef>
+    </dgm:style>
+  </dgm:styleLbl>
+  <dgm:styleLbl name="node1">
+    <dgm:scene3d>
+      <a:camera prst="orthographicFront"/>
+      <a:lightRig rig="threePt" dir="t"/>
+    </dgm:scene3d>
+    <dgm:sp3d/>
+    <dgm:txPr/>
+    <dgm:style>
+      <a:lnRef idx="3">
+        <a:scrgbClr r="0" g="0" b="0"/>
+      </a:lnRef>
+      <a:fillRef idx="1">
+        <a:scrgbClr r="0" g="0" b="0"/>
+      </a:fillRef>
+      <a:effectRef idx="1">
+        <a:scrgbClr r="0" g="0" b="0"/>
+      </a:effectRef>
+      <a:fontRef idx="minor">
+        <a:schemeClr val="lt1"/>
+      </a:fontRef>
+    </dgm:style>
+  </dgm:styleLbl>
+  <dgm:styleLbl name="node2">
+    <dgm:scene3d>
+      <a:camera prst="orthographicFront"/>
+      <a:lightRig rig="threePt" dir="t"/>
+    </dgm:scene3d>
+    <dgm:sp3d/>
+    <dgm:txPr/>
+    <dgm:style>
+      <a:lnRef idx="3">
+        <a:scrgbClr r="0" g="0" b="0"/>
+      </a:lnRef>
+      <a:fillRef idx="1">
+        <a:scrgbClr r="0" g="0" b="0"/>
+      </a:fillRef>
+      <a:effectRef idx="1">
+        <a:scrgbClr r="0" g="0" b="0"/>
+      </a:effectRef>
+      <a:fontRef idx="minor">
+        <a:schemeClr val="lt1"/>
+      </a:fontRef>
+    </dgm:style>
+  </dgm:styleLbl>
+  <dgm:styleLbl name="node3">
+    <dgm:scene3d>
+      <a:camera prst="orthographicFront"/>
+      <a:lightRig rig="threePt" dir="t"/>
+    </dgm:scene3d>
+    <dgm:sp3d/>
+    <dgm:txPr/>
+    <dgm:style>
+      <a:lnRef idx="3">
+        <a:scrgbClr r="0" g="0" b="0"/>
+      </a:lnRef>
+      <a:fillRef idx="1">
+        <a:scrgbClr r="0" g="0" b="0"/>
+      </a:fillRef>
+      <a:effectRef idx="1">
+        <a:scrgbClr r="0" g="0" b="0"/>
+      </a:effectRef>
+      <a:fontRef idx="minor">
+        <a:schemeClr val="lt1"/>
+      </a:fontRef>
+    </dgm:style>
+  </dgm:styleLbl>
+  <dgm:styleLbl name="node4">
+    <dgm:scene3d>
+      <a:camera prst="orthographicFront"/>
+      <a:lightRig rig="threePt" dir="t"/>
+    </dgm:scene3d>
+    <dgm:sp3d/>
+    <dgm:txPr/>
+    <dgm:style>
+      <a:lnRef idx="3">
+        <a:scrgbClr r="0" g="0" b="0"/>
+      </a:lnRef>
+      <a:fillRef idx="1">
+        <a:scrgbClr r="0" g="0" b="0"/>
+      </a:fillRef>
+      <a:effectRef idx="1">
+        <a:scrgbClr r="0" g="0" b="0"/>
+      </a:effectRef>
+      <a:fontRef idx="minor">
+        <a:schemeClr val="lt1"/>
+      </a:fontRef>
+    </dgm:style>
+  </dgm:styleLbl>
+  <dgm:styleLbl name="fgImgPlace1">
+    <dgm:scene3d>
+      <a:camera prst="orthographicFront"/>
+      <a:lightRig rig="threePt" dir="t"/>
+    </dgm:scene3d>
+    <dgm:sp3d/>
+    <dgm:txPr/>
+    <dgm:style>
+      <a:lnRef idx="3">
+        <a:scrgbClr r="0" g="0" b="0"/>
+      </a:lnRef>
+      <a:fillRef idx="1">
+        <a:scrgbClr r="0" g="0" b="0"/>
+      </a:fillRef>
+      <a:effectRef idx="1">
+        <a:scrgbClr r="0" g="0" b="0"/>
+      </a:effectRef>
+      <a:fontRef idx="minor"/>
+    </dgm:style>
+  </dgm:styleLbl>
+  <dgm:styleLbl name="alignImgPlace1">
+    <dgm:scene3d>
+      <a:camera prst="orthographicFront"/>
+      <a:lightRig rig="threePt" dir="t"/>
+    </dgm:scene3d>
+    <dgm:sp3d/>
+    <dgm:txPr/>
+    <dgm:style>
+      <a:lnRef idx="3">
+        <a:scrgbClr r="0" g="0" b="0"/>
+      </a:lnRef>
+      <a:fillRef idx="1">
+        <a:scrgbClr r="0" g="0" b="0"/>
+      </a:fillRef>
+      <a:effectRef idx="1">
+        <a:scrgbClr r="0" g="0" b="0"/>
+      </a:effectRef>
+      <a:fontRef idx="minor"/>
+    </dgm:style>
+  </dgm:styleLbl>
+  <dgm:styleLbl name="bgImgPlace1">
+    <dgm:scene3d>
+      <a:camera prst="orthographicFront"/>
+      <a:lightRig rig="threePt" dir="t"/>
+    </dgm:scene3d>
+    <dgm:sp3d/>
+    <dgm:txPr/>
+    <dgm:style>
+      <a:lnRef idx="3">
+        <a:scrgbClr r="0" g="0" b="0"/>
+      </a:lnRef>
+      <a:fillRef idx="1">
+        <a:scrgbClr r="0" g="0" b="0"/>
+      </a:fillRef>
+      <a:effectRef idx="1">
+        <a:scrgbClr r="0" g="0" b="0"/>
+      </a:effectRef>
+      <a:fontRef idx="minor"/>
+    </dgm:style>
+  </dgm:styleLbl>
+  <dgm:styleLbl name="sibTrans2D1">
+    <dgm:scene3d>
+      <a:camera prst="orthographicFront"/>
+      <a:lightRig rig="threePt" dir="t"/>
+    </dgm:scene3d>
+    <dgm:sp3d/>
+    <dgm:txPr/>
+    <dgm:style>
+      <a:lnRef idx="0">
+        <a:scrgbClr r="0" g="0" b="0"/>
+      </a:lnRef>
+      <a:fillRef idx="1">
+        <a:scrgbClr r="0" g="0" b="0"/>
+      </a:fillRef>
+      <a:effectRef idx="1">
+        <a:scrgbClr r="0" g="0" b="0"/>
+      </a:effectRef>
+      <a:fontRef idx="minor">
+        <a:schemeClr val="lt1"/>
+      </a:fontRef>
+    </dgm:style>
+  </dgm:styleLbl>
+  <dgm:styleLbl name="fgSibTrans2D1">
+    <dgm:scene3d>
+      <a:camera prst="orthographicFront"/>
+      <a:lightRig rig="threePt" dir="t"/>
+    </dgm:scene3d>
+    <dgm:sp3d/>
+    <dgm:txPr/>
+    <dgm:style>
+      <a:lnRef idx="0">
+        <a:scrgbClr r="0" g="0" b="0"/>
+      </a:lnRef>
+      <a:fillRef idx="1">
+        <a:scrgbClr r="0" g="0" b="0"/>
+      </a:fillRef>
+      <a:effectRef idx="1">
+        <a:scrgbClr r="0" g="0" b="0"/>
+      </a:effectRef>
+      <a:fontRef idx="minor">
+        <a:schemeClr val="lt1"/>
+      </a:fontRef>
+    </dgm:style>
+  </dgm:styleLbl>
+  <dgm:styleLbl name="bgSibTrans2D1">
+    <dgm:scene3d>
+      <a:camera prst="orthographicFront"/>
+      <a:lightRig rig="threePt" dir="t"/>
+    </dgm:scene3d>
+    <dgm:sp3d/>
+    <dgm:txPr/>
+    <dgm:style>
+      <a:lnRef idx="0">
+        <a:scrgbClr r="0" g="0" b="0"/>
+      </a:lnRef>
+      <a:fillRef idx="1">
+        <a:scrgbClr r="0" g="0" b="0"/>
+      </a:fillRef>
+      <a:effectRef idx="1">
+        <a:scrgbClr r="0" g="0" b="0"/>
+      </a:effectRef>
+      <a:fontRef idx="minor">
+        <a:schemeClr val="lt1"/>
+      </a:fontRef>
+    </dgm:style>
+  </dgm:styleLbl>
+  <dgm:styleLbl name="sibTrans1D1">
+    <dgm:scene3d>
+      <a:camera prst="orthographicFront"/>
+      <a:lightRig rig="threePt" dir="t"/>
+    </dgm:scene3d>
+    <dgm:sp3d/>
+    <dgm:txPr/>
+    <dgm:style>
+      <a:lnRef idx="1">
+        <a:scrgbClr r="0" g="0" b="0"/>
+      </a:lnRef>
+      <a:fillRef idx="0">
+        <a:scrgbClr r="0" g="0" b="0"/>
+      </a:fillRef>
+      <a:effectRef idx="0">
+        <a:scrgbClr r="0" g="0" b="0"/>
+      </a:effectRef>
+      <a:fontRef idx="minor"/>
+    </dgm:style>
+  </dgm:styleLbl>
+  <dgm:styleLbl name="callout">
+    <dgm:scene3d>
+      <a:camera prst="orthographicFront"/>
+      <a:lightRig rig="threePt" dir="t"/>
+    </dgm:scene3d>
+    <dgm:sp3d/>
+    <dgm:txPr/>
+    <dgm:style>
+      <a:lnRef idx="2">
+        <a:scrgbClr r="0" g="0" b="0"/>
+      </a:lnRef>
+      <a:fillRef idx="1">
+        <a:scrgbClr r="0" g="0" b="0"/>
+      </a:fillRef>
+      <a:effectRef idx="1">
+        <a:scrgbClr r="0" g="0" b="0"/>
+      </a:effectRef>
+      <a:fontRef idx="minor"/>
+    </dgm:style>
+  </dgm:styleLbl>
+  <dgm:styleLbl name="asst0">
+    <dgm:scene3d>
+      <a:camera prst="orthographicFront"/>
+      <a:lightRig rig="threePt" dir="t"/>
+    </dgm:scene3d>
+    <dgm:sp3d/>
+    <dgm:txPr/>
+    <dgm:style>
+      <a:lnRef idx="3">
+        <a:scrgbClr r="0" g="0" b="0"/>
+      </a:lnRef>
+      <a:fillRef idx="1">
+        <a:scrgbClr r="0" g="0" b="0"/>
+      </a:fillRef>
+      <a:effectRef idx="1">
+        <a:scrgbClr r="0" g="0" b="0"/>
+      </a:effectRef>
+      <a:fontRef idx="minor">
+        <a:schemeClr val="lt1"/>
+      </a:fontRef>
+    </dgm:style>
+  </dgm:styleLbl>
+  <dgm:styleLbl name="asst1">
+    <dgm:scene3d>
+      <a:camera prst="orthographicFront"/>
+      <a:lightRig rig="threePt" dir="t"/>
+    </dgm:scene3d>
+    <dgm:sp3d/>
+    <dgm:txPr/>
+    <dgm:style>
+      <a:lnRef idx="3">
+        <a:scrgbClr r="0" g="0" b="0"/>
+      </a:lnRef>
+      <a:fillRef idx="1">
+        <a:scrgbClr r="0" g="0" b="0"/>
+      </a:fillRef>
+      <a:effectRef idx="1">
+        <a:scrgbClr r="0" g="0" b="0"/>
+      </a:effectRef>
+      <a:fontRef idx="minor">
+        <a:schemeClr val="lt1"/>
+      </a:fontRef>
+    </dgm:style>
+  </dgm:styleLbl>
+  <dgm:styleLbl name="asst2">
+    <dgm:scene3d>
+      <a:camera prst="orthographicFront"/>
+      <a:lightRig rig="threePt" dir="t"/>
+    </dgm:scene3d>
+    <dgm:sp3d/>
+    <dgm:txPr/>
+    <dgm:style>
+      <a:lnRef idx="3">
+        <a:scrgbClr r="0" g="0" b="0"/>
+      </a:lnRef>
+      <a:fillRef idx="1">
+        <a:scrgbClr r="0" g="0" b="0"/>
+      </a:fillRef>
+      <a:effectRef idx="1">
+        <a:scrgbClr r="0" g="0" b="0"/>
+      </a:effectRef>
+      <a:fontRef idx="minor">
+        <a:schemeClr val="lt1"/>
+      </a:fontRef>
+    </dgm:style>
+  </dgm:styleLbl>
+  <dgm:styleLbl name="asst3">
+    <dgm:scene3d>
+      <a:camera prst="orthographicFront"/>
+      <a:lightRig rig="threePt" dir="t"/>
+    </dgm:scene3d>
+    <dgm:sp3d/>
+    <dgm:txPr/>
+    <dgm:style>
+      <a:lnRef idx="3">
+        <a:scrgbClr r="0" g="0" b="0"/>
+      </a:lnRef>
+      <a:fillRef idx="1">
+        <a:scrgbClr r="0" g="0" b="0"/>
+      </a:fillRef>
+      <a:effectRef idx="1">
+        <a:scrgbClr r="0" g="0" b="0"/>
+      </a:effectRef>
+      <a:fontRef idx="minor">
+        <a:schemeClr val="lt1"/>
+      </a:fontRef>
+    </dgm:style>
+  </dgm:styleLbl>
+  <dgm:styleLbl name="asst4">
+    <dgm:scene3d>
+      <a:camera prst="orthographicFront"/>
+      <a:lightRig rig="threePt" dir="t"/>
+    </dgm:scene3d>
+    <dgm:sp3d/>
+    <dgm:txPr/>
+    <dgm:style>
+      <a:lnRef idx="3">
+        <a:scrgbClr r="0" g="0" b="0"/>
+      </a:lnRef>
+      <a:fillRef idx="1">
+        <a:scrgbClr r="0" g="0" b="0"/>
+      </a:fillRef>
+      <a:effectRef idx="1">
+        <a:scrgbClr r="0" g="0" b="0"/>
+      </a:effectRef>
+      <a:fontRef idx="minor">
+        <a:schemeClr val="lt1"/>
+      </a:fontRef>
+    </dgm:style>
+  </dgm:styleLbl>
+  <dgm:styleLbl name="parChTrans2D1">
+    <dgm:scene3d>
+      <a:camera prst="orthographicFront"/>
+      <a:lightRig rig="threePt" dir="t"/>
+    </dgm:scene3d>
+    <dgm:sp3d/>
+    <dgm:txPr/>
+    <dgm:style>
+      <a:lnRef idx="3">
+        <a:scrgbClr r="0" g="0" b="0"/>
+      </a:lnRef>
+      <a:fillRef idx="1">
+        <a:scrgbClr r="0" g="0" b="0"/>
+      </a:fillRef>
+      <a:effectRef idx="1">
+        <a:scrgbClr r="0" g="0" b="0"/>
+      </a:effectRef>
+      <a:fontRef idx="minor">
+        <a:schemeClr val="lt1"/>
+      </a:fontRef>
+    </dgm:style>
+  </dgm:styleLbl>
+  <dgm:styleLbl name="parChTrans2D2">
+    <dgm:scene3d>
+      <a:camera prst="orthographicFront"/>
+      <a:lightRig rig="threePt" dir="t"/>
+    </dgm:scene3d>
+    <dgm:sp3d/>
+    <dgm:txPr/>
+    <dgm:style>
+      <a:lnRef idx="3">
+        <a:scrgbClr r="0" g="0" b="0"/>
+      </a:lnRef>
+      <a:fillRef idx="1">
+        <a:scrgbClr r="0" g="0" b="0"/>
+      </a:fillRef>
+      <a:effectRef idx="1">
+        <a:scrgbClr r="0" g="0" b="0"/>
+      </a:effectRef>
+      <a:fontRef idx="minor">
+        <a:schemeClr val="lt1"/>
+      </a:fontRef>
+    </dgm:style>
+  </dgm:styleLbl>
+  <dgm:styleLbl name="parChTrans2D3">
+    <dgm:scene3d>
+      <a:camera prst="orthographicFront"/>
+      <a:lightRig rig="threePt" dir="t"/>
+    </dgm:scene3d>
+    <dgm:sp3d/>
+    <dgm:txPr/>
+    <dgm:style>
+      <a:lnRef idx="3">
+        <a:scrgbClr r="0" g="0" b="0"/>
+      </a:lnRef>
+      <a:fillRef idx="1">
+        <a:scrgbClr r="0" g="0" b="0"/>
+      </a:fillRef>
+      <a:effectRef idx="1">
+        <a:scrgbClr r="0" g="0" b="0"/>
+      </a:effectRef>
+      <a:fontRef idx="minor">
+        <a:schemeClr val="lt1"/>
+      </a:fontRef>
+    </dgm:style>
+  </dgm:styleLbl>
+  <dgm:styleLbl name="parChTrans2D4">
+    <dgm:scene3d>
+      <a:camera prst="orthographicFront"/>
+      <a:lightRig rig="threePt" dir="t"/>
+    </dgm:scene3d>
+    <dgm:sp3d/>
+    <dgm:txPr/>
+    <dgm:style>
+      <a:lnRef idx="3">
+        <a:scrgbClr r="0" g="0" b="0"/>
+      </a:lnRef>
+      <a:fillRef idx="1">
+        <a:scrgbClr r="0" g="0" b="0"/>
+      </a:fillRef>
+      <a:effectRef idx="1">
+        <a:scrgbClr r="0" g="0" b="0"/>
+      </a:effectRef>
+      <a:fontRef idx="minor">
+        <a:schemeClr val="lt1"/>
+      </a:fontRef>
+    </dgm:style>
+  </dgm:styleLbl>
+  <dgm:styleLbl name="parChTrans1D1">
+    <dgm:scene3d>
+      <a:camera prst="orthographicFront"/>
+      <a:lightRig rig="threePt" dir="t"/>
+    </dgm:scene3d>
+    <dgm:sp3d/>
+    <dgm:txPr/>
+    <dgm:style>
+      <a:lnRef idx="2">
+        <a:scrgbClr r="0" g="0" b="0"/>
+      </a:lnRef>
+      <a:fillRef idx="0">
+        <a:scrgbClr r="0" g="0" b="0"/>
+      </a:fillRef>
+      <a:effectRef idx="0">
+        <a:scrgbClr r="0" g="0" b="0"/>
+      </a:effectRef>
+      <a:fontRef idx="minor"/>
+    </dgm:style>
+  </dgm:styleLbl>
+  <dgm:styleLbl name="parChTrans1D2">
+    <dgm:scene3d>
+      <a:camera prst="orthographicFront"/>
+      <a:lightRig rig="threePt" dir="t"/>
+    </dgm:scene3d>
+    <dgm:sp3d/>
+    <dgm:txPr/>
+    <dgm:style>
+      <a:lnRef idx="2">
+        <a:scrgbClr r="0" g="0" b="0"/>
+      </a:lnRef>
+      <a:fillRef idx="0">
+        <a:scrgbClr r="0" g="0" b="0"/>
+      </a:fillRef>
+      <a:effectRef idx="0">
+        <a:scrgbClr r="0" g="0" b="0"/>
+      </a:effectRef>
+      <a:fontRef idx="minor"/>
+    </dgm:style>
+  </dgm:styleLbl>
+  <dgm:styleLbl name="parChTrans1D3">
+    <dgm:scene3d>
+      <a:camera prst="orthographicFront"/>
+      <a:lightRig rig="threePt" dir="t"/>
+    </dgm:scene3d>
+    <dgm:sp3d/>
+    <dgm:txPr/>
+    <dgm:style>
+      <a:lnRef idx="2">
+        <a:scrgbClr r="0" g="0" b="0"/>
+      </a:lnRef>
+      <a:fillRef idx="0">
+        <a:scrgbClr r="0" g="0" b="0"/>
+      </a:fillRef>
+      <a:effectRef idx="0">
+        <a:scrgbClr r="0" g="0" b="0"/>
+      </a:effectRef>
+      <a:fontRef idx="minor"/>
+    </dgm:style>
+  </dgm:styleLbl>
+  <dgm:styleLbl name="parChTrans1D4">
+    <dgm:scene3d>
+      <a:camera prst="orthographicFront"/>
+      <a:lightRig rig="threePt" dir="t"/>
+    </dgm:scene3d>
+    <dgm:sp3d/>
+    <dgm:txPr/>
+    <dgm:style>
+      <a:lnRef idx="2">
+        <a:scrgbClr r="0" g="0" b="0"/>
+      </a:lnRef>
+      <a:fillRef idx="0">
+        <a:scrgbClr r="0" g="0" b="0"/>
+      </a:fillRef>
+      <a:effectRef idx="0">
+        <a:scrgbClr r="0" g="0" b="0"/>
+      </a:effectRef>
+      <a:fontRef idx="minor"/>
+    </dgm:style>
+  </dgm:styleLbl>
+  <dgm:styleLbl name="fgAcc1">
+    <dgm:scene3d>
+      <a:camera prst="orthographicFront"/>
+      <a:lightRig rig="threePt" dir="t"/>
+    </dgm:scene3d>
+    <dgm:sp3d/>
+    <dgm:txPr/>
+    <dgm:style>
+      <a:lnRef idx="2">
+        <a:scrgbClr r="0" g="0" b="0"/>
+      </a:lnRef>
+      <a:fillRef idx="1">
+        <a:scrgbClr r="0" g="0" b="0"/>
+      </a:fillRef>
+      <a:effectRef idx="0">
+        <a:scrgbClr r="0" g="0" b="0"/>
+      </a:effectRef>
+      <a:fontRef idx="minor"/>
+    </dgm:style>
+  </dgm:styleLbl>
+  <dgm:styleLbl name="conFgAcc1">
+    <dgm:scene3d>
+      <a:camera prst="orthographicFront"/>
+      <a:lightRig rig="threePt" dir="t"/>
+    </dgm:scene3d>
+    <dgm:sp3d/>
+    <dgm:txPr/>
+    <dgm:style>
+      <a:lnRef idx="2">
+        <a:scrgbClr r="0" g="0" b="0"/>
+      </a:lnRef>
+      <a:fillRef idx="1">
+        <a:scrgbClr r="0" g="0" b="0"/>
+      </a:fillRef>
+      <a:effectRef idx="0">
+        <a:scrgbClr r="0" g="0" b="0"/>
+      </a:effectRef>
+      <a:fontRef idx="minor"/>
+    </dgm:style>
+  </dgm:styleLbl>
+  <dgm:styleLbl name="alignAcc1">
+    <dgm:scene3d>
+      <a:camera prst="orthographicFront"/>
+      <a:lightRig rig="threePt" dir="t"/>
+    </dgm:scene3d>
+    <dgm:sp3d/>
+    <dgm:txPr/>
+    <dgm:style>
+      <a:lnRef idx="2">
+        <a:scrgbClr r="0" g="0" b="0"/>
+      </a:lnRef>
+      <a:fillRef idx="1">
+        <a:scrgbClr r="0" g="0" b="0"/>
+      </a:fillRef>
+      <a:effectRef idx="0">
+        <a:scrgbClr r="0" g="0" b="0"/>
+      </a:effectRef>
+      <a:fontRef idx="minor"/>
+    </dgm:style>
+  </dgm:styleLbl>
+  <dgm:styleLbl name="trAlignAcc1">
+    <dgm:scene3d>
+      <a:camera prst="orthographicFront"/>
+      <a:lightRig rig="threePt" dir="t"/>
+    </dgm:scene3d>
+    <dgm:sp3d/>
+    <dgm:txPr/>
+    <dgm:style>
+      <a:lnRef idx="1">
+        <a:scrgbClr r="0" g="0" b="0"/>
+      </a:lnRef>
+      <a:fillRef idx="1">
+        <a:scrgbClr r="0" g="0" b="0"/>
+      </a:fillRef>
+      <a:effectRef idx="0">
+        <a:scrgbClr r="0" g="0" b="0"/>
+      </a:effectRef>
+      <a:fontRef idx="minor"/>
+    </dgm:style>
+  </dgm:styleLbl>
+  <dgm:styleLbl name="bgAcc1">
+    <dgm:scene3d>
+      <a:camera prst="orthographicFront"/>
+      <a:lightRig rig="threePt" dir="t"/>
+    </dgm:scene3d>
+    <dgm:sp3d/>
+    <dgm:txPr/>
+    <dgm:style>
+      <a:lnRef idx="2">
+        <a:scrgbClr r="0" g="0" b="0"/>
+      </a:lnRef>
+      <a:fillRef idx="1">
+        <a:scrgbClr r="0" g="0" b="0"/>
+      </a:fillRef>
+      <a:effectRef idx="0">
+        <a:scrgbClr r="0" g="0" b="0"/>
+      </a:effectRef>
+      <a:fontRef idx="minor"/>
+    </dgm:style>
+  </dgm:styleLbl>
+  <dgm:styleLbl name="solidFgAcc1">
+    <dgm:scene3d>
+      <a:camera prst="orthographicFront"/>
+      <a:lightRig rig="threePt" dir="t"/>
+    </dgm:scene3d>
+    <dgm:sp3d/>
+    <dgm:txPr/>
+    <dgm:style>
+      <a:lnRef idx="2">
+        <a:scrgbClr r="0" g="0" b="0"/>
+      </a:lnRef>
+      <a:fillRef idx="1">
+        <a:scrgbClr r="0" g="0" b="0"/>
+      </a:fillRef>
+      <a:effectRef idx="0">
+        <a:scrgbClr r="0" g="0" b="0"/>
+      </a:effectRef>
+      <a:fontRef idx="minor"/>
+    </dgm:style>
+  </dgm:styleLbl>
+  <dgm:styleLbl name="solidAlignAcc1">
+    <dgm:scene3d>
+      <a:camera prst="orthographicFront"/>
+      <a:lightRig rig="threePt" dir="t"/>
+    </dgm:scene3d>
+    <dgm:sp3d/>
+    <dgm:txPr/>
+    <dgm:style>
+      <a:lnRef idx="2">
+        <a:scrgbClr r="0" g="0" b="0"/>
+      </a:lnRef>
+      <a:fillRef idx="1">
+        <a:scrgbClr r="0" g="0" b="0"/>
+      </a:fillRef>
+      <a:effectRef idx="0">
+        <a:scrgbClr r="0" g="0" b="0"/>
+      </a:effectRef>
+      <a:fontRef idx="minor"/>
+    </dgm:style>
+  </dgm:styleLbl>
+  <dgm:styleLbl name="solidBgAcc1">
+    <dgm:scene3d>
+      <a:camera prst="orthographicFront"/>
+      <a:lightRig rig="threePt" dir="t"/>
+    </dgm:scene3d>
+    <dgm:sp3d/>
+    <dgm:txPr/>
+    <dgm:style>
+      <a:lnRef idx="2">
+        <a:scrgbClr r="0" g="0" b="0"/>
+      </a:lnRef>
+      <a:fillRef idx="1">
+        <a:scrgbClr r="0" g="0" b="0"/>
+      </a:fillRef>
+      <a:effectRef idx="0">
+        <a:scrgbClr r="0" g="0" b="0"/>
+      </a:effectRef>
+      <a:fontRef idx="minor"/>
+    </dgm:style>
+  </dgm:styleLbl>
+  <dgm:styleLbl name="fgAccFollowNode1">
+    <dgm:scene3d>
+      <a:camera prst="orthographicFront"/>
+      <a:lightRig rig="threePt" dir="t"/>
+    </dgm:scene3d>
+    <dgm:sp3d/>
+    <dgm:txPr/>
+    <dgm:style>
+      <a:lnRef idx="2">
+        <a:scrgbClr r="0" g="0" b="0"/>
+      </a:lnRef>
+      <a:fillRef idx="1">
+        <a:scrgbClr r="0" g="0" b="0"/>
+      </a:fillRef>
+      <a:effectRef idx="0">
+        <a:scrgbClr r="0" g="0" b="0"/>
+      </a:effectRef>
+      <a:fontRef idx="minor"/>
+    </dgm:style>
+  </dgm:styleLbl>
+  <dgm:styleLbl name="alignAccFollowNode1">
+    <dgm:scene3d>
+      <a:camera prst="orthographicFront"/>
+      <a:lightRig rig="threePt" dir="t"/>
+    </dgm:scene3d>
+    <dgm:sp3d/>
+    <dgm:txPr/>
+    <dgm:style>
+      <a:lnRef idx="2">
+        <a:scrgbClr r="0" g="0" b="0"/>
+      </a:lnRef>
+      <a:fillRef idx="1">
+        <a:scrgbClr r="0" g="0" b="0"/>
+      </a:fillRef>
+      <a:effectRef idx="0">
+        <a:scrgbClr r="0" g="0" b="0"/>
+      </a:effectRef>
+      <a:fontRef idx="minor"/>
+    </dgm:style>
+  </dgm:styleLbl>
+  <dgm:styleLbl name="bgAccFollowNode1">
+    <dgm:scene3d>
+      <a:camera prst="orthographicFront"/>
+      <a:lightRig rig="threePt" dir="t"/>
+    </dgm:scene3d>
+    <dgm:sp3d/>
+    <dgm:txPr/>
+    <dgm:style>
+      <a:lnRef idx="2">
+        <a:scrgbClr r="0" g="0" b="0"/>
+      </a:lnRef>
+      <a:fillRef idx="1">
+        <a:scrgbClr r="0" g="0" b="0"/>
+      </a:fillRef>
+      <a:effectRef idx="0">
+        <a:scrgbClr r="0" g="0" b="0"/>
+      </a:effectRef>
+      <a:fontRef idx="minor"/>
+    </dgm:style>
+  </dgm:styleLbl>
+  <dgm:styleLbl name="fgAcc0">
+    <dgm:scene3d>
+      <a:camera prst="orthographicFront"/>
+      <a:lightRig rig="threePt" dir="t"/>
+    </dgm:scene3d>
+    <dgm:sp3d/>
+    <dgm:txPr/>
+    <dgm:style>
+      <a:lnRef idx="2">
+        <a:scrgbClr r="0" g="0" b="0"/>
+      </a:lnRef>
+      <a:fillRef idx="1">
+        <a:scrgbClr r="0" g="0" b="0"/>
+      </a:fillRef>
+      <a:effectRef idx="0">
+        <a:scrgbClr r="0" g="0" b="0"/>
+      </a:effectRef>
+      <a:fontRef idx="minor"/>
+    </dgm:style>
+  </dgm:styleLbl>
+  <dgm:styleLbl name="fgAcc2">
+    <dgm:scene3d>
+      <a:camera prst="orthographicFront"/>
+      <a:lightRig rig="threePt" dir="t"/>
+    </dgm:scene3d>
+    <dgm:sp3d/>
+    <dgm:txPr/>
+    <dgm:style>
+      <a:lnRef idx="2">
+        <a:scrgbClr r="0" g="0" b="0"/>
+      </a:lnRef>
+      <a:fillRef idx="1">
+        <a:scrgbClr r="0" g="0" b="0"/>
+      </a:fillRef>
+      <a:effectRef idx="0">
+        <a:scrgbClr r="0" g="0" b="0"/>
+      </a:effectRef>
+      <a:fontRef idx="minor"/>
+    </dgm:style>
+  </dgm:styleLbl>
+  <dgm:styleLbl name="fgAcc3">
+    <dgm:scene3d>
+      <a:camera prst="orthographicFront"/>
+      <a:lightRig rig="threePt" dir="t"/>
+    </dgm:scene3d>
+    <dgm:sp3d/>
+    <dgm:txPr/>
+    <dgm:style>
+      <a:lnRef idx="2">
+        <a:scrgbClr r="0" g="0" b="0"/>
+      </a:lnRef>
+      <a:fillRef idx="1">
+        <a:scrgbClr r="0" g="0" b="0"/>
+      </a:fillRef>
+      <a:effectRef idx="0">
+        <a:scrgbClr r="0" g="0" b="0"/>
+      </a:effectRef>
+      <a:fontRef idx="minor"/>
+    </dgm:style>
+  </dgm:styleLbl>
+  <dgm:styleLbl name="fgAcc4">
+    <dgm:scene3d>
+      <a:camera prst="orthographicFront"/>
+      <a:lightRig rig="threePt" dir="t"/>
+    </dgm:scene3d>
+    <dgm:sp3d/>
+    <dgm:txPr/>
+    <dgm:style>
+      <a:lnRef idx="2">
+        <a:scrgbClr r="0" g="0" b="0"/>
+      </a:lnRef>
+      <a:fillRef idx="1">
+        <a:scrgbClr r="0" g="0" b="0"/>
+      </a:fillRef>
+      <a:effectRef idx="0">
+        <a:scrgbClr r="0" g="0" b="0"/>
+      </a:effectRef>
+      <a:fontRef idx="minor"/>
+    </dgm:style>
+  </dgm:styleLbl>
+  <dgm:styleLbl name="bgShp">
+    <dgm:scene3d>
+      <a:camera prst="orthographicFront"/>
+      <a:lightRig rig="threePt" dir="t"/>
+    </dgm:scene3d>
+    <dgm:sp3d/>
+    <dgm:txPr/>
+    <dgm:style>
+      <a:lnRef idx="0">
+        <a:scrgbClr r="0" g="0" b="0"/>
+      </a:lnRef>
+      <a:fillRef idx="1">
+        <a:scrgbClr r="0" g="0" b="0"/>
+      </a:fillRef>
+      <a:effectRef idx="0">
+        <a:scrgbClr r="0" g="0" b="0"/>
+      </a:effectRef>
+      <a:fontRef idx="minor"/>
+    </dgm:style>
+  </dgm:styleLbl>
+  <dgm:styleLbl name="dkBgShp">
+    <dgm:scene3d>
+      <a:camera prst="orthographicFront"/>
+      <a:lightRig rig="threePt" dir="t"/>
+    </dgm:scene3d>
+    <dgm:sp3d/>
+    <dgm:txPr/>
+    <dgm:style>
+      <a:lnRef idx="0">
+        <a:scrgbClr r="0" g="0" b="0"/>
+      </a:lnRef>
+      <a:fillRef idx="1">
+        <a:scrgbClr r="0" g="0" b="0"/>
+      </a:fillRef>
+      <a:effectRef idx="0">
+        <a:scrgbClr r="0" g="0" b="0"/>
+      </a:effectRef>
+      <a:fontRef idx="minor"/>
+    </dgm:style>
+  </dgm:styleLbl>
+  <dgm:styleLbl name="trBgShp">
+    <dgm:scene3d>
+      <a:camera prst="orthographicFront"/>
+      <a:lightRig rig="threePt" dir="t"/>
+    </dgm:scene3d>
+    <dgm:sp3d/>
+    <dgm:txPr/>
+    <dgm:style>
+      <a:lnRef idx="0">
+        <a:scrgbClr r="0" g="0" b="0"/>
+      </a:lnRef>
+      <a:fillRef idx="1">
+        <a:scrgbClr r="0" g="0" b="0"/>
+      </a:fillRef>
+      <a:effectRef idx="0">
+        <a:scrgbClr r="0" g="0" b="0"/>
+      </a:effectRef>
+      <a:fontRef idx="minor"/>
+    </dgm:style>
+  </dgm:styleLbl>
+  <dgm:styleLbl name="fgShp">
+    <dgm:scene3d>
+      <a:camera prst="orthographicFront"/>
+      <a:lightRig rig="threePt" dir="t"/>
+    </dgm:scene3d>
+    <dgm:sp3d/>
+    <dgm:txPr/>
+    <dgm:style>
+      <a:lnRef idx="3">
+        <a:scrgbClr r="0" g="0" b="0"/>
+      </a:lnRef>
+      <a:fillRef idx="1">
+        <a:scrgbClr r="0" g="0" b="0"/>
+      </a:fillRef>
+      <a:effectRef idx="1">
+        <a:scrgbClr r="0" g="0" b="0"/>
+      </a:effectRef>
+      <a:fontRef idx="minor"/>
+    </dgm:style>
+  </dgm:styleLbl>
+  <dgm:styleLbl name="revTx">
+    <dgm:scene3d>
+      <a:camera prst="orthographicFront"/>
+      <a:lightRig rig="threePt" dir="t"/>
+    </dgm:scene3d>
+    <dgm:sp3d/>
+    <dgm:txPr/>
+    <dgm:style>
+      <a:lnRef idx="0">
+        <a:scrgbClr r="0" g="0" b="0"/>
+      </a:lnRef>
+      <a:fillRef idx="0">
+        <a:scrgbClr r="0" g="0" b="0"/>
+      </a:fillRef>
+      <a:effectRef idx="0">
+        <a:scrgbClr r="0" g="0" b="0"/>
+      </a:effectRef>
+      <a:fontRef idx="minor"/>
+    </dgm:style>
+  </dgm:styleLbl>
+</dgm:styleDef>
+</file>
+
 <file path=ppt/handoutMasters/handoutMaster1.xml><?xml version="1.0" encoding="utf-8"?>
 <p:handoutMaster xmlns:a="http://schemas.openxmlformats.org/drawingml/2006/main" xmlns:r="http://schemas.openxmlformats.org/officeDocument/2006/relationships" xmlns:p="http://schemas.openxmlformats.org/presentationml/2006/main">
   <p:cSld>
@@ -1144,7 +5625,7 @@
             <a:fld id="{7D8C2C35-2B8A-446E-BEC0-FD36716C29AC}" type="slidenum">
               <a:rPr lang="de-DE" smtClean="0"/>
               <a:pPr/>
-              <a:t>3</a:t>
+              <a:t>2</a:t>
             </a:fld>
             <a:endParaRPr lang="de-DE" dirty="0"/>
           </a:p>
@@ -8424,94 +12905,7 @@
       </p:grpSpPr>
       <p:sp>
         <p:nvSpPr>
-          <p:cNvPr id="6" name="Placeholder Partner logo"/>
-          <p:cNvSpPr/>
-          <p:nvPr/>
-        </p:nvSpPr>
-        <p:spPr bwMode="gray">
-          <a:xfrm>
-            <a:off x="288000" y="6174872"/>
-            <a:ext cx="944661" cy="402796"/>
-          </a:xfrm>
-          <a:prstGeom prst="rect">
-            <a:avLst/>
-          </a:prstGeom>
-          <a:solidFill>
-            <a:schemeClr val="tx2"/>
-          </a:solidFill>
-          <a:ln w="6350" algn="ctr">
-            <a:noFill/>
-            <a:miter lim="800000"/>
-            <a:headEnd/>
-            <a:tailEnd/>
-          </a:ln>
-        </p:spPr>
-        <p:txBody>
-          <a:bodyPr lIns="89979" tIns="71983" rIns="89979" bIns="71983" rtlCol="0" anchor="ctr"/>
-          <a:lstStyle/>
-          <a:p>
-            <a:pPr algn="ctr" defTabSz="914217" fontAlgn="base">
-              <a:spcBef>
-                <a:spcPct val="50000"/>
-              </a:spcBef>
-              <a:spcAft>
-                <a:spcPct val="0"/>
-              </a:spcAft>
-              <a:buClr>
-                <a:srgbClr val="F0AB00"/>
-              </a:buClr>
-              <a:buSzPct val="80000"/>
-            </a:pPr>
-            <a:r>
-              <a:rPr lang="en-US" sz="1100" kern="0" dirty="0">
-                <a:solidFill>
-                  <a:sysClr val="windowText" lastClr="000000"/>
-                </a:solidFill>
-                <a:ea typeface="Arial Unicode MS" pitchFamily="34" charset="-128"/>
-                <a:cs typeface="Arial Unicode MS" pitchFamily="34" charset="-128"/>
-              </a:rPr>
-              <a:t>Partner logo</a:t>
-            </a:r>
-          </a:p>
-        </p:txBody>
-      </p:sp>
-      <p:sp>
-        <p:nvSpPr>
-          <p:cNvPr id="2" name="Speaker"/>
-          <p:cNvSpPr>
-            <a:spLocks noGrp="1"/>
-          </p:cNvSpPr>
-          <p:nvPr>
-            <p:ph type="subTitle" idx="1"/>
-          </p:nvPr>
-        </p:nvSpPr>
-        <p:spPr>
-          <a:xfrm>
-            <a:off x="288000" y="4268503"/>
-            <a:ext cx="8595171" cy="430887"/>
-          </a:xfrm>
-        </p:spPr>
-        <p:txBody>
-          <a:bodyPr/>
-          <a:lstStyle/>
-          <a:p>
-            <a:r>
-              <a:rPr lang="en-US" dirty="0"/>
-              <a:t>Speaker’s Name, SAP</a:t>
-            </a:r>
-          </a:p>
-          <a:p>
-            <a:pPr lvl="0"/>
-            <a:r>
-              <a:rPr lang="en-US" dirty="0"/>
-              <a:t>Month 00, 2019</a:t>
-            </a:r>
-          </a:p>
-        </p:txBody>
-      </p:sp>
-      <p:sp>
-        <p:nvSpPr>
-          <p:cNvPr id="11" name="Title"/>
+          <p:cNvPr id="7" name="Title"/>
           <p:cNvSpPr>
             <a:spLocks noGrp="1"/>
           </p:cNvSpPr>
@@ -8526,7 +12920,7 @@
           <a:p>
             <a:r>
               <a:rPr lang="en-US" dirty="0"/>
-              <a:t>Title Goes Here</a:t>
+              <a:t>Introduction to</a:t>
             </a:r>
             <a:br>
               <a:rPr lang="en-US" dirty="0"/>
@@ -8537,7 +12931,7 @@
                   <a:schemeClr val="accent1"/>
                 </a:solidFill>
               </a:rPr>
-              <a:t>and Here and Here</a:t>
+              <a:t>Machine Learning Curriculum</a:t>
             </a:r>
             <a:endParaRPr lang="de-DE" dirty="0">
               <a:solidFill>
@@ -8547,10 +12941,29 @@
           </a:p>
         </p:txBody>
       </p:sp>
+      <p:pic>
+        <p:nvPicPr>
+          <p:cNvPr id="6" name="Illustration" descr="Example of an illustration" title="Illustration for title slide"/>
+          <p:cNvPicPr>
+            <a:picLocks noGrp="1" noChangeAspect="1"/>
+          </p:cNvPicPr>
+          <p:nvPr>
+            <p:ph type="pic" sz="quarter" idx="12"/>
+          </p:nvPr>
+        </p:nvPicPr>
+        <p:blipFill>
+          <a:blip r:embed="rId2"/>
+          <a:srcRect t="3106" b="3106"/>
+          <a:stretch>
+            <a:fillRect/>
+          </a:stretch>
+        </p:blipFill>
+        <p:spPr bwMode="invGray"/>
+      </p:pic>
     </p:spTree>
     <p:extLst>
       <p:ext uri="{BB962C8B-B14F-4D97-AF65-F5344CB8AC3E}">
-        <p14:creationId xmlns:p14="http://schemas.microsoft.com/office/powerpoint/2010/main" val="3316874168"/>
+        <p14:creationId xmlns:p14="http://schemas.microsoft.com/office/powerpoint/2010/main" val="1819205958"/>
       </p:ext>
     </p:extLst>
   </p:cSld>
@@ -8563,181 +12976,14 @@
 <file path=ppt/slides/slide10.xml><?xml version="1.0" encoding="utf-8"?>
 <p:sld xmlns:a="http://schemas.openxmlformats.org/drawingml/2006/main" xmlns:r="http://schemas.openxmlformats.org/officeDocument/2006/relationships" xmlns:p="http://schemas.openxmlformats.org/presentationml/2006/main">
   <p:cSld>
-    <p:spTree>
-      <p:nvGrpSpPr>
-        <p:cNvPr id="1" name=""/>
-        <p:cNvGrpSpPr/>
-        <p:nvPr/>
-      </p:nvGrpSpPr>
-      <p:grpSpPr>
-        <a:xfrm>
-          <a:off x="0" y="0"/>
-          <a:ext cx="0" cy="0"/>
-          <a:chOff x="0" y="0"/>
-          <a:chExt cx="0" cy="0"/>
-        </a:xfrm>
-      </p:grpSpPr>
-      <p:sp>
-        <p:nvSpPr>
-          <p:cNvPr id="3" name="Title 2">
-            <a:extLst>
-              <a:ext uri="{FF2B5EF4-FFF2-40B4-BE49-F238E27FC236}">
-                <a16:creationId xmlns:a16="http://schemas.microsoft.com/office/drawing/2014/main" id="{1DCC5037-F87F-481E-A2D0-D94B4D20C714}"/>
-              </a:ext>
-            </a:extLst>
-          </p:cNvPr>
-          <p:cNvSpPr>
-            <a:spLocks noGrp="1"/>
-          </p:cNvSpPr>
-          <p:nvPr>
-            <p:ph type="title"/>
-          </p:nvPr>
-        </p:nvSpPr>
-        <p:spPr/>
-        <p:txBody>
-          <a:bodyPr/>
-          <a:lstStyle/>
-          <a:p>
-            <a:r>
-              <a:rPr lang="en-US" dirty="0"/>
-              <a:t>Supervised vs Unsupervised</a:t>
-            </a:r>
-          </a:p>
-        </p:txBody>
-      </p:sp>
-      <p:grpSp>
-        <p:nvGrpSpPr>
-          <p:cNvPr id="2" name="Group 1">
-            <a:extLst>
-              <a:ext uri="{FF2B5EF4-FFF2-40B4-BE49-F238E27FC236}">
-                <a16:creationId xmlns:a16="http://schemas.microsoft.com/office/drawing/2014/main" id="{152DD07A-5679-4939-A9B4-75C16F896D98}"/>
-              </a:ext>
-            </a:extLst>
-          </p:cNvPr>
-          <p:cNvGrpSpPr/>
-          <p:nvPr/>
-        </p:nvGrpSpPr>
-        <p:grpSpPr>
-          <a:xfrm>
-            <a:off x="1379897" y="1354090"/>
-            <a:ext cx="9435380" cy="4286551"/>
-            <a:chOff x="1379897" y="1354090"/>
-            <a:chExt cx="9435380" cy="4286551"/>
-          </a:xfrm>
-        </p:grpSpPr>
-        <p:pic>
-          <p:nvPicPr>
-            <p:cNvPr id="4098" name="Picture 2" descr="Image result for supervised learning">
-              <a:extLst>
-                <a:ext uri="{FF2B5EF4-FFF2-40B4-BE49-F238E27FC236}">
-                  <a16:creationId xmlns:a16="http://schemas.microsoft.com/office/drawing/2014/main" id="{DF82D382-5235-40CE-8EAE-96908860E31A}"/>
-                </a:ext>
-              </a:extLst>
-            </p:cNvPr>
-            <p:cNvPicPr>
-              <a:picLocks noChangeAspect="1" noChangeArrowheads="1"/>
-            </p:cNvPicPr>
-            <p:nvPr/>
-          </p:nvPicPr>
-          <p:blipFill>
-            <a:blip r:embed="rId2">
-              <a:extLst>
-                <a:ext uri="{28A0092B-C50C-407E-A947-70E740481C1C}">
-                  <a14:useLocalDpi xmlns:a14="http://schemas.microsoft.com/office/drawing/2010/main" val="0"/>
-                </a:ext>
-              </a:extLst>
-            </a:blip>
-            <a:srcRect/>
-            <a:stretch>
-              <a:fillRect/>
-            </a:stretch>
-          </p:blipFill>
-          <p:spPr bwMode="auto">
-            <a:xfrm>
-              <a:off x="1379897" y="1354090"/>
-              <a:ext cx="9435380" cy="4149820"/>
-            </a:xfrm>
-            <a:prstGeom prst="rect">
-              <a:avLst/>
-            </a:prstGeom>
-            <a:solidFill>
-              <a:schemeClr val="tx1"/>
-            </a:solidFill>
-          </p:spPr>
-        </p:pic>
-        <p:sp>
-          <p:nvSpPr>
-            <p:cNvPr id="4" name="TextBox 3">
-              <a:extLst>
-                <a:ext uri="{FF2B5EF4-FFF2-40B4-BE49-F238E27FC236}">
-                  <a16:creationId xmlns:a16="http://schemas.microsoft.com/office/drawing/2014/main" id="{12F642AD-6A34-48A6-8D92-77F88B3D4BF0}"/>
-                </a:ext>
-              </a:extLst>
-            </p:cNvPr>
-            <p:cNvSpPr txBox="1"/>
-            <p:nvPr/>
-          </p:nvSpPr>
-          <p:spPr>
-            <a:xfrm>
-              <a:off x="10441777" y="5517530"/>
-              <a:ext cx="373500" cy="123111"/>
-            </a:xfrm>
-            <a:prstGeom prst="rect">
-              <a:avLst/>
-            </a:prstGeom>
-            <a:noFill/>
-          </p:spPr>
-          <p:txBody>
-            <a:bodyPr wrap="none" lIns="0" tIns="0" rIns="0" bIns="0" rtlCol="0">
-              <a:spAutoFit/>
-            </a:bodyPr>
-            <a:lstStyle/>
-            <a:p>
-              <a:pPr fontAlgn="base">
-                <a:spcBef>
-                  <a:spcPct val="50000"/>
-                </a:spcBef>
-                <a:spcAft>
-                  <a:spcPct val="0"/>
-                </a:spcAft>
-                <a:buClr>
-                  <a:srgbClr val="F0AB00"/>
-                </a:buClr>
-                <a:buSzPct val="80000"/>
-              </a:pPr>
-              <a:r>
-                <a:rPr lang="en-US" sz="800" i="1" kern="0" dirty="0">
-                  <a:solidFill>
-                    <a:schemeClr val="bg1">
-                      <a:lumMod val="50000"/>
-                      <a:lumOff val="50000"/>
-                    </a:schemeClr>
-                  </a:solidFill>
-                  <a:ea typeface="Arial Unicode MS" pitchFamily="34" charset="-128"/>
-                  <a:cs typeface="Arial Unicode MS" pitchFamily="34" charset="-128"/>
-                </a:rPr>
-                <a:t>Image 5</a:t>
-              </a:r>
-            </a:p>
-          </p:txBody>
-        </p:sp>
-      </p:grpSp>
-    </p:spTree>
-    <p:extLst>
-      <p:ext uri="{BB962C8B-B14F-4D97-AF65-F5344CB8AC3E}">
-        <p14:creationId xmlns:p14="http://schemas.microsoft.com/office/powerpoint/2010/main" val="2912201884"/>
-      </p:ext>
-    </p:extLst>
-  </p:cSld>
-  <p:clrMapOvr>
-    <a:masterClrMapping/>
-  </p:clrMapOvr>
-</p:sld>
-</file>
-
-<file path=ppt/slides/slide11.xml><?xml version="1.0" encoding="utf-8"?>
-<p:sld xmlns:a="http://schemas.openxmlformats.org/drawingml/2006/main" xmlns:r="http://schemas.openxmlformats.org/officeDocument/2006/relationships" xmlns:p="http://schemas.openxmlformats.org/presentationml/2006/main">
-  <p:cSld>
+    <p:bg>
+      <p:bgPr>
+        <a:solidFill>
+          <a:schemeClr val="tx1"/>
+        </a:solidFill>
+        <a:effectLst/>
+      </p:bgPr>
+    </p:bg>
     <p:spTree>
       <p:nvGrpSpPr>
         <p:cNvPr id="1" name=""/>
@@ -8774,7 +13020,11 @@
           <a:lstStyle/>
           <a:p>
             <a:r>
-              <a:rPr lang="en-US" dirty="0"/>
+              <a:rPr lang="en-US" dirty="0">
+                <a:solidFill>
+                  <a:schemeClr val="bg1"/>
+                </a:solidFill>
+              </a:rPr>
               <a:t>Reinforcement Learning</a:t>
             </a:r>
           </a:p>
@@ -8794,7 +13044,7 @@
         </p:nvGrpSpPr>
         <p:grpSpPr>
           <a:xfrm>
-            <a:off x="692149" y="1219200"/>
+            <a:off x="691801" y="1023756"/>
             <a:ext cx="10810875" cy="5257911"/>
             <a:chOff x="692149" y="1219200"/>
             <a:chExt cx="10810875" cy="5257911"/>
@@ -8866,7 +13116,7 @@
             </a:bodyPr>
             <a:lstStyle/>
             <a:p>
-              <a:pPr fontAlgn="base">
+              <a:pPr algn="ctr" fontAlgn="base">
                 <a:spcBef>
                   <a:spcPct val="50000"/>
                 </a:spcBef>
@@ -8908,7 +13158,7 @@
 </p:sld>
 </file>
 
-<file path=ppt/slides/slide12.xml><?xml version="1.0" encoding="utf-8"?>
+<file path=ppt/slides/slide11.xml><?xml version="1.0" encoding="utf-8"?>
 <p:sld xmlns:a="http://schemas.openxmlformats.org/drawingml/2006/main" xmlns:r="http://schemas.openxmlformats.org/officeDocument/2006/relationships" xmlns:p="http://schemas.openxmlformats.org/presentationml/2006/main">
   <p:cSld>
     <p:spTree>
@@ -9012,6 +13262,155 @@
 </p:sld>
 </file>
 
+<file path=ppt/slides/slide12.xml><?xml version="1.0" encoding="utf-8"?>
+<p:sld xmlns:a="http://schemas.openxmlformats.org/drawingml/2006/main" xmlns:r="http://schemas.openxmlformats.org/officeDocument/2006/relationships" xmlns:p="http://schemas.openxmlformats.org/presentationml/2006/main">
+  <p:cSld>
+    <p:spTree>
+      <p:nvGrpSpPr>
+        <p:cNvPr id="1" name=""/>
+        <p:cNvGrpSpPr/>
+        <p:nvPr/>
+      </p:nvGrpSpPr>
+      <p:grpSpPr>
+        <a:xfrm>
+          <a:off x="0" y="0"/>
+          <a:ext cx="0" cy="0"/>
+          <a:chOff x="0" y="0"/>
+          <a:chExt cx="0" cy="0"/>
+        </a:xfrm>
+      </p:grpSpPr>
+      <p:sp>
+        <p:nvSpPr>
+          <p:cNvPr id="2" name="Text Placeholder 1">
+            <a:extLst>
+              <a:ext uri="{FF2B5EF4-FFF2-40B4-BE49-F238E27FC236}">
+                <a16:creationId xmlns:a16="http://schemas.microsoft.com/office/drawing/2014/main" id="{7FB950AE-3473-4B94-AD40-C4ECBEF3E359}"/>
+              </a:ext>
+            </a:extLst>
+          </p:cNvPr>
+          <p:cNvSpPr>
+            <a:spLocks noGrp="1"/>
+          </p:cNvSpPr>
+          <p:nvPr>
+            <p:ph type="body" sz="quarter" idx="10"/>
+          </p:nvPr>
+        </p:nvSpPr>
+        <p:spPr/>
+        <p:txBody>
+          <a:bodyPr>
+            <a:normAutofit/>
+          </a:bodyPr>
+          <a:lstStyle/>
+          <a:p>
+            <a:r>
+              <a:rPr lang="en-US" dirty="0"/>
+              <a:t>Artificial intelligence is the simulation of human intelligence processes by machines, especially computer systems. These processes include learning (the acquisition of information and rules for using the information), reasoning (using rules to reach approximate or definite conclusions) and self-correction</a:t>
+            </a:r>
+            <a:endParaRPr lang="en-US" b="1" dirty="0"/>
+          </a:p>
+          <a:p>
+            <a:r>
+              <a:rPr lang="en-US" dirty="0"/>
+              <a:t>Some examples of AI:</a:t>
+            </a:r>
+          </a:p>
+          <a:p>
+            <a:pPr marL="342900" indent="-342900">
+              <a:buFont typeface="Arial" panose="020B0604020202020204" pitchFamily="34" charset="0"/>
+              <a:buChar char="•"/>
+            </a:pPr>
+            <a:r>
+              <a:rPr lang="en-US" dirty="0"/>
+              <a:t>IBM Watson</a:t>
+            </a:r>
+          </a:p>
+          <a:p>
+            <a:pPr marL="342900" indent="-342900">
+              <a:buFont typeface="Arial" panose="020B0604020202020204" pitchFamily="34" charset="0"/>
+              <a:buChar char="•"/>
+            </a:pPr>
+            <a:r>
+              <a:rPr lang="en-US" dirty="0"/>
+              <a:t>Microsoft Cognitive Services</a:t>
+            </a:r>
+          </a:p>
+          <a:p>
+            <a:pPr marL="342900" indent="-342900">
+              <a:buFont typeface="Arial" panose="020B0604020202020204" pitchFamily="34" charset="0"/>
+              <a:buChar char="•"/>
+            </a:pPr>
+            <a:r>
+              <a:rPr lang="en-US" dirty="0"/>
+              <a:t>Google AI</a:t>
+            </a:r>
+          </a:p>
+          <a:p>
+            <a:pPr marL="342900" indent="-342900">
+              <a:buFont typeface="Arial" panose="020B0604020202020204" pitchFamily="34" charset="0"/>
+              <a:buChar char="•"/>
+            </a:pPr>
+            <a:r>
+              <a:rPr lang="en-US" dirty="0"/>
+              <a:t>Amazon AI</a:t>
+            </a:r>
+          </a:p>
+          <a:p>
+            <a:pPr marL="342900" indent="-342900">
+              <a:buFont typeface="Arial" panose="020B0604020202020204" pitchFamily="34" charset="0"/>
+              <a:buChar char="•"/>
+            </a:pPr>
+            <a:endParaRPr lang="en-US" dirty="0"/>
+          </a:p>
+          <a:p>
+            <a:pPr marL="342900" indent="-342900">
+              <a:buFont typeface="Arial" panose="020B0604020202020204" pitchFamily="34" charset="0"/>
+              <a:buChar char="•"/>
+            </a:pPr>
+            <a:endParaRPr lang="en-US" dirty="0"/>
+          </a:p>
+        </p:txBody>
+      </p:sp>
+      <p:sp>
+        <p:nvSpPr>
+          <p:cNvPr id="3" name="Title 2">
+            <a:extLst>
+              <a:ext uri="{FF2B5EF4-FFF2-40B4-BE49-F238E27FC236}">
+                <a16:creationId xmlns:a16="http://schemas.microsoft.com/office/drawing/2014/main" id="{27E03E63-ED4F-4D57-80DF-6F2A5DA6510D}"/>
+              </a:ext>
+            </a:extLst>
+          </p:cNvPr>
+          <p:cNvSpPr>
+            <a:spLocks noGrp="1"/>
+          </p:cNvSpPr>
+          <p:nvPr>
+            <p:ph type="title"/>
+          </p:nvPr>
+        </p:nvSpPr>
+        <p:spPr/>
+        <p:txBody>
+          <a:bodyPr/>
+          <a:lstStyle/>
+          <a:p>
+            <a:r>
+              <a:rPr lang="en-US" dirty="0"/>
+              <a:t>Artificial Intelligence</a:t>
+            </a:r>
+          </a:p>
+        </p:txBody>
+      </p:sp>
+    </p:spTree>
+    <p:extLst>
+      <p:ext uri="{BB962C8B-B14F-4D97-AF65-F5344CB8AC3E}">
+        <p14:creationId xmlns:p14="http://schemas.microsoft.com/office/powerpoint/2010/main" val="869072210"/>
+      </p:ext>
+    </p:extLst>
+  </p:cSld>
+  <p:clrMapOvr>
+    <a:masterClrMapping/>
+  </p:clrMapOvr>
+</p:sld>
+</file>
+
 <file path=ppt/slides/slide13.xml><?xml version="1.0" encoding="utf-8"?>
 <p:sld xmlns:a="http://schemas.openxmlformats.org/drawingml/2006/main" xmlns:r="http://schemas.openxmlformats.org/officeDocument/2006/relationships" xmlns:p="http://schemas.openxmlformats.org/presentationml/2006/main">
   <p:cSld>
@@ -9034,7 +13433,7 @@
           <p:cNvPr id="2" name="Text Placeholder 1">
             <a:extLst>
               <a:ext uri="{FF2B5EF4-FFF2-40B4-BE49-F238E27FC236}">
-                <a16:creationId xmlns:a16="http://schemas.microsoft.com/office/drawing/2014/main" id="{13DB2919-5A44-41FB-8A59-83B7F3CF47B2}"/>
+                <a16:creationId xmlns:a16="http://schemas.microsoft.com/office/drawing/2014/main" id="{D4E31035-DC9E-456A-9B8D-527502617F99}"/>
               </a:ext>
             </a:extLst>
           </p:cNvPr>
@@ -9045,39 +13444,12 @@
             <p:ph type="body" sz="quarter" idx="10"/>
           </p:nvPr>
         </p:nvSpPr>
-        <p:spPr>
-          <a:xfrm>
-            <a:off x="504001" y="1620000"/>
-            <a:ext cx="5090887" cy="4716000"/>
-          </a:xfrm>
-        </p:spPr>
+        <p:spPr/>
         <p:txBody>
           <a:bodyPr/>
           <a:lstStyle/>
           <a:p>
-            <a:pPr algn="just"/>
-            <a:r>
-              <a:rPr lang="en-US" dirty="0"/>
-              <a:t>The art of uncovering the insights and trends in data has been around since ancient times. </a:t>
-            </a:r>
-          </a:p>
-          <a:p>
-            <a:pPr algn="just"/>
-            <a:r>
-              <a:rPr lang="en-US" dirty="0"/>
-              <a:t>The ancient Egyptians used census data to increase efficiency in tax collection and they accurately predicted the flooding of the Nile river every year.</a:t>
-            </a:r>
-          </a:p>
-          <a:p>
-            <a:pPr algn="just"/>
-            <a:r>
-              <a:rPr lang="en-US" dirty="0"/>
-              <a:t>Data Science is a blend of various tools, algorithms, and machine learning principles with the goal to discover hidden patterns from the raw data.</a:t>
-            </a:r>
-          </a:p>
-          <a:p>
-            <a:pPr algn="just"/>
-            <a:endParaRPr lang="en-US" dirty="0"/>
+            <a:endParaRPr lang="en-US"/>
           </a:p>
         </p:txBody>
       </p:sp>
@@ -9086,7 +13458,7 @@
           <p:cNvPr id="3" name="Title 2">
             <a:extLst>
               <a:ext uri="{FF2B5EF4-FFF2-40B4-BE49-F238E27FC236}">
-                <a16:creationId xmlns:a16="http://schemas.microsoft.com/office/drawing/2014/main" id="{F0FA2E42-AD19-4DC3-8975-5B7884BE8850}"/>
+                <a16:creationId xmlns:a16="http://schemas.microsoft.com/office/drawing/2014/main" id="{40A41D15-6DA6-47B0-9E64-A39FC2192352}"/>
               </a:ext>
             </a:extLst>
           </p:cNvPr>
@@ -9104,211 +13476,15 @@
           <a:p>
             <a:r>
               <a:rPr lang="en-US" dirty="0"/>
-              <a:t>Data Science</a:t>
+              <a:t>Conclusion Slide</a:t>
             </a:r>
           </a:p>
         </p:txBody>
       </p:sp>
-      <p:grpSp>
-        <p:nvGrpSpPr>
-          <p:cNvPr id="11" name="Group 10">
-            <a:extLst>
-              <a:ext uri="{FF2B5EF4-FFF2-40B4-BE49-F238E27FC236}">
-                <a16:creationId xmlns:a16="http://schemas.microsoft.com/office/drawing/2014/main" id="{0847D55D-82C8-4B88-983E-2CBBCC43BE42}"/>
-              </a:ext>
-            </a:extLst>
-          </p:cNvPr>
-          <p:cNvGrpSpPr/>
-          <p:nvPr/>
-        </p:nvGrpSpPr>
-        <p:grpSpPr>
-          <a:xfrm>
-            <a:off x="7183828" y="1620000"/>
-            <a:ext cx="4506649" cy="4648616"/>
-            <a:chOff x="7183828" y="1620000"/>
-            <a:chExt cx="4506649" cy="4648616"/>
-          </a:xfrm>
-        </p:grpSpPr>
-        <p:grpSp>
-          <p:nvGrpSpPr>
-            <p:cNvPr id="9" name="Group 8">
-              <a:extLst>
-                <a:ext uri="{FF2B5EF4-FFF2-40B4-BE49-F238E27FC236}">
-                  <a16:creationId xmlns:a16="http://schemas.microsoft.com/office/drawing/2014/main" id="{BFBF257E-0232-453D-A551-DE479FC4E58D}"/>
-                </a:ext>
-              </a:extLst>
-            </p:cNvPr>
-            <p:cNvGrpSpPr/>
-            <p:nvPr/>
-          </p:nvGrpSpPr>
-          <p:grpSpPr>
-            <a:xfrm>
-              <a:off x="7183828" y="1620000"/>
-              <a:ext cx="4506649" cy="4525505"/>
-              <a:chOff x="7183828" y="1620000"/>
-              <a:chExt cx="4506649" cy="4525505"/>
-            </a:xfrm>
-          </p:grpSpPr>
-          <p:pic>
-            <p:nvPicPr>
-              <p:cNvPr id="1028" name="Picture 4" descr="http://sudeep.co/images/post_images/2018-02-09-Understanding-the-Data-Science-Lifecycle/chart.png">
-                <a:extLst>
-                  <a:ext uri="{FF2B5EF4-FFF2-40B4-BE49-F238E27FC236}">
-                    <a16:creationId xmlns:a16="http://schemas.microsoft.com/office/drawing/2014/main" id="{13CF2169-2C14-49CD-855A-033E41FCE1A4}"/>
-                  </a:ext>
-                </a:extLst>
-              </p:cNvPr>
-              <p:cNvPicPr>
-                <a:picLocks noChangeAspect="1" noChangeArrowheads="1"/>
-              </p:cNvPicPr>
-              <p:nvPr/>
-            </p:nvPicPr>
-            <p:blipFill>
-              <a:blip r:embed="rId2">
-                <a:extLst>
-                  <a:ext uri="{28A0092B-C50C-407E-A947-70E740481C1C}">
-                    <a14:useLocalDpi xmlns:a14="http://schemas.microsoft.com/office/drawing/2010/main" val="0"/>
-                  </a:ext>
-                </a:extLst>
-              </a:blip>
-              <a:srcRect/>
-              <a:stretch>
-                <a:fillRect/>
-              </a:stretch>
-            </p:blipFill>
-            <p:spPr bwMode="auto">
-              <a:xfrm>
-                <a:off x="7183828" y="1620000"/>
-                <a:ext cx="4506649" cy="4525505"/>
-              </a:xfrm>
-              <a:prstGeom prst="rect">
-                <a:avLst/>
-              </a:prstGeom>
-              <a:noFill/>
-              <a:extLst>
-                <a:ext uri="{909E8E84-426E-40DD-AFC4-6F175D3DCCD1}">
-                  <a14:hiddenFill xmlns:a14="http://schemas.microsoft.com/office/drawing/2010/main">
-                    <a:solidFill>
-                      <a:srgbClr val="FFFFFF"/>
-                    </a:solidFill>
-                  </a14:hiddenFill>
-                </a:ext>
-              </a:extLst>
-            </p:spPr>
-          </p:pic>
-          <mc:AlternateContent xmlns:mc="http://schemas.openxmlformats.org/markup-compatibility/2006">
-            <mc:Choice xmlns:p14="http://schemas.microsoft.com/office/powerpoint/2010/main" Requires="p14">
-              <p:contentPart p14:bwMode="auto" r:id="rId3">
-                <p14:nvContentPartPr>
-                  <p14:cNvPr id="8" name="Ink 7">
-                    <a:extLst>
-                      <a:ext uri="{FF2B5EF4-FFF2-40B4-BE49-F238E27FC236}">
-                        <a16:creationId xmlns:a16="http://schemas.microsoft.com/office/drawing/2014/main" id="{9DF3AF74-C439-46C0-BC7E-60897B44AD3A}"/>
-                      </a:ext>
-                    </a:extLst>
-                  </p14:cNvPr>
-                  <p14:cNvContentPartPr/>
-                  <p14:nvPr/>
-                </p14:nvContentPartPr>
-                <p14:xfrm>
-                  <a:off x="9287269" y="4256168"/>
-                  <a:ext cx="327960" cy="82080"/>
-                </p14:xfrm>
-              </p:contentPart>
-            </mc:Choice>
-            <mc:Fallback>
-              <p:pic>
-                <p:nvPicPr>
-                  <p:cNvPr id="8" name="Ink 7">
-                    <a:extLst>
-                      <a:ext uri="{FF2B5EF4-FFF2-40B4-BE49-F238E27FC236}">
-                        <a16:creationId xmlns:a16="http://schemas.microsoft.com/office/drawing/2014/main" id="{9DF3AF74-C439-46C0-BC7E-60897B44AD3A}"/>
-                      </a:ext>
-                    </a:extLst>
-                  </p:cNvPr>
-                  <p:cNvPicPr/>
-                  <p:nvPr/>
-                </p:nvPicPr>
-                <p:blipFill>
-                  <a:blip r:embed="rId4"/>
-                  <a:stretch>
-                    <a:fillRect/>
-                  </a:stretch>
-                </p:blipFill>
-                <p:spPr>
-                  <a:xfrm>
-                    <a:off x="9278269" y="4247168"/>
-                    <a:ext cx="345600" cy="99720"/>
-                  </a:xfrm>
-                  <a:prstGeom prst="rect">
-                    <a:avLst/>
-                  </a:prstGeom>
-                </p:spPr>
-              </p:pic>
-            </mc:Fallback>
-          </mc:AlternateContent>
-        </p:grpSp>
-        <p:sp>
-          <p:nvSpPr>
-            <p:cNvPr id="10" name="TextBox 9">
-              <a:extLst>
-                <a:ext uri="{FF2B5EF4-FFF2-40B4-BE49-F238E27FC236}">
-                  <a16:creationId xmlns:a16="http://schemas.microsoft.com/office/drawing/2014/main" id="{90F4E9B0-61DF-4A9A-AA56-AB459272AD39}"/>
-                </a:ext>
-              </a:extLst>
-            </p:cNvPr>
-            <p:cNvSpPr txBox="1"/>
-            <p:nvPr/>
-          </p:nvSpPr>
-          <p:spPr>
-            <a:xfrm>
-              <a:off x="11316977" y="6145505"/>
-              <a:ext cx="373500" cy="123111"/>
-            </a:xfrm>
-            <a:prstGeom prst="rect">
-              <a:avLst/>
-            </a:prstGeom>
-            <a:noFill/>
-          </p:spPr>
-          <p:txBody>
-            <a:bodyPr wrap="none" lIns="0" tIns="0" rIns="0" bIns="0" rtlCol="0">
-              <a:spAutoFit/>
-            </a:bodyPr>
-            <a:lstStyle/>
-            <a:p>
-              <a:pPr fontAlgn="base">
-                <a:spcBef>
-                  <a:spcPct val="50000"/>
-                </a:spcBef>
-                <a:spcAft>
-                  <a:spcPct val="0"/>
-                </a:spcAft>
-                <a:buClr>
-                  <a:srgbClr val="F0AB00"/>
-                </a:buClr>
-                <a:buSzPct val="80000"/>
-              </a:pPr>
-              <a:r>
-                <a:rPr lang="en-US" sz="800" i="1" kern="0" dirty="0">
-                  <a:solidFill>
-                    <a:schemeClr val="bg1">
-                      <a:lumMod val="50000"/>
-                      <a:lumOff val="50000"/>
-                    </a:schemeClr>
-                  </a:solidFill>
-                  <a:ea typeface="Arial Unicode MS" pitchFamily="34" charset="-128"/>
-                  <a:cs typeface="Arial Unicode MS" pitchFamily="34" charset="-128"/>
-                </a:rPr>
-                <a:t>Image 7</a:t>
-              </a:r>
-            </a:p>
-          </p:txBody>
-        </p:sp>
-      </p:grpSp>
     </p:spTree>
     <p:extLst>
       <p:ext uri="{BB962C8B-B14F-4D97-AF65-F5344CB8AC3E}">
-        <p14:creationId xmlns:p14="http://schemas.microsoft.com/office/powerpoint/2010/main" val="1406395856"/>
+        <p14:creationId xmlns:p14="http://schemas.microsoft.com/office/powerpoint/2010/main" val="387167640"/>
       </p:ext>
     </p:extLst>
   </p:cSld>
@@ -9357,114 +13533,6 @@
           </a:p>
         </p:txBody>
       </p:sp>
-      <p:sp>
-        <p:nvSpPr>
-          <p:cNvPr id="4" name="Placeholder Partner logo"/>
-          <p:cNvSpPr/>
-          <p:nvPr/>
-        </p:nvSpPr>
-        <p:spPr bwMode="gray">
-          <a:xfrm>
-            <a:off x="504000" y="5944029"/>
-            <a:ext cx="944661" cy="402796"/>
-          </a:xfrm>
-          <a:prstGeom prst="rect">
-            <a:avLst/>
-          </a:prstGeom>
-          <a:solidFill>
-            <a:schemeClr val="tx2"/>
-          </a:solidFill>
-          <a:ln w="6350" algn="ctr">
-            <a:noFill/>
-            <a:miter lim="800000"/>
-            <a:headEnd/>
-            <a:tailEnd/>
-          </a:ln>
-        </p:spPr>
-        <p:txBody>
-          <a:bodyPr lIns="89979" tIns="71983" rIns="89979" bIns="71983" rtlCol="0" anchor="ctr"/>
-          <a:lstStyle/>
-          <a:p>
-            <a:pPr algn="ctr" defTabSz="914217" fontAlgn="base">
-              <a:spcBef>
-                <a:spcPct val="50000"/>
-              </a:spcBef>
-              <a:spcAft>
-                <a:spcPct val="0"/>
-              </a:spcAft>
-              <a:buClr>
-                <a:srgbClr val="F0AB00"/>
-              </a:buClr>
-              <a:buSzPct val="80000"/>
-            </a:pPr>
-            <a:r>
-              <a:rPr lang="en-US" sz="1100" kern="0" dirty="0">
-                <a:solidFill>
-                  <a:sysClr val="windowText" lastClr="000000"/>
-                </a:solidFill>
-                <a:ea typeface="Arial Unicode MS" pitchFamily="34" charset="-128"/>
-                <a:cs typeface="Arial Unicode MS" pitchFamily="34" charset="-128"/>
-              </a:rPr>
-              <a:t>Partner logo</a:t>
-            </a:r>
-          </a:p>
-        </p:txBody>
-      </p:sp>
-      <p:sp>
-        <p:nvSpPr>
-          <p:cNvPr id="3" name="Contact information"/>
-          <p:cNvSpPr>
-            <a:spLocks noGrp="1"/>
-          </p:cNvSpPr>
-          <p:nvPr>
-            <p:ph type="body" sz="quarter" idx="10"/>
-          </p:nvPr>
-        </p:nvSpPr>
-        <p:spPr>
-          <a:xfrm>
-            <a:off x="504000" y="2905487"/>
-            <a:ext cx="5593588" cy="2501010"/>
-          </a:xfrm>
-        </p:spPr>
-        <p:txBody>
-          <a:bodyPr/>
-          <a:lstStyle/>
-          <a:p>
-            <a:r>
-              <a:rPr lang="en-US" dirty="0"/>
-              <a:t>Contact information:</a:t>
-            </a:r>
-          </a:p>
-          <a:p>
-            <a:pPr lvl="1"/>
-            <a:r>
-              <a:rPr lang="en-US" b="1" dirty="0"/>
-              <a:t>F name L name</a:t>
-            </a:r>
-          </a:p>
-          <a:p>
-            <a:pPr lvl="1"/>
-            <a:r>
-              <a:rPr lang="en-US" dirty="0"/>
-              <a:t>Title</a:t>
-            </a:r>
-          </a:p>
-          <a:p>
-            <a:pPr lvl="1"/>
-            <a:r>
-              <a:rPr lang="en-US" dirty="0"/>
-              <a:t>Address</a:t>
-            </a:r>
-          </a:p>
-          <a:p>
-            <a:pPr lvl="1"/>
-            <a:r>
-              <a:rPr lang="en-US" dirty="0"/>
-              <a:t>Phone number</a:t>
-            </a:r>
-          </a:p>
-        </p:txBody>
-      </p:sp>
     </p:spTree>
     <p:extLst>
       <p:ext uri="{BB962C8B-B14F-4D97-AF65-F5344CB8AC3E}">
@@ -9479,7 +13547,7 @@
 </file>
 
 <file path=ppt/slides/slide15.xml><?xml version="1.0" encoding="utf-8"?>
-<p:sld xmlns:a="http://schemas.openxmlformats.org/drawingml/2006/main" xmlns:r="http://schemas.openxmlformats.org/officeDocument/2006/relationships" xmlns:p="http://schemas.openxmlformats.org/presentationml/2006/main">
+<p:sld xmlns:a="http://schemas.openxmlformats.org/drawingml/2006/main" xmlns:r="http://schemas.openxmlformats.org/officeDocument/2006/relationships" xmlns:p="http://schemas.openxmlformats.org/presentationml/2006/main" show="0">
   <p:cSld>
     <p:spTree>
       <p:nvGrpSpPr>
@@ -9697,175 +13765,6 @@
       </p:grpSpPr>
       <p:sp>
         <p:nvSpPr>
-          <p:cNvPr id="5" name="Placeholder Partner logo"/>
-          <p:cNvSpPr/>
-          <p:nvPr/>
-        </p:nvSpPr>
-        <p:spPr bwMode="gray">
-          <a:xfrm>
-            <a:off x="288000" y="6174872"/>
-            <a:ext cx="944661" cy="402796"/>
-          </a:xfrm>
-          <a:prstGeom prst="rect">
-            <a:avLst/>
-          </a:prstGeom>
-          <a:solidFill>
-            <a:schemeClr val="tx2"/>
-          </a:solidFill>
-          <a:ln w="6350" algn="ctr">
-            <a:noFill/>
-            <a:miter lim="800000"/>
-            <a:headEnd/>
-            <a:tailEnd/>
-          </a:ln>
-        </p:spPr>
-        <p:txBody>
-          <a:bodyPr lIns="89979" tIns="71983" rIns="89979" bIns="71983" rtlCol="0" anchor="ctr"/>
-          <a:lstStyle/>
-          <a:p>
-            <a:pPr algn="ctr" defTabSz="914217" fontAlgn="base">
-              <a:spcBef>
-                <a:spcPct val="50000"/>
-              </a:spcBef>
-              <a:spcAft>
-                <a:spcPct val="0"/>
-              </a:spcAft>
-              <a:buClr>
-                <a:srgbClr val="F0AB00"/>
-              </a:buClr>
-              <a:buSzPct val="80000"/>
-            </a:pPr>
-            <a:r>
-              <a:rPr lang="en-US" sz="1100" kern="0" dirty="0">
-                <a:solidFill>
-                  <a:sysClr val="windowText" lastClr="000000"/>
-                </a:solidFill>
-                <a:ea typeface="Arial Unicode MS" pitchFamily="34" charset="-128"/>
-                <a:cs typeface="Arial Unicode MS" pitchFamily="34" charset="-128"/>
-              </a:rPr>
-              <a:t>Partner logo</a:t>
-            </a:r>
-          </a:p>
-        </p:txBody>
-      </p:sp>
-      <p:sp>
-        <p:nvSpPr>
-          <p:cNvPr id="4" name="Speaker"/>
-          <p:cNvSpPr>
-            <a:spLocks noGrp="1"/>
-          </p:cNvSpPr>
-          <p:nvPr>
-            <p:ph type="subTitle" idx="1"/>
-          </p:nvPr>
-        </p:nvSpPr>
-        <p:spPr/>
-        <p:txBody>
-          <a:bodyPr/>
-          <a:lstStyle/>
-          <a:p>
-            <a:r>
-              <a:rPr lang="en-US" dirty="0"/>
-              <a:t>Speaker’s Name, SAP</a:t>
-            </a:r>
-          </a:p>
-          <a:p>
-            <a:pPr lvl="0"/>
-            <a:r>
-              <a:rPr lang="en-US" dirty="0"/>
-              <a:t>Month 00, 2019</a:t>
-            </a:r>
-          </a:p>
-        </p:txBody>
-      </p:sp>
-      <p:sp>
-        <p:nvSpPr>
-          <p:cNvPr id="7" name="Title"/>
-          <p:cNvSpPr>
-            <a:spLocks noGrp="1"/>
-          </p:cNvSpPr>
-          <p:nvPr>
-            <p:ph type="title"/>
-          </p:nvPr>
-        </p:nvSpPr>
-        <p:spPr/>
-        <p:txBody>
-          <a:bodyPr/>
-          <a:lstStyle/>
-          <a:p>
-            <a:r>
-              <a:rPr lang="en-US" dirty="0"/>
-              <a:t>Title Goes Here</a:t>
-            </a:r>
-            <a:br>
-              <a:rPr lang="en-US" dirty="0"/>
-            </a:br>
-            <a:r>
-              <a:rPr lang="en-US" dirty="0">
-                <a:solidFill>
-                  <a:schemeClr val="accent1"/>
-                </a:solidFill>
-              </a:rPr>
-              <a:t>and Here and Here</a:t>
-            </a:r>
-            <a:endParaRPr lang="de-DE" dirty="0">
-              <a:solidFill>
-                <a:schemeClr val="accent1"/>
-              </a:solidFill>
-            </a:endParaRPr>
-          </a:p>
-        </p:txBody>
-      </p:sp>
-      <p:pic>
-        <p:nvPicPr>
-          <p:cNvPr id="6" name="Illustration" descr="Example of an illustration" title="Illustration for title slide"/>
-          <p:cNvPicPr>
-            <a:picLocks noGrp="1" noChangeAspect="1"/>
-          </p:cNvPicPr>
-          <p:nvPr>
-            <p:ph type="pic" sz="quarter" idx="12"/>
-          </p:nvPr>
-        </p:nvPicPr>
-        <p:blipFill>
-          <a:blip r:embed="rId2"/>
-          <a:srcRect t="3106" b="3106"/>
-          <a:stretch>
-            <a:fillRect/>
-          </a:stretch>
-        </p:blipFill>
-        <p:spPr bwMode="invGray"/>
-      </p:pic>
-    </p:spTree>
-    <p:extLst>
-      <p:ext uri="{BB962C8B-B14F-4D97-AF65-F5344CB8AC3E}">
-        <p14:creationId xmlns:p14="http://schemas.microsoft.com/office/powerpoint/2010/main" val="1819205958"/>
-      </p:ext>
-    </p:extLst>
-  </p:cSld>
-  <p:clrMapOvr>
-    <a:masterClrMapping/>
-  </p:clrMapOvr>
-</p:sld>
-</file>
-
-<file path=ppt/slides/slide3.xml><?xml version="1.0" encoding="utf-8"?>
-<p:sld xmlns:a="http://schemas.openxmlformats.org/drawingml/2006/main" xmlns:r="http://schemas.openxmlformats.org/officeDocument/2006/relationships" xmlns:p="http://schemas.openxmlformats.org/presentationml/2006/main">
-  <p:cSld>
-    <p:spTree>
-      <p:nvGrpSpPr>
-        <p:cNvPr id="1" name=""/>
-        <p:cNvGrpSpPr/>
-        <p:nvPr/>
-      </p:nvGrpSpPr>
-      <p:grpSpPr>
-        <a:xfrm>
-          <a:off x="0" y="0"/>
-          <a:ext cx="0" cy="0"/>
-          <a:chOff x="0" y="0"/>
-          <a:chExt cx="0" cy="0"/>
-        </a:xfrm>
-      </p:grpSpPr>
-      <p:sp>
-        <p:nvSpPr>
           <p:cNvPr id="3" name="Agenda items"/>
           <p:cNvSpPr>
             <a:spLocks noGrp="1"/>
@@ -9874,83 +13773,103 @@
             <p:ph type="body" sz="quarter" idx="10"/>
           </p:nvPr>
         </p:nvSpPr>
-        <p:spPr/>
+        <p:spPr>
+          <a:xfrm>
+            <a:off x="505277" y="1218586"/>
+            <a:ext cx="11185200" cy="5135414"/>
+          </a:xfrm>
+        </p:spPr>
         <p:txBody>
           <a:bodyPr>
-            <a:normAutofit lnSpcReduction="10000"/>
+            <a:normAutofit/>
           </a:bodyPr>
           <a:lstStyle/>
           <a:p>
+            <a:pPr lvl="1">
+              <a:lnSpc>
+                <a:spcPct val="150000"/>
+              </a:lnSpc>
+            </a:pPr>
             <a:r>
               <a:rPr lang="en-US" dirty="0"/>
-              <a:t>What is Machine Learning?</a:t>
-            </a:r>
-          </a:p>
-          <a:p>
-            <a:pPr lvl="1"/>
+              <a:t>Overview</a:t>
+            </a:r>
+          </a:p>
+          <a:p>
+            <a:pPr lvl="1">
+              <a:lnSpc>
+                <a:spcPct val="150000"/>
+              </a:lnSpc>
+            </a:pPr>
             <a:r>
               <a:rPr lang="en-US" dirty="0"/>
-              <a:t>Details</a:t>
-            </a:r>
-          </a:p>
-          <a:p>
+              <a:t>Data Science</a:t>
+            </a:r>
+          </a:p>
+          <a:p>
+            <a:pPr lvl="1">
+              <a:lnSpc>
+                <a:spcPct val="150000"/>
+              </a:lnSpc>
+            </a:pPr>
             <a:r>
               <a:rPr lang="en-US" dirty="0"/>
-              <a:t>Comparison Between: Data Science, AI, ML, and Deep Learning</a:t>
-            </a:r>
-          </a:p>
-          <a:p>
-            <a:pPr lvl="1"/>
+              <a:t>Machine Learning</a:t>
+            </a:r>
+          </a:p>
+          <a:p>
+            <a:pPr lvl="2">
+              <a:lnSpc>
+                <a:spcPct val="150000"/>
+              </a:lnSpc>
+            </a:pPr>
+            <a:r>
+              <a:rPr lang="en-US" dirty="0"/>
+              <a:t>Supervised Learning</a:t>
+            </a:r>
+          </a:p>
+          <a:p>
+            <a:pPr lvl="2">
+              <a:lnSpc>
+                <a:spcPct val="150000"/>
+              </a:lnSpc>
+            </a:pPr>
+            <a:r>
+              <a:rPr lang="en-US" dirty="0"/>
+              <a:t>Un-Supervised Learning</a:t>
+            </a:r>
+          </a:p>
+          <a:p>
+            <a:pPr lvl="2">
+              <a:lnSpc>
+                <a:spcPct val="150000"/>
+              </a:lnSpc>
+            </a:pPr>
+            <a:r>
+              <a:rPr lang="en-US" dirty="0"/>
+              <a:t>Reinforcement Learning</a:t>
+            </a:r>
+          </a:p>
+          <a:p>
+            <a:pPr lvl="1">
+              <a:lnSpc>
+                <a:spcPct val="150000"/>
+              </a:lnSpc>
+            </a:pPr>
+            <a:r>
+              <a:rPr lang="en-US" dirty="0"/>
+              <a:t>Deep Learning</a:t>
+            </a:r>
+          </a:p>
+          <a:p>
+            <a:pPr lvl="1">
+              <a:lnSpc>
+                <a:spcPct val="150000"/>
+              </a:lnSpc>
+            </a:pPr>
             <a:r>
               <a:rPr lang="en-US" dirty="0"/>
               <a:t>Artificial Intelligence</a:t>
-            </a:r>
-          </a:p>
-          <a:p>
-            <a:pPr lvl="1"/>
-            <a:r>
-              <a:rPr lang="en-US" dirty="0"/>
-              <a:t>Machine Learning</a:t>
-            </a:r>
-          </a:p>
-          <a:p>
-            <a:pPr lvl="1"/>
-            <a:r>
-              <a:rPr lang="en-US" dirty="0"/>
-              <a:t>Deep Learning</a:t>
-            </a:r>
-          </a:p>
-          <a:p>
-            <a:pPr lvl="1"/>
-            <a:r>
-              <a:rPr lang="en-US" dirty="0"/>
-              <a:t>Data Science</a:t>
-            </a:r>
-          </a:p>
-          <a:p>
-            <a:r>
-              <a:rPr lang="en-US" dirty="0"/>
-              <a:t>Agenda item/divider headline</a:t>
-            </a:r>
-          </a:p>
-          <a:p>
-            <a:pPr lvl="1"/>
-            <a:r>
-              <a:rPr lang="en-US" dirty="0"/>
-              <a:t>Details</a:t>
-            </a:r>
-          </a:p>
-          <a:p>
-            <a:r>
-              <a:rPr lang="en-US" dirty="0"/>
-              <a:t>Agenda item/divider headline</a:t>
-            </a:r>
-          </a:p>
-          <a:p>
-            <a:pPr lvl="1"/>
-            <a:r>
-              <a:rPr lang="en-US" dirty="0"/>
-              <a:t>Details</a:t>
             </a:r>
           </a:p>
         </p:txBody>
@@ -9985,101 +13904,7 @@
 </p:sld>
 </file>
 
-<file path=ppt/slides/slide4.xml><?xml version="1.0" encoding="utf-8"?>
-<p:sld xmlns:a="http://schemas.openxmlformats.org/drawingml/2006/main" xmlns:r="http://schemas.openxmlformats.org/officeDocument/2006/relationships" xmlns:p="http://schemas.openxmlformats.org/presentationml/2006/main">
-  <p:cSld>
-    <p:spTree>
-      <p:nvGrpSpPr>
-        <p:cNvPr id="1" name=""/>
-        <p:cNvGrpSpPr/>
-        <p:nvPr/>
-      </p:nvGrpSpPr>
-      <p:grpSpPr>
-        <a:xfrm>
-          <a:off x="0" y="0"/>
-          <a:ext cx="0" cy="0"/>
-          <a:chOff x="0" y="0"/>
-          <a:chExt cx="0" cy="0"/>
-        </a:xfrm>
-      </p:grpSpPr>
-      <p:sp>
-        <p:nvSpPr>
-          <p:cNvPr id="3" name="Divider"/>
-          <p:cNvSpPr>
-            <a:spLocks noGrp="1"/>
-          </p:cNvSpPr>
-          <p:nvPr>
-            <p:ph type="ctrTitle"/>
-          </p:nvPr>
-        </p:nvSpPr>
-        <p:spPr/>
-        <p:txBody>
-          <a:bodyPr/>
-          <a:lstStyle/>
-          <a:p>
-            <a:r>
-              <a:rPr lang="en-US" dirty="0"/>
-              <a:t>What is </a:t>
-            </a:r>
-            <a:r>
-              <a:rPr lang="en-US" dirty="0">
-                <a:solidFill>
-                  <a:schemeClr val="accent1"/>
-                </a:solidFill>
-              </a:rPr>
-              <a:t>Machine Learning?</a:t>
-            </a:r>
-            <a:endParaRPr lang="en-US" dirty="0"/>
-          </a:p>
-        </p:txBody>
-      </p:sp>
-      <p:pic>
-        <p:nvPicPr>
-          <p:cNvPr id="6" name="Divider Image Placeholder">
-            <a:extLst>
-              <a:ext uri="{FF2B5EF4-FFF2-40B4-BE49-F238E27FC236}">
-                <a16:creationId xmlns:a16="http://schemas.microsoft.com/office/drawing/2014/main" id="{D2BEE16A-A830-4ED4-95FF-D97EA39A69F4}"/>
-              </a:ext>
-            </a:extLst>
-          </p:cNvPr>
-          <p:cNvPicPr>
-            <a:picLocks noGrp="1" noChangeAspect="1"/>
-          </p:cNvPicPr>
-          <p:nvPr>
-            <p:ph type="pic" sz="quarter" idx="12"/>
-          </p:nvPr>
-        </p:nvPicPr>
-        <p:blipFill rotWithShape="1">
-          <a:blip r:embed="rId2" cstate="screen">
-            <a:extLst>
-              <a:ext uri="{28A0092B-C50C-407E-A947-70E740481C1C}">
-                <a14:useLocalDpi xmlns:a14="http://schemas.microsoft.com/office/drawing/2010/main"/>
-              </a:ext>
-            </a:extLst>
-          </a:blip>
-          <a:srcRect t="34" b="34"/>
-          <a:stretch/>
-        </p:blipFill>
-        <p:spPr>
-          <a:prstGeom prst="rect">
-            <a:avLst/>
-          </a:prstGeom>
-        </p:spPr>
-      </p:pic>
-    </p:spTree>
-    <p:extLst>
-      <p:ext uri="{BB962C8B-B14F-4D97-AF65-F5344CB8AC3E}">
-        <p14:creationId xmlns:p14="http://schemas.microsoft.com/office/powerpoint/2010/main" val="3115733345"/>
-      </p:ext>
-    </p:extLst>
-  </p:cSld>
-  <p:clrMapOvr>
-    <a:masterClrMapping/>
-  </p:clrMapOvr>
-</p:sld>
-</file>
-
-<file path=ppt/slides/slide5.xml><?xml version="1.0" encoding="utf-8"?>
+<file path=ppt/slides/slide3.xml><?xml version="1.0" encoding="utf-8"?>
 <p:sld xmlns:a="http://schemas.openxmlformats.org/drawingml/2006/main" xmlns:r="http://schemas.openxmlformats.org/officeDocument/2006/relationships" xmlns:p="http://schemas.openxmlformats.org/presentationml/2006/main">
   <p:cSld>
     <p:spTree>
@@ -10137,7 +13962,7 @@
         </p:nvGrpSpPr>
         <p:grpSpPr>
           <a:xfrm>
-            <a:off x="3373094" y="1689316"/>
+            <a:off x="3373094" y="1137526"/>
             <a:ext cx="5448290" cy="4582947"/>
             <a:chOff x="3373094" y="1689316"/>
             <a:chExt cx="5448290" cy="4582947"/>
@@ -10707,7 +14532,7 @@
 </p:sld>
 </file>
 
-<file path=ppt/slides/slide6.xml><?xml version="1.0" encoding="utf-8"?>
+<file path=ppt/slides/slide4.xml><?xml version="1.0" encoding="utf-8"?>
 <p:sld xmlns:a="http://schemas.openxmlformats.org/drawingml/2006/main" xmlns:r="http://schemas.openxmlformats.org/officeDocument/2006/relationships" xmlns:p="http://schemas.openxmlformats.org/presentationml/2006/main">
   <p:cSld>
     <p:spTree>
@@ -10729,7 +14554,7 @@
           <p:cNvPr id="2" name="Text Placeholder 1">
             <a:extLst>
               <a:ext uri="{FF2B5EF4-FFF2-40B4-BE49-F238E27FC236}">
-                <a16:creationId xmlns:a16="http://schemas.microsoft.com/office/drawing/2014/main" id="{7FB950AE-3473-4B94-AD40-C4ECBEF3E359}"/>
+                <a16:creationId xmlns:a16="http://schemas.microsoft.com/office/drawing/2014/main" id="{13DB2919-5A44-41FB-8A59-83B7F3CF47B2}"/>
               </a:ext>
             </a:extLst>
           </p:cNvPr>
@@ -10740,77 +14565,38 @@
             <p:ph type="body" sz="quarter" idx="10"/>
           </p:nvPr>
         </p:nvSpPr>
-        <p:spPr/>
+        <p:spPr>
+          <a:xfrm>
+            <a:off x="504001" y="1620000"/>
+            <a:ext cx="5090887" cy="4716000"/>
+          </a:xfrm>
+        </p:spPr>
         <p:txBody>
-          <a:bodyPr>
-            <a:normAutofit/>
-          </a:bodyPr>
+          <a:bodyPr/>
           <a:lstStyle/>
           <a:p>
+            <a:pPr algn="just"/>
             <a:r>
               <a:rPr lang="en-US" dirty="0"/>
-              <a:t>Artificial intelligence is the simulation of human intelligence processes by machines, especially computer systems. These processes include learning (the acquisition of information and rules for using the information), reasoning (using rules to reach approximate or definite conclusions) and self-correction</a:t>
-            </a:r>
-            <a:endParaRPr lang="en-US" b="1" dirty="0"/>
-          </a:p>
-          <a:p>
+              <a:t>The art of uncovering the insights and trends in data has been around since ancient times. </a:t>
+            </a:r>
+          </a:p>
+          <a:p>
+            <a:pPr algn="just"/>
             <a:r>
               <a:rPr lang="en-US" dirty="0"/>
-              <a:t>Some examples of AI:</a:t>
-            </a:r>
-          </a:p>
-          <a:p>
-            <a:pPr marL="342900" indent="-342900">
-              <a:buFont typeface="Arial" panose="020B0604020202020204" pitchFamily="34" charset="0"/>
-              <a:buChar char="•"/>
-            </a:pPr>
+              <a:t>The ancient Egyptians used census data to increase efficiency in tax collection and they accurately predicted the flooding of the Nile river every year.</a:t>
+            </a:r>
+          </a:p>
+          <a:p>
+            <a:pPr algn="just"/>
             <a:r>
               <a:rPr lang="en-US" dirty="0"/>
-              <a:t>IBM Watson</a:t>
-            </a:r>
-          </a:p>
-          <a:p>
-            <a:pPr marL="342900" indent="-342900">
-              <a:buFont typeface="Arial" panose="020B0604020202020204" pitchFamily="34" charset="0"/>
-              <a:buChar char="•"/>
-            </a:pPr>
-            <a:r>
-              <a:rPr lang="en-US" dirty="0"/>
-              <a:t>Microsoft Cognitive Services</a:t>
-            </a:r>
-          </a:p>
-          <a:p>
-            <a:pPr marL="342900" indent="-342900">
-              <a:buFont typeface="Arial" panose="020B0604020202020204" pitchFamily="34" charset="0"/>
-              <a:buChar char="•"/>
-            </a:pPr>
-            <a:r>
-              <a:rPr lang="en-US" dirty="0"/>
-              <a:t>Google AI</a:t>
-            </a:r>
-          </a:p>
-          <a:p>
-            <a:pPr marL="342900" indent="-342900">
-              <a:buFont typeface="Arial" panose="020B0604020202020204" pitchFamily="34" charset="0"/>
-              <a:buChar char="•"/>
-            </a:pPr>
-            <a:r>
-              <a:rPr lang="en-US" dirty="0"/>
-              <a:t>Amazon AI</a:t>
-            </a:r>
-          </a:p>
-          <a:p>
-            <a:pPr marL="342900" indent="-342900">
-              <a:buFont typeface="Arial" panose="020B0604020202020204" pitchFamily="34" charset="0"/>
-              <a:buChar char="•"/>
-            </a:pPr>
-            <a:endParaRPr lang="en-US" dirty="0"/>
-          </a:p>
-          <a:p>
-            <a:pPr marL="342900" indent="-342900">
-              <a:buFont typeface="Arial" panose="020B0604020202020204" pitchFamily="34" charset="0"/>
-              <a:buChar char="•"/>
-            </a:pPr>
+              <a:t>Data Science is a blend of various tools, algorithms, and machine learning principles with the goal to discover hidden patterns from the raw data.</a:t>
+            </a:r>
+          </a:p>
+          <a:p>
+            <a:pPr algn="just"/>
             <a:endParaRPr lang="en-US" dirty="0"/>
           </a:p>
         </p:txBody>
@@ -10820,7 +14606,7 @@
           <p:cNvPr id="3" name="Title 2">
             <a:extLst>
               <a:ext uri="{FF2B5EF4-FFF2-40B4-BE49-F238E27FC236}">
-                <a16:creationId xmlns:a16="http://schemas.microsoft.com/office/drawing/2014/main" id="{27E03E63-ED4F-4D57-80DF-6F2A5DA6510D}"/>
+                <a16:creationId xmlns:a16="http://schemas.microsoft.com/office/drawing/2014/main" id="{F0FA2E42-AD19-4DC3-8975-5B7884BE8850}"/>
               </a:ext>
             </a:extLst>
           </p:cNvPr>
@@ -10838,15 +14624,211 @@
           <a:p>
             <a:r>
               <a:rPr lang="en-US" dirty="0"/>
-              <a:t>Artificial Intelligence</a:t>
+              <a:t>Data Science</a:t>
             </a:r>
           </a:p>
         </p:txBody>
       </p:sp>
+      <p:grpSp>
+        <p:nvGrpSpPr>
+          <p:cNvPr id="11" name="Group 10">
+            <a:extLst>
+              <a:ext uri="{FF2B5EF4-FFF2-40B4-BE49-F238E27FC236}">
+                <a16:creationId xmlns:a16="http://schemas.microsoft.com/office/drawing/2014/main" id="{0847D55D-82C8-4B88-983E-2CBBCC43BE42}"/>
+              </a:ext>
+            </a:extLst>
+          </p:cNvPr>
+          <p:cNvGrpSpPr/>
+          <p:nvPr/>
+        </p:nvGrpSpPr>
+        <p:grpSpPr>
+          <a:xfrm>
+            <a:off x="6938663" y="1036905"/>
+            <a:ext cx="4506649" cy="4648616"/>
+            <a:chOff x="7183828" y="1620000"/>
+            <a:chExt cx="4506649" cy="4648616"/>
+          </a:xfrm>
+        </p:grpSpPr>
+        <p:grpSp>
+          <p:nvGrpSpPr>
+            <p:cNvPr id="9" name="Group 8">
+              <a:extLst>
+                <a:ext uri="{FF2B5EF4-FFF2-40B4-BE49-F238E27FC236}">
+                  <a16:creationId xmlns:a16="http://schemas.microsoft.com/office/drawing/2014/main" id="{BFBF257E-0232-453D-A551-DE479FC4E58D}"/>
+                </a:ext>
+              </a:extLst>
+            </p:cNvPr>
+            <p:cNvGrpSpPr/>
+            <p:nvPr/>
+          </p:nvGrpSpPr>
+          <p:grpSpPr>
+            <a:xfrm>
+              <a:off x="7183828" y="1620000"/>
+              <a:ext cx="4506649" cy="4525505"/>
+              <a:chOff x="7183828" y="1620000"/>
+              <a:chExt cx="4506649" cy="4525505"/>
+            </a:xfrm>
+          </p:grpSpPr>
+          <p:pic>
+            <p:nvPicPr>
+              <p:cNvPr id="1028" name="Picture 4" descr="http://sudeep.co/images/post_images/2018-02-09-Understanding-the-Data-Science-Lifecycle/chart.png">
+                <a:extLst>
+                  <a:ext uri="{FF2B5EF4-FFF2-40B4-BE49-F238E27FC236}">
+                    <a16:creationId xmlns:a16="http://schemas.microsoft.com/office/drawing/2014/main" id="{13CF2169-2C14-49CD-855A-033E41FCE1A4}"/>
+                  </a:ext>
+                </a:extLst>
+              </p:cNvPr>
+              <p:cNvPicPr>
+                <a:picLocks noChangeAspect="1" noChangeArrowheads="1"/>
+              </p:cNvPicPr>
+              <p:nvPr/>
+            </p:nvPicPr>
+            <p:blipFill>
+              <a:blip r:embed="rId2">
+                <a:extLst>
+                  <a:ext uri="{28A0092B-C50C-407E-A947-70E740481C1C}">
+                    <a14:useLocalDpi xmlns:a14="http://schemas.microsoft.com/office/drawing/2010/main" val="0"/>
+                  </a:ext>
+                </a:extLst>
+              </a:blip>
+              <a:srcRect/>
+              <a:stretch>
+                <a:fillRect/>
+              </a:stretch>
+            </p:blipFill>
+            <p:spPr bwMode="auto">
+              <a:xfrm>
+                <a:off x="7183828" y="1620000"/>
+                <a:ext cx="4506649" cy="4525505"/>
+              </a:xfrm>
+              <a:prstGeom prst="rect">
+                <a:avLst/>
+              </a:prstGeom>
+              <a:noFill/>
+              <a:extLst>
+                <a:ext uri="{909E8E84-426E-40DD-AFC4-6F175D3DCCD1}">
+                  <a14:hiddenFill xmlns:a14="http://schemas.microsoft.com/office/drawing/2010/main">
+                    <a:solidFill>
+                      <a:srgbClr val="FFFFFF"/>
+                    </a:solidFill>
+                  </a14:hiddenFill>
+                </a:ext>
+              </a:extLst>
+            </p:spPr>
+          </p:pic>
+          <mc:AlternateContent xmlns:mc="http://schemas.openxmlformats.org/markup-compatibility/2006" xmlns:p14="http://schemas.microsoft.com/office/powerpoint/2010/main">
+            <mc:Choice Requires="p14">
+              <p:contentPart p14:bwMode="auto" r:id="rId3">
+                <p14:nvContentPartPr>
+                  <p14:cNvPr id="8" name="Ink 7">
+                    <a:extLst>
+                      <a:ext uri="{FF2B5EF4-FFF2-40B4-BE49-F238E27FC236}">
+                        <a16:creationId xmlns:a16="http://schemas.microsoft.com/office/drawing/2014/main" id="{9DF3AF74-C439-46C0-BC7E-60897B44AD3A}"/>
+                      </a:ext>
+                    </a:extLst>
+                  </p14:cNvPr>
+                  <p14:cNvContentPartPr/>
+                  <p14:nvPr/>
+                </p14:nvContentPartPr>
+                <p14:xfrm>
+                  <a:off x="9287269" y="4256168"/>
+                  <a:ext cx="327960" cy="82080"/>
+                </p14:xfrm>
+              </p:contentPart>
+            </mc:Choice>
+            <mc:Fallback xmlns="">
+              <p:pic>
+                <p:nvPicPr>
+                  <p:cNvPr id="8" name="Ink 7">
+                    <a:extLst>
+                      <a:ext uri="{FF2B5EF4-FFF2-40B4-BE49-F238E27FC236}">
+                        <a16:creationId xmlns:a16="http://schemas.microsoft.com/office/drawing/2014/main" id="{9DF3AF74-C439-46C0-BC7E-60897B44AD3A}"/>
+                      </a:ext>
+                    </a:extLst>
+                  </p:cNvPr>
+                  <p:cNvPicPr/>
+                  <p:nvPr/>
+                </p:nvPicPr>
+                <p:blipFill>
+                  <a:blip r:embed="rId4"/>
+                  <a:stretch>
+                    <a:fillRect/>
+                  </a:stretch>
+                </p:blipFill>
+                <p:spPr>
+                  <a:xfrm>
+                    <a:off x="9278269" y="4247168"/>
+                    <a:ext cx="345600" cy="99720"/>
+                  </a:xfrm>
+                  <a:prstGeom prst="rect">
+                    <a:avLst/>
+                  </a:prstGeom>
+                </p:spPr>
+              </p:pic>
+            </mc:Fallback>
+          </mc:AlternateContent>
+        </p:grpSp>
+        <p:sp>
+          <p:nvSpPr>
+            <p:cNvPr id="10" name="TextBox 9">
+              <a:extLst>
+                <a:ext uri="{FF2B5EF4-FFF2-40B4-BE49-F238E27FC236}">
+                  <a16:creationId xmlns:a16="http://schemas.microsoft.com/office/drawing/2014/main" id="{90F4E9B0-61DF-4A9A-AA56-AB459272AD39}"/>
+                </a:ext>
+              </a:extLst>
+            </p:cNvPr>
+            <p:cNvSpPr txBox="1"/>
+            <p:nvPr/>
+          </p:nvSpPr>
+          <p:spPr>
+            <a:xfrm>
+              <a:off x="11316977" y="6145505"/>
+              <a:ext cx="373500" cy="123111"/>
+            </a:xfrm>
+            <a:prstGeom prst="rect">
+              <a:avLst/>
+            </a:prstGeom>
+            <a:noFill/>
+          </p:spPr>
+          <p:txBody>
+            <a:bodyPr wrap="none" lIns="0" tIns="0" rIns="0" bIns="0" rtlCol="0">
+              <a:spAutoFit/>
+            </a:bodyPr>
+            <a:lstStyle/>
+            <a:p>
+              <a:pPr fontAlgn="base">
+                <a:spcBef>
+                  <a:spcPct val="50000"/>
+                </a:spcBef>
+                <a:spcAft>
+                  <a:spcPct val="0"/>
+                </a:spcAft>
+                <a:buClr>
+                  <a:srgbClr val="F0AB00"/>
+                </a:buClr>
+                <a:buSzPct val="80000"/>
+              </a:pPr>
+              <a:r>
+                <a:rPr lang="en-US" sz="800" i="1" kern="0" dirty="0">
+                  <a:solidFill>
+                    <a:schemeClr val="bg1">
+                      <a:lumMod val="50000"/>
+                      <a:lumOff val="50000"/>
+                    </a:schemeClr>
+                  </a:solidFill>
+                  <a:ea typeface="Arial Unicode MS" pitchFamily="34" charset="-128"/>
+                  <a:cs typeface="Arial Unicode MS" pitchFamily="34" charset="-128"/>
+                </a:rPr>
+                <a:t>Image 7</a:t>
+              </a:r>
+            </a:p>
+          </p:txBody>
+        </p:sp>
+      </p:grpSp>
     </p:spTree>
     <p:extLst>
       <p:ext uri="{BB962C8B-B14F-4D97-AF65-F5344CB8AC3E}">
-        <p14:creationId xmlns:p14="http://schemas.microsoft.com/office/powerpoint/2010/main" val="869072210"/>
+        <p14:creationId xmlns:p14="http://schemas.microsoft.com/office/powerpoint/2010/main" val="1406395856"/>
       </p:ext>
     </p:extLst>
   </p:cSld>
@@ -10856,7 +14838,7 @@
 </p:sld>
 </file>
 
-<file path=ppt/slides/slide7.xml><?xml version="1.0" encoding="utf-8"?>
+<file path=ppt/slides/slide5.xml><?xml version="1.0" encoding="utf-8"?>
 <p:sld xmlns:a="http://schemas.openxmlformats.org/drawingml/2006/main" xmlns:r="http://schemas.openxmlformats.org/officeDocument/2006/relationships" xmlns:p="http://schemas.openxmlformats.org/presentationml/2006/main">
   <p:cSld>
     <p:spTree>
@@ -10942,7 +14924,7 @@
         <p:spPr>
           <a:xfrm>
             <a:off x="504001" y="504000"/>
-            <a:ext cx="11186476" cy="677108"/>
+            <a:ext cx="11186476" cy="430887"/>
           </a:xfrm>
         </p:spPr>
         <p:txBody>
@@ -10950,19 +14932,29 @@
           <a:lstStyle/>
           <a:p>
             <a:r>
-              <a:rPr lang="en-US" dirty="0">
-                <a:hlinkClick r:id="rId2"/>
+              <a:rPr lang="en-US" sz="2800" dirty="0">
+                <a:solidFill>
+                  <a:schemeClr val="tx1">
+                    <a:lumMod val="95000"/>
+                  </a:schemeClr>
+                </a:solidFill>
+                <a:hlinkClick r:id="rId2">
+                  <a:extLst>
+                    <a:ext uri="{A12FA001-AC4F-418D-AE19-62706E023703}">
+                      <ahyp:hlinkClr xmlns:ahyp="http://schemas.microsoft.com/office/drawing/2018/hyperlinkcolor" val="tx"/>
+                    </a:ext>
+                  </a:extLst>
+                </a:hlinkClick>
               </a:rPr>
               <a:t>Machine Learning</a:t>
             </a:r>
-            <a:br>
-              <a:rPr lang="en-US" dirty="0"/>
-            </a:br>
-            <a:r>
-              <a:rPr lang="en-US" sz="2000" b="0" dirty="0" err="1"/>
-              <a:t>Subheadline</a:t>
-            </a:r>
-            <a:endParaRPr lang="en-US" sz="2000" b="0" dirty="0"/>
+            <a:endParaRPr lang="en-US" sz="2800" dirty="0">
+              <a:solidFill>
+                <a:schemeClr val="tx1">
+                  <a:lumMod val="95000"/>
+                </a:schemeClr>
+              </a:solidFill>
+            </a:endParaRPr>
           </a:p>
         </p:txBody>
       </p:sp>
@@ -11103,9 +15095,181 @@
 </p:sld>
 </file>
 
-<file path=ppt/slides/slide8.xml><?xml version="1.0" encoding="utf-8"?>
+<file path=ppt/slides/slide6.xml><?xml version="1.0" encoding="utf-8"?>
 <p:sld xmlns:a="http://schemas.openxmlformats.org/drawingml/2006/main" xmlns:r="http://schemas.openxmlformats.org/officeDocument/2006/relationships" xmlns:p="http://schemas.openxmlformats.org/presentationml/2006/main">
   <p:cSld>
+    <p:spTree>
+      <p:nvGrpSpPr>
+        <p:cNvPr id="1" name=""/>
+        <p:cNvGrpSpPr/>
+        <p:nvPr/>
+      </p:nvGrpSpPr>
+      <p:grpSpPr>
+        <a:xfrm>
+          <a:off x="0" y="0"/>
+          <a:ext cx="0" cy="0"/>
+          <a:chOff x="0" y="0"/>
+          <a:chExt cx="0" cy="0"/>
+        </a:xfrm>
+      </p:grpSpPr>
+      <p:sp>
+        <p:nvSpPr>
+          <p:cNvPr id="8" name="Title 1">
+            <a:extLst>
+              <a:ext uri="{FF2B5EF4-FFF2-40B4-BE49-F238E27FC236}">
+                <a16:creationId xmlns:a16="http://schemas.microsoft.com/office/drawing/2014/main" id="{F43D2E87-4640-416A-AD87-26B88BDF1EC0}"/>
+              </a:ext>
+            </a:extLst>
+          </p:cNvPr>
+          <p:cNvSpPr txBox="1">
+            <a:spLocks/>
+          </p:cNvSpPr>
+          <p:nvPr/>
+        </p:nvSpPr>
+        <p:spPr bwMode="black">
+          <a:xfrm>
+            <a:off x="323999" y="324000"/>
+            <a:ext cx="10620000" cy="1107739"/>
+          </a:xfrm>
+          <a:prstGeom prst="rect">
+            <a:avLst/>
+          </a:prstGeom>
+        </p:spPr>
+        <p:txBody>
+          <a:bodyPr vert="horz" wrap="square" lIns="0" tIns="0" rIns="0" bIns="0" rtlCol="0" anchor="t" anchorCtr="0">
+            <a:spAutoFit/>
+          </a:bodyPr>
+          <a:lstStyle>
+            <a:lvl1pPr algn="l" defTabSz="1088558" rtl="0" eaLnBrk="1" latinLnBrk="0" hangingPunct="1">
+              <a:spcBef>
+                <a:spcPct val="0"/>
+              </a:spcBef>
+              <a:buNone/>
+              <a:defRPr sz="2400" b="1" kern="1200" baseline="0">
+                <a:solidFill>
+                  <a:schemeClr val="tx1"/>
+                </a:solidFill>
+                <a:latin typeface="+mj-lt"/>
+                <a:ea typeface="+mj-ea"/>
+                <a:cs typeface="+mj-cs"/>
+              </a:defRPr>
+            </a:lvl1pPr>
+          </a:lstStyle>
+          <a:p>
+            <a:r>
+              <a:rPr lang="en-US"/>
+              <a:t>Types in ML </a:t>
+            </a:r>
+            <a:endParaRPr lang="en-US" b="0" dirty="0"/>
+          </a:p>
+        </p:txBody>
+      </p:sp>
+      <p:sp>
+        <p:nvSpPr>
+          <p:cNvPr id="9" name="ConfidentialFlag">
+            <a:extLst>
+              <a:ext uri="{FF2B5EF4-FFF2-40B4-BE49-F238E27FC236}">
+                <a16:creationId xmlns:a16="http://schemas.microsoft.com/office/drawing/2014/main" id="{BB94B881-D55E-43CC-AC51-F2FC0D92FB7E}"/>
+              </a:ext>
+            </a:extLst>
+          </p:cNvPr>
+          <p:cNvSpPr txBox="1"/>
+          <p:nvPr/>
+        </p:nvSpPr>
+        <p:spPr>
+          <a:xfrm>
+            <a:off x="9970943" y="187509"/>
+            <a:ext cx="1799554" cy="215394"/>
+          </a:xfrm>
+          <a:prstGeom prst="rect">
+            <a:avLst/>
+          </a:prstGeom>
+          <a:noFill/>
+        </p:spPr>
+        <p:txBody>
+          <a:bodyPr vert="horz" wrap="square" lIns="0" tIns="0" rIns="0" bIns="0" rtlCol="0" anchor="b">
+            <a:spAutoFit/>
+          </a:bodyPr>
+          <a:lstStyle/>
+          <a:p>
+            <a:pPr algn="r" fontAlgn="base">
+              <a:spcBef>
+                <a:spcPts val="600"/>
+              </a:spcBef>
+              <a:spcAft>
+                <a:spcPct val="0"/>
+              </a:spcAft>
+              <a:buClr>
+                <a:srgbClr val="F0AB00"/>
+              </a:buClr>
+              <a:buSzPct val="80000"/>
+            </a:pPr>
+            <a:r>
+              <a:rPr lang="en-US" sz="1400" kern="0" dirty="0">
+                <a:solidFill>
+                  <a:srgbClr val="000000"/>
+                </a:solidFill>
+                <a:latin typeface="Arial" panose="020B0604020202020204" pitchFamily="34" charset="0"/>
+                <a:ea typeface="Arial Unicode MS" pitchFamily="34" charset="-128"/>
+                <a:cs typeface="Arial Unicode MS" pitchFamily="34" charset="-128"/>
+              </a:rPr>
+              <a:t>Internal</a:t>
+            </a:r>
+          </a:p>
+        </p:txBody>
+      </p:sp>
+      <p:graphicFrame>
+        <p:nvGraphicFramePr>
+          <p:cNvPr id="10" name="Diagram 9">
+            <a:extLst>
+              <a:ext uri="{FF2B5EF4-FFF2-40B4-BE49-F238E27FC236}">
+                <a16:creationId xmlns:a16="http://schemas.microsoft.com/office/drawing/2014/main" id="{421D9ACA-91E1-41A4-9368-ADE9EC80C6AF}"/>
+              </a:ext>
+            </a:extLst>
+          </p:cNvPr>
+          <p:cNvGraphicFramePr/>
+          <p:nvPr>
+            <p:extLst>
+              <p:ext uri="{D42A27DB-BD31-4B8C-83A1-F6EECF244321}">
+                <p14:modId xmlns:p14="http://schemas.microsoft.com/office/powerpoint/2010/main" val="4225473494"/>
+              </p:ext>
+            </p:extLst>
+          </p:nvPr>
+        </p:nvGraphicFramePr>
+        <p:xfrm>
+          <a:off x="1567557" y="652583"/>
+          <a:ext cx="8403386" cy="5403765"/>
+        </p:xfrm>
+        <a:graphic>
+          <a:graphicData uri="http://schemas.openxmlformats.org/drawingml/2006/diagram">
+            <dgm:relIds xmlns:dgm="http://schemas.openxmlformats.org/drawingml/2006/diagram" xmlns:r="http://schemas.openxmlformats.org/officeDocument/2006/relationships" r:dm="rId2" r:lo="rId3" r:qs="rId4" r:cs="rId5"/>
+          </a:graphicData>
+        </a:graphic>
+      </p:graphicFrame>
+    </p:spTree>
+    <p:extLst>
+      <p:ext uri="{BB962C8B-B14F-4D97-AF65-F5344CB8AC3E}">
+        <p14:creationId xmlns:p14="http://schemas.microsoft.com/office/powerpoint/2010/main" val="1131132228"/>
+      </p:ext>
+    </p:extLst>
+  </p:cSld>
+  <p:clrMapOvr>
+    <a:masterClrMapping/>
+  </p:clrMapOvr>
+</p:sld>
+</file>
+
+<file path=ppt/slides/slide7.xml><?xml version="1.0" encoding="utf-8"?>
+<p:sld xmlns:a="http://schemas.openxmlformats.org/drawingml/2006/main" xmlns:r="http://schemas.openxmlformats.org/officeDocument/2006/relationships" xmlns:p="http://schemas.openxmlformats.org/presentationml/2006/main">
+  <p:cSld>
+    <p:bg>
+      <p:bgPr>
+        <a:solidFill>
+          <a:schemeClr val="tx1"/>
+        </a:solidFill>
+        <a:effectLst/>
+      </p:bgPr>
+    </p:bg>
     <p:spTree>
       <p:nvGrpSpPr>
         <p:cNvPr id="1" name=""/>
@@ -11142,7 +15306,11 @@
           <a:lstStyle/>
           <a:p>
             <a:r>
-              <a:rPr lang="en-US" dirty="0"/>
+              <a:rPr lang="en-US" dirty="0">
+                <a:solidFill>
+                  <a:schemeClr val="bg1"/>
+                </a:solidFill>
+              </a:rPr>
               <a:t>Supervised Learning</a:t>
             </a:r>
           </a:p>
@@ -11162,8 +15330,8 @@
         </p:nvGrpSpPr>
         <p:grpSpPr>
           <a:xfrm>
-            <a:off x="1548034" y="1266825"/>
-            <a:ext cx="9099106" cy="4983554"/>
+            <a:off x="1453089" y="885412"/>
+            <a:ext cx="9288300" cy="5087175"/>
             <a:chOff x="1548034" y="1266825"/>
             <a:chExt cx="9099106" cy="4983554"/>
           </a:xfrm>
@@ -11278,9 +15446,17 @@
 </p:sld>
 </file>
 
-<file path=ppt/slides/slide9.xml><?xml version="1.0" encoding="utf-8"?>
+<file path=ppt/slides/slide8.xml><?xml version="1.0" encoding="utf-8"?>
 <p:sld xmlns:a="http://schemas.openxmlformats.org/drawingml/2006/main" xmlns:r="http://schemas.openxmlformats.org/officeDocument/2006/relationships" xmlns:p="http://schemas.openxmlformats.org/presentationml/2006/main">
   <p:cSld>
+    <p:bg>
+      <p:bgPr>
+        <a:solidFill>
+          <a:schemeClr val="tx1"/>
+        </a:solidFill>
+        <a:effectLst/>
+      </p:bgPr>
+    </p:bg>
     <p:spTree>
       <p:nvGrpSpPr>
         <p:cNvPr id="1" name=""/>
@@ -11317,7 +15493,11 @@
           <a:lstStyle/>
           <a:p>
             <a:r>
-              <a:rPr lang="en-US" dirty="0"/>
+              <a:rPr lang="en-US" dirty="0">
+                <a:solidFill>
+                  <a:schemeClr val="bg1"/>
+                </a:solidFill>
+              </a:rPr>
               <a:t>Unsupervised Learning</a:t>
             </a:r>
           </a:p>
@@ -11442,6 +15622,191 @@
     <p:extLst>
       <p:ext uri="{BB962C8B-B14F-4D97-AF65-F5344CB8AC3E}">
         <p14:creationId xmlns:p14="http://schemas.microsoft.com/office/powerpoint/2010/main" val="2941282680"/>
+      </p:ext>
+    </p:extLst>
+  </p:cSld>
+  <p:clrMapOvr>
+    <a:masterClrMapping/>
+  </p:clrMapOvr>
+</p:sld>
+</file>
+
+<file path=ppt/slides/slide9.xml><?xml version="1.0" encoding="utf-8"?>
+<p:sld xmlns:a="http://schemas.openxmlformats.org/drawingml/2006/main" xmlns:r="http://schemas.openxmlformats.org/officeDocument/2006/relationships" xmlns:p="http://schemas.openxmlformats.org/presentationml/2006/main">
+  <p:cSld>
+    <p:bg>
+      <p:bgPr>
+        <a:solidFill>
+          <a:schemeClr val="tx1"/>
+        </a:solidFill>
+        <a:effectLst/>
+      </p:bgPr>
+    </p:bg>
+    <p:spTree>
+      <p:nvGrpSpPr>
+        <p:cNvPr id="1" name=""/>
+        <p:cNvGrpSpPr/>
+        <p:nvPr/>
+      </p:nvGrpSpPr>
+      <p:grpSpPr>
+        <a:xfrm>
+          <a:off x="0" y="0"/>
+          <a:ext cx="0" cy="0"/>
+          <a:chOff x="0" y="0"/>
+          <a:chExt cx="0" cy="0"/>
+        </a:xfrm>
+      </p:grpSpPr>
+      <p:sp>
+        <p:nvSpPr>
+          <p:cNvPr id="3" name="Title 2">
+            <a:extLst>
+              <a:ext uri="{FF2B5EF4-FFF2-40B4-BE49-F238E27FC236}">
+                <a16:creationId xmlns:a16="http://schemas.microsoft.com/office/drawing/2014/main" id="{1DCC5037-F87F-481E-A2D0-D94B4D20C714}"/>
+              </a:ext>
+            </a:extLst>
+          </p:cNvPr>
+          <p:cNvSpPr>
+            <a:spLocks noGrp="1"/>
+          </p:cNvSpPr>
+          <p:nvPr>
+            <p:ph type="title"/>
+          </p:nvPr>
+        </p:nvSpPr>
+        <p:spPr/>
+        <p:txBody>
+          <a:bodyPr/>
+          <a:lstStyle/>
+          <a:p>
+            <a:r>
+              <a:rPr lang="en-US" dirty="0">
+                <a:solidFill>
+                  <a:schemeClr val="bg1"/>
+                </a:solidFill>
+              </a:rPr>
+              <a:t>Supervised vs Unsupervised</a:t>
+            </a:r>
+          </a:p>
+        </p:txBody>
+      </p:sp>
+      <p:grpSp>
+        <p:nvGrpSpPr>
+          <p:cNvPr id="2" name="Group 1">
+            <a:extLst>
+              <a:ext uri="{FF2B5EF4-FFF2-40B4-BE49-F238E27FC236}">
+                <a16:creationId xmlns:a16="http://schemas.microsoft.com/office/drawing/2014/main" id="{152DD07A-5679-4939-A9B4-75C16F896D98}"/>
+              </a:ext>
+            </a:extLst>
+          </p:cNvPr>
+          <p:cNvGrpSpPr/>
+          <p:nvPr/>
+        </p:nvGrpSpPr>
+        <p:grpSpPr>
+          <a:xfrm>
+            <a:off x="1379897" y="1668226"/>
+            <a:ext cx="9435380" cy="3972415"/>
+            <a:chOff x="1379897" y="1668226"/>
+            <a:chExt cx="9435380" cy="3972415"/>
+          </a:xfrm>
+        </p:grpSpPr>
+        <p:pic>
+          <p:nvPicPr>
+            <p:cNvPr id="4098" name="Picture 2" descr="Image result for supervised learning">
+              <a:extLst>
+                <a:ext uri="{FF2B5EF4-FFF2-40B4-BE49-F238E27FC236}">
+                  <a16:creationId xmlns:a16="http://schemas.microsoft.com/office/drawing/2014/main" id="{DF82D382-5235-40CE-8EAE-96908860E31A}"/>
+                </a:ext>
+              </a:extLst>
+            </p:cNvPr>
+            <p:cNvPicPr>
+              <a:picLocks noChangeAspect="1" noChangeArrowheads="1"/>
+            </p:cNvPicPr>
+            <p:nvPr/>
+          </p:nvPicPr>
+          <p:blipFill rotWithShape="1">
+            <a:blip r:embed="rId2">
+              <a:extLst>
+                <a:ext uri="{28A0092B-C50C-407E-A947-70E740481C1C}">
+                  <a14:useLocalDpi xmlns:a14="http://schemas.microsoft.com/office/drawing/2010/main" val="0"/>
+                </a:ext>
+              </a:extLst>
+            </a:blip>
+            <a:srcRect t="15139"/>
+            <a:stretch/>
+          </p:blipFill>
+          <p:spPr bwMode="auto">
+            <a:xfrm>
+              <a:off x="1379897" y="1668226"/>
+              <a:ext cx="9435380" cy="3521547"/>
+            </a:xfrm>
+            <a:prstGeom prst="rect">
+              <a:avLst/>
+            </a:prstGeom>
+            <a:solidFill>
+              <a:schemeClr val="tx1"/>
+            </a:solidFill>
+          </p:spPr>
+        </p:pic>
+        <p:sp>
+          <p:nvSpPr>
+            <p:cNvPr id="4" name="TextBox 3">
+              <a:extLst>
+                <a:ext uri="{FF2B5EF4-FFF2-40B4-BE49-F238E27FC236}">
+                  <a16:creationId xmlns:a16="http://schemas.microsoft.com/office/drawing/2014/main" id="{12F642AD-6A34-48A6-8D92-77F88B3D4BF0}"/>
+                </a:ext>
+              </a:extLst>
+            </p:cNvPr>
+            <p:cNvSpPr txBox="1"/>
+            <p:nvPr/>
+          </p:nvSpPr>
+          <p:spPr>
+            <a:xfrm>
+              <a:off x="10441777" y="5517530"/>
+              <a:ext cx="373500" cy="123111"/>
+            </a:xfrm>
+            <a:prstGeom prst="rect">
+              <a:avLst/>
+            </a:prstGeom>
+            <a:noFill/>
+          </p:spPr>
+          <p:txBody>
+            <a:bodyPr wrap="none" lIns="0" tIns="0" rIns="0" bIns="0" rtlCol="0">
+              <a:spAutoFit/>
+            </a:bodyPr>
+            <a:lstStyle/>
+            <a:p>
+              <a:pPr fontAlgn="base">
+                <a:spcBef>
+                  <a:spcPct val="50000"/>
+                </a:spcBef>
+                <a:spcAft>
+                  <a:spcPct val="0"/>
+                </a:spcAft>
+                <a:buClr>
+                  <a:srgbClr val="F0AB00"/>
+                </a:buClr>
+                <a:buSzPct val="80000"/>
+              </a:pPr>
+              <a:r>
+                <a:rPr lang="en-US" sz="800" i="1" kern="0" dirty="0">
+                  <a:solidFill>
+                    <a:schemeClr val="bg1">
+                      <a:lumMod val="50000"/>
+                      <a:lumOff val="50000"/>
+                    </a:schemeClr>
+                  </a:solidFill>
+                  <a:ea typeface="Arial Unicode MS" pitchFamily="34" charset="-128"/>
+                  <a:cs typeface="Arial Unicode MS" pitchFamily="34" charset="-128"/>
+                </a:rPr>
+                <a:t>Image 5</a:t>
+              </a:r>
+            </a:p>
+          </p:txBody>
+        </p:sp>
+      </p:grpSp>
+    </p:spTree>
+    <p:extLst>
+      <p:ext uri="{BB962C8B-B14F-4D97-AF65-F5344CB8AC3E}">
+        <p14:creationId xmlns:p14="http://schemas.microsoft.com/office/powerpoint/2010/main" val="2912201884"/>
       </p:ext>
     </p:extLst>
   </p:cSld>
